--- a/doc/SBN_Design.pptx
+++ b/doc/SBN_Design.pptx
@@ -589,10 +589,10 @@
           </a:ln>
           <a:extLst>
             <a:ext uri="{FAA26D3D-D897-4be2-8F04-BA451C77F1D7}">
-              <ma14:placeholderFlag xmlns:ma14="http://schemas.microsoft.com/office/mac/drawingml/2011/main" xmlns="" val="1"/>
+              <ma14:placeholderFlag xmlns="" xmlns:ma14="http://schemas.microsoft.com/office/mac/drawingml/2011/main" val="1"/>
             </a:ext>
             <a:ext uri="{909E8E84-426E-40dd-AFC4-6F175D3DCCD1}">
-              <a14:hiddenFill xmlns:a14="http://schemas.microsoft.com/office/drawing/2010/main" xmlns="">
+              <a14:hiddenFill xmlns="" xmlns:a14="http://schemas.microsoft.com/office/drawing/2010/main">
                 <a:solidFill>
                   <a:srgbClr val="FFFFFF"/>
                 </a:solidFill>
@@ -944,14 +944,14 @@
           <a:ln/>
           <a:extLst>
             <a:ext uri="{909E8E84-426E-40dd-AFC4-6F175D3DCCD1}">
-              <a14:hiddenFill xmlns:a14="http://schemas.microsoft.com/office/drawing/2010/main" xmlns="">
+              <a14:hiddenFill xmlns="" xmlns:a14="http://schemas.microsoft.com/office/drawing/2010/main">
                 <a:solidFill>
                   <a:srgbClr val="FFFFFF"/>
                 </a:solidFill>
               </a14:hiddenFill>
             </a:ext>
             <a:ext uri="{91240B29-F687-4f45-9708-019B960494DF}">
-              <a14:hiddenLine xmlns:a14="http://schemas.microsoft.com/office/drawing/2010/main" xmlns="" w="9525">
+              <a14:hiddenLine xmlns="" xmlns:a14="http://schemas.microsoft.com/office/drawing/2010/main" w="9525">
                 <a:solidFill>
                   <a:srgbClr val="000000"/>
                 </a:solidFill>
@@ -1118,17 +1118,17 @@
           <a:ln/>
           <a:extLst>
             <a:ext uri="{FAA26D3D-D897-4be2-8F04-BA451C77F1D7}">
-              <ma14:placeholderFlag xmlns:ma14="http://schemas.microsoft.com/office/mac/drawingml/2011/main" xmlns="" val="1"/>
+              <ma14:placeholderFlag xmlns="" xmlns:ma14="http://schemas.microsoft.com/office/mac/drawingml/2011/main" val="1"/>
             </a:ext>
             <a:ext uri="{909E8E84-426E-40dd-AFC4-6F175D3DCCD1}">
-              <a14:hiddenFill xmlns:a14="http://schemas.microsoft.com/office/drawing/2010/main" xmlns="">
+              <a14:hiddenFill xmlns="" xmlns:a14="http://schemas.microsoft.com/office/drawing/2010/main">
                 <a:solidFill>
                   <a:srgbClr val="FFFFFF"/>
                 </a:solidFill>
               </a14:hiddenFill>
             </a:ext>
             <a:ext uri="{91240B29-F687-4f45-9708-019B960494DF}">
-              <a14:hiddenLine xmlns:a14="http://schemas.microsoft.com/office/drawing/2010/main" xmlns="" w="9525">
+              <a14:hiddenLine xmlns="" xmlns:a14="http://schemas.microsoft.com/office/drawing/2010/main" w="9525">
                 <a:solidFill>
                   <a:srgbClr val="000000"/>
                 </a:solidFill>
@@ -1198,14 +1198,14 @@
           </a:ln>
           <a:extLst>
             <a:ext uri="{909E8E84-426E-40dd-AFC4-6F175D3DCCD1}">
-              <a14:hiddenFill xmlns:a14="http://schemas.microsoft.com/office/drawing/2010/main" xmlns="">
+              <a14:hiddenFill xmlns="" xmlns:a14="http://schemas.microsoft.com/office/drawing/2010/main">
                 <a:solidFill>
                   <a:srgbClr val="FFFFFF"/>
                 </a:solidFill>
               </a14:hiddenFill>
             </a:ext>
             <a:ext uri="{91240B29-F687-4f45-9708-019B960494DF}">
-              <a14:hiddenLine xmlns:a14="http://schemas.microsoft.com/office/drawing/2010/main" xmlns="" w="9525">
+              <a14:hiddenLine xmlns="" xmlns:a14="http://schemas.microsoft.com/office/drawing/2010/main" w="9525">
                 <a:solidFill>
                   <a:srgbClr val="000000"/>
                 </a:solidFill>
@@ -1372,17 +1372,17 @@
           <a:ln/>
           <a:extLst>
             <a:ext uri="{FAA26D3D-D897-4be2-8F04-BA451C77F1D7}">
-              <ma14:placeholderFlag xmlns:ma14="http://schemas.microsoft.com/office/mac/drawingml/2011/main" xmlns="" val="1"/>
+              <ma14:placeholderFlag xmlns="" xmlns:ma14="http://schemas.microsoft.com/office/mac/drawingml/2011/main" val="1"/>
             </a:ext>
             <a:ext uri="{909E8E84-426E-40dd-AFC4-6F175D3DCCD1}">
-              <a14:hiddenFill xmlns:a14="http://schemas.microsoft.com/office/drawing/2010/main" xmlns="">
+              <a14:hiddenFill xmlns="" xmlns:a14="http://schemas.microsoft.com/office/drawing/2010/main">
                 <a:solidFill>
                   <a:srgbClr val="FFFFFF"/>
                 </a:solidFill>
               </a14:hiddenFill>
             </a:ext>
             <a:ext uri="{91240B29-F687-4f45-9708-019B960494DF}">
-              <a14:hiddenLine xmlns:a14="http://schemas.microsoft.com/office/drawing/2010/main" xmlns="" w="9525">
+              <a14:hiddenLine xmlns="" xmlns:a14="http://schemas.microsoft.com/office/drawing/2010/main" w="9525">
                 <a:solidFill>
                   <a:srgbClr val="000000"/>
                 </a:solidFill>
@@ -1452,14 +1452,14 @@
           </a:ln>
           <a:extLst>
             <a:ext uri="{909E8E84-426E-40dd-AFC4-6F175D3DCCD1}">
-              <a14:hiddenFill xmlns:a14="http://schemas.microsoft.com/office/drawing/2010/main" xmlns="">
+              <a14:hiddenFill xmlns="" xmlns:a14="http://schemas.microsoft.com/office/drawing/2010/main">
                 <a:solidFill>
                   <a:srgbClr val="FFFFFF"/>
                 </a:solidFill>
               </a14:hiddenFill>
             </a:ext>
             <a:ext uri="{91240B29-F687-4f45-9708-019B960494DF}">
-              <a14:hiddenLine xmlns:a14="http://schemas.microsoft.com/office/drawing/2010/main" xmlns="" w="9525">
+              <a14:hiddenLine xmlns="" xmlns:a14="http://schemas.microsoft.com/office/drawing/2010/main" w="9525">
                 <a:solidFill>
                   <a:srgbClr val="000000"/>
                 </a:solidFill>
@@ -1626,17 +1626,17 @@
           <a:ln/>
           <a:extLst>
             <a:ext uri="{FAA26D3D-D897-4be2-8F04-BA451C77F1D7}">
-              <ma14:placeholderFlag xmlns:ma14="http://schemas.microsoft.com/office/mac/drawingml/2011/main" xmlns="" val="1"/>
+              <ma14:placeholderFlag xmlns="" xmlns:ma14="http://schemas.microsoft.com/office/mac/drawingml/2011/main" val="1"/>
             </a:ext>
             <a:ext uri="{909E8E84-426E-40dd-AFC4-6F175D3DCCD1}">
-              <a14:hiddenFill xmlns:a14="http://schemas.microsoft.com/office/drawing/2010/main" xmlns="">
+              <a14:hiddenFill xmlns="" xmlns:a14="http://schemas.microsoft.com/office/drawing/2010/main">
                 <a:solidFill>
                   <a:srgbClr val="FFFFFF"/>
                 </a:solidFill>
               </a14:hiddenFill>
             </a:ext>
             <a:ext uri="{91240B29-F687-4f45-9708-019B960494DF}">
-              <a14:hiddenLine xmlns:a14="http://schemas.microsoft.com/office/drawing/2010/main" xmlns="" w="9525">
+              <a14:hiddenLine xmlns="" xmlns:a14="http://schemas.microsoft.com/office/drawing/2010/main" w="9525">
                 <a:solidFill>
                   <a:srgbClr val="000000"/>
                 </a:solidFill>
@@ -1706,14 +1706,14 @@
           </a:ln>
           <a:extLst>
             <a:ext uri="{909E8E84-426E-40dd-AFC4-6F175D3DCCD1}">
-              <a14:hiddenFill xmlns:a14="http://schemas.microsoft.com/office/drawing/2010/main" xmlns="">
+              <a14:hiddenFill xmlns="" xmlns:a14="http://schemas.microsoft.com/office/drawing/2010/main">
                 <a:solidFill>
                   <a:srgbClr val="FFFFFF"/>
                 </a:solidFill>
               </a14:hiddenFill>
             </a:ext>
             <a:ext uri="{91240B29-F687-4f45-9708-019B960494DF}">
-              <a14:hiddenLine xmlns:a14="http://schemas.microsoft.com/office/drawing/2010/main" xmlns="" w="9525">
+              <a14:hiddenLine xmlns="" xmlns:a14="http://schemas.microsoft.com/office/drawing/2010/main" w="9525">
                 <a:solidFill>
                   <a:srgbClr val="000000"/>
                 </a:solidFill>
@@ -1880,17 +1880,17 @@
           <a:ln/>
           <a:extLst>
             <a:ext uri="{FAA26D3D-D897-4be2-8F04-BA451C77F1D7}">
-              <ma14:placeholderFlag xmlns:ma14="http://schemas.microsoft.com/office/mac/drawingml/2011/main" xmlns="" val="1"/>
+              <ma14:placeholderFlag xmlns="" xmlns:ma14="http://schemas.microsoft.com/office/mac/drawingml/2011/main" val="1"/>
             </a:ext>
             <a:ext uri="{909E8E84-426E-40dd-AFC4-6F175D3DCCD1}">
-              <a14:hiddenFill xmlns:a14="http://schemas.microsoft.com/office/drawing/2010/main" xmlns="">
+              <a14:hiddenFill xmlns="" xmlns:a14="http://schemas.microsoft.com/office/drawing/2010/main">
                 <a:solidFill>
                   <a:srgbClr val="FFFFFF"/>
                 </a:solidFill>
               </a14:hiddenFill>
             </a:ext>
             <a:ext uri="{91240B29-F687-4f45-9708-019B960494DF}">
-              <a14:hiddenLine xmlns:a14="http://schemas.microsoft.com/office/drawing/2010/main" xmlns="" w="9525">
+              <a14:hiddenLine xmlns="" xmlns:a14="http://schemas.microsoft.com/office/drawing/2010/main" w="9525">
                 <a:solidFill>
                   <a:srgbClr val="000000"/>
                 </a:solidFill>
@@ -1953,14 +1953,14 @@
           <a:ln/>
           <a:extLst>
             <a:ext uri="{909E8E84-426E-40dd-AFC4-6F175D3DCCD1}">
-              <a14:hiddenFill xmlns:a14="http://schemas.microsoft.com/office/drawing/2010/main" xmlns="">
+              <a14:hiddenFill xmlns="" xmlns:a14="http://schemas.microsoft.com/office/drawing/2010/main">
                 <a:solidFill>
                   <a:srgbClr val="FFFFFF"/>
                 </a:solidFill>
               </a14:hiddenFill>
             </a:ext>
             <a:ext uri="{91240B29-F687-4f45-9708-019B960494DF}">
-              <a14:hiddenLine xmlns:a14="http://schemas.microsoft.com/office/drawing/2010/main" xmlns="" w="9525">
+              <a14:hiddenLine xmlns="" xmlns:a14="http://schemas.microsoft.com/office/drawing/2010/main" w="9525">
                 <a:solidFill>
                   <a:srgbClr val="000000"/>
                 </a:solidFill>
@@ -2127,17 +2127,17 @@
           <a:ln/>
           <a:extLst>
             <a:ext uri="{FAA26D3D-D897-4be2-8F04-BA451C77F1D7}">
-              <ma14:placeholderFlag xmlns:ma14="http://schemas.microsoft.com/office/mac/drawingml/2011/main" xmlns="" val="1"/>
+              <ma14:placeholderFlag xmlns="" xmlns:ma14="http://schemas.microsoft.com/office/mac/drawingml/2011/main" val="1"/>
             </a:ext>
             <a:ext uri="{909E8E84-426E-40dd-AFC4-6F175D3DCCD1}">
-              <a14:hiddenFill xmlns:a14="http://schemas.microsoft.com/office/drawing/2010/main" xmlns="">
+              <a14:hiddenFill xmlns="" xmlns:a14="http://schemas.microsoft.com/office/drawing/2010/main">
                 <a:solidFill>
                   <a:srgbClr val="FFFFFF"/>
                 </a:solidFill>
               </a14:hiddenFill>
             </a:ext>
             <a:ext uri="{91240B29-F687-4f45-9708-019B960494DF}">
-              <a14:hiddenLine xmlns:a14="http://schemas.microsoft.com/office/drawing/2010/main" xmlns="" w="9525">
+              <a14:hiddenLine xmlns="" xmlns:a14="http://schemas.microsoft.com/office/drawing/2010/main" w="9525">
                 <a:solidFill>
                   <a:srgbClr val="000000"/>
                 </a:solidFill>
@@ -2200,14 +2200,14 @@
           <a:ln/>
           <a:extLst>
             <a:ext uri="{909E8E84-426E-40dd-AFC4-6F175D3DCCD1}">
-              <a14:hiddenFill xmlns:a14="http://schemas.microsoft.com/office/drawing/2010/main" xmlns="">
+              <a14:hiddenFill xmlns="" xmlns:a14="http://schemas.microsoft.com/office/drawing/2010/main">
                 <a:solidFill>
                   <a:srgbClr val="FFFFFF"/>
                 </a:solidFill>
               </a14:hiddenFill>
             </a:ext>
             <a:ext uri="{91240B29-F687-4f45-9708-019B960494DF}">
-              <a14:hiddenLine xmlns:a14="http://schemas.microsoft.com/office/drawing/2010/main" xmlns="" w="9525">
+              <a14:hiddenLine xmlns="" xmlns:a14="http://schemas.microsoft.com/office/drawing/2010/main" w="9525">
                 <a:solidFill>
                   <a:srgbClr val="000000"/>
                 </a:solidFill>
@@ -2374,17 +2374,17 @@
           <a:ln/>
           <a:extLst>
             <a:ext uri="{FAA26D3D-D897-4be2-8F04-BA451C77F1D7}">
-              <ma14:placeholderFlag xmlns:ma14="http://schemas.microsoft.com/office/mac/drawingml/2011/main" xmlns="" val="1"/>
+              <ma14:placeholderFlag xmlns="" xmlns:ma14="http://schemas.microsoft.com/office/mac/drawingml/2011/main" val="1"/>
             </a:ext>
             <a:ext uri="{909E8E84-426E-40dd-AFC4-6F175D3DCCD1}">
-              <a14:hiddenFill xmlns:a14="http://schemas.microsoft.com/office/drawing/2010/main" xmlns="">
+              <a14:hiddenFill xmlns="" xmlns:a14="http://schemas.microsoft.com/office/drawing/2010/main">
                 <a:solidFill>
                   <a:srgbClr val="FFFFFF"/>
                 </a:solidFill>
               </a14:hiddenFill>
             </a:ext>
             <a:ext uri="{91240B29-F687-4f45-9708-019B960494DF}">
-              <a14:hiddenLine xmlns:a14="http://schemas.microsoft.com/office/drawing/2010/main" xmlns="" w="9525">
+              <a14:hiddenLine xmlns="" xmlns:a14="http://schemas.microsoft.com/office/drawing/2010/main" w="9525">
                 <a:solidFill>
                   <a:srgbClr val="000000"/>
                 </a:solidFill>
@@ -2452,14 +2452,14 @@
           <a:ln/>
           <a:extLst>
             <a:ext uri="{909E8E84-426E-40dd-AFC4-6F175D3DCCD1}">
-              <a14:hiddenFill xmlns:a14="http://schemas.microsoft.com/office/drawing/2010/main" xmlns="">
+              <a14:hiddenFill xmlns="" xmlns:a14="http://schemas.microsoft.com/office/drawing/2010/main">
                 <a:solidFill>
                   <a:srgbClr val="FFFFFF"/>
                 </a:solidFill>
               </a14:hiddenFill>
             </a:ext>
             <a:ext uri="{91240B29-F687-4f45-9708-019B960494DF}">
-              <a14:hiddenLine xmlns:a14="http://schemas.microsoft.com/office/drawing/2010/main" xmlns="" w="9525">
+              <a14:hiddenLine xmlns="" xmlns:a14="http://schemas.microsoft.com/office/drawing/2010/main" w="9525">
                 <a:solidFill>
                   <a:srgbClr val="000000"/>
                 </a:solidFill>
@@ -2626,17 +2626,17 @@
           <a:ln/>
           <a:extLst>
             <a:ext uri="{FAA26D3D-D897-4be2-8F04-BA451C77F1D7}">
-              <ma14:placeholderFlag xmlns:ma14="http://schemas.microsoft.com/office/mac/drawingml/2011/main" xmlns="" val="1"/>
+              <ma14:placeholderFlag xmlns="" xmlns:ma14="http://schemas.microsoft.com/office/mac/drawingml/2011/main" val="1"/>
             </a:ext>
             <a:ext uri="{909E8E84-426E-40dd-AFC4-6F175D3DCCD1}">
-              <a14:hiddenFill xmlns:a14="http://schemas.microsoft.com/office/drawing/2010/main" xmlns="">
+              <a14:hiddenFill xmlns="" xmlns:a14="http://schemas.microsoft.com/office/drawing/2010/main">
                 <a:solidFill>
                   <a:srgbClr val="FFFFFF"/>
                 </a:solidFill>
               </a14:hiddenFill>
             </a:ext>
             <a:ext uri="{91240B29-F687-4f45-9708-019B960494DF}">
-              <a14:hiddenLine xmlns:a14="http://schemas.microsoft.com/office/drawing/2010/main" xmlns="" w="9525">
+              <a14:hiddenLine xmlns="" xmlns:a14="http://schemas.microsoft.com/office/drawing/2010/main" w="9525">
                 <a:solidFill>
                   <a:srgbClr val="000000"/>
                 </a:solidFill>
@@ -2704,14 +2704,14 @@
           <a:ln/>
           <a:extLst>
             <a:ext uri="{909E8E84-426E-40dd-AFC4-6F175D3DCCD1}">
-              <a14:hiddenFill xmlns:a14="http://schemas.microsoft.com/office/drawing/2010/main" xmlns="">
+              <a14:hiddenFill xmlns="" xmlns:a14="http://schemas.microsoft.com/office/drawing/2010/main">
                 <a:solidFill>
                   <a:srgbClr val="FFFFFF"/>
                 </a:solidFill>
               </a14:hiddenFill>
             </a:ext>
             <a:ext uri="{91240B29-F687-4f45-9708-019B960494DF}">
-              <a14:hiddenLine xmlns:a14="http://schemas.microsoft.com/office/drawing/2010/main" xmlns="" w="9525">
+              <a14:hiddenLine xmlns="" xmlns:a14="http://schemas.microsoft.com/office/drawing/2010/main" w="9525">
                 <a:solidFill>
                   <a:srgbClr val="000000"/>
                 </a:solidFill>
@@ -2878,17 +2878,17 @@
           <a:ln/>
           <a:extLst>
             <a:ext uri="{FAA26D3D-D897-4be2-8F04-BA451C77F1D7}">
-              <ma14:placeholderFlag xmlns:ma14="http://schemas.microsoft.com/office/mac/drawingml/2011/main" xmlns="" val="1"/>
+              <ma14:placeholderFlag xmlns="" xmlns:ma14="http://schemas.microsoft.com/office/mac/drawingml/2011/main" val="1"/>
             </a:ext>
             <a:ext uri="{909E8E84-426E-40dd-AFC4-6F175D3DCCD1}">
-              <a14:hiddenFill xmlns:a14="http://schemas.microsoft.com/office/drawing/2010/main" xmlns="">
+              <a14:hiddenFill xmlns="" xmlns:a14="http://schemas.microsoft.com/office/drawing/2010/main">
                 <a:solidFill>
                   <a:srgbClr val="FFFFFF"/>
                 </a:solidFill>
               </a14:hiddenFill>
             </a:ext>
             <a:ext uri="{91240B29-F687-4f45-9708-019B960494DF}">
-              <a14:hiddenLine xmlns:a14="http://schemas.microsoft.com/office/drawing/2010/main" xmlns="" w="9525">
+              <a14:hiddenLine xmlns="" xmlns:a14="http://schemas.microsoft.com/office/drawing/2010/main" w="9525">
                 <a:solidFill>
                   <a:srgbClr val="000000"/>
                 </a:solidFill>
@@ -2951,14 +2951,14 @@
           <a:ln/>
           <a:extLst>
             <a:ext uri="{909E8E84-426E-40dd-AFC4-6F175D3DCCD1}">
-              <a14:hiddenFill xmlns:a14="http://schemas.microsoft.com/office/drawing/2010/main" xmlns="">
+              <a14:hiddenFill xmlns="" xmlns:a14="http://schemas.microsoft.com/office/drawing/2010/main">
                 <a:solidFill>
                   <a:srgbClr val="FFFFFF"/>
                 </a:solidFill>
               </a14:hiddenFill>
             </a:ext>
             <a:ext uri="{91240B29-F687-4f45-9708-019B960494DF}">
-              <a14:hiddenLine xmlns:a14="http://schemas.microsoft.com/office/drawing/2010/main" xmlns="" w="9525">
+              <a14:hiddenLine xmlns="" xmlns:a14="http://schemas.microsoft.com/office/drawing/2010/main" w="9525">
                 <a:solidFill>
                   <a:srgbClr val="000000"/>
                 </a:solidFill>
@@ -3125,17 +3125,17 @@
           <a:ln/>
           <a:extLst>
             <a:ext uri="{FAA26D3D-D897-4be2-8F04-BA451C77F1D7}">
-              <ma14:placeholderFlag xmlns:ma14="http://schemas.microsoft.com/office/mac/drawingml/2011/main" xmlns="" val="1"/>
+              <ma14:placeholderFlag xmlns="" xmlns:ma14="http://schemas.microsoft.com/office/mac/drawingml/2011/main" val="1"/>
             </a:ext>
             <a:ext uri="{909E8E84-426E-40dd-AFC4-6F175D3DCCD1}">
-              <a14:hiddenFill xmlns:a14="http://schemas.microsoft.com/office/drawing/2010/main" xmlns="">
+              <a14:hiddenFill xmlns="" xmlns:a14="http://schemas.microsoft.com/office/drawing/2010/main">
                 <a:solidFill>
                   <a:srgbClr val="FFFFFF"/>
                 </a:solidFill>
               </a14:hiddenFill>
             </a:ext>
             <a:ext uri="{91240B29-F687-4f45-9708-019B960494DF}">
-              <a14:hiddenLine xmlns:a14="http://schemas.microsoft.com/office/drawing/2010/main" xmlns="" w="9525">
+              <a14:hiddenLine xmlns="" xmlns:a14="http://schemas.microsoft.com/office/drawing/2010/main" w="9525">
                 <a:solidFill>
                   <a:srgbClr val="000000"/>
                 </a:solidFill>
@@ -3203,14 +3203,14 @@
           <a:ln/>
           <a:extLst>
             <a:ext uri="{909E8E84-426E-40dd-AFC4-6F175D3DCCD1}">
-              <a14:hiddenFill xmlns:a14="http://schemas.microsoft.com/office/drawing/2010/main" xmlns="">
+              <a14:hiddenFill xmlns="" xmlns:a14="http://schemas.microsoft.com/office/drawing/2010/main">
                 <a:solidFill>
                   <a:srgbClr val="FFFFFF"/>
                 </a:solidFill>
               </a14:hiddenFill>
             </a:ext>
             <a:ext uri="{91240B29-F687-4f45-9708-019B960494DF}">
-              <a14:hiddenLine xmlns:a14="http://schemas.microsoft.com/office/drawing/2010/main" xmlns="" w="9525">
+              <a14:hiddenLine xmlns="" xmlns:a14="http://schemas.microsoft.com/office/drawing/2010/main" w="9525">
                 <a:solidFill>
                   <a:srgbClr val="000000"/>
                 </a:solidFill>
@@ -3377,17 +3377,17 @@
           <a:ln/>
           <a:extLst>
             <a:ext uri="{FAA26D3D-D897-4be2-8F04-BA451C77F1D7}">
-              <ma14:placeholderFlag xmlns:ma14="http://schemas.microsoft.com/office/mac/drawingml/2011/main" xmlns="" val="1"/>
+              <ma14:placeholderFlag xmlns="" xmlns:ma14="http://schemas.microsoft.com/office/mac/drawingml/2011/main" val="1"/>
             </a:ext>
             <a:ext uri="{909E8E84-426E-40dd-AFC4-6F175D3DCCD1}">
-              <a14:hiddenFill xmlns:a14="http://schemas.microsoft.com/office/drawing/2010/main" xmlns="">
+              <a14:hiddenFill xmlns="" xmlns:a14="http://schemas.microsoft.com/office/drawing/2010/main">
                 <a:solidFill>
                   <a:srgbClr val="FFFFFF"/>
                 </a:solidFill>
               </a14:hiddenFill>
             </a:ext>
             <a:ext uri="{91240B29-F687-4f45-9708-019B960494DF}">
-              <a14:hiddenLine xmlns:a14="http://schemas.microsoft.com/office/drawing/2010/main" xmlns="" w="9525">
+              <a14:hiddenLine xmlns="" xmlns:a14="http://schemas.microsoft.com/office/drawing/2010/main" w="9525">
                 <a:solidFill>
                   <a:srgbClr val="000000"/>
                 </a:solidFill>
@@ -3455,14 +3455,14 @@
           <a:ln/>
           <a:extLst>
             <a:ext uri="{909E8E84-426E-40dd-AFC4-6F175D3DCCD1}">
-              <a14:hiddenFill xmlns:a14="http://schemas.microsoft.com/office/drawing/2010/main" xmlns="">
+              <a14:hiddenFill xmlns="" xmlns:a14="http://schemas.microsoft.com/office/drawing/2010/main">
                 <a:solidFill>
                   <a:srgbClr val="FFFFFF"/>
                 </a:solidFill>
               </a14:hiddenFill>
             </a:ext>
             <a:ext uri="{91240B29-F687-4f45-9708-019B960494DF}">
-              <a14:hiddenLine xmlns:a14="http://schemas.microsoft.com/office/drawing/2010/main" xmlns="" w="9525">
+              <a14:hiddenLine xmlns="" xmlns:a14="http://schemas.microsoft.com/office/drawing/2010/main" w="9525">
                 <a:solidFill>
                   <a:srgbClr val="000000"/>
                 </a:solidFill>
@@ -3629,17 +3629,17 @@
           <a:ln/>
           <a:extLst>
             <a:ext uri="{FAA26D3D-D897-4be2-8F04-BA451C77F1D7}">
-              <ma14:placeholderFlag xmlns:ma14="http://schemas.microsoft.com/office/mac/drawingml/2011/main" xmlns="" val="1"/>
+              <ma14:placeholderFlag xmlns="" xmlns:ma14="http://schemas.microsoft.com/office/mac/drawingml/2011/main" val="1"/>
             </a:ext>
             <a:ext uri="{909E8E84-426E-40dd-AFC4-6F175D3DCCD1}">
-              <a14:hiddenFill xmlns:a14="http://schemas.microsoft.com/office/drawing/2010/main" xmlns="">
+              <a14:hiddenFill xmlns="" xmlns:a14="http://schemas.microsoft.com/office/drawing/2010/main">
                 <a:solidFill>
                   <a:srgbClr val="FFFFFF"/>
                 </a:solidFill>
               </a14:hiddenFill>
             </a:ext>
             <a:ext uri="{91240B29-F687-4f45-9708-019B960494DF}">
-              <a14:hiddenLine xmlns:a14="http://schemas.microsoft.com/office/drawing/2010/main" xmlns="" w="9525">
+              <a14:hiddenLine xmlns="" xmlns:a14="http://schemas.microsoft.com/office/drawing/2010/main" w="9525">
                 <a:solidFill>
                   <a:srgbClr val="000000"/>
                 </a:solidFill>
@@ -3709,14 +3709,14 @@
           </a:ln>
           <a:extLst>
             <a:ext uri="{909E8E84-426E-40dd-AFC4-6F175D3DCCD1}">
-              <a14:hiddenFill xmlns:a14="http://schemas.microsoft.com/office/drawing/2010/main" xmlns="">
+              <a14:hiddenFill xmlns="" xmlns:a14="http://schemas.microsoft.com/office/drawing/2010/main">
                 <a:solidFill>
                   <a:srgbClr val="FFFFFF"/>
                 </a:solidFill>
               </a14:hiddenFill>
             </a:ext>
             <a:ext uri="{91240B29-F687-4f45-9708-019B960494DF}">
-              <a14:hiddenLine xmlns:a14="http://schemas.microsoft.com/office/drawing/2010/main" xmlns="" w="9525">
+              <a14:hiddenLine xmlns="" xmlns:a14="http://schemas.microsoft.com/office/drawing/2010/main" w="9525">
                 <a:solidFill>
                   <a:srgbClr val="000000"/>
                 </a:solidFill>
@@ -3892,7 +3892,7 @@
           </a:ln>
           <a:extLst>
             <a:ext uri="{FAA26D3D-D897-4be2-8F04-BA451C77F1D7}">
-              <ma14:placeholderFlag xmlns:ma14="http://schemas.microsoft.com/office/mac/drawingml/2011/main" xmlns="" val="1"/>
+              <ma14:placeholderFlag xmlns="" xmlns:ma14="http://schemas.microsoft.com/office/mac/drawingml/2011/main" val="1"/>
             </a:ext>
           </a:extLst>
         </p:spPr>
@@ -3947,14 +3947,14 @@
           <a:ln/>
           <a:extLst>
             <a:ext uri="{909E8E84-426E-40dd-AFC4-6F175D3DCCD1}">
-              <a14:hiddenFill xmlns:a14="http://schemas.microsoft.com/office/drawing/2010/main" xmlns="">
+              <a14:hiddenFill xmlns="" xmlns:a14="http://schemas.microsoft.com/office/drawing/2010/main">
                 <a:solidFill>
                   <a:srgbClr val="FFFFFF"/>
                 </a:solidFill>
               </a14:hiddenFill>
             </a:ext>
             <a:ext uri="{91240B29-F687-4f45-9708-019B960494DF}">
-              <a14:hiddenLine xmlns:a14="http://schemas.microsoft.com/office/drawing/2010/main" xmlns="" w="9525">
+              <a14:hiddenLine xmlns="" xmlns:a14="http://schemas.microsoft.com/office/drawing/2010/main" w="9525">
                 <a:solidFill>
                   <a:srgbClr val="000000"/>
                 </a:solidFill>
@@ -4121,17 +4121,17 @@
           <a:ln/>
           <a:extLst>
             <a:ext uri="{FAA26D3D-D897-4be2-8F04-BA451C77F1D7}">
-              <ma14:placeholderFlag xmlns:ma14="http://schemas.microsoft.com/office/mac/drawingml/2011/main" xmlns="" val="1"/>
+              <ma14:placeholderFlag xmlns="" xmlns:ma14="http://schemas.microsoft.com/office/mac/drawingml/2011/main" val="1"/>
             </a:ext>
             <a:ext uri="{909E8E84-426E-40dd-AFC4-6F175D3DCCD1}">
-              <a14:hiddenFill xmlns:a14="http://schemas.microsoft.com/office/drawing/2010/main" xmlns="">
+              <a14:hiddenFill xmlns="" xmlns:a14="http://schemas.microsoft.com/office/drawing/2010/main">
                 <a:solidFill>
                   <a:srgbClr val="FFFFFF"/>
                 </a:solidFill>
               </a14:hiddenFill>
             </a:ext>
             <a:ext uri="{91240B29-F687-4f45-9708-019B960494DF}">
-              <a14:hiddenLine xmlns:a14="http://schemas.microsoft.com/office/drawing/2010/main" xmlns="" w="9525">
+              <a14:hiddenLine xmlns="" xmlns:a14="http://schemas.microsoft.com/office/drawing/2010/main" w="9525">
                 <a:solidFill>
                   <a:srgbClr val="000000"/>
                 </a:solidFill>
@@ -4194,14 +4194,14 @@
           <a:ln/>
           <a:extLst>
             <a:ext uri="{909E8E84-426E-40dd-AFC4-6F175D3DCCD1}">
-              <a14:hiddenFill xmlns:a14="http://schemas.microsoft.com/office/drawing/2010/main" xmlns="">
+              <a14:hiddenFill xmlns="" xmlns:a14="http://schemas.microsoft.com/office/drawing/2010/main">
                 <a:solidFill>
                   <a:srgbClr val="FFFFFF"/>
                 </a:solidFill>
               </a14:hiddenFill>
             </a:ext>
             <a:ext uri="{91240B29-F687-4f45-9708-019B960494DF}">
-              <a14:hiddenLine xmlns:a14="http://schemas.microsoft.com/office/drawing/2010/main" xmlns="" w="9525">
+              <a14:hiddenLine xmlns="" xmlns:a14="http://schemas.microsoft.com/office/drawing/2010/main" w="9525">
                 <a:solidFill>
                   <a:srgbClr val="000000"/>
                 </a:solidFill>
@@ -4368,17 +4368,17 @@
           <a:ln/>
           <a:extLst>
             <a:ext uri="{FAA26D3D-D897-4be2-8F04-BA451C77F1D7}">
-              <ma14:placeholderFlag xmlns:ma14="http://schemas.microsoft.com/office/mac/drawingml/2011/main" xmlns="" val="1"/>
+              <ma14:placeholderFlag xmlns="" xmlns:ma14="http://schemas.microsoft.com/office/mac/drawingml/2011/main" val="1"/>
             </a:ext>
             <a:ext uri="{909E8E84-426E-40dd-AFC4-6F175D3DCCD1}">
-              <a14:hiddenFill xmlns:a14="http://schemas.microsoft.com/office/drawing/2010/main" xmlns="">
+              <a14:hiddenFill xmlns="" xmlns:a14="http://schemas.microsoft.com/office/drawing/2010/main">
                 <a:solidFill>
                   <a:srgbClr val="FFFFFF"/>
                 </a:solidFill>
               </a14:hiddenFill>
             </a:ext>
             <a:ext uri="{91240B29-F687-4f45-9708-019B960494DF}">
-              <a14:hiddenLine xmlns:a14="http://schemas.microsoft.com/office/drawing/2010/main" xmlns="" w="9525">
+              <a14:hiddenLine xmlns="" xmlns:a14="http://schemas.microsoft.com/office/drawing/2010/main" w="9525">
                 <a:solidFill>
                   <a:srgbClr val="000000"/>
                 </a:solidFill>
@@ -4441,14 +4441,14 @@
           <a:ln/>
           <a:extLst>
             <a:ext uri="{909E8E84-426E-40dd-AFC4-6F175D3DCCD1}">
-              <a14:hiddenFill xmlns:a14="http://schemas.microsoft.com/office/drawing/2010/main" xmlns="">
+              <a14:hiddenFill xmlns="" xmlns:a14="http://schemas.microsoft.com/office/drawing/2010/main">
                 <a:solidFill>
                   <a:srgbClr val="FFFFFF"/>
                 </a:solidFill>
               </a14:hiddenFill>
             </a:ext>
             <a:ext uri="{91240B29-F687-4f45-9708-019B960494DF}">
-              <a14:hiddenLine xmlns:a14="http://schemas.microsoft.com/office/drawing/2010/main" xmlns="" w="9525">
+              <a14:hiddenLine xmlns="" xmlns:a14="http://schemas.microsoft.com/office/drawing/2010/main" w="9525">
                 <a:solidFill>
                   <a:srgbClr val="000000"/>
                 </a:solidFill>
@@ -4615,17 +4615,17 @@
           <a:ln/>
           <a:extLst>
             <a:ext uri="{FAA26D3D-D897-4be2-8F04-BA451C77F1D7}">
-              <ma14:placeholderFlag xmlns:ma14="http://schemas.microsoft.com/office/mac/drawingml/2011/main" xmlns="" val="1"/>
+              <ma14:placeholderFlag xmlns="" xmlns:ma14="http://schemas.microsoft.com/office/mac/drawingml/2011/main" val="1"/>
             </a:ext>
             <a:ext uri="{909E8E84-426E-40dd-AFC4-6F175D3DCCD1}">
-              <a14:hiddenFill xmlns:a14="http://schemas.microsoft.com/office/drawing/2010/main" xmlns="">
+              <a14:hiddenFill xmlns="" xmlns:a14="http://schemas.microsoft.com/office/drawing/2010/main">
                 <a:solidFill>
                   <a:srgbClr val="FFFFFF"/>
                 </a:solidFill>
               </a14:hiddenFill>
             </a:ext>
             <a:ext uri="{91240B29-F687-4f45-9708-019B960494DF}">
-              <a14:hiddenLine xmlns:a14="http://schemas.microsoft.com/office/drawing/2010/main" xmlns="" w="9525">
+              <a14:hiddenLine xmlns="" xmlns:a14="http://schemas.microsoft.com/office/drawing/2010/main" w="9525">
                 <a:solidFill>
                   <a:srgbClr val="000000"/>
                 </a:solidFill>
@@ -4827,7 +4827,7 @@
               <a:defRPr/>
             </a:pPr>
             <a:fld id="{AC0EBD74-B9E4-0E4B-AC6A-6A6644FA211D}" type="datetime1">
-              <a:t>2020-05-28</a:t>
+              <a:t>2020-06-08</a:t>
             </a:fld>
             <a:endParaRPr lang="en-US"/>
           </a:p>
@@ -5035,7 +5035,7 @@
               <a:defRPr/>
             </a:pPr>
             <a:fld id="{6B45423E-01F1-194D-BEF2-59037D9E890E}" type="datetime1">
-              <a:t>2020-05-28</a:t>
+              <a:t>2020-06-08</a:t>
             </a:fld>
             <a:endParaRPr lang="en-US"/>
           </a:p>
@@ -5248,7 +5248,7 @@
               <a:defRPr/>
             </a:pPr>
             <a:fld id="{82B48BEB-BEE3-334D-B79E-E768C9FAF8E5}" type="datetime1">
-              <a:t>2020-05-28</a:t>
+              <a:t>2020-06-08</a:t>
             </a:fld>
             <a:endParaRPr lang="en-US"/>
           </a:p>
@@ -5430,7 +5430,7 @@
               <a:defRPr/>
             </a:pPr>
             <a:fld id="{B2C39720-93FE-664C-90ED-4CAF6FDDEA10}" type="datetime1">
-              <a:t>2020-05-28</a:t>
+              <a:t>2020-06-08</a:t>
             </a:fld>
             <a:endParaRPr lang="en-US"/>
           </a:p>
@@ -5702,7 +5702,7 @@
               <a:defRPr/>
             </a:pPr>
             <a:fld id="{A2FE285A-049E-F04F-84A2-B30C773B375D}" type="datetime1">
-              <a:t>2020-05-28</a:t>
+              <a:t>2020-06-08</a:t>
             </a:fld>
             <a:endParaRPr lang="en-US"/>
           </a:p>
@@ -5910,7 +5910,7 @@
               <a:defRPr/>
             </a:pPr>
             <a:fld id="{2D3EAE3E-5FC7-A54A-AF77-DDA1203272CF}" type="datetime1">
-              <a:t>2020-05-28</a:t>
+              <a:t>2020-06-08</a:t>
             </a:fld>
             <a:endParaRPr lang="en-US"/>
           </a:p>
@@ -6136,7 +6136,7 @@
               <a:defRPr/>
             </a:pPr>
             <a:fld id="{95763E2F-E129-8144-85E5-DEFD93E5B96E}" type="datetime1">
-              <a:t>2020-05-28</a:t>
+              <a:t>2020-06-08</a:t>
             </a:fld>
             <a:endParaRPr lang="en-US"/>
           </a:p>
@@ -6459,7 +6459,7 @@
               <a:defRPr/>
             </a:pPr>
             <a:fld id="{5981D202-225B-274E-B468-B23944D81B5F}" type="datetime1">
-              <a:t>2020-05-28</a:t>
+              <a:t>2020-06-08</a:t>
             </a:fld>
             <a:endParaRPr lang="en-US"/>
           </a:p>
@@ -6927,7 +6927,7 @@
               <a:defRPr/>
             </a:pPr>
             <a:fld id="{5D77E727-DBBF-C24A-80AB-D1A64464A970}" type="datetime1">
-              <a:t>2020-05-28</a:t>
+              <a:t>2020-06-08</a:t>
             </a:fld>
             <a:endParaRPr lang="en-US"/>
           </a:p>
@@ -7076,7 +7076,7 @@
               <a:defRPr/>
             </a:pPr>
             <a:fld id="{335DF27D-CB15-7843-AC95-0CBD4BB583FE}" type="datetime1">
-              <a:t>2020-05-28</a:t>
+              <a:t>2020-06-08</a:t>
             </a:fld>
             <a:endParaRPr lang="en-US"/>
           </a:p>
@@ -7203,7 +7203,7 @@
               <a:defRPr/>
             </a:pPr>
             <a:fld id="{358F54F2-E1C3-E741-9012-F819890FDEF2}" type="datetime1">
-              <a:t>2020-05-28</a:t>
+              <a:t>2020-06-08</a:t>
             </a:fld>
             <a:endParaRPr lang="en-US"/>
           </a:p>
@@ -7516,7 +7516,7 @@
               <a:defRPr/>
             </a:pPr>
             <a:fld id="{9D5FE2EA-BB63-0142-BBBA-3114D28210BA}" type="datetime1">
-              <a:t>2020-05-28</a:t>
+              <a:t>2020-06-08</a:t>
             </a:fld>
             <a:endParaRPr lang="en-US"/>
           </a:p>
@@ -7807,7 +7807,7 @@
               <a:defRPr/>
             </a:pPr>
             <a:fld id="{7D606BD5-D583-F445-A197-4E9204106D8D}" type="datetime1">
-              <a:t>2020-05-28</a:t>
+              <a:t>2020-06-08</a:t>
             </a:fld>
             <a:endParaRPr lang="en-US"/>
           </a:p>
@@ -7906,17 +7906,17 @@
           </a:ln>
           <a:extLst>
             <a:ext uri="{FAA26D3D-D897-4be2-8F04-BA451C77F1D7}">
-              <ma14:placeholderFlag xmlns:ma14="http://schemas.microsoft.com/office/mac/drawingml/2011/main" xmlns="" val="1"/>
+              <ma14:placeholderFlag xmlns="" xmlns:ma14="http://schemas.microsoft.com/office/mac/drawingml/2011/main" val="1"/>
             </a:ext>
             <a:ext uri="{909E8E84-426E-40dd-AFC4-6F175D3DCCD1}">
-              <a14:hiddenFill xmlns:a14="http://schemas.microsoft.com/office/drawing/2010/main" xmlns="">
+              <a14:hiddenFill xmlns="" xmlns:a14="http://schemas.microsoft.com/office/drawing/2010/main">
                 <a:solidFill>
                   <a:srgbClr val="FFFFFF"/>
                 </a:solidFill>
               </a14:hiddenFill>
             </a:ext>
             <a:ext uri="{91240B29-F687-4f45-9708-019B960494DF}">
-              <a14:hiddenLine xmlns:a14="http://schemas.microsoft.com/office/drawing/2010/main" xmlns="" w="9525">
+              <a14:hiddenLine xmlns="" xmlns:a14="http://schemas.microsoft.com/office/drawing/2010/main" w="9525">
                 <a:solidFill>
                   <a:srgbClr val="000000"/>
                 </a:solidFill>
@@ -7975,7 +7975,7 @@
           </a:ln>
           <a:extLst>
             <a:ext uri="{91240B29-F687-4f45-9708-019B960494DF}">
-              <a14:hiddenLine xmlns:a14="http://schemas.microsoft.com/office/drawing/2010/main" xmlns="" w="9525">
+              <a14:hiddenLine xmlns="" xmlns:a14="http://schemas.microsoft.com/office/drawing/2010/main" w="9525">
                 <a:solidFill>
                   <a:srgbClr val="000000"/>
                 </a:solidFill>
@@ -8179,14 +8179,14 @@
           </a:ln>
           <a:extLst>
             <a:ext uri="{909E8E84-426E-40dd-AFC4-6F175D3DCCD1}">
-              <a14:hiddenFill xmlns:a14="http://schemas.microsoft.com/office/drawing/2010/main" xmlns="">
+              <a14:hiddenFill xmlns="" xmlns:a14="http://schemas.microsoft.com/office/drawing/2010/main">
                 <a:solidFill>
                   <a:srgbClr val="FFFFFF"/>
                 </a:solidFill>
               </a14:hiddenFill>
             </a:ext>
             <a:ext uri="{91240B29-F687-4f45-9708-019B960494DF}">
-              <a14:hiddenLine xmlns:a14="http://schemas.microsoft.com/office/drawing/2010/main" xmlns="" w="9525">
+              <a14:hiddenLine xmlns="" xmlns:a14="http://schemas.microsoft.com/office/drawing/2010/main" w="9525">
                 <a:solidFill>
                   <a:srgbClr val="000000"/>
                 </a:solidFill>
@@ -8425,7 +8425,7 @@
               <a:defRPr/>
             </a:pPr>
             <a:fld id="{FA71DDE3-1BFD-2B4B-9B0E-6E78A067C89E}" type="datetime1">
-              <a:t>2020-05-28</a:t>
+              <a:t>2020-06-08</a:t>
             </a:fld>
             <a:endParaRPr lang="en-US"/>
           </a:p>
@@ -8519,14 +8519,14 @@
           </a:ln>
           <a:extLst>
             <a:ext uri="{909E8E84-426E-40dd-AFC4-6F175D3DCCD1}">
-              <a14:hiddenFill xmlns:a14="http://schemas.microsoft.com/office/drawing/2010/main" xmlns="">
+              <a14:hiddenFill xmlns="" xmlns:a14="http://schemas.microsoft.com/office/drawing/2010/main">
                 <a:solidFill>
                   <a:srgbClr val="FFFFFF"/>
                 </a:solidFill>
               </a14:hiddenFill>
             </a:ext>
             <a:ext uri="{91240B29-F687-4f45-9708-019B960494DF}">
-              <a14:hiddenLine xmlns:a14="http://schemas.microsoft.com/office/drawing/2010/main" xmlns="" w="9525">
+              <a14:hiddenLine xmlns="" xmlns:a14="http://schemas.microsoft.com/office/drawing/2010/main" w="9525">
                 <a:solidFill>
                   <a:srgbClr val="000000"/>
                 </a:solidFill>
@@ -8573,14 +8573,14 @@
           </a:ln>
           <a:extLst>
             <a:ext uri="{909E8E84-426E-40dd-AFC4-6F175D3DCCD1}">
-              <a14:hiddenFill xmlns:a14="http://schemas.microsoft.com/office/drawing/2010/main" xmlns="">
+              <a14:hiddenFill xmlns="" xmlns:a14="http://schemas.microsoft.com/office/drawing/2010/main">
                 <a:solidFill>
                   <a:srgbClr val="FFFFFF"/>
                 </a:solidFill>
               </a14:hiddenFill>
             </a:ext>
             <a:ext uri="{91240B29-F687-4f45-9708-019B960494DF}">
-              <a14:hiddenLine xmlns:a14="http://schemas.microsoft.com/office/drawing/2010/main" xmlns="" w="9525">
+              <a14:hiddenLine xmlns="" xmlns:a14="http://schemas.microsoft.com/office/drawing/2010/main" w="9525">
                 <a:solidFill>
                   <a:srgbClr val="000000"/>
                 </a:solidFill>
@@ -9213,7 +9213,7 @@
             </a:pPr>
             <a:fld id="{90E2CE17-9310-CB4D-A759-84364C03D56E}" type="datetime1">
               <a:rPr lang="en-US"/>
-              <a:t>2020-05-28</a:t>
+              <a:t>2020-06-08</a:t>
             </a:fld>
             <a:endParaRPr lang="en-US" dirty="0"/>
           </a:p>
@@ -9259,14 +9259,14 @@
           <a:ln/>
           <a:extLst>
             <a:ext uri="{909E8E84-426E-40dd-AFC4-6F175D3DCCD1}">
-              <a14:hiddenFill xmlns:a14="http://schemas.microsoft.com/office/drawing/2010/main" xmlns="">
+              <a14:hiddenFill xmlns="" xmlns:a14="http://schemas.microsoft.com/office/drawing/2010/main">
                 <a:solidFill>
                   <a:srgbClr val="FFFFFF"/>
                 </a:solidFill>
               </a14:hiddenFill>
             </a:ext>
             <a:ext uri="{91240B29-F687-4f45-9708-019B960494DF}">
-              <a14:hiddenLine xmlns:a14="http://schemas.microsoft.com/office/drawing/2010/main" xmlns="" w="9525">
+              <a14:hiddenLine xmlns="" xmlns:a14="http://schemas.microsoft.com/office/drawing/2010/main" w="9525">
                 <a:solidFill>
                   <a:srgbClr val="000000"/>
                 </a:solidFill>
@@ -9477,14 +9477,14 @@
           <a:ln/>
           <a:extLst>
             <a:ext uri="{909E8E84-426E-40dd-AFC4-6F175D3DCCD1}">
-              <a14:hiddenFill xmlns:a14="http://schemas.microsoft.com/office/drawing/2010/main" xmlns="">
+              <a14:hiddenFill xmlns="" xmlns:a14="http://schemas.microsoft.com/office/drawing/2010/main">
                 <a:solidFill>
                   <a:srgbClr val="FFFFFF"/>
                 </a:solidFill>
               </a14:hiddenFill>
             </a:ext>
             <a:ext uri="{91240B29-F687-4f45-9708-019B960494DF}">
-              <a14:hiddenLine xmlns:a14="http://schemas.microsoft.com/office/drawing/2010/main" xmlns="" w="9525">
+              <a14:hiddenLine xmlns="" xmlns:a14="http://schemas.microsoft.com/office/drawing/2010/main" w="9525">
                 <a:solidFill>
                   <a:srgbClr val="000000"/>
                 </a:solidFill>
@@ -9644,7 +9644,7 @@
             </a:pPr>
             <a:fld id="{B58AE35B-4B8A-B14C-A608-7A3AEEBA245B}" type="datetime1">
               <a:rPr lang="en-US"/>
-              <a:t>2020-05-28</a:t>
+              <a:t>2020-06-08</a:t>
             </a:fld>
             <a:endParaRPr lang="en-US"/>
           </a:p>
@@ -12285,14 +12285,14 @@
           <a:ln/>
           <a:extLst>
             <a:ext uri="{909E8E84-426E-40dd-AFC4-6F175D3DCCD1}">
-              <a14:hiddenFill xmlns:a14="http://schemas.microsoft.com/office/drawing/2010/main" xmlns="">
+              <a14:hiddenFill xmlns="" xmlns:a14="http://schemas.microsoft.com/office/drawing/2010/main">
                 <a:solidFill>
                   <a:srgbClr val="FFFFFF"/>
                 </a:solidFill>
               </a14:hiddenFill>
             </a:ext>
             <a:ext uri="{91240B29-F687-4f45-9708-019B960494DF}">
-              <a14:hiddenLine xmlns:a14="http://schemas.microsoft.com/office/drawing/2010/main" xmlns="" w="9525">
+              <a14:hiddenLine xmlns="" xmlns:a14="http://schemas.microsoft.com/office/drawing/2010/main" w="9525">
                 <a:solidFill>
                   <a:srgbClr val="000000"/>
                 </a:solidFill>
@@ -12452,7 +12452,7 @@
             </a:pPr>
             <a:fld id="{B58AE35B-4B8A-B14C-A608-7A3AEEBA245B}" type="datetime1">
               <a:rPr lang="en-US"/>
-              <a:t>2020-05-28</a:t>
+              <a:t>2020-06-08</a:t>
             </a:fld>
             <a:endParaRPr lang="en-US"/>
           </a:p>
@@ -14345,14 +14345,14 @@
           <a:ln/>
           <a:extLst>
             <a:ext uri="{909E8E84-426E-40dd-AFC4-6F175D3DCCD1}">
-              <a14:hiddenFill xmlns:a14="http://schemas.microsoft.com/office/drawing/2010/main" xmlns="">
+              <a14:hiddenFill xmlns="" xmlns:a14="http://schemas.microsoft.com/office/drawing/2010/main">
                 <a:solidFill>
                   <a:srgbClr val="FFFFFF"/>
                 </a:solidFill>
               </a14:hiddenFill>
             </a:ext>
             <a:ext uri="{91240B29-F687-4f45-9708-019B960494DF}">
-              <a14:hiddenLine xmlns:a14="http://schemas.microsoft.com/office/drawing/2010/main" xmlns="" w="9525">
+              <a14:hiddenLine xmlns="" xmlns:a14="http://schemas.microsoft.com/office/drawing/2010/main" w="9525">
                 <a:solidFill>
                   <a:srgbClr val="000000"/>
                 </a:solidFill>
@@ -15650,7 +15650,7 @@
               <a:pPr>
                 <a:defRPr/>
               </a:pPr>
-              <a:t>2020-05-28</a:t>
+              <a:t>2020-06-08</a:t>
             </a:fld>
             <a:endParaRPr lang="en-US"/>
           </a:p>
@@ -15892,14 +15892,14 @@
           <a:ln/>
           <a:extLst>
             <a:ext uri="{909E8E84-426E-40dd-AFC4-6F175D3DCCD1}">
-              <a14:hiddenFill xmlns:a14="http://schemas.microsoft.com/office/drawing/2010/main" xmlns="">
+              <a14:hiddenFill xmlns="" xmlns:a14="http://schemas.microsoft.com/office/drawing/2010/main">
                 <a:solidFill>
                   <a:srgbClr val="FFFFFF"/>
                 </a:solidFill>
               </a14:hiddenFill>
             </a:ext>
             <a:ext uri="{91240B29-F687-4f45-9708-019B960494DF}">
-              <a14:hiddenLine xmlns:a14="http://schemas.microsoft.com/office/drawing/2010/main" xmlns="" w="9525">
+              <a14:hiddenLine xmlns="" xmlns:a14="http://schemas.microsoft.com/office/drawing/2010/main" w="9525">
                 <a:solidFill>
                   <a:srgbClr val="000000"/>
                 </a:solidFill>
@@ -16074,14 +16074,14 @@
           <p:nvPr>
             <p:extLst>
               <p:ext uri="{D42A27DB-BD31-4B8C-83A1-F6EECF244321}">
-                <p14:modId xmlns:p14="http://schemas.microsoft.com/office/powerpoint/2010/main" val="2671584979"/>
+                <p14:modId xmlns:p14="http://schemas.microsoft.com/office/powerpoint/2010/main" val="1727091438"/>
               </p:ext>
             </p:extLst>
           </p:nvPr>
         </p:nvGraphicFramePr>
         <p:xfrm>
           <a:off x="287869" y="1187450"/>
-          <a:ext cx="8114644" cy="2239908"/>
+          <a:ext cx="8114644" cy="2666572"/>
         </p:xfrm>
         <a:graphic>
           <a:graphicData uri="http://schemas.openxmlformats.org/drawingml/2006/table">
@@ -17520,7 +17520,7 @@
                       <a:headEnd type="none" w="med" len="med"/>
                       <a:tailEnd type="none" w="med" len="med"/>
                     </a:lnT>
-                    <a:lnB w="38100" cap="flat" cmpd="sng" algn="ctr">
+                    <a:lnB w="12700" cap="flat" cmpd="sng" algn="ctr">
                       <a:solidFill>
                         <a:schemeClr val="tx1"/>
                       </a:solidFill>
@@ -17604,7 +17604,7 @@
                       <a:headEnd type="none" w="med" len="med"/>
                       <a:tailEnd type="none" w="med" len="med"/>
                     </a:lnT>
-                    <a:lnB w="38100" cap="flat" cmpd="sng" algn="ctr">
+                    <a:lnB w="12700" cap="flat" cmpd="sng" algn="ctr">
                       <a:solidFill>
                         <a:schemeClr val="tx1"/>
                       </a:solidFill>
@@ -17688,7 +17688,7 @@
                       <a:headEnd type="none" w="med" len="med"/>
                       <a:tailEnd type="none" w="med" len="med"/>
                     </a:lnT>
-                    <a:lnB w="38100" cap="flat" cmpd="sng" algn="ctr">
+                    <a:lnB w="12700" cap="flat" cmpd="sng" algn="ctr">
                       <a:solidFill>
                         <a:schemeClr val="tx1"/>
                       </a:solidFill>
@@ -17709,6 +17709,289 @@
                 <a:extLst>
                   <a:ext uri="{0D108BD9-81ED-4DB2-BD59-A6C34878D82A}">
                     <a16:rowId xmlns:a16="http://schemas.microsoft.com/office/drawing/2014/main" val="2759691188"/>
+                  </a:ext>
+                </a:extLst>
+              </a:tr>
+              <a:tr h="396172">
+                <a:tc>
+                  <a:txBody>
+                    <a:bodyPr/>
+                    <a:lstStyle/>
+                    <a:p>
+                      <a:pPr marL="0" marR="0" lvl="0" indent="0" algn="l" defTabSz="914400" rtl="0" eaLnBrk="0" fontAlgn="base" latinLnBrk="0" hangingPunct="0">
+                        <a:lnSpc>
+                          <a:spcPct val="100000"/>
+                        </a:lnSpc>
+                        <a:spcBef>
+                          <a:spcPct val="35000"/>
+                        </a:spcBef>
+                        <a:spcAft>
+                          <a:spcPct val="0"/>
+                        </a:spcAft>
+                        <a:buClrTx/>
+                        <a:buSzTx/>
+                        <a:buFontTx/>
+                        <a:buNone/>
+                        <a:tabLst/>
+                      </a:pPr>
+                      <a:r>
+                        <a:rPr kumimoji="0" lang="en-US" sz="1100" b="0" i="0" u="none" strike="noStrike" cap="none" normalizeH="0" baseline="0" dirty="0" err="1">
+                          <a:ln>
+                            <a:noFill/>
+                          </a:ln>
+                          <a:solidFill>
+                            <a:schemeClr val="tx1"/>
+                          </a:solidFill>
+                          <a:effectLst/>
+                          <a:latin typeface="Arial" pitchFamily="-112" charset="0"/>
+                          <a:ea typeface="ヒラギノ角ゴ Pro W3" pitchFamily="-112" charset="-128"/>
+                          <a:cs typeface="ヒラギノ角ゴ Pro W3" pitchFamily="-112" charset="-128"/>
+                        </a:rPr>
+                        <a:t>TaskFlags</a:t>
+                      </a:r>
+                      <a:endParaRPr kumimoji="0" lang="en-US" sz="1100" b="0" i="0" u="none" strike="noStrike" cap="none" normalizeH="0" baseline="0" dirty="0">
+                        <a:ln>
+                          <a:noFill/>
+                        </a:ln>
+                        <a:solidFill>
+                          <a:schemeClr val="tx1"/>
+                        </a:solidFill>
+                        <a:effectLst/>
+                        <a:latin typeface="Arial" pitchFamily="-112" charset="0"/>
+                        <a:ea typeface="ヒラギノ角ゴ Pro W3" pitchFamily="-112" charset="-128"/>
+                        <a:cs typeface="ヒラギノ角ゴ Pro W3" pitchFamily="-112" charset="-128"/>
+                      </a:endParaRPr>
+                    </a:p>
+                  </a:txBody>
+                  <a:tcPr marT="45692" marB="45692" horzOverflow="overflow">
+                    <a:lnL w="38100" cap="flat" cmpd="sng" algn="ctr">
+                      <a:solidFill>
+                        <a:schemeClr val="tx1"/>
+                      </a:solidFill>
+                      <a:prstDash val="solid"/>
+                      <a:round/>
+                      <a:headEnd type="none" w="med" len="med"/>
+                      <a:tailEnd type="none" w="med" len="med"/>
+                    </a:lnL>
+                    <a:lnR w="12700" cap="flat" cmpd="sng" algn="ctr">
+                      <a:solidFill>
+                        <a:schemeClr val="tx1"/>
+                      </a:solidFill>
+                      <a:prstDash val="solid"/>
+                      <a:round/>
+                      <a:headEnd type="none" w="med" len="med"/>
+                      <a:tailEnd type="none" w="med" len="med"/>
+                    </a:lnR>
+                    <a:lnT w="12700" cap="flat" cmpd="sng" algn="ctr">
+                      <a:solidFill>
+                        <a:schemeClr val="tx1"/>
+                      </a:solidFill>
+                      <a:prstDash val="solid"/>
+                      <a:round/>
+                      <a:headEnd type="none" w="med" len="med"/>
+                      <a:tailEnd type="none" w="med" len="med"/>
+                    </a:lnT>
+                    <a:lnB w="38100" cap="flat" cmpd="sng" algn="ctr">
+                      <a:solidFill>
+                        <a:schemeClr val="tx1"/>
+                      </a:solidFill>
+                      <a:prstDash val="solid"/>
+                      <a:round/>
+                      <a:headEnd type="none" w="med" len="med"/>
+                      <a:tailEnd type="none" w="med" len="med"/>
+                    </a:lnB>
+                    <a:lnTlToBr>
+                      <a:noFill/>
+                    </a:lnTlToBr>
+                    <a:lnBlToTr>
+                      <a:noFill/>
+                    </a:lnBlToTr>
+                    <a:noFill/>
+                  </a:tcPr>
+                </a:tc>
+                <a:tc>
+                  <a:txBody>
+                    <a:bodyPr/>
+                    <a:lstStyle/>
+                    <a:p>
+                      <a:pPr marL="0" marR="0" lvl="0" indent="0" algn="l" defTabSz="914400" rtl="0" eaLnBrk="0" fontAlgn="base" latinLnBrk="0" hangingPunct="0">
+                        <a:lnSpc>
+                          <a:spcPct val="100000"/>
+                        </a:lnSpc>
+                        <a:spcBef>
+                          <a:spcPct val="35000"/>
+                        </a:spcBef>
+                        <a:spcAft>
+                          <a:spcPct val="0"/>
+                        </a:spcAft>
+                        <a:buClrTx/>
+                        <a:buSzTx/>
+                        <a:buFontTx/>
+                        <a:buNone/>
+                        <a:tabLst/>
+                      </a:pPr>
+                      <a:r>
+                        <a:rPr kumimoji="0" lang="en-US" sz="1100" b="0" i="0" u="none" strike="noStrike" cap="none" normalizeH="0" baseline="0" dirty="0" err="1">
+                          <a:ln>
+                            <a:noFill/>
+                          </a:ln>
+                          <a:solidFill>
+                            <a:schemeClr val="tx1"/>
+                          </a:solidFill>
+                          <a:effectLst/>
+                          <a:latin typeface="Arial" pitchFamily="-112" charset="0"/>
+                          <a:ea typeface="ヒラギノ角ゴ Pro W3" pitchFamily="-112" charset="-128"/>
+                          <a:cs typeface="ヒラギノ角ゴ Pro W3" pitchFamily="-112" charset="-128"/>
+                        </a:rPr>
+                        <a:t>SBN_Task_Flag_t</a:t>
+                      </a:r>
+                      <a:endParaRPr kumimoji="0" lang="en-US" sz="1100" b="0" i="0" u="none" strike="noStrike" cap="none" normalizeH="0" baseline="0" dirty="0">
+                        <a:ln>
+                          <a:noFill/>
+                        </a:ln>
+                        <a:solidFill>
+                          <a:schemeClr val="tx1"/>
+                        </a:solidFill>
+                        <a:effectLst/>
+                        <a:latin typeface="Arial" pitchFamily="-112" charset="0"/>
+                        <a:ea typeface="ヒラギノ角ゴ Pro W3" pitchFamily="-112" charset="-128"/>
+                        <a:cs typeface="ヒラギノ角ゴ Pro W3" pitchFamily="-112" charset="-128"/>
+                      </a:endParaRPr>
+                    </a:p>
+                  </a:txBody>
+                  <a:tcPr marT="45692" marB="45692" horzOverflow="overflow">
+                    <a:lnL w="12700" cap="flat" cmpd="sng" algn="ctr">
+                      <a:solidFill>
+                        <a:schemeClr val="tx1"/>
+                      </a:solidFill>
+                      <a:prstDash val="solid"/>
+                      <a:round/>
+                      <a:headEnd type="none" w="med" len="med"/>
+                      <a:tailEnd type="none" w="med" len="med"/>
+                    </a:lnL>
+                    <a:lnR w="12700" cap="flat" cmpd="sng" algn="ctr">
+                      <a:solidFill>
+                        <a:schemeClr val="tx1"/>
+                      </a:solidFill>
+                      <a:prstDash val="solid"/>
+                      <a:round/>
+                      <a:headEnd type="none" w="med" len="med"/>
+                      <a:tailEnd type="none" w="med" len="med"/>
+                    </a:lnR>
+                    <a:lnT w="12700" cap="flat" cmpd="sng" algn="ctr">
+                      <a:solidFill>
+                        <a:schemeClr val="tx1"/>
+                      </a:solidFill>
+                      <a:prstDash val="solid"/>
+                      <a:round/>
+                      <a:headEnd type="none" w="med" len="med"/>
+                      <a:tailEnd type="none" w="med" len="med"/>
+                    </a:lnT>
+                    <a:lnB w="38100" cap="flat" cmpd="sng" algn="ctr">
+                      <a:solidFill>
+                        <a:schemeClr val="tx1"/>
+                      </a:solidFill>
+                      <a:prstDash val="solid"/>
+                      <a:round/>
+                      <a:headEnd type="none" w="med" len="med"/>
+                      <a:tailEnd type="none" w="med" len="med"/>
+                    </a:lnB>
+                    <a:lnTlToBr>
+                      <a:noFill/>
+                    </a:lnTlToBr>
+                    <a:lnBlToTr>
+                      <a:noFill/>
+                    </a:lnBlToTr>
+                    <a:noFill/>
+                  </a:tcPr>
+                </a:tc>
+                <a:tc>
+                  <a:txBody>
+                    <a:bodyPr/>
+                    <a:lstStyle/>
+                    <a:p>
+                      <a:pPr marL="0" marR="0" lvl="0" indent="0" algn="l" defTabSz="914400" rtl="0" eaLnBrk="0" fontAlgn="base" latinLnBrk="0" hangingPunct="0">
+                        <a:lnSpc>
+                          <a:spcPct val="100000"/>
+                        </a:lnSpc>
+                        <a:spcBef>
+                          <a:spcPct val="35000"/>
+                        </a:spcBef>
+                        <a:spcAft>
+                          <a:spcPct val="0"/>
+                        </a:spcAft>
+                        <a:buClrTx/>
+                        <a:buSzTx/>
+                        <a:buFontTx/>
+                        <a:buNone/>
+                        <a:tabLst/>
+                      </a:pPr>
+                      <a:r>
+                        <a:rPr kumimoji="0" lang="en-US" sz="1100" b="0" i="0" u="none" strike="noStrike" cap="none" normalizeH="0" baseline="0" dirty="0">
+                          <a:ln>
+                            <a:noFill/>
+                          </a:ln>
+                          <a:solidFill>
+                            <a:schemeClr val="tx1"/>
+                          </a:solidFill>
+                          <a:effectLst/>
+                          <a:latin typeface="Arial" pitchFamily="-112" charset="0"/>
+                          <a:ea typeface="ヒラギノ角ゴ Pro W3" pitchFamily="-112" charset="-128"/>
+                          <a:cs typeface="ヒラギノ角ゴ Pro W3" pitchFamily="-112" charset="-128"/>
+                        </a:rPr>
+                        <a:t>Bit fields for whether to create a task for sending and/or receiving messages to/from this peer.</a:t>
+                      </a:r>
+                    </a:p>
+                  </a:txBody>
+                  <a:tcPr marT="45692" marB="45692" horzOverflow="overflow">
+                    <a:lnL w="12700" cap="flat" cmpd="sng" algn="ctr">
+                      <a:solidFill>
+                        <a:schemeClr val="tx1"/>
+                      </a:solidFill>
+                      <a:prstDash val="solid"/>
+                      <a:round/>
+                      <a:headEnd type="none" w="med" len="med"/>
+                      <a:tailEnd type="none" w="med" len="med"/>
+                    </a:lnL>
+                    <a:lnR w="38100" cap="flat" cmpd="sng" algn="ctr">
+                      <a:solidFill>
+                        <a:schemeClr val="tx1"/>
+                      </a:solidFill>
+                      <a:prstDash val="solid"/>
+                      <a:round/>
+                      <a:headEnd type="none" w="med" len="med"/>
+                      <a:tailEnd type="none" w="med" len="med"/>
+                    </a:lnR>
+                    <a:lnT w="12700" cap="flat" cmpd="sng" algn="ctr">
+                      <a:solidFill>
+                        <a:schemeClr val="tx1"/>
+                      </a:solidFill>
+                      <a:prstDash val="solid"/>
+                      <a:round/>
+                      <a:headEnd type="none" w="med" len="med"/>
+                      <a:tailEnd type="none" w="med" len="med"/>
+                    </a:lnT>
+                    <a:lnB w="38100" cap="flat" cmpd="sng" algn="ctr">
+                      <a:solidFill>
+                        <a:schemeClr val="tx1"/>
+                      </a:solidFill>
+                      <a:prstDash val="solid"/>
+                      <a:round/>
+                      <a:headEnd type="none" w="med" len="med"/>
+                      <a:tailEnd type="none" w="med" len="med"/>
+                    </a:lnB>
+                    <a:lnTlToBr>
+                      <a:noFill/>
+                    </a:lnTlToBr>
+                    <a:lnBlToTr>
+                      <a:noFill/>
+                    </a:lnBlToTr>
+                    <a:noFill/>
+                  </a:tcPr>
+                </a:tc>
+                <a:extLst>
+                  <a:ext uri="{0D108BD9-81ED-4DB2-BD59-A6C34878D82A}">
+                    <a16:rowId xmlns:a16="http://schemas.microsoft.com/office/drawing/2014/main" val="753657200"/>
                   </a:ext>
                 </a:extLst>
               </a:tr>
@@ -17739,7 +18022,7 @@
               <a:pPr>
                 <a:defRPr/>
               </a:pPr>
-              <a:t>2020-05-28</a:t>
+              <a:t>2020-06-08</a:t>
             </a:fld>
             <a:endParaRPr lang="en-US"/>
           </a:p>
@@ -17784,7 +18067,7 @@
         </p:nvSpPr>
         <p:spPr>
           <a:xfrm>
-            <a:off x="287869" y="3601309"/>
+            <a:off x="287869" y="3823530"/>
             <a:ext cx="8307818" cy="1477328"/>
           </a:xfrm>
           <a:prstGeom prst="rect">
@@ -17813,7 +18096,7 @@
                 <a:latin typeface="Courier New"/>
                 <a:cs typeface="Courier New"/>
               </a:rPr>
-              <a:t>	{1, 42, 1, 2, “/dev/ttyS0”},</a:t>
+              <a:t>	{1, 42, 1, 2, “/dev/ttyS0”, SBN_POLL},</a:t>
             </a:r>
           </a:p>
           <a:p>
@@ -17823,7 +18106,7 @@
                 <a:latin typeface="Courier New"/>
                 <a:cs typeface="Courier New"/>
               </a:rPr>
-              <a:t>	{3, 42, 0, 0, “localhost:5000”},</a:t>
+              <a:t>	{3, 42, 0, 0, “localhost:5000”, SBN_TASKS},</a:t>
             </a:r>
           </a:p>
           <a:p>
@@ -17833,7 +18116,7 @@
                 <a:latin typeface="Courier New"/>
                 <a:cs typeface="Courier New"/>
               </a:rPr>
-              <a:t>	{4, 42, 0, 0, “localhost:5001”}</a:t>
+              <a:t>	{4, 42, 0, 0, “localhost:5001”, SBN_TASKS}</a:t>
             </a:r>
           </a:p>
           <a:p>
@@ -17893,14 +18176,14 @@
           <a:ln/>
           <a:extLst>
             <a:ext uri="{909E8E84-426E-40dd-AFC4-6F175D3DCCD1}">
-              <a14:hiddenFill xmlns:a14="http://schemas.microsoft.com/office/drawing/2010/main" xmlns="">
+              <a14:hiddenFill xmlns="" xmlns:a14="http://schemas.microsoft.com/office/drawing/2010/main">
                 <a:solidFill>
                   <a:srgbClr val="FFFFFF"/>
                 </a:solidFill>
               </a14:hiddenFill>
             </a:ext>
             <a:ext uri="{91240B29-F687-4f45-9708-019B960494DF}">
-              <a14:hiddenLine xmlns:a14="http://schemas.microsoft.com/office/drawing/2010/main" xmlns="" w="9525">
+              <a14:hiddenLine xmlns="" xmlns:a14="http://schemas.microsoft.com/office/drawing/2010/main" w="9525">
                 <a:solidFill>
                   <a:srgbClr val="000000"/>
                 </a:solidFill>
@@ -20990,7 +21273,7 @@
             </a:pPr>
             <a:fld id="{0F7BDA28-418C-9143-89A1-46CE07347BF0}" type="datetime1">
               <a:rPr lang="en-US"/>
-              <a:t>2020-05-28</a:t>
+              <a:t>2020-06-08</a:t>
             </a:fld>
             <a:endParaRPr lang="en-US"/>
           </a:p>
@@ -21043,14 +21326,14 @@
           </a:ln>
           <a:extLst>
             <a:ext uri="{909E8E84-426E-40dd-AFC4-6F175D3DCCD1}">
-              <a14:hiddenFill xmlns:a14="http://schemas.microsoft.com/office/drawing/2010/main" xmlns="">
+              <a14:hiddenFill xmlns="" xmlns:a14="http://schemas.microsoft.com/office/drawing/2010/main">
                 <a:solidFill>
                   <a:srgbClr val="FFFFFF"/>
                 </a:solidFill>
               </a14:hiddenFill>
             </a:ext>
             <a:ext uri="{91240B29-F687-4f45-9708-019B960494DF}">
-              <a14:hiddenLine xmlns:a14="http://schemas.microsoft.com/office/drawing/2010/main" xmlns="" w="9525">
+              <a14:hiddenLine xmlns="" xmlns:a14="http://schemas.microsoft.com/office/drawing/2010/main" w="9525">
                 <a:solidFill>
                   <a:srgbClr val="000000"/>
                 </a:solidFill>
@@ -21237,14 +21520,14 @@
           </a:ln>
           <a:extLst>
             <a:ext uri="{909E8E84-426E-40dd-AFC4-6F175D3DCCD1}">
-              <a14:hiddenFill xmlns:a14="http://schemas.microsoft.com/office/drawing/2010/main" xmlns="">
+              <a14:hiddenFill xmlns="" xmlns:a14="http://schemas.microsoft.com/office/drawing/2010/main">
                 <a:solidFill>
                   <a:srgbClr val="FFFFFF"/>
                 </a:solidFill>
               </a14:hiddenFill>
             </a:ext>
             <a:ext uri="{91240B29-F687-4f45-9708-019B960494DF}">
-              <a14:hiddenLine xmlns:a14="http://schemas.microsoft.com/office/drawing/2010/main" xmlns="" w="9525">
+              <a14:hiddenLine xmlns="" xmlns:a14="http://schemas.microsoft.com/office/drawing/2010/main" w="9525">
                 <a:solidFill>
                   <a:srgbClr val="000000"/>
                 </a:solidFill>
@@ -23348,14 +23631,14 @@
           </a:ln>
           <a:extLst>
             <a:ext uri="{909E8E84-426E-40dd-AFC4-6F175D3DCCD1}">
-              <a14:hiddenFill xmlns:a14="http://schemas.microsoft.com/office/drawing/2010/main" xmlns="">
+              <a14:hiddenFill xmlns="" xmlns:a14="http://schemas.microsoft.com/office/drawing/2010/main">
                 <a:solidFill>
                   <a:srgbClr val="FFFFFF"/>
                 </a:solidFill>
               </a14:hiddenFill>
             </a:ext>
             <a:ext uri="{91240B29-F687-4f45-9708-019B960494DF}">
-              <a14:hiddenLine xmlns:a14="http://schemas.microsoft.com/office/drawing/2010/main" xmlns="" w="9525">
+              <a14:hiddenLine xmlns="" xmlns:a14="http://schemas.microsoft.com/office/drawing/2010/main" w="9525">
                 <a:solidFill>
                   <a:srgbClr val="000000"/>
                 </a:solidFill>
@@ -23515,7 +23798,7 @@
             </a:pPr>
             <a:fld id="{59DBD478-FE4D-DB41-B957-A9DBBBBF7C99}" type="datetime1">
               <a:rPr lang="en-US"/>
-              <a:t>2020-05-28</a:t>
+              <a:t>2020-06-08</a:t>
             </a:fld>
             <a:endParaRPr lang="en-US"/>
           </a:p>
@@ -23561,14 +23844,14 @@
           <a:ln/>
           <a:extLst>
             <a:ext uri="{909E8E84-426E-40dd-AFC4-6F175D3DCCD1}">
-              <a14:hiddenFill xmlns:a14="http://schemas.microsoft.com/office/drawing/2010/main" xmlns="">
+              <a14:hiddenFill xmlns="" xmlns:a14="http://schemas.microsoft.com/office/drawing/2010/main">
                 <a:solidFill>
                   <a:srgbClr val="FFFFFF"/>
                 </a:solidFill>
               </a14:hiddenFill>
             </a:ext>
             <a:ext uri="{91240B29-F687-4f45-9708-019B960494DF}">
-              <a14:hiddenLine xmlns:a14="http://schemas.microsoft.com/office/drawing/2010/main" xmlns="" w="9525">
+              <a14:hiddenLine xmlns="" xmlns:a14="http://schemas.microsoft.com/office/drawing/2010/main" w="9525">
                 <a:solidFill>
                   <a:srgbClr val="000000"/>
                 </a:solidFill>
@@ -25373,14 +25656,14 @@
           </a:ln>
           <a:extLst>
             <a:ext uri="{909E8E84-426E-40dd-AFC4-6F175D3DCCD1}">
-              <a14:hiddenFill xmlns:a14="http://schemas.microsoft.com/office/drawing/2010/main" xmlns="">
+              <a14:hiddenFill xmlns="" xmlns:a14="http://schemas.microsoft.com/office/drawing/2010/main">
                 <a:solidFill>
                   <a:srgbClr val="FFFFFF"/>
                 </a:solidFill>
               </a14:hiddenFill>
             </a:ext>
             <a:ext uri="{91240B29-F687-4f45-9708-019B960494DF}">
-              <a14:hiddenLine xmlns:a14="http://schemas.microsoft.com/office/drawing/2010/main" xmlns="" w="9525">
+              <a14:hiddenLine xmlns="" xmlns:a14="http://schemas.microsoft.com/office/drawing/2010/main" w="9525">
                 <a:solidFill>
                   <a:srgbClr val="000000"/>
                 </a:solidFill>
@@ -25568,14 +25851,14 @@
           </a:ln>
           <a:extLst>
             <a:ext uri="{909E8E84-426E-40dd-AFC4-6F175D3DCCD1}">
-              <a14:hiddenFill xmlns:a14="http://schemas.microsoft.com/office/drawing/2010/main" xmlns="">
+              <a14:hiddenFill xmlns="" xmlns:a14="http://schemas.microsoft.com/office/drawing/2010/main">
                 <a:solidFill>
                   <a:srgbClr val="FFFFFF"/>
                 </a:solidFill>
               </a14:hiddenFill>
             </a:ext>
             <a:ext uri="{91240B29-F687-4f45-9708-019B960494DF}">
-              <a14:hiddenLine xmlns:a14="http://schemas.microsoft.com/office/drawing/2010/main" xmlns="" w="9525">
+              <a14:hiddenLine xmlns="" xmlns:a14="http://schemas.microsoft.com/office/drawing/2010/main" w="9525">
                 <a:solidFill>
                   <a:srgbClr val="000000"/>
                 </a:solidFill>
@@ -25761,7 +26044,7 @@
             </a:pPr>
             <a:fld id="{59DBD478-FE4D-DB41-B957-A9DBBBBF7C99}" type="datetime1">
               <a:rPr lang="en-US"/>
-              <a:t>2020-05-28</a:t>
+              <a:t>2020-06-08</a:t>
             </a:fld>
             <a:endParaRPr lang="en-US"/>
           </a:p>
@@ -25807,14 +26090,14 @@
           <a:ln/>
           <a:extLst>
             <a:ext uri="{909E8E84-426E-40dd-AFC4-6F175D3DCCD1}">
-              <a14:hiddenFill xmlns:a14="http://schemas.microsoft.com/office/drawing/2010/main" xmlns="">
+              <a14:hiddenFill xmlns="" xmlns:a14="http://schemas.microsoft.com/office/drawing/2010/main">
                 <a:solidFill>
                   <a:srgbClr val="FFFFFF"/>
                 </a:solidFill>
               </a14:hiddenFill>
             </a:ext>
             <a:ext uri="{91240B29-F687-4f45-9708-019B960494DF}">
-              <a14:hiddenLine xmlns:a14="http://schemas.microsoft.com/office/drawing/2010/main" xmlns="" w="9525">
+              <a14:hiddenLine xmlns="" xmlns:a14="http://schemas.microsoft.com/office/drawing/2010/main" w="9525">
                 <a:solidFill>
                   <a:srgbClr val="000000"/>
                 </a:solidFill>
@@ -30019,14 +30302,14 @@
           </a:ln>
           <a:extLst>
             <a:ext uri="{909E8E84-426E-40dd-AFC4-6F175D3DCCD1}">
-              <a14:hiddenFill xmlns:a14="http://schemas.microsoft.com/office/drawing/2010/main" xmlns="">
+              <a14:hiddenFill xmlns="" xmlns:a14="http://schemas.microsoft.com/office/drawing/2010/main">
                 <a:solidFill>
                   <a:srgbClr val="FFFFFF"/>
                 </a:solidFill>
               </a14:hiddenFill>
             </a:ext>
             <a:ext uri="{91240B29-F687-4f45-9708-019B960494DF}">
-              <a14:hiddenLine xmlns:a14="http://schemas.microsoft.com/office/drawing/2010/main" xmlns="" w="9525">
+              <a14:hiddenLine xmlns="" xmlns:a14="http://schemas.microsoft.com/office/drawing/2010/main" w="9525">
                 <a:solidFill>
                   <a:srgbClr val="000000"/>
                 </a:solidFill>
@@ -31836,14 +32119,14 @@
           </a:ln>
           <a:extLst>
             <a:ext uri="{909E8E84-426E-40dd-AFC4-6F175D3DCCD1}">
-              <a14:hiddenFill xmlns:a14="http://schemas.microsoft.com/office/drawing/2010/main" xmlns="">
+              <a14:hiddenFill xmlns="" xmlns:a14="http://schemas.microsoft.com/office/drawing/2010/main">
                 <a:solidFill>
                   <a:srgbClr val="FFFFFF"/>
                 </a:solidFill>
               </a14:hiddenFill>
             </a:ext>
             <a:ext uri="{91240B29-F687-4f45-9708-019B960494DF}">
-              <a14:hiddenLine xmlns:a14="http://schemas.microsoft.com/office/drawing/2010/main" xmlns="" w="9525">
+              <a14:hiddenLine xmlns="" xmlns:a14="http://schemas.microsoft.com/office/drawing/2010/main" w="9525">
                 <a:solidFill>
                   <a:srgbClr val="000000"/>
                 </a:solidFill>
@@ -32003,7 +32286,7 @@
             </a:pPr>
             <a:fld id="{59DBD478-FE4D-DB41-B957-A9DBBBBF7C99}" type="datetime1">
               <a:rPr lang="en-US"/>
-              <a:t>2020-05-28</a:t>
+              <a:t>2020-06-08</a:t>
             </a:fld>
             <a:endParaRPr lang="en-US"/>
           </a:p>
@@ -32049,14 +32332,14 @@
           <a:ln/>
           <a:extLst>
             <a:ext uri="{909E8E84-426E-40dd-AFC4-6F175D3DCCD1}">
-              <a14:hiddenFill xmlns:a14="http://schemas.microsoft.com/office/drawing/2010/main" xmlns="">
+              <a14:hiddenFill xmlns="" xmlns:a14="http://schemas.microsoft.com/office/drawing/2010/main">
                 <a:solidFill>
                   <a:srgbClr val="FFFFFF"/>
                 </a:solidFill>
               </a14:hiddenFill>
             </a:ext>
             <a:ext uri="{91240B29-F687-4f45-9708-019B960494DF}">
-              <a14:hiddenLine xmlns:a14="http://schemas.microsoft.com/office/drawing/2010/main" xmlns="" w="9525">
+              <a14:hiddenLine xmlns="" xmlns:a14="http://schemas.microsoft.com/office/drawing/2010/main" w="9525">
                 <a:solidFill>
                   <a:srgbClr val="000000"/>
                 </a:solidFill>
@@ -32241,14 +32524,14 @@
           <a:ln/>
           <a:extLst>
             <a:ext uri="{909E8E84-426E-40dd-AFC4-6F175D3DCCD1}">
-              <a14:hiddenFill xmlns:a14="http://schemas.microsoft.com/office/drawing/2010/main" xmlns="">
+              <a14:hiddenFill xmlns="" xmlns:a14="http://schemas.microsoft.com/office/drawing/2010/main">
                 <a:solidFill>
                   <a:srgbClr val="FFFFFF"/>
                 </a:solidFill>
               </a14:hiddenFill>
             </a:ext>
             <a:ext uri="{91240B29-F687-4f45-9708-019B960494DF}">
-              <a14:hiddenLine xmlns:a14="http://schemas.microsoft.com/office/drawing/2010/main" xmlns="" w="9525">
+              <a14:hiddenLine xmlns="" xmlns:a14="http://schemas.microsoft.com/office/drawing/2010/main" w="9525">
                 <a:solidFill>
                   <a:srgbClr val="000000"/>
                 </a:solidFill>
@@ -34106,7 +34389,7 @@
             </a:pPr>
             <a:fld id="{DA2A2AB7-0D68-F246-A81D-87CD21846C56}" type="datetime1">
               <a:rPr lang="en-US"/>
-              <a:t>2020-05-28</a:t>
+              <a:t>2020-06-08</a:t>
             </a:fld>
             <a:endParaRPr lang="en-US"/>
           </a:p>
@@ -34177,14 +34460,14 @@
           <a:ln/>
           <a:extLst>
             <a:ext uri="{909E8E84-426E-40dd-AFC4-6F175D3DCCD1}">
-              <a14:hiddenFill xmlns:a14="http://schemas.microsoft.com/office/drawing/2010/main" xmlns="">
+              <a14:hiddenFill xmlns="" xmlns:a14="http://schemas.microsoft.com/office/drawing/2010/main">
                 <a:solidFill>
                   <a:srgbClr val="FFFFFF"/>
                 </a:solidFill>
               </a14:hiddenFill>
             </a:ext>
             <a:ext uri="{91240B29-F687-4f45-9708-019B960494DF}">
-              <a14:hiddenLine xmlns:a14="http://schemas.microsoft.com/office/drawing/2010/main" xmlns="" w="9525">
+              <a14:hiddenLine xmlns="" xmlns:a14="http://schemas.microsoft.com/office/drawing/2010/main" w="9525">
                 <a:solidFill>
                   <a:srgbClr val="000000"/>
                 </a:solidFill>
@@ -35486,7 +35769,7 @@
               <a:pPr>
                 <a:defRPr/>
               </a:pPr>
-              <a:t>2020-05-28</a:t>
+              <a:t>2020-06-08</a:t>
             </a:fld>
             <a:endParaRPr lang="en-US"/>
           </a:p>
@@ -37360,14 +37643,14 @@
           <a:ln/>
           <a:extLst>
             <a:ext uri="{909E8E84-426E-40dd-AFC4-6F175D3DCCD1}">
-              <a14:hiddenFill xmlns:a14="http://schemas.microsoft.com/office/drawing/2010/main" xmlns="">
+              <a14:hiddenFill xmlns="" xmlns:a14="http://schemas.microsoft.com/office/drawing/2010/main">
                 <a:solidFill>
                   <a:srgbClr val="FFFFFF"/>
                 </a:solidFill>
               </a14:hiddenFill>
             </a:ext>
             <a:ext uri="{91240B29-F687-4f45-9708-019B960494DF}">
-              <a14:hiddenLine xmlns:a14="http://schemas.microsoft.com/office/drawing/2010/main" xmlns="" w="9525">
+              <a14:hiddenLine xmlns="" xmlns:a14="http://schemas.microsoft.com/office/drawing/2010/main" w="9525">
                 <a:solidFill>
                   <a:srgbClr val="000000"/>
                 </a:solidFill>
@@ -37529,14 +37812,14 @@
           </a:ln>
           <a:extLst>
             <a:ext uri="{909E8E84-426E-40dd-AFC4-6F175D3DCCD1}">
-              <a14:hiddenFill xmlns:a14="http://schemas.microsoft.com/office/drawing/2010/main" xmlns="">
+              <a14:hiddenFill xmlns="" xmlns:a14="http://schemas.microsoft.com/office/drawing/2010/main">
                 <a:solidFill>
                   <a:srgbClr val="FFFFFF"/>
                 </a:solidFill>
               </a14:hiddenFill>
             </a:ext>
             <a:ext uri="{91240B29-F687-4f45-9708-019B960494DF}">
-              <a14:hiddenLine xmlns:a14="http://schemas.microsoft.com/office/drawing/2010/main" xmlns="" w="9525">
+              <a14:hiddenLine xmlns="" xmlns:a14="http://schemas.microsoft.com/office/drawing/2010/main" w="9525">
                 <a:solidFill>
                   <a:srgbClr val="000000"/>
                 </a:solidFill>
@@ -37592,14 +37875,14 @@
           </a:ln>
           <a:extLst>
             <a:ext uri="{909E8E84-426E-40dd-AFC4-6F175D3DCCD1}">
-              <a14:hiddenFill xmlns:a14="http://schemas.microsoft.com/office/drawing/2010/main" xmlns="">
+              <a14:hiddenFill xmlns="" xmlns:a14="http://schemas.microsoft.com/office/drawing/2010/main">
                 <a:solidFill>
                   <a:srgbClr val="FFFFFF"/>
                 </a:solidFill>
               </a14:hiddenFill>
             </a:ext>
             <a:ext uri="{91240B29-F687-4f45-9708-019B960494DF}">
-              <a14:hiddenLine xmlns:a14="http://schemas.microsoft.com/office/drawing/2010/main" xmlns="" w="9525">
+              <a14:hiddenLine xmlns="" xmlns:a14="http://schemas.microsoft.com/office/drawing/2010/main" w="9525">
                 <a:solidFill>
                   <a:srgbClr val="000000"/>
                 </a:solidFill>
@@ -37861,7 +38144,7 @@
             </a:pPr>
             <a:fld id="{B90418B6-1B50-F34D-B458-B7530561AB98}" type="datetime1">
               <a:rPr lang="en-US"/>
-              <a:t>2020-05-28</a:t>
+              <a:t>2020-06-08</a:t>
             </a:fld>
             <a:endParaRPr lang="en-US"/>
           </a:p>
@@ -37932,14 +38215,14 @@
           <a:ln/>
           <a:extLst>
             <a:ext uri="{909E8E84-426E-40dd-AFC4-6F175D3DCCD1}">
-              <a14:hiddenFill xmlns:a14="http://schemas.microsoft.com/office/drawing/2010/main" xmlns="">
+              <a14:hiddenFill xmlns="" xmlns:a14="http://schemas.microsoft.com/office/drawing/2010/main">
                 <a:solidFill>
                   <a:srgbClr val="FFFFFF"/>
                 </a:solidFill>
               </a14:hiddenFill>
             </a:ext>
             <a:ext uri="{91240B29-F687-4f45-9708-019B960494DF}">
-              <a14:hiddenLine xmlns:a14="http://schemas.microsoft.com/office/drawing/2010/main" xmlns="" w="9525">
+              <a14:hiddenLine xmlns="" xmlns:a14="http://schemas.microsoft.com/office/drawing/2010/main" w="9525">
                 <a:solidFill>
                   <a:srgbClr val="000000"/>
                 </a:solidFill>
@@ -38128,7 +38411,7 @@
               <a:pPr>
                 <a:defRPr/>
               </a:pPr>
-              <a:t>2020-05-28</a:t>
+              <a:t>2020-06-08</a:t>
             </a:fld>
             <a:endParaRPr lang="en-US"/>
           </a:p>
@@ -38690,8 +38973,8 @@
         </p:nvSpPr>
         <p:spPr bwMode="auto">
           <a:xfrm>
-            <a:off x="6744709" y="2691728"/>
-            <a:ext cx="2057400" cy="1016000"/>
+            <a:off x="6744709" y="2456873"/>
+            <a:ext cx="2057400" cy="1250855"/>
           </a:xfrm>
           <a:prstGeom prst="accentBorderCallout1">
             <a:avLst>
@@ -38748,7 +39031,7 @@
                 <a:effectLst/>
                 <a:latin typeface="Arial" charset="0"/>
               </a:rPr>
-              <a:t>Used in</a:t>
+              <a:t>Used in “mesh”</a:t>
             </a:r>
             <a:r>
               <a:rPr kumimoji="0" lang="en-US" sz="1800" b="0" i="0" u="none" strike="noStrike" cap="none" normalizeH="0" dirty="0">
@@ -38915,14 +39198,14 @@
           <a:ln/>
           <a:extLst>
             <a:ext uri="{909E8E84-426E-40dd-AFC4-6F175D3DCCD1}">
-              <a14:hiddenFill xmlns:a14="http://schemas.microsoft.com/office/drawing/2010/main" xmlns="">
+              <a14:hiddenFill xmlns="" xmlns:a14="http://schemas.microsoft.com/office/drawing/2010/main">
                 <a:solidFill>
                   <a:srgbClr val="FFFFFF"/>
                 </a:solidFill>
               </a14:hiddenFill>
             </a:ext>
             <a:ext uri="{91240B29-F687-4f45-9708-019B960494DF}">
-              <a14:hiddenLine xmlns:a14="http://schemas.microsoft.com/office/drawing/2010/main" xmlns="" w="9525">
+              <a14:hiddenLine xmlns="" xmlns:a14="http://schemas.microsoft.com/office/drawing/2010/main" w="9525">
                 <a:solidFill>
                   <a:srgbClr val="000000"/>
                 </a:solidFill>
@@ -39084,14 +39367,14 @@
           </a:ln>
           <a:extLst>
             <a:ext uri="{909E8E84-426E-40dd-AFC4-6F175D3DCCD1}">
-              <a14:hiddenFill xmlns:a14="http://schemas.microsoft.com/office/drawing/2010/main" xmlns="">
+              <a14:hiddenFill xmlns="" xmlns:a14="http://schemas.microsoft.com/office/drawing/2010/main">
                 <a:solidFill>
                   <a:srgbClr val="FFFFFF"/>
                 </a:solidFill>
               </a14:hiddenFill>
             </a:ext>
             <a:ext uri="{91240B29-F687-4f45-9708-019B960494DF}">
-              <a14:hiddenLine xmlns:a14="http://schemas.microsoft.com/office/drawing/2010/main" xmlns="" w="9525">
+              <a14:hiddenLine xmlns="" xmlns:a14="http://schemas.microsoft.com/office/drawing/2010/main" w="9525">
                 <a:solidFill>
                   <a:srgbClr val="000000"/>
                 </a:solidFill>
@@ -39136,7 +39419,7 @@
         <p:spPr bwMode="auto">
           <a:xfrm>
             <a:off x="609600" y="1358900"/>
-            <a:ext cx="7848600" cy="4524315"/>
+            <a:ext cx="7848600" cy="4216539"/>
           </a:xfrm>
           <a:prstGeom prst="rect">
             <a:avLst/>
@@ -39147,14 +39430,14 @@
           </a:ln>
           <a:extLst>
             <a:ext uri="{909E8E84-426E-40dd-AFC4-6F175D3DCCD1}">
-              <a14:hiddenFill xmlns:a14="http://schemas.microsoft.com/office/drawing/2010/main" xmlns="">
+              <a14:hiddenFill xmlns="" xmlns:a14="http://schemas.microsoft.com/office/drawing/2010/main">
                 <a:solidFill>
                   <a:srgbClr val="FFFFFF"/>
                 </a:solidFill>
               </a14:hiddenFill>
             </a:ext>
             <a:ext uri="{91240B29-F687-4f45-9708-019B960494DF}">
-              <a14:hiddenLine xmlns:a14="http://schemas.microsoft.com/office/drawing/2010/main" xmlns="" w="9525">
+              <a14:hiddenLine xmlns="" xmlns:a14="http://schemas.microsoft.com/office/drawing/2010/main" w="9525">
                 <a:solidFill>
                   <a:srgbClr val="000000"/>
                 </a:solidFill>
@@ -39357,7 +39640,7 @@
             </a:pPr>
             <a:r>
               <a:rPr lang="en-US" sz="2000" dirty="0"/>
-              <a:t>receives messages from peers (either via “select” polling or per-peer task [compile-time configurable]) and publishes the messages locally.</a:t>
+              <a:t>receives messages from peers (either via “select” polling or per-peer task [table-configurable]) and publishes the messages locally.</a:t>
             </a:r>
           </a:p>
           <a:p>
@@ -39370,7 +39653,7 @@
             </a:pPr>
             <a:r>
               <a:rPr lang="en-US" sz="2000" dirty="0"/>
-              <a:t>gets messages for peers from the SB (either via “polling” or per-peer task [compile-time configurable]) and sends the messages to peers.</a:t>
+              <a:t>gets messages for peers from the SB (either via “polling” or per-peer task [table-configurable]) and sends the messages to peers.</a:t>
             </a:r>
           </a:p>
           <a:p>
@@ -39410,7 +39693,7 @@
             </a:pPr>
             <a:fld id="{B90418B6-1B50-F34D-B458-B7530561AB98}" type="datetime1">
               <a:rPr lang="en-US"/>
-              <a:t>2020-05-28</a:t>
+              <a:t>2020-06-08</a:t>
             </a:fld>
             <a:endParaRPr lang="en-US"/>
           </a:p>
@@ -39486,14 +39769,14 @@
           <a:ln/>
           <a:extLst>
             <a:ext uri="{909E8E84-426E-40dd-AFC4-6F175D3DCCD1}">
-              <a14:hiddenFill xmlns:a14="http://schemas.microsoft.com/office/drawing/2010/main" xmlns="">
+              <a14:hiddenFill xmlns="" xmlns:a14="http://schemas.microsoft.com/office/drawing/2010/main">
                 <a:solidFill>
                   <a:srgbClr val="FFFFFF"/>
                 </a:solidFill>
               </a14:hiddenFill>
             </a:ext>
             <a:ext uri="{91240B29-F687-4f45-9708-019B960494DF}">
-              <a14:hiddenLine xmlns:a14="http://schemas.microsoft.com/office/drawing/2010/main" xmlns="" w="9525">
+              <a14:hiddenLine xmlns="" xmlns:a14="http://schemas.microsoft.com/office/drawing/2010/main" w="9525">
                 <a:solidFill>
                   <a:srgbClr val="000000"/>
                 </a:solidFill>
@@ -39655,14 +39938,14 @@
           </a:ln>
           <a:extLst>
             <a:ext uri="{909E8E84-426E-40dd-AFC4-6F175D3DCCD1}">
-              <a14:hiddenFill xmlns:a14="http://schemas.microsoft.com/office/drawing/2010/main" xmlns="">
+              <a14:hiddenFill xmlns="" xmlns:a14="http://schemas.microsoft.com/office/drawing/2010/main">
                 <a:solidFill>
                   <a:srgbClr val="FFFFFF"/>
                 </a:solidFill>
               </a14:hiddenFill>
             </a:ext>
             <a:ext uri="{91240B29-F687-4f45-9708-019B960494DF}">
-              <a14:hiddenLine xmlns:a14="http://schemas.microsoft.com/office/drawing/2010/main" xmlns="" w="9525">
+              <a14:hiddenLine xmlns="" xmlns:a14="http://schemas.microsoft.com/office/drawing/2010/main" w="9525">
                 <a:solidFill>
                   <a:srgbClr val="000000"/>
                 </a:solidFill>
@@ -39718,14 +40001,14 @@
           </a:ln>
           <a:extLst>
             <a:ext uri="{909E8E84-426E-40dd-AFC4-6F175D3DCCD1}">
-              <a14:hiddenFill xmlns:a14="http://schemas.microsoft.com/office/drawing/2010/main" xmlns="">
+              <a14:hiddenFill xmlns="" xmlns:a14="http://schemas.microsoft.com/office/drawing/2010/main">
                 <a:solidFill>
                   <a:srgbClr val="FFFFFF"/>
                 </a:solidFill>
               </a14:hiddenFill>
             </a:ext>
             <a:ext uri="{91240B29-F687-4f45-9708-019B960494DF}">
-              <a14:hiddenLine xmlns:a14="http://schemas.microsoft.com/office/drawing/2010/main" xmlns="" w="9525">
+              <a14:hiddenLine xmlns="" xmlns:a14="http://schemas.microsoft.com/office/drawing/2010/main" w="9525">
                 <a:solidFill>
                   <a:srgbClr val="000000"/>
                 </a:solidFill>
@@ -40015,7 +40298,7 @@
             </a:pPr>
             <a:fld id="{B90418B6-1B50-F34D-B458-B7530561AB98}" type="datetime1">
               <a:rPr lang="en-US"/>
-              <a:t>2020-05-28</a:t>
+              <a:t>2020-06-08</a:t>
             </a:fld>
             <a:endParaRPr lang="en-US"/>
           </a:p>
@@ -40091,14 +40374,14 @@
           <a:ln/>
           <a:extLst>
             <a:ext uri="{909E8E84-426E-40dd-AFC4-6F175D3DCCD1}">
-              <a14:hiddenFill xmlns:a14="http://schemas.microsoft.com/office/drawing/2010/main" xmlns="">
+              <a14:hiddenFill xmlns="" xmlns:a14="http://schemas.microsoft.com/office/drawing/2010/main">
                 <a:solidFill>
                   <a:srgbClr val="FFFFFF"/>
                 </a:solidFill>
               </a14:hiddenFill>
             </a:ext>
             <a:ext uri="{91240B29-F687-4f45-9708-019B960494DF}">
-              <a14:hiddenLine xmlns:a14="http://schemas.microsoft.com/office/drawing/2010/main" xmlns="" w="9525">
+              <a14:hiddenLine xmlns="" xmlns:a14="http://schemas.microsoft.com/office/drawing/2010/main" w="9525">
                 <a:solidFill>
                   <a:srgbClr val="000000"/>
                 </a:solidFill>
@@ -40260,14 +40543,14 @@
           </a:ln>
           <a:extLst>
             <a:ext uri="{909E8E84-426E-40dd-AFC4-6F175D3DCCD1}">
-              <a14:hiddenFill xmlns:a14="http://schemas.microsoft.com/office/drawing/2010/main" xmlns="">
+              <a14:hiddenFill xmlns="" xmlns:a14="http://schemas.microsoft.com/office/drawing/2010/main">
                 <a:solidFill>
                   <a:srgbClr val="FFFFFF"/>
                 </a:solidFill>
               </a14:hiddenFill>
             </a:ext>
             <a:ext uri="{91240B29-F687-4f45-9708-019B960494DF}">
-              <a14:hiddenLine xmlns:a14="http://schemas.microsoft.com/office/drawing/2010/main" xmlns="" w="9525">
+              <a14:hiddenLine xmlns="" xmlns:a14="http://schemas.microsoft.com/office/drawing/2010/main" w="9525">
                 <a:solidFill>
                   <a:srgbClr val="000000"/>
                 </a:solidFill>
@@ -40312,7 +40595,7 @@
         <p:spPr bwMode="auto">
           <a:xfrm>
             <a:off x="609600" y="1358900"/>
-            <a:ext cx="7848600" cy="3721019"/>
+            <a:ext cx="7848600" cy="4219617"/>
           </a:xfrm>
           <a:prstGeom prst="rect">
             <a:avLst/>
@@ -40323,14 +40606,14 @@
           </a:ln>
           <a:extLst>
             <a:ext uri="{909E8E84-426E-40dd-AFC4-6F175D3DCCD1}">
-              <a14:hiddenFill xmlns:a14="http://schemas.microsoft.com/office/drawing/2010/main" xmlns="">
+              <a14:hiddenFill xmlns="" xmlns:a14="http://schemas.microsoft.com/office/drawing/2010/main">
                 <a:solidFill>
                   <a:srgbClr val="FFFFFF"/>
                 </a:solidFill>
               </a14:hiddenFill>
             </a:ext>
             <a:ext uri="{91240B29-F687-4f45-9708-019B960494DF}">
-              <a14:hiddenLine xmlns:a14="http://schemas.microsoft.com/office/drawing/2010/main" xmlns="" w="9525">
+              <a14:hiddenLine xmlns="" xmlns:a14="http://schemas.microsoft.com/office/drawing/2010/main" w="9525">
                 <a:solidFill>
                   <a:srgbClr val="000000"/>
                 </a:solidFill>
@@ -40588,6 +40871,19 @@
               <a:t>SBN 1.11 @e046721 – Command secondary headers always big-endian on local bus.</a:t>
             </a:r>
           </a:p>
+          <a:p>
+            <a:pPr marL="461963" indent="-461963" algn="l">
+              <a:spcBef>
+                <a:spcPct val="35000"/>
+              </a:spcBef>
+            </a:pPr>
+            <a:r>
+              <a:rPr lang="en-US" sz="1800" dirty="0">
+                <a:cs typeface="Times New Roman" charset="0"/>
+              </a:rPr>
+              <a:t>SBN 1.12 @ c61d830 – Task/poll logic table-configured.</a:t>
+            </a:r>
+          </a:p>
         </p:txBody>
       </p:sp>
       <p:sp>
@@ -40610,7 +40906,7 @@
             </a:pPr>
             <a:fld id="{B90418B6-1B50-F34D-B458-B7530561AB98}" type="datetime1">
               <a:rPr lang="en-US"/>
-              <a:t>2020-05-28</a:t>
+              <a:t>2020-06-08</a:t>
             </a:fld>
             <a:endParaRPr lang="en-US"/>
           </a:p>
@@ -40686,14 +40982,14 @@
           <a:ln/>
           <a:extLst>
             <a:ext uri="{909E8E84-426E-40dd-AFC4-6F175D3DCCD1}">
-              <a14:hiddenFill xmlns:a14="http://schemas.microsoft.com/office/drawing/2010/main" xmlns="">
+              <a14:hiddenFill xmlns="" xmlns:a14="http://schemas.microsoft.com/office/drawing/2010/main">
                 <a:solidFill>
                   <a:srgbClr val="FFFFFF"/>
                 </a:solidFill>
               </a14:hiddenFill>
             </a:ext>
             <a:ext uri="{91240B29-F687-4f45-9708-019B960494DF}">
-              <a14:hiddenLine xmlns:a14="http://schemas.microsoft.com/office/drawing/2010/main" xmlns="" w="9525">
+              <a14:hiddenLine xmlns="" xmlns:a14="http://schemas.microsoft.com/office/drawing/2010/main" w="9525">
                 <a:solidFill>
                   <a:srgbClr val="000000"/>
                 </a:solidFill>
@@ -40855,14 +41151,14 @@
           </a:ln>
           <a:extLst>
             <a:ext uri="{909E8E84-426E-40dd-AFC4-6F175D3DCCD1}">
-              <a14:hiddenFill xmlns:a14="http://schemas.microsoft.com/office/drawing/2010/main" xmlns="">
+              <a14:hiddenFill xmlns="" xmlns:a14="http://schemas.microsoft.com/office/drawing/2010/main">
                 <a:solidFill>
                   <a:srgbClr val="FFFFFF"/>
                 </a:solidFill>
               </a14:hiddenFill>
             </a:ext>
             <a:ext uri="{91240B29-F687-4f45-9708-019B960494DF}">
-              <a14:hiddenLine xmlns:a14="http://schemas.microsoft.com/office/drawing/2010/main" xmlns="" w="9525">
+              <a14:hiddenLine xmlns="" xmlns:a14="http://schemas.microsoft.com/office/drawing/2010/main" w="9525">
                 <a:solidFill>
                   <a:srgbClr val="000000"/>
                 </a:solidFill>
@@ -41073,7 +41369,7 @@
             </a:pPr>
             <a:fld id="{05B289AB-880F-764B-B46B-97A10573CB72}" type="datetime1">
               <a:rPr lang="en-US"/>
-              <a:t>2020-05-28</a:t>
+              <a:t>2020-06-08</a:t>
             </a:fld>
             <a:endParaRPr lang="en-US"/>
           </a:p>
@@ -42275,14 +42571,14 @@
           </a:ln>
           <a:extLst>
             <a:ext uri="{909E8E84-426E-40dd-AFC4-6F175D3DCCD1}">
-              <a14:hiddenFill xmlns:a14="http://schemas.microsoft.com/office/drawing/2010/main" xmlns="">
+              <a14:hiddenFill xmlns="" xmlns:a14="http://schemas.microsoft.com/office/drawing/2010/main">
                 <a:solidFill>
                   <a:srgbClr val="FFFFFF"/>
                 </a:solidFill>
               </a14:hiddenFill>
             </a:ext>
             <a:ext uri="{91240B29-F687-4f45-9708-019B960494DF}">
-              <a14:hiddenLine xmlns:a14="http://schemas.microsoft.com/office/drawing/2010/main" xmlns="" w="9525">
+              <a14:hiddenLine xmlns="" xmlns:a14="http://schemas.microsoft.com/office/drawing/2010/main" w="9525">
                 <a:solidFill>
                   <a:srgbClr val="000000"/>
                 </a:solidFill>
@@ -42475,7 +42771,7 @@
           </a:ln>
           <a:extLst>
             <a:ext uri="{909E8E84-426E-40dd-AFC4-6F175D3DCCD1}">
-              <a14:hiddenFill xmlns:a14="http://schemas.microsoft.com/office/drawing/2010/main" xmlns="">
+              <a14:hiddenFill xmlns="" xmlns:a14="http://schemas.microsoft.com/office/drawing/2010/main">
                 <a:noFill/>
               </a14:hiddenFill>
             </a:ext>
@@ -42550,7 +42846,7 @@
             </a:pPr>
             <a:fld id="{E4B56D29-4AFD-2543-B780-B0364A4E64D6}" type="datetime1">
               <a:rPr lang="en-US"/>
-              <a:t>2020-05-28</a:t>
+              <a:t>2020-06-08</a:t>
             </a:fld>
             <a:endParaRPr lang="en-US"/>
           </a:p>
@@ -42596,14 +42892,14 @@
           <a:ln/>
           <a:extLst>
             <a:ext uri="{909E8E84-426E-40dd-AFC4-6F175D3DCCD1}">
-              <a14:hiddenFill xmlns:a14="http://schemas.microsoft.com/office/drawing/2010/main" xmlns="">
+              <a14:hiddenFill xmlns="" xmlns:a14="http://schemas.microsoft.com/office/drawing/2010/main">
                 <a:solidFill>
                   <a:srgbClr val="FFFFFF"/>
                 </a:solidFill>
               </a14:hiddenFill>
             </a:ext>
             <a:ext uri="{91240B29-F687-4f45-9708-019B960494DF}">
-              <a14:hiddenLine xmlns:a14="http://schemas.microsoft.com/office/drawing/2010/main" xmlns="" w="9525">
+              <a14:hiddenLine xmlns="" xmlns:a14="http://schemas.microsoft.com/office/drawing/2010/main" w="9525">
                 <a:solidFill>
                   <a:srgbClr val="000000"/>
                 </a:solidFill>
@@ -44322,14 +44618,14 @@
           <a:ln/>
           <a:extLst>
             <a:ext uri="{909E8E84-426E-40dd-AFC4-6F175D3DCCD1}">
-              <a14:hiddenFill xmlns:a14="http://schemas.microsoft.com/office/drawing/2010/main" xmlns="">
+              <a14:hiddenFill xmlns="" xmlns:a14="http://schemas.microsoft.com/office/drawing/2010/main">
                 <a:solidFill>
                   <a:srgbClr val="FFFFFF"/>
                 </a:solidFill>
               </a14:hiddenFill>
             </a:ext>
             <a:ext uri="{91240B29-F687-4f45-9708-019B960494DF}">
-              <a14:hiddenLine xmlns:a14="http://schemas.microsoft.com/office/drawing/2010/main" xmlns="" w="9525">
+              <a14:hiddenLine xmlns="" xmlns:a14="http://schemas.microsoft.com/office/drawing/2010/main" w="9525">
                 <a:solidFill>
                   <a:srgbClr val="000000"/>
                 </a:solidFill>
@@ -44489,7 +44785,7 @@
             </a:pPr>
             <a:fld id="{B58AE35B-4B8A-B14C-A608-7A3AEEBA245B}" type="datetime1">
               <a:rPr lang="en-US"/>
-              <a:t>2020-05-28</a:t>
+              <a:t>2020-06-08</a:t>
             </a:fld>
             <a:endParaRPr lang="en-US"/>
           </a:p>
@@ -46096,14 +46392,14 @@
           <a:ln/>
           <a:extLst>
             <a:ext uri="{909E8E84-426E-40dd-AFC4-6F175D3DCCD1}">
-              <a14:hiddenFill xmlns:a14="http://schemas.microsoft.com/office/drawing/2010/main" xmlns="">
+              <a14:hiddenFill xmlns="" xmlns:a14="http://schemas.microsoft.com/office/drawing/2010/main">
                 <a:solidFill>
                   <a:srgbClr val="FFFFFF"/>
                 </a:solidFill>
               </a14:hiddenFill>
             </a:ext>
             <a:ext uri="{91240B29-F687-4f45-9708-019B960494DF}">
-              <a14:hiddenLine xmlns:a14="http://schemas.microsoft.com/office/drawing/2010/main" xmlns="" w="9525">
+              <a14:hiddenLine xmlns="" xmlns:a14="http://schemas.microsoft.com/office/drawing/2010/main" w="9525">
                 <a:solidFill>
                   <a:srgbClr val="000000"/>
                 </a:solidFill>
@@ -46263,7 +46559,7 @@
             </a:pPr>
             <a:fld id="{B58AE35B-4B8A-B14C-A608-7A3AEEBA245B}" type="datetime1">
               <a:rPr lang="en-US"/>
-              <a:t>2020-05-28</a:t>
+              <a:t>2020-06-08</a:t>
             </a:fld>
             <a:endParaRPr lang="en-US"/>
           </a:p>

--- a/doc/SBN_Design.pptx
+++ b/doc/SBN_Design.pptx
@@ -5,10 +5,10 @@
     <p:sldMasterId id="2147483649" r:id="rId1"/>
   </p:sldMasterIdLst>
   <p:notesMasterIdLst>
-    <p:notesMasterId r:id="rId22"/>
+    <p:notesMasterId r:id="rId23"/>
   </p:notesMasterIdLst>
   <p:handoutMasterIdLst>
-    <p:handoutMasterId r:id="rId23"/>
+    <p:handoutMasterId r:id="rId24"/>
   </p:handoutMasterIdLst>
   <p:sldIdLst>
     <p:sldId id="437" r:id="rId2"/>
@@ -16,21 +16,22 @@
     <p:sldId id="477" r:id="rId4"/>
     <p:sldId id="482" r:id="rId5"/>
     <p:sldId id="483" r:id="rId6"/>
-    <p:sldId id="467" r:id="rId7"/>
-    <p:sldId id="462" r:id="rId8"/>
-    <p:sldId id="468" r:id="rId9"/>
-    <p:sldId id="486" r:id="rId10"/>
-    <p:sldId id="485" r:id="rId11"/>
-    <p:sldId id="484" r:id="rId12"/>
-    <p:sldId id="473" r:id="rId13"/>
-    <p:sldId id="476" r:id="rId14"/>
-    <p:sldId id="409" r:id="rId15"/>
-    <p:sldId id="449" r:id="rId16"/>
-    <p:sldId id="470" r:id="rId17"/>
-    <p:sldId id="471" r:id="rId18"/>
-    <p:sldId id="408" r:id="rId19"/>
-    <p:sldId id="479" r:id="rId20"/>
-    <p:sldId id="478" r:id="rId21"/>
+    <p:sldId id="487" r:id="rId7"/>
+    <p:sldId id="467" r:id="rId8"/>
+    <p:sldId id="462" r:id="rId9"/>
+    <p:sldId id="468" r:id="rId10"/>
+    <p:sldId id="486" r:id="rId11"/>
+    <p:sldId id="485" r:id="rId12"/>
+    <p:sldId id="484" r:id="rId13"/>
+    <p:sldId id="473" r:id="rId14"/>
+    <p:sldId id="476" r:id="rId15"/>
+    <p:sldId id="409" r:id="rId16"/>
+    <p:sldId id="449" r:id="rId17"/>
+    <p:sldId id="470" r:id="rId18"/>
+    <p:sldId id="471" r:id="rId19"/>
+    <p:sldId id="408" r:id="rId20"/>
+    <p:sldId id="479" r:id="rId21"/>
+    <p:sldId id="478" r:id="rId22"/>
   </p:sldIdLst>
   <p:sldSz cx="9144000" cy="6858000" type="screen4x3"/>
   <p:notesSz cx="6858000" cy="9144000"/>
@@ -589,10 +590,10 @@
           </a:ln>
           <a:extLst>
             <a:ext uri="{FAA26D3D-D897-4be2-8F04-BA451C77F1D7}">
-              <ma14:placeholderFlag xmlns="" xmlns:ma14="http://schemas.microsoft.com/office/mac/drawingml/2011/main" val="1"/>
+              <ma14:placeholderFlag xmlns:ma14="http://schemas.microsoft.com/office/mac/drawingml/2011/main" xmlns="" val="1"/>
             </a:ext>
             <a:ext uri="{909E8E84-426E-40dd-AFC4-6F175D3DCCD1}">
-              <a14:hiddenFill xmlns="" xmlns:a14="http://schemas.microsoft.com/office/drawing/2010/main">
+              <a14:hiddenFill xmlns:a14="http://schemas.microsoft.com/office/drawing/2010/main" xmlns="">
                 <a:solidFill>
                   <a:srgbClr val="FFFFFF"/>
                 </a:solidFill>
@@ -944,14 +945,14 @@
           <a:ln/>
           <a:extLst>
             <a:ext uri="{909E8E84-426E-40dd-AFC4-6F175D3DCCD1}">
-              <a14:hiddenFill xmlns="" xmlns:a14="http://schemas.microsoft.com/office/drawing/2010/main">
+              <a14:hiddenFill xmlns:a14="http://schemas.microsoft.com/office/drawing/2010/main" xmlns="">
                 <a:solidFill>
                   <a:srgbClr val="FFFFFF"/>
                 </a:solidFill>
               </a14:hiddenFill>
             </a:ext>
             <a:ext uri="{91240B29-F687-4f45-9708-019B960494DF}">
-              <a14:hiddenLine xmlns="" xmlns:a14="http://schemas.microsoft.com/office/drawing/2010/main" w="9525">
+              <a14:hiddenLine xmlns:a14="http://schemas.microsoft.com/office/drawing/2010/main" xmlns="" w="9525">
                 <a:solidFill>
                   <a:srgbClr val="000000"/>
                 </a:solidFill>
@@ -1118,17 +1119,17 @@
           <a:ln/>
           <a:extLst>
             <a:ext uri="{FAA26D3D-D897-4be2-8F04-BA451C77F1D7}">
-              <ma14:placeholderFlag xmlns="" xmlns:ma14="http://schemas.microsoft.com/office/mac/drawingml/2011/main" val="1"/>
+              <ma14:placeholderFlag xmlns:ma14="http://schemas.microsoft.com/office/mac/drawingml/2011/main" xmlns="" val="1"/>
             </a:ext>
             <a:ext uri="{909E8E84-426E-40dd-AFC4-6F175D3DCCD1}">
-              <a14:hiddenFill xmlns="" xmlns:a14="http://schemas.microsoft.com/office/drawing/2010/main">
+              <a14:hiddenFill xmlns:a14="http://schemas.microsoft.com/office/drawing/2010/main" xmlns="">
                 <a:solidFill>
                   <a:srgbClr val="FFFFFF"/>
                 </a:solidFill>
               </a14:hiddenFill>
             </a:ext>
             <a:ext uri="{91240B29-F687-4f45-9708-019B960494DF}">
-              <a14:hiddenLine xmlns="" xmlns:a14="http://schemas.microsoft.com/office/drawing/2010/main" w="9525">
+              <a14:hiddenLine xmlns:a14="http://schemas.microsoft.com/office/drawing/2010/main" xmlns="" w="9525">
                 <a:solidFill>
                   <a:srgbClr val="000000"/>
                 </a:solidFill>
@@ -1178,34 +1179,27 @@
       </p:grpSpPr>
       <p:sp>
         <p:nvSpPr>
-          <p:cNvPr id="35841" name="Rectangle 6"/>
-          <p:cNvSpPr txBox="1">
+          <p:cNvPr id="31745" name="Rectangle 6"/>
+          <p:cNvSpPr>
             <a:spLocks noGrp="1" noChangeArrowheads="1"/>
           </p:cNvSpPr>
-          <p:nvPr/>
+          <p:nvPr>
+            <p:ph type="ftr" sz="quarter" idx="4"/>
+          </p:nvPr>
         </p:nvSpPr>
-        <p:spPr bwMode="auto">
-          <a:xfrm>
-            <a:off x="0" y="8685213"/>
-            <a:ext cx="2971800" cy="457200"/>
-          </a:xfrm>
-          <a:prstGeom prst="rect">
-            <a:avLst/>
-          </a:prstGeom>
+        <p:spPr>
           <a:noFill/>
-          <a:ln>
-            <a:noFill/>
-          </a:ln>
+          <a:ln/>
           <a:extLst>
             <a:ext uri="{909E8E84-426E-40dd-AFC4-6F175D3DCCD1}">
-              <a14:hiddenFill xmlns="" xmlns:a14="http://schemas.microsoft.com/office/drawing/2010/main">
+              <a14:hiddenFill xmlns:a14="http://schemas.microsoft.com/office/drawing/2010/main" xmlns="">
                 <a:solidFill>
                   <a:srgbClr val="FFFFFF"/>
                 </a:solidFill>
               </a14:hiddenFill>
             </a:ext>
             <a:ext uri="{91240B29-F687-4f45-9708-019B960494DF}">
-              <a14:hiddenLine xmlns="" xmlns:a14="http://schemas.microsoft.com/office/drawing/2010/main" w="9525">
+              <a14:hiddenLine xmlns:a14="http://schemas.microsoft.com/office/drawing/2010/main" xmlns="" w="9525">
                 <a:solidFill>
                   <a:srgbClr val="000000"/>
                 </a:solidFill>
@@ -1217,7 +1211,7 @@
           </a:extLst>
         </p:spPr>
         <p:txBody>
-          <a:bodyPr anchor="b"/>
+          <a:bodyPr/>
           <a:lstStyle>
             <a:lvl1pPr eaLnBrk="0" hangingPunct="0">
               <a:defRPr sz="2400">
@@ -1335,7 +1329,7 @@
             </a:lvl9pPr>
           </a:lstStyle>
           <a:p>
-            <a:pPr algn="l" eaLnBrk="1" hangingPunct="1"/>
+            <a:pPr eaLnBrk="1" hangingPunct="1"/>
             <a:r>
               <a:rPr lang="en-US" sz="1200"/>
               <a:t>testnotes</a:t>
@@ -1345,7 +1339,7 @@
       </p:sp>
       <p:sp>
         <p:nvSpPr>
-          <p:cNvPr id="35842" name="Rectangle 2"/>
+          <p:cNvPr id="31746" name="Rectangle 2"/>
           <p:cNvSpPr>
             <a:spLocks noGrp="1" noRot="1" noChangeAspect="1" noChangeArrowheads="1" noTextEdit="1"/>
           </p:cNvSpPr>
@@ -1359,7 +1353,7 @@
       </p:sp>
       <p:sp>
         <p:nvSpPr>
-          <p:cNvPr id="35843" name="Rectangle 3"/>
+          <p:cNvPr id="31747" name="Rectangle 3"/>
           <p:cNvSpPr>
             <a:spLocks noGrp="1" noChangeArrowheads="1"/>
           </p:cNvSpPr>
@@ -1372,17 +1366,17 @@
           <a:ln/>
           <a:extLst>
             <a:ext uri="{FAA26D3D-D897-4be2-8F04-BA451C77F1D7}">
-              <ma14:placeholderFlag xmlns="" xmlns:ma14="http://schemas.microsoft.com/office/mac/drawingml/2011/main" val="1"/>
+              <ma14:placeholderFlag xmlns:ma14="http://schemas.microsoft.com/office/mac/drawingml/2011/main" xmlns="" val="1"/>
             </a:ext>
             <a:ext uri="{909E8E84-426E-40dd-AFC4-6F175D3DCCD1}">
-              <a14:hiddenFill xmlns="" xmlns:a14="http://schemas.microsoft.com/office/drawing/2010/main">
+              <a14:hiddenFill xmlns:a14="http://schemas.microsoft.com/office/drawing/2010/main" xmlns="">
                 <a:solidFill>
                   <a:srgbClr val="FFFFFF"/>
                 </a:solidFill>
               </a14:hiddenFill>
             </a:ext>
             <a:ext uri="{91240B29-F687-4f45-9708-019B960494DF}">
-              <a14:hiddenLine xmlns="" xmlns:a14="http://schemas.microsoft.com/office/drawing/2010/main" w="9525">
+              <a14:hiddenLine xmlns:a14="http://schemas.microsoft.com/office/drawing/2010/main" xmlns="" w="9525">
                 <a:solidFill>
                   <a:srgbClr val="000000"/>
                 </a:solidFill>
@@ -1452,14 +1446,14 @@
           </a:ln>
           <a:extLst>
             <a:ext uri="{909E8E84-426E-40dd-AFC4-6F175D3DCCD1}">
-              <a14:hiddenFill xmlns="" xmlns:a14="http://schemas.microsoft.com/office/drawing/2010/main">
+              <a14:hiddenFill xmlns:a14="http://schemas.microsoft.com/office/drawing/2010/main" xmlns="">
                 <a:solidFill>
                   <a:srgbClr val="FFFFFF"/>
                 </a:solidFill>
               </a14:hiddenFill>
             </a:ext>
             <a:ext uri="{91240B29-F687-4f45-9708-019B960494DF}">
-              <a14:hiddenLine xmlns="" xmlns:a14="http://schemas.microsoft.com/office/drawing/2010/main" w="9525">
+              <a14:hiddenLine xmlns:a14="http://schemas.microsoft.com/office/drawing/2010/main" xmlns="" w="9525">
                 <a:solidFill>
                   <a:srgbClr val="000000"/>
                 </a:solidFill>
@@ -1626,17 +1620,17 @@
           <a:ln/>
           <a:extLst>
             <a:ext uri="{FAA26D3D-D897-4be2-8F04-BA451C77F1D7}">
-              <ma14:placeholderFlag xmlns="" xmlns:ma14="http://schemas.microsoft.com/office/mac/drawingml/2011/main" val="1"/>
+              <ma14:placeholderFlag xmlns:ma14="http://schemas.microsoft.com/office/mac/drawingml/2011/main" xmlns="" val="1"/>
             </a:ext>
             <a:ext uri="{909E8E84-426E-40dd-AFC4-6F175D3DCCD1}">
-              <a14:hiddenFill xmlns="" xmlns:a14="http://schemas.microsoft.com/office/drawing/2010/main">
+              <a14:hiddenFill xmlns:a14="http://schemas.microsoft.com/office/drawing/2010/main" xmlns="">
                 <a:solidFill>
                   <a:srgbClr val="FFFFFF"/>
                 </a:solidFill>
               </a14:hiddenFill>
             </a:ext>
             <a:ext uri="{91240B29-F687-4f45-9708-019B960494DF}">
-              <a14:hiddenLine xmlns="" xmlns:a14="http://schemas.microsoft.com/office/drawing/2010/main" w="9525">
+              <a14:hiddenLine xmlns:a14="http://schemas.microsoft.com/office/drawing/2010/main" xmlns="" w="9525">
                 <a:solidFill>
                   <a:srgbClr val="000000"/>
                 </a:solidFill>
@@ -1706,14 +1700,14 @@
           </a:ln>
           <a:extLst>
             <a:ext uri="{909E8E84-426E-40dd-AFC4-6F175D3DCCD1}">
-              <a14:hiddenFill xmlns="" xmlns:a14="http://schemas.microsoft.com/office/drawing/2010/main">
+              <a14:hiddenFill xmlns:a14="http://schemas.microsoft.com/office/drawing/2010/main" xmlns="">
                 <a:solidFill>
                   <a:srgbClr val="FFFFFF"/>
                 </a:solidFill>
               </a14:hiddenFill>
             </a:ext>
             <a:ext uri="{91240B29-F687-4f45-9708-019B960494DF}">
-              <a14:hiddenLine xmlns="" xmlns:a14="http://schemas.microsoft.com/office/drawing/2010/main" w="9525">
+              <a14:hiddenLine xmlns:a14="http://schemas.microsoft.com/office/drawing/2010/main" xmlns="" w="9525">
                 <a:solidFill>
                   <a:srgbClr val="000000"/>
                 </a:solidFill>
@@ -1880,17 +1874,17 @@
           <a:ln/>
           <a:extLst>
             <a:ext uri="{FAA26D3D-D897-4be2-8F04-BA451C77F1D7}">
-              <ma14:placeholderFlag xmlns="" xmlns:ma14="http://schemas.microsoft.com/office/mac/drawingml/2011/main" val="1"/>
+              <ma14:placeholderFlag xmlns:ma14="http://schemas.microsoft.com/office/mac/drawingml/2011/main" xmlns="" val="1"/>
             </a:ext>
             <a:ext uri="{909E8E84-426E-40dd-AFC4-6F175D3DCCD1}">
-              <a14:hiddenFill xmlns="" xmlns:a14="http://schemas.microsoft.com/office/drawing/2010/main">
+              <a14:hiddenFill xmlns:a14="http://schemas.microsoft.com/office/drawing/2010/main" xmlns="">
                 <a:solidFill>
                   <a:srgbClr val="FFFFFF"/>
                 </a:solidFill>
               </a14:hiddenFill>
             </a:ext>
             <a:ext uri="{91240B29-F687-4f45-9708-019B960494DF}">
-              <a14:hiddenLine xmlns="" xmlns:a14="http://schemas.microsoft.com/office/drawing/2010/main" w="9525">
+              <a14:hiddenLine xmlns:a14="http://schemas.microsoft.com/office/drawing/2010/main" xmlns="" w="9525">
                 <a:solidFill>
                   <a:srgbClr val="000000"/>
                 </a:solidFill>
@@ -1940,27 +1934,34 @@
       </p:grpSpPr>
       <p:sp>
         <p:nvSpPr>
-          <p:cNvPr id="41985" name="Rectangle 6"/>
-          <p:cNvSpPr>
+          <p:cNvPr id="35841" name="Rectangle 6"/>
+          <p:cNvSpPr txBox="1">
             <a:spLocks noGrp="1" noChangeArrowheads="1"/>
           </p:cNvSpPr>
-          <p:nvPr>
-            <p:ph type="ftr" sz="quarter" idx="4"/>
-          </p:nvPr>
+          <p:nvPr/>
         </p:nvSpPr>
-        <p:spPr>
+        <p:spPr bwMode="auto">
+          <a:xfrm>
+            <a:off x="0" y="8685213"/>
+            <a:ext cx="2971800" cy="457200"/>
+          </a:xfrm>
+          <a:prstGeom prst="rect">
+            <a:avLst/>
+          </a:prstGeom>
           <a:noFill/>
-          <a:ln/>
+          <a:ln>
+            <a:noFill/>
+          </a:ln>
           <a:extLst>
             <a:ext uri="{909E8E84-426E-40dd-AFC4-6F175D3DCCD1}">
-              <a14:hiddenFill xmlns="" xmlns:a14="http://schemas.microsoft.com/office/drawing/2010/main">
+              <a14:hiddenFill xmlns:a14="http://schemas.microsoft.com/office/drawing/2010/main" xmlns="">
                 <a:solidFill>
                   <a:srgbClr val="FFFFFF"/>
                 </a:solidFill>
               </a14:hiddenFill>
             </a:ext>
             <a:ext uri="{91240B29-F687-4f45-9708-019B960494DF}">
-              <a14:hiddenLine xmlns="" xmlns:a14="http://schemas.microsoft.com/office/drawing/2010/main" w="9525">
+              <a14:hiddenLine xmlns:a14="http://schemas.microsoft.com/office/drawing/2010/main" xmlns="" w="9525">
                 <a:solidFill>
                   <a:srgbClr val="000000"/>
                 </a:solidFill>
@@ -1972,7 +1973,7 @@
           </a:extLst>
         </p:spPr>
         <p:txBody>
-          <a:bodyPr/>
+          <a:bodyPr anchor="b"/>
           <a:lstStyle>
             <a:lvl1pPr eaLnBrk="0" hangingPunct="0">
               <a:defRPr sz="2400">
@@ -2090,7 +2091,7 @@
             </a:lvl9pPr>
           </a:lstStyle>
           <a:p>
-            <a:pPr eaLnBrk="1" hangingPunct="1"/>
+            <a:pPr algn="l" eaLnBrk="1" hangingPunct="1"/>
             <a:r>
               <a:rPr lang="en-US" sz="1200"/>
               <a:t>testnotes</a:t>
@@ -2100,7 +2101,7 @@
       </p:sp>
       <p:sp>
         <p:nvSpPr>
-          <p:cNvPr id="41986" name="Rectangle 2"/>
+          <p:cNvPr id="35842" name="Rectangle 2"/>
           <p:cNvSpPr>
             <a:spLocks noGrp="1" noRot="1" noChangeAspect="1" noChangeArrowheads="1" noTextEdit="1"/>
           </p:cNvSpPr>
@@ -2114,7 +2115,7 @@
       </p:sp>
       <p:sp>
         <p:nvSpPr>
-          <p:cNvPr id="41987" name="Rectangle 3"/>
+          <p:cNvPr id="35843" name="Rectangle 3"/>
           <p:cNvSpPr>
             <a:spLocks noGrp="1" noChangeArrowheads="1"/>
           </p:cNvSpPr>
@@ -2127,17 +2128,17 @@
           <a:ln/>
           <a:extLst>
             <a:ext uri="{FAA26D3D-D897-4be2-8F04-BA451C77F1D7}">
-              <ma14:placeholderFlag xmlns="" xmlns:ma14="http://schemas.microsoft.com/office/mac/drawingml/2011/main" val="1"/>
+              <ma14:placeholderFlag xmlns:ma14="http://schemas.microsoft.com/office/mac/drawingml/2011/main" xmlns="" val="1"/>
             </a:ext>
             <a:ext uri="{909E8E84-426E-40dd-AFC4-6F175D3DCCD1}">
-              <a14:hiddenFill xmlns="" xmlns:a14="http://schemas.microsoft.com/office/drawing/2010/main">
+              <a14:hiddenFill xmlns:a14="http://schemas.microsoft.com/office/drawing/2010/main" xmlns="">
                 <a:solidFill>
                   <a:srgbClr val="FFFFFF"/>
                 </a:solidFill>
               </a14:hiddenFill>
             </a:ext>
             <a:ext uri="{91240B29-F687-4f45-9708-019B960494DF}">
-              <a14:hiddenLine xmlns="" xmlns:a14="http://schemas.microsoft.com/office/drawing/2010/main" w="9525">
+              <a14:hiddenLine xmlns:a14="http://schemas.microsoft.com/office/drawing/2010/main" xmlns="" w="9525">
                 <a:solidFill>
                   <a:srgbClr val="000000"/>
                 </a:solidFill>
@@ -2187,6 +2188,253 @@
       </p:grpSpPr>
       <p:sp>
         <p:nvSpPr>
+          <p:cNvPr id="41985" name="Rectangle 6"/>
+          <p:cNvSpPr>
+            <a:spLocks noGrp="1" noChangeArrowheads="1"/>
+          </p:cNvSpPr>
+          <p:nvPr>
+            <p:ph type="ftr" sz="quarter" idx="4"/>
+          </p:nvPr>
+        </p:nvSpPr>
+        <p:spPr>
+          <a:noFill/>
+          <a:ln/>
+          <a:extLst>
+            <a:ext uri="{909E8E84-426E-40dd-AFC4-6F175D3DCCD1}">
+              <a14:hiddenFill xmlns:a14="http://schemas.microsoft.com/office/drawing/2010/main" xmlns="">
+                <a:solidFill>
+                  <a:srgbClr val="FFFFFF"/>
+                </a:solidFill>
+              </a14:hiddenFill>
+            </a:ext>
+            <a:ext uri="{91240B29-F687-4f45-9708-019B960494DF}">
+              <a14:hiddenLine xmlns:a14="http://schemas.microsoft.com/office/drawing/2010/main" xmlns="" w="9525">
+                <a:solidFill>
+                  <a:srgbClr val="000000"/>
+                </a:solidFill>
+                <a:miter lim="800000"/>
+                <a:headEnd/>
+                <a:tailEnd/>
+              </a14:hiddenLine>
+            </a:ext>
+          </a:extLst>
+        </p:spPr>
+        <p:txBody>
+          <a:bodyPr/>
+          <a:lstStyle>
+            <a:lvl1pPr eaLnBrk="0" hangingPunct="0">
+              <a:defRPr sz="2400">
+                <a:solidFill>
+                  <a:schemeClr val="tx1"/>
+                </a:solidFill>
+                <a:latin typeface="Arial" charset="0"/>
+                <a:ea typeface="ヒラギノ角ゴ Pro W3" charset="0"/>
+                <a:cs typeface="ヒラギノ角ゴ Pro W3" charset="0"/>
+              </a:defRPr>
+            </a:lvl1pPr>
+            <a:lvl2pPr marL="742950" indent="-285750" eaLnBrk="0" hangingPunct="0">
+              <a:defRPr sz="2400">
+                <a:solidFill>
+                  <a:schemeClr val="tx1"/>
+                </a:solidFill>
+                <a:latin typeface="Arial" charset="0"/>
+                <a:ea typeface="ヒラギノ角ゴ Pro W3" charset="0"/>
+                <a:cs typeface="ヒラギノ角ゴ Pro W3" charset="0"/>
+              </a:defRPr>
+            </a:lvl2pPr>
+            <a:lvl3pPr marL="1143000" indent="-228600" eaLnBrk="0" hangingPunct="0">
+              <a:defRPr sz="2400">
+                <a:solidFill>
+                  <a:schemeClr val="tx1"/>
+                </a:solidFill>
+                <a:latin typeface="Arial" charset="0"/>
+                <a:ea typeface="ヒラギノ角ゴ Pro W3" charset="0"/>
+                <a:cs typeface="ヒラギノ角ゴ Pro W3" charset="0"/>
+              </a:defRPr>
+            </a:lvl3pPr>
+            <a:lvl4pPr marL="1600200" indent="-228600" eaLnBrk="0" hangingPunct="0">
+              <a:defRPr sz="2400">
+                <a:solidFill>
+                  <a:schemeClr val="tx1"/>
+                </a:solidFill>
+                <a:latin typeface="Arial" charset="0"/>
+                <a:ea typeface="ヒラギノ角ゴ Pro W3" charset="0"/>
+                <a:cs typeface="ヒラギノ角ゴ Pro W3" charset="0"/>
+              </a:defRPr>
+            </a:lvl4pPr>
+            <a:lvl5pPr marL="2057400" indent="-228600" eaLnBrk="0" hangingPunct="0">
+              <a:defRPr sz="2400">
+                <a:solidFill>
+                  <a:schemeClr val="tx1"/>
+                </a:solidFill>
+                <a:latin typeface="Arial" charset="0"/>
+                <a:ea typeface="ヒラギノ角ゴ Pro W3" charset="0"/>
+                <a:cs typeface="ヒラギノ角ゴ Pro W3" charset="0"/>
+              </a:defRPr>
+            </a:lvl5pPr>
+            <a:lvl6pPr marL="2514600" indent="-228600" algn="ctr" eaLnBrk="0" fontAlgn="base" hangingPunct="0">
+              <a:spcBef>
+                <a:spcPct val="0"/>
+              </a:spcBef>
+              <a:spcAft>
+                <a:spcPct val="0"/>
+              </a:spcAft>
+              <a:defRPr sz="2400">
+                <a:solidFill>
+                  <a:schemeClr val="tx1"/>
+                </a:solidFill>
+                <a:latin typeface="Arial" charset="0"/>
+                <a:ea typeface="ヒラギノ角ゴ Pro W3" charset="0"/>
+                <a:cs typeface="ヒラギノ角ゴ Pro W3" charset="0"/>
+              </a:defRPr>
+            </a:lvl6pPr>
+            <a:lvl7pPr marL="2971800" indent="-228600" algn="ctr" eaLnBrk="0" fontAlgn="base" hangingPunct="0">
+              <a:spcBef>
+                <a:spcPct val="0"/>
+              </a:spcBef>
+              <a:spcAft>
+                <a:spcPct val="0"/>
+              </a:spcAft>
+              <a:defRPr sz="2400">
+                <a:solidFill>
+                  <a:schemeClr val="tx1"/>
+                </a:solidFill>
+                <a:latin typeface="Arial" charset="0"/>
+                <a:ea typeface="ヒラギノ角ゴ Pro W3" charset="0"/>
+                <a:cs typeface="ヒラギノ角ゴ Pro W3" charset="0"/>
+              </a:defRPr>
+            </a:lvl7pPr>
+            <a:lvl8pPr marL="3429000" indent="-228600" algn="ctr" eaLnBrk="0" fontAlgn="base" hangingPunct="0">
+              <a:spcBef>
+                <a:spcPct val="0"/>
+              </a:spcBef>
+              <a:spcAft>
+                <a:spcPct val="0"/>
+              </a:spcAft>
+              <a:defRPr sz="2400">
+                <a:solidFill>
+                  <a:schemeClr val="tx1"/>
+                </a:solidFill>
+                <a:latin typeface="Arial" charset="0"/>
+                <a:ea typeface="ヒラギノ角ゴ Pro W3" charset="0"/>
+                <a:cs typeface="ヒラギノ角ゴ Pro W3" charset="0"/>
+              </a:defRPr>
+            </a:lvl8pPr>
+            <a:lvl9pPr marL="3886200" indent="-228600" algn="ctr" eaLnBrk="0" fontAlgn="base" hangingPunct="0">
+              <a:spcBef>
+                <a:spcPct val="0"/>
+              </a:spcBef>
+              <a:spcAft>
+                <a:spcPct val="0"/>
+              </a:spcAft>
+              <a:defRPr sz="2400">
+                <a:solidFill>
+                  <a:schemeClr val="tx1"/>
+                </a:solidFill>
+                <a:latin typeface="Arial" charset="0"/>
+                <a:ea typeface="ヒラギノ角ゴ Pro W3" charset="0"/>
+                <a:cs typeface="ヒラギノ角ゴ Pro W3" charset="0"/>
+              </a:defRPr>
+            </a:lvl9pPr>
+          </a:lstStyle>
+          <a:p>
+            <a:pPr eaLnBrk="1" hangingPunct="1"/>
+            <a:r>
+              <a:rPr lang="en-US" sz="1200"/>
+              <a:t>testnotes</a:t>
+            </a:r>
+          </a:p>
+        </p:txBody>
+      </p:sp>
+      <p:sp>
+        <p:nvSpPr>
+          <p:cNvPr id="41986" name="Rectangle 2"/>
+          <p:cNvSpPr>
+            <a:spLocks noGrp="1" noRot="1" noChangeAspect="1" noChangeArrowheads="1" noTextEdit="1"/>
+          </p:cNvSpPr>
+          <p:nvPr>
+            <p:ph type="sldImg"/>
+          </p:nvPr>
+        </p:nvSpPr>
+        <p:spPr>
+          <a:ln/>
+        </p:spPr>
+      </p:sp>
+      <p:sp>
+        <p:nvSpPr>
+          <p:cNvPr id="41987" name="Rectangle 3"/>
+          <p:cNvSpPr>
+            <a:spLocks noGrp="1" noChangeArrowheads="1"/>
+          </p:cNvSpPr>
+          <p:nvPr>
+            <p:ph type="body" idx="1"/>
+          </p:nvPr>
+        </p:nvSpPr>
+        <p:spPr>
+          <a:noFill/>
+          <a:ln/>
+          <a:extLst>
+            <a:ext uri="{FAA26D3D-D897-4be2-8F04-BA451C77F1D7}">
+              <ma14:placeholderFlag xmlns:ma14="http://schemas.microsoft.com/office/mac/drawingml/2011/main" xmlns="" val="1"/>
+            </a:ext>
+            <a:ext uri="{909E8E84-426E-40dd-AFC4-6F175D3DCCD1}">
+              <a14:hiddenFill xmlns:a14="http://schemas.microsoft.com/office/drawing/2010/main" xmlns="">
+                <a:solidFill>
+                  <a:srgbClr val="FFFFFF"/>
+                </a:solidFill>
+              </a14:hiddenFill>
+            </a:ext>
+            <a:ext uri="{91240B29-F687-4f45-9708-019B960494DF}">
+              <a14:hiddenLine xmlns:a14="http://schemas.microsoft.com/office/drawing/2010/main" xmlns="" w="9525">
+                <a:solidFill>
+                  <a:srgbClr val="000000"/>
+                </a:solidFill>
+                <a:miter lim="800000"/>
+                <a:headEnd/>
+                <a:tailEnd/>
+              </a14:hiddenLine>
+            </a:ext>
+          </a:extLst>
+        </p:spPr>
+        <p:txBody>
+          <a:bodyPr/>
+          <a:lstStyle/>
+          <a:p>
+            <a:pPr eaLnBrk="1" hangingPunct="1"/>
+            <a:endParaRPr lang="en-US">
+              <a:ea typeface="ヒラギノ角ゴ Pro W3" charset="0"/>
+              <a:cs typeface="ヒラギノ角ゴ Pro W3" charset="0"/>
+            </a:endParaRPr>
+          </a:p>
+        </p:txBody>
+      </p:sp>
+    </p:spTree>
+  </p:cSld>
+  <p:clrMapOvr>
+    <a:masterClrMapping/>
+  </p:clrMapOvr>
+</p:notes>
+</file>
+
+<file path=ppt/notesSlides/notesSlide15.xml><?xml version="1.0" encoding="utf-8"?>
+<p:notes xmlns:a="http://schemas.openxmlformats.org/drawingml/2006/main" xmlns:r="http://schemas.openxmlformats.org/officeDocument/2006/relationships" xmlns:p="http://schemas.openxmlformats.org/presentationml/2006/main">
+  <p:cSld>
+    <p:spTree>
+      <p:nvGrpSpPr>
+        <p:cNvPr id="1" name=""/>
+        <p:cNvGrpSpPr/>
+        <p:nvPr/>
+      </p:nvGrpSpPr>
+      <p:grpSpPr>
+        <a:xfrm>
+          <a:off x="0" y="0"/>
+          <a:ext cx="0" cy="0"/>
+          <a:chOff x="0" y="0"/>
+          <a:chExt cx="0" cy="0"/>
+        </a:xfrm>
+      </p:grpSpPr>
+      <p:sp>
+        <p:nvSpPr>
           <p:cNvPr id="31745" name="Rectangle 6"/>
           <p:cNvSpPr>
             <a:spLocks noGrp="1" noChangeArrowheads="1"/>
@@ -2200,14 +2448,14 @@
           <a:ln/>
           <a:extLst>
             <a:ext uri="{909E8E84-426E-40dd-AFC4-6F175D3DCCD1}">
-              <a14:hiddenFill xmlns="" xmlns:a14="http://schemas.microsoft.com/office/drawing/2010/main">
+              <a14:hiddenFill xmlns:a14="http://schemas.microsoft.com/office/drawing/2010/main" xmlns="">
                 <a:solidFill>
                   <a:srgbClr val="FFFFFF"/>
                 </a:solidFill>
               </a14:hiddenFill>
             </a:ext>
             <a:ext uri="{91240B29-F687-4f45-9708-019B960494DF}">
-              <a14:hiddenLine xmlns="" xmlns:a14="http://schemas.microsoft.com/office/drawing/2010/main" w="9525">
+              <a14:hiddenLine xmlns:a14="http://schemas.microsoft.com/office/drawing/2010/main" xmlns="" w="9525">
                 <a:solidFill>
                   <a:srgbClr val="000000"/>
                 </a:solidFill>
@@ -2374,17 +2622,17 @@
           <a:ln/>
           <a:extLst>
             <a:ext uri="{FAA26D3D-D897-4be2-8F04-BA451C77F1D7}">
-              <ma14:placeholderFlag xmlns="" xmlns:ma14="http://schemas.microsoft.com/office/mac/drawingml/2011/main" val="1"/>
+              <ma14:placeholderFlag xmlns:ma14="http://schemas.microsoft.com/office/mac/drawingml/2011/main" xmlns="" val="1"/>
             </a:ext>
             <a:ext uri="{909E8E84-426E-40dd-AFC4-6F175D3DCCD1}">
-              <a14:hiddenFill xmlns="" xmlns:a14="http://schemas.microsoft.com/office/drawing/2010/main">
+              <a14:hiddenFill xmlns:a14="http://schemas.microsoft.com/office/drawing/2010/main" xmlns="">
                 <a:solidFill>
                   <a:srgbClr val="FFFFFF"/>
                 </a:solidFill>
               </a14:hiddenFill>
             </a:ext>
             <a:ext uri="{91240B29-F687-4f45-9708-019B960494DF}">
-              <a14:hiddenLine xmlns="" xmlns:a14="http://schemas.microsoft.com/office/drawing/2010/main" w="9525">
+              <a14:hiddenLine xmlns:a14="http://schemas.microsoft.com/office/drawing/2010/main" xmlns="" w="9525">
                 <a:solidFill>
                   <a:srgbClr val="000000"/>
                 </a:solidFill>
@@ -2420,7 +2668,7 @@
 </p:notes>
 </file>
 
-<file path=ppt/notesSlides/notesSlide15.xml><?xml version="1.0" encoding="utf-8"?>
+<file path=ppt/notesSlides/notesSlide16.xml><?xml version="1.0" encoding="utf-8"?>
 <p:notes xmlns:a="http://schemas.openxmlformats.org/drawingml/2006/main" xmlns:r="http://schemas.openxmlformats.org/officeDocument/2006/relationships" xmlns:p="http://schemas.openxmlformats.org/presentationml/2006/main">
   <p:cSld>
     <p:spTree>
@@ -2452,14 +2700,14 @@
           <a:ln/>
           <a:extLst>
             <a:ext uri="{909E8E84-426E-40dd-AFC4-6F175D3DCCD1}">
-              <a14:hiddenFill xmlns="" xmlns:a14="http://schemas.microsoft.com/office/drawing/2010/main">
+              <a14:hiddenFill xmlns:a14="http://schemas.microsoft.com/office/drawing/2010/main" xmlns="">
                 <a:solidFill>
                   <a:srgbClr val="FFFFFF"/>
                 </a:solidFill>
               </a14:hiddenFill>
             </a:ext>
             <a:ext uri="{91240B29-F687-4f45-9708-019B960494DF}">
-              <a14:hiddenLine xmlns="" xmlns:a14="http://schemas.microsoft.com/office/drawing/2010/main" w="9525">
+              <a14:hiddenLine xmlns:a14="http://schemas.microsoft.com/office/drawing/2010/main" xmlns="" w="9525">
                 <a:solidFill>
                   <a:srgbClr val="000000"/>
                 </a:solidFill>
@@ -2626,17 +2874,17 @@
           <a:ln/>
           <a:extLst>
             <a:ext uri="{FAA26D3D-D897-4be2-8F04-BA451C77F1D7}">
-              <ma14:placeholderFlag xmlns="" xmlns:ma14="http://schemas.microsoft.com/office/mac/drawingml/2011/main" val="1"/>
+              <ma14:placeholderFlag xmlns:ma14="http://schemas.microsoft.com/office/mac/drawingml/2011/main" xmlns="" val="1"/>
             </a:ext>
             <a:ext uri="{909E8E84-426E-40dd-AFC4-6F175D3DCCD1}">
-              <a14:hiddenFill xmlns="" xmlns:a14="http://schemas.microsoft.com/office/drawing/2010/main">
+              <a14:hiddenFill xmlns:a14="http://schemas.microsoft.com/office/drawing/2010/main" xmlns="">
                 <a:solidFill>
                   <a:srgbClr val="FFFFFF"/>
                 </a:solidFill>
               </a14:hiddenFill>
             </a:ext>
             <a:ext uri="{91240B29-F687-4f45-9708-019B960494DF}">
-              <a14:hiddenLine xmlns="" xmlns:a14="http://schemas.microsoft.com/office/drawing/2010/main" w="9525">
+              <a14:hiddenLine xmlns:a14="http://schemas.microsoft.com/office/drawing/2010/main" xmlns="" w="9525">
                 <a:solidFill>
                   <a:srgbClr val="000000"/>
                 </a:solidFill>
@@ -2704,14 +2952,14 @@
           <a:ln/>
           <a:extLst>
             <a:ext uri="{909E8E84-426E-40dd-AFC4-6F175D3DCCD1}">
-              <a14:hiddenFill xmlns="" xmlns:a14="http://schemas.microsoft.com/office/drawing/2010/main">
+              <a14:hiddenFill xmlns:a14="http://schemas.microsoft.com/office/drawing/2010/main" xmlns="">
                 <a:solidFill>
                   <a:srgbClr val="FFFFFF"/>
                 </a:solidFill>
               </a14:hiddenFill>
             </a:ext>
             <a:ext uri="{91240B29-F687-4f45-9708-019B960494DF}">
-              <a14:hiddenLine xmlns="" xmlns:a14="http://schemas.microsoft.com/office/drawing/2010/main" w="9525">
+              <a14:hiddenLine xmlns:a14="http://schemas.microsoft.com/office/drawing/2010/main" xmlns="" w="9525">
                 <a:solidFill>
                   <a:srgbClr val="000000"/>
                 </a:solidFill>
@@ -2878,17 +3126,17 @@
           <a:ln/>
           <a:extLst>
             <a:ext uri="{FAA26D3D-D897-4be2-8F04-BA451C77F1D7}">
-              <ma14:placeholderFlag xmlns="" xmlns:ma14="http://schemas.microsoft.com/office/mac/drawingml/2011/main" val="1"/>
+              <ma14:placeholderFlag xmlns:ma14="http://schemas.microsoft.com/office/mac/drawingml/2011/main" xmlns="" val="1"/>
             </a:ext>
             <a:ext uri="{909E8E84-426E-40dd-AFC4-6F175D3DCCD1}">
-              <a14:hiddenFill xmlns="" xmlns:a14="http://schemas.microsoft.com/office/drawing/2010/main">
+              <a14:hiddenFill xmlns:a14="http://schemas.microsoft.com/office/drawing/2010/main" xmlns="">
                 <a:solidFill>
                   <a:srgbClr val="FFFFFF"/>
                 </a:solidFill>
               </a14:hiddenFill>
             </a:ext>
             <a:ext uri="{91240B29-F687-4f45-9708-019B960494DF}">
-              <a14:hiddenLine xmlns="" xmlns:a14="http://schemas.microsoft.com/office/drawing/2010/main" w="9525">
+              <a14:hiddenLine xmlns:a14="http://schemas.microsoft.com/office/drawing/2010/main" xmlns="" w="9525">
                 <a:solidFill>
                   <a:srgbClr val="000000"/>
                 </a:solidFill>
@@ -2951,14 +3199,14 @@
           <a:ln/>
           <a:extLst>
             <a:ext uri="{909E8E84-426E-40dd-AFC4-6F175D3DCCD1}">
-              <a14:hiddenFill xmlns="" xmlns:a14="http://schemas.microsoft.com/office/drawing/2010/main">
+              <a14:hiddenFill xmlns:a14="http://schemas.microsoft.com/office/drawing/2010/main" xmlns="">
                 <a:solidFill>
                   <a:srgbClr val="FFFFFF"/>
                 </a:solidFill>
               </a14:hiddenFill>
             </a:ext>
             <a:ext uri="{91240B29-F687-4f45-9708-019B960494DF}">
-              <a14:hiddenLine xmlns="" xmlns:a14="http://schemas.microsoft.com/office/drawing/2010/main" w="9525">
+              <a14:hiddenLine xmlns:a14="http://schemas.microsoft.com/office/drawing/2010/main" xmlns="" w="9525">
                 <a:solidFill>
                   <a:srgbClr val="000000"/>
                 </a:solidFill>
@@ -3125,17 +3373,17 @@
           <a:ln/>
           <a:extLst>
             <a:ext uri="{FAA26D3D-D897-4be2-8F04-BA451C77F1D7}">
-              <ma14:placeholderFlag xmlns="" xmlns:ma14="http://schemas.microsoft.com/office/mac/drawingml/2011/main" val="1"/>
+              <ma14:placeholderFlag xmlns:ma14="http://schemas.microsoft.com/office/mac/drawingml/2011/main" xmlns="" val="1"/>
             </a:ext>
             <a:ext uri="{909E8E84-426E-40dd-AFC4-6F175D3DCCD1}">
-              <a14:hiddenFill xmlns="" xmlns:a14="http://schemas.microsoft.com/office/drawing/2010/main">
+              <a14:hiddenFill xmlns:a14="http://schemas.microsoft.com/office/drawing/2010/main" xmlns="">
                 <a:solidFill>
                   <a:srgbClr val="FFFFFF"/>
                 </a:solidFill>
               </a14:hiddenFill>
             </a:ext>
             <a:ext uri="{91240B29-F687-4f45-9708-019B960494DF}">
-              <a14:hiddenLine xmlns="" xmlns:a14="http://schemas.microsoft.com/office/drawing/2010/main" w="9525">
+              <a14:hiddenLine xmlns:a14="http://schemas.microsoft.com/office/drawing/2010/main" xmlns="" w="9525">
                 <a:solidFill>
                   <a:srgbClr val="000000"/>
                 </a:solidFill>
@@ -3203,14 +3451,14 @@
           <a:ln/>
           <a:extLst>
             <a:ext uri="{909E8E84-426E-40dd-AFC4-6F175D3DCCD1}">
-              <a14:hiddenFill xmlns="" xmlns:a14="http://schemas.microsoft.com/office/drawing/2010/main">
+              <a14:hiddenFill xmlns:a14="http://schemas.microsoft.com/office/drawing/2010/main" xmlns="">
                 <a:solidFill>
                   <a:srgbClr val="FFFFFF"/>
                 </a:solidFill>
               </a14:hiddenFill>
             </a:ext>
             <a:ext uri="{91240B29-F687-4f45-9708-019B960494DF}">
-              <a14:hiddenLine xmlns="" xmlns:a14="http://schemas.microsoft.com/office/drawing/2010/main" w="9525">
+              <a14:hiddenLine xmlns:a14="http://schemas.microsoft.com/office/drawing/2010/main" xmlns="" w="9525">
                 <a:solidFill>
                   <a:srgbClr val="000000"/>
                 </a:solidFill>
@@ -3377,17 +3625,17 @@
           <a:ln/>
           <a:extLst>
             <a:ext uri="{FAA26D3D-D897-4be2-8F04-BA451C77F1D7}">
-              <ma14:placeholderFlag xmlns="" xmlns:ma14="http://schemas.microsoft.com/office/mac/drawingml/2011/main" val="1"/>
+              <ma14:placeholderFlag xmlns:ma14="http://schemas.microsoft.com/office/mac/drawingml/2011/main" xmlns="" val="1"/>
             </a:ext>
             <a:ext uri="{909E8E84-426E-40dd-AFC4-6F175D3DCCD1}">
-              <a14:hiddenFill xmlns="" xmlns:a14="http://schemas.microsoft.com/office/drawing/2010/main">
+              <a14:hiddenFill xmlns:a14="http://schemas.microsoft.com/office/drawing/2010/main" xmlns="">
                 <a:solidFill>
                   <a:srgbClr val="FFFFFF"/>
                 </a:solidFill>
               </a14:hiddenFill>
             </a:ext>
             <a:ext uri="{91240B29-F687-4f45-9708-019B960494DF}">
-              <a14:hiddenLine xmlns="" xmlns:a14="http://schemas.microsoft.com/office/drawing/2010/main" w="9525">
+              <a14:hiddenLine xmlns:a14="http://schemas.microsoft.com/office/drawing/2010/main" xmlns="" w="9525">
                 <a:solidFill>
                   <a:srgbClr val="000000"/>
                 </a:solidFill>
@@ -3442,6 +3690,258 @@
       </p:grpSpPr>
       <p:sp>
         <p:nvSpPr>
+          <p:cNvPr id="19457" name="Rectangle 6"/>
+          <p:cNvSpPr>
+            <a:spLocks noGrp="1" noChangeArrowheads="1"/>
+          </p:cNvSpPr>
+          <p:nvPr>
+            <p:ph type="ftr" sz="quarter" idx="4"/>
+          </p:nvPr>
+        </p:nvSpPr>
+        <p:spPr>
+          <a:noFill/>
+          <a:ln/>
+          <a:extLst>
+            <a:ext uri="{909E8E84-426E-40dd-AFC4-6F175D3DCCD1}">
+              <a14:hiddenFill xmlns:a14="http://schemas.microsoft.com/office/drawing/2010/main" xmlns="">
+                <a:solidFill>
+                  <a:srgbClr val="FFFFFF"/>
+                </a:solidFill>
+              </a14:hiddenFill>
+            </a:ext>
+            <a:ext uri="{91240B29-F687-4f45-9708-019B960494DF}">
+              <a14:hiddenLine xmlns:a14="http://schemas.microsoft.com/office/drawing/2010/main" xmlns="" w="9525">
+                <a:solidFill>
+                  <a:srgbClr val="000000"/>
+                </a:solidFill>
+                <a:miter lim="800000"/>
+                <a:headEnd/>
+                <a:tailEnd/>
+              </a14:hiddenLine>
+            </a:ext>
+          </a:extLst>
+        </p:spPr>
+        <p:txBody>
+          <a:bodyPr/>
+          <a:lstStyle>
+            <a:lvl1pPr eaLnBrk="0" hangingPunct="0">
+              <a:defRPr sz="2400">
+                <a:solidFill>
+                  <a:schemeClr val="tx1"/>
+                </a:solidFill>
+                <a:latin typeface="Arial" charset="0"/>
+                <a:ea typeface="ヒラギノ角ゴ Pro W3" charset="0"/>
+                <a:cs typeface="ヒラギノ角ゴ Pro W3" charset="0"/>
+              </a:defRPr>
+            </a:lvl1pPr>
+            <a:lvl2pPr marL="742950" indent="-285750" eaLnBrk="0" hangingPunct="0">
+              <a:defRPr sz="2400">
+                <a:solidFill>
+                  <a:schemeClr val="tx1"/>
+                </a:solidFill>
+                <a:latin typeface="Arial" charset="0"/>
+                <a:ea typeface="ヒラギノ角ゴ Pro W3" charset="0"/>
+                <a:cs typeface="ヒラギノ角ゴ Pro W3" charset="0"/>
+              </a:defRPr>
+            </a:lvl2pPr>
+            <a:lvl3pPr marL="1143000" indent="-228600" eaLnBrk="0" hangingPunct="0">
+              <a:defRPr sz="2400">
+                <a:solidFill>
+                  <a:schemeClr val="tx1"/>
+                </a:solidFill>
+                <a:latin typeface="Arial" charset="0"/>
+                <a:ea typeface="ヒラギノ角ゴ Pro W3" charset="0"/>
+                <a:cs typeface="ヒラギノ角ゴ Pro W3" charset="0"/>
+              </a:defRPr>
+            </a:lvl3pPr>
+            <a:lvl4pPr marL="1600200" indent="-228600" eaLnBrk="0" hangingPunct="0">
+              <a:defRPr sz="2400">
+                <a:solidFill>
+                  <a:schemeClr val="tx1"/>
+                </a:solidFill>
+                <a:latin typeface="Arial" charset="0"/>
+                <a:ea typeface="ヒラギノ角ゴ Pro W3" charset="0"/>
+                <a:cs typeface="ヒラギノ角ゴ Pro W3" charset="0"/>
+              </a:defRPr>
+            </a:lvl4pPr>
+            <a:lvl5pPr marL="2057400" indent="-228600" eaLnBrk="0" hangingPunct="0">
+              <a:defRPr sz="2400">
+                <a:solidFill>
+                  <a:schemeClr val="tx1"/>
+                </a:solidFill>
+                <a:latin typeface="Arial" charset="0"/>
+                <a:ea typeface="ヒラギノ角ゴ Pro W3" charset="0"/>
+                <a:cs typeface="ヒラギノ角ゴ Pro W3" charset="0"/>
+              </a:defRPr>
+            </a:lvl5pPr>
+            <a:lvl6pPr marL="2514600" indent="-228600" algn="ctr" eaLnBrk="0" fontAlgn="base" hangingPunct="0">
+              <a:spcBef>
+                <a:spcPct val="0"/>
+              </a:spcBef>
+              <a:spcAft>
+                <a:spcPct val="0"/>
+              </a:spcAft>
+              <a:defRPr sz="2400">
+                <a:solidFill>
+                  <a:schemeClr val="tx1"/>
+                </a:solidFill>
+                <a:latin typeface="Arial" charset="0"/>
+                <a:ea typeface="ヒラギノ角ゴ Pro W3" charset="0"/>
+                <a:cs typeface="ヒラギノ角ゴ Pro W3" charset="0"/>
+              </a:defRPr>
+            </a:lvl6pPr>
+            <a:lvl7pPr marL="2971800" indent="-228600" algn="ctr" eaLnBrk="0" fontAlgn="base" hangingPunct="0">
+              <a:spcBef>
+                <a:spcPct val="0"/>
+              </a:spcBef>
+              <a:spcAft>
+                <a:spcPct val="0"/>
+              </a:spcAft>
+              <a:defRPr sz="2400">
+                <a:solidFill>
+                  <a:schemeClr val="tx1"/>
+                </a:solidFill>
+                <a:latin typeface="Arial" charset="0"/>
+                <a:ea typeface="ヒラギノ角ゴ Pro W3" charset="0"/>
+                <a:cs typeface="ヒラギノ角ゴ Pro W3" charset="0"/>
+              </a:defRPr>
+            </a:lvl7pPr>
+            <a:lvl8pPr marL="3429000" indent="-228600" algn="ctr" eaLnBrk="0" fontAlgn="base" hangingPunct="0">
+              <a:spcBef>
+                <a:spcPct val="0"/>
+              </a:spcBef>
+              <a:spcAft>
+                <a:spcPct val="0"/>
+              </a:spcAft>
+              <a:defRPr sz="2400">
+                <a:solidFill>
+                  <a:schemeClr val="tx1"/>
+                </a:solidFill>
+                <a:latin typeface="Arial" charset="0"/>
+                <a:ea typeface="ヒラギノ角ゴ Pro W3" charset="0"/>
+                <a:cs typeface="ヒラギノ角ゴ Pro W3" charset="0"/>
+              </a:defRPr>
+            </a:lvl8pPr>
+            <a:lvl9pPr marL="3886200" indent="-228600" algn="ctr" eaLnBrk="0" fontAlgn="base" hangingPunct="0">
+              <a:spcBef>
+                <a:spcPct val="0"/>
+              </a:spcBef>
+              <a:spcAft>
+                <a:spcPct val="0"/>
+              </a:spcAft>
+              <a:defRPr sz="2400">
+                <a:solidFill>
+                  <a:schemeClr val="tx1"/>
+                </a:solidFill>
+                <a:latin typeface="Arial" charset="0"/>
+                <a:ea typeface="ヒラギノ角ゴ Pro W3" charset="0"/>
+                <a:cs typeface="ヒラギノ角ゴ Pro W3" charset="0"/>
+              </a:defRPr>
+            </a:lvl9pPr>
+          </a:lstStyle>
+          <a:p>
+            <a:pPr eaLnBrk="1" hangingPunct="1"/>
+            <a:r>
+              <a:rPr lang="en-US" sz="1200"/>
+              <a:t>testnotes</a:t>
+            </a:r>
+          </a:p>
+        </p:txBody>
+      </p:sp>
+      <p:sp>
+        <p:nvSpPr>
+          <p:cNvPr id="19458" name="Rectangle 2"/>
+          <p:cNvSpPr>
+            <a:spLocks noGrp="1" noRot="1" noChangeAspect="1" noChangeArrowheads="1" noTextEdit="1"/>
+          </p:cNvSpPr>
+          <p:nvPr>
+            <p:ph type="sldImg"/>
+          </p:nvPr>
+        </p:nvSpPr>
+        <p:spPr>
+          <a:ln/>
+        </p:spPr>
+      </p:sp>
+      <p:sp>
+        <p:nvSpPr>
+          <p:cNvPr id="19459" name="Rectangle 3"/>
+          <p:cNvSpPr>
+            <a:spLocks noGrp="1" noChangeArrowheads="1"/>
+          </p:cNvSpPr>
+          <p:nvPr>
+            <p:ph type="body" idx="1"/>
+          </p:nvPr>
+        </p:nvSpPr>
+        <p:spPr>
+          <a:noFill/>
+          <a:ln/>
+          <a:extLst>
+            <a:ext uri="{FAA26D3D-D897-4be2-8F04-BA451C77F1D7}">
+              <ma14:placeholderFlag xmlns:ma14="http://schemas.microsoft.com/office/mac/drawingml/2011/main" xmlns="" val="1"/>
+            </a:ext>
+            <a:ext uri="{909E8E84-426E-40dd-AFC4-6F175D3DCCD1}">
+              <a14:hiddenFill xmlns:a14="http://schemas.microsoft.com/office/drawing/2010/main" xmlns="">
+                <a:solidFill>
+                  <a:srgbClr val="FFFFFF"/>
+                </a:solidFill>
+              </a14:hiddenFill>
+            </a:ext>
+            <a:ext uri="{91240B29-F687-4f45-9708-019B960494DF}">
+              <a14:hiddenLine xmlns:a14="http://schemas.microsoft.com/office/drawing/2010/main" xmlns="" w="9525">
+                <a:solidFill>
+                  <a:srgbClr val="000000"/>
+                </a:solidFill>
+                <a:miter lim="800000"/>
+                <a:headEnd/>
+                <a:tailEnd/>
+              </a14:hiddenLine>
+            </a:ext>
+          </a:extLst>
+        </p:spPr>
+        <p:txBody>
+          <a:bodyPr/>
+          <a:lstStyle/>
+          <a:p>
+            <a:pPr eaLnBrk="1" hangingPunct="1"/>
+            <a:endParaRPr lang="en-US">
+              <a:ea typeface="ヒラギノ角ゴ Pro W3" charset="0"/>
+              <a:cs typeface="ヒラギノ角ゴ Pro W3" charset="0"/>
+            </a:endParaRPr>
+          </a:p>
+        </p:txBody>
+      </p:sp>
+    </p:spTree>
+    <p:extLst>
+      <p:ext uri="{BB962C8B-B14F-4D97-AF65-F5344CB8AC3E}">
+        <p14:creationId xmlns:p14="http://schemas.microsoft.com/office/powerpoint/2010/main" val="3017689875"/>
+      </p:ext>
+    </p:extLst>
+  </p:cSld>
+  <p:clrMapOvr>
+    <a:masterClrMapping/>
+  </p:clrMapOvr>
+</p:notes>
+</file>
+
+<file path=ppt/notesSlides/notesSlide6.xml><?xml version="1.0" encoding="utf-8"?>
+<p:notes xmlns:a="http://schemas.openxmlformats.org/drawingml/2006/main" xmlns:r="http://schemas.openxmlformats.org/officeDocument/2006/relationships" xmlns:p="http://schemas.openxmlformats.org/presentationml/2006/main">
+  <p:cSld>
+    <p:spTree>
+      <p:nvGrpSpPr>
+        <p:cNvPr id="1" name=""/>
+        <p:cNvGrpSpPr/>
+        <p:nvPr/>
+      </p:nvGrpSpPr>
+      <p:grpSpPr>
+        <a:xfrm>
+          <a:off x="0" y="0"/>
+          <a:ext cx="0" cy="0"/>
+          <a:chOff x="0" y="0"/>
+          <a:chExt cx="0" cy="0"/>
+        </a:xfrm>
+      </p:grpSpPr>
+      <p:sp>
+        <p:nvSpPr>
           <p:cNvPr id="23553" name="Rectangle 6"/>
           <p:cNvSpPr>
             <a:spLocks noGrp="1" noChangeArrowheads="1"/>
@@ -3455,14 +3955,14 @@
           <a:ln/>
           <a:extLst>
             <a:ext uri="{909E8E84-426E-40dd-AFC4-6F175D3DCCD1}">
-              <a14:hiddenFill xmlns="" xmlns:a14="http://schemas.microsoft.com/office/drawing/2010/main">
+              <a14:hiddenFill xmlns:a14="http://schemas.microsoft.com/office/drawing/2010/main" xmlns="">
                 <a:solidFill>
                   <a:srgbClr val="FFFFFF"/>
                 </a:solidFill>
               </a14:hiddenFill>
             </a:ext>
             <a:ext uri="{91240B29-F687-4f45-9708-019B960494DF}">
-              <a14:hiddenLine xmlns="" xmlns:a14="http://schemas.microsoft.com/office/drawing/2010/main" w="9525">
+              <a14:hiddenLine xmlns:a14="http://schemas.microsoft.com/office/drawing/2010/main" xmlns="" w="9525">
                 <a:solidFill>
                   <a:srgbClr val="000000"/>
                 </a:solidFill>
@@ -3629,17 +4129,17 @@
           <a:ln/>
           <a:extLst>
             <a:ext uri="{FAA26D3D-D897-4be2-8F04-BA451C77F1D7}">
-              <ma14:placeholderFlag xmlns="" xmlns:ma14="http://schemas.microsoft.com/office/mac/drawingml/2011/main" val="1"/>
+              <ma14:placeholderFlag xmlns:ma14="http://schemas.microsoft.com/office/mac/drawingml/2011/main" xmlns="" val="1"/>
             </a:ext>
             <a:ext uri="{909E8E84-426E-40dd-AFC4-6F175D3DCCD1}">
-              <a14:hiddenFill xmlns="" xmlns:a14="http://schemas.microsoft.com/office/drawing/2010/main">
+              <a14:hiddenFill xmlns:a14="http://schemas.microsoft.com/office/drawing/2010/main" xmlns="">
                 <a:solidFill>
                   <a:srgbClr val="FFFFFF"/>
                 </a:solidFill>
               </a14:hiddenFill>
             </a:ext>
             <a:ext uri="{91240B29-F687-4f45-9708-019B960494DF}">
-              <a14:hiddenLine xmlns="" xmlns:a14="http://schemas.microsoft.com/office/drawing/2010/main" w="9525">
+              <a14:hiddenLine xmlns:a14="http://schemas.microsoft.com/office/drawing/2010/main" xmlns="" w="9525">
                 <a:solidFill>
                   <a:srgbClr val="000000"/>
                 </a:solidFill>
@@ -3670,7 +4170,7 @@
 </p:notes>
 </file>
 
-<file path=ppt/notesSlides/notesSlide6.xml><?xml version="1.0" encoding="utf-8"?>
+<file path=ppt/notesSlides/notesSlide7.xml><?xml version="1.0" encoding="utf-8"?>
 <p:notes xmlns:a="http://schemas.openxmlformats.org/drawingml/2006/main" xmlns:r="http://schemas.openxmlformats.org/officeDocument/2006/relationships" xmlns:p="http://schemas.openxmlformats.org/presentationml/2006/main">
   <p:cSld>
     <p:spTree>
@@ -3709,14 +4209,14 @@
           </a:ln>
           <a:extLst>
             <a:ext uri="{909E8E84-426E-40dd-AFC4-6F175D3DCCD1}">
-              <a14:hiddenFill xmlns="" xmlns:a14="http://schemas.microsoft.com/office/drawing/2010/main">
+              <a14:hiddenFill xmlns:a14="http://schemas.microsoft.com/office/drawing/2010/main" xmlns="">
                 <a:solidFill>
                   <a:srgbClr val="FFFFFF"/>
                 </a:solidFill>
               </a14:hiddenFill>
             </a:ext>
             <a:ext uri="{91240B29-F687-4f45-9708-019B960494DF}">
-              <a14:hiddenLine xmlns="" xmlns:a14="http://schemas.microsoft.com/office/drawing/2010/main" w="9525">
+              <a14:hiddenLine xmlns:a14="http://schemas.microsoft.com/office/drawing/2010/main" xmlns="" w="9525">
                 <a:solidFill>
                   <a:srgbClr val="000000"/>
                 </a:solidFill>
@@ -3892,7 +4392,7 @@
           </a:ln>
           <a:extLst>
             <a:ext uri="{FAA26D3D-D897-4be2-8F04-BA451C77F1D7}">
-              <ma14:placeholderFlag xmlns="" xmlns:ma14="http://schemas.microsoft.com/office/mac/drawingml/2011/main" val="1"/>
+              <ma14:placeholderFlag xmlns:ma14="http://schemas.microsoft.com/office/mac/drawingml/2011/main" xmlns="" val="1"/>
             </a:ext>
           </a:extLst>
         </p:spPr>
@@ -3900,253 +4400,6 @@
           <a:bodyPr lIns="91433" tIns="45717" rIns="91433" bIns="45717"/>
           <a:lstStyle/>
           <a:p>
-            <a:endParaRPr lang="en-US">
-              <a:ea typeface="ヒラギノ角ゴ Pro W3" charset="0"/>
-              <a:cs typeface="ヒラギノ角ゴ Pro W3" charset="0"/>
-            </a:endParaRPr>
-          </a:p>
-        </p:txBody>
-      </p:sp>
-    </p:spTree>
-  </p:cSld>
-  <p:clrMapOvr>
-    <a:masterClrMapping/>
-  </p:clrMapOvr>
-</p:notes>
-</file>
-
-<file path=ppt/notesSlides/notesSlide7.xml><?xml version="1.0" encoding="utf-8"?>
-<p:notes xmlns:a="http://schemas.openxmlformats.org/drawingml/2006/main" xmlns:r="http://schemas.openxmlformats.org/officeDocument/2006/relationships" xmlns:p="http://schemas.openxmlformats.org/presentationml/2006/main">
-  <p:cSld>
-    <p:spTree>
-      <p:nvGrpSpPr>
-        <p:cNvPr id="1" name=""/>
-        <p:cNvGrpSpPr/>
-        <p:nvPr/>
-      </p:nvGrpSpPr>
-      <p:grpSpPr>
-        <a:xfrm>
-          <a:off x="0" y="0"/>
-          <a:ext cx="0" cy="0"/>
-          <a:chOff x="0" y="0"/>
-          <a:chExt cx="0" cy="0"/>
-        </a:xfrm>
-      </p:grpSpPr>
-      <p:sp>
-        <p:nvSpPr>
-          <p:cNvPr id="31745" name="Rectangle 6"/>
-          <p:cNvSpPr>
-            <a:spLocks noGrp="1" noChangeArrowheads="1"/>
-          </p:cNvSpPr>
-          <p:nvPr>
-            <p:ph type="ftr" sz="quarter" idx="4"/>
-          </p:nvPr>
-        </p:nvSpPr>
-        <p:spPr>
-          <a:noFill/>
-          <a:ln/>
-          <a:extLst>
-            <a:ext uri="{909E8E84-426E-40dd-AFC4-6F175D3DCCD1}">
-              <a14:hiddenFill xmlns="" xmlns:a14="http://schemas.microsoft.com/office/drawing/2010/main">
-                <a:solidFill>
-                  <a:srgbClr val="FFFFFF"/>
-                </a:solidFill>
-              </a14:hiddenFill>
-            </a:ext>
-            <a:ext uri="{91240B29-F687-4f45-9708-019B960494DF}">
-              <a14:hiddenLine xmlns="" xmlns:a14="http://schemas.microsoft.com/office/drawing/2010/main" w="9525">
-                <a:solidFill>
-                  <a:srgbClr val="000000"/>
-                </a:solidFill>
-                <a:miter lim="800000"/>
-                <a:headEnd/>
-                <a:tailEnd/>
-              </a14:hiddenLine>
-            </a:ext>
-          </a:extLst>
-        </p:spPr>
-        <p:txBody>
-          <a:bodyPr/>
-          <a:lstStyle>
-            <a:lvl1pPr eaLnBrk="0" hangingPunct="0">
-              <a:defRPr sz="2400">
-                <a:solidFill>
-                  <a:schemeClr val="tx1"/>
-                </a:solidFill>
-                <a:latin typeface="Arial" charset="0"/>
-                <a:ea typeface="ヒラギノ角ゴ Pro W3" charset="0"/>
-                <a:cs typeface="ヒラギノ角ゴ Pro W3" charset="0"/>
-              </a:defRPr>
-            </a:lvl1pPr>
-            <a:lvl2pPr marL="742950" indent="-285750" eaLnBrk="0" hangingPunct="0">
-              <a:defRPr sz="2400">
-                <a:solidFill>
-                  <a:schemeClr val="tx1"/>
-                </a:solidFill>
-                <a:latin typeface="Arial" charset="0"/>
-                <a:ea typeface="ヒラギノ角ゴ Pro W3" charset="0"/>
-                <a:cs typeface="ヒラギノ角ゴ Pro W3" charset="0"/>
-              </a:defRPr>
-            </a:lvl2pPr>
-            <a:lvl3pPr marL="1143000" indent="-228600" eaLnBrk="0" hangingPunct="0">
-              <a:defRPr sz="2400">
-                <a:solidFill>
-                  <a:schemeClr val="tx1"/>
-                </a:solidFill>
-                <a:latin typeface="Arial" charset="0"/>
-                <a:ea typeface="ヒラギノ角ゴ Pro W3" charset="0"/>
-                <a:cs typeface="ヒラギノ角ゴ Pro W3" charset="0"/>
-              </a:defRPr>
-            </a:lvl3pPr>
-            <a:lvl4pPr marL="1600200" indent="-228600" eaLnBrk="0" hangingPunct="0">
-              <a:defRPr sz="2400">
-                <a:solidFill>
-                  <a:schemeClr val="tx1"/>
-                </a:solidFill>
-                <a:latin typeface="Arial" charset="0"/>
-                <a:ea typeface="ヒラギノ角ゴ Pro W3" charset="0"/>
-                <a:cs typeface="ヒラギノ角ゴ Pro W3" charset="0"/>
-              </a:defRPr>
-            </a:lvl4pPr>
-            <a:lvl5pPr marL="2057400" indent="-228600" eaLnBrk="0" hangingPunct="0">
-              <a:defRPr sz="2400">
-                <a:solidFill>
-                  <a:schemeClr val="tx1"/>
-                </a:solidFill>
-                <a:latin typeface="Arial" charset="0"/>
-                <a:ea typeface="ヒラギノ角ゴ Pro W3" charset="0"/>
-                <a:cs typeface="ヒラギノ角ゴ Pro W3" charset="0"/>
-              </a:defRPr>
-            </a:lvl5pPr>
-            <a:lvl6pPr marL="2514600" indent="-228600" algn="ctr" eaLnBrk="0" fontAlgn="base" hangingPunct="0">
-              <a:spcBef>
-                <a:spcPct val="0"/>
-              </a:spcBef>
-              <a:spcAft>
-                <a:spcPct val="0"/>
-              </a:spcAft>
-              <a:defRPr sz="2400">
-                <a:solidFill>
-                  <a:schemeClr val="tx1"/>
-                </a:solidFill>
-                <a:latin typeface="Arial" charset="0"/>
-                <a:ea typeface="ヒラギノ角ゴ Pro W3" charset="0"/>
-                <a:cs typeface="ヒラギノ角ゴ Pro W3" charset="0"/>
-              </a:defRPr>
-            </a:lvl6pPr>
-            <a:lvl7pPr marL="2971800" indent="-228600" algn="ctr" eaLnBrk="0" fontAlgn="base" hangingPunct="0">
-              <a:spcBef>
-                <a:spcPct val="0"/>
-              </a:spcBef>
-              <a:spcAft>
-                <a:spcPct val="0"/>
-              </a:spcAft>
-              <a:defRPr sz="2400">
-                <a:solidFill>
-                  <a:schemeClr val="tx1"/>
-                </a:solidFill>
-                <a:latin typeface="Arial" charset="0"/>
-                <a:ea typeface="ヒラギノ角ゴ Pro W3" charset="0"/>
-                <a:cs typeface="ヒラギノ角ゴ Pro W3" charset="0"/>
-              </a:defRPr>
-            </a:lvl7pPr>
-            <a:lvl8pPr marL="3429000" indent="-228600" algn="ctr" eaLnBrk="0" fontAlgn="base" hangingPunct="0">
-              <a:spcBef>
-                <a:spcPct val="0"/>
-              </a:spcBef>
-              <a:spcAft>
-                <a:spcPct val="0"/>
-              </a:spcAft>
-              <a:defRPr sz="2400">
-                <a:solidFill>
-                  <a:schemeClr val="tx1"/>
-                </a:solidFill>
-                <a:latin typeface="Arial" charset="0"/>
-                <a:ea typeface="ヒラギノ角ゴ Pro W3" charset="0"/>
-                <a:cs typeface="ヒラギノ角ゴ Pro W3" charset="0"/>
-              </a:defRPr>
-            </a:lvl8pPr>
-            <a:lvl9pPr marL="3886200" indent="-228600" algn="ctr" eaLnBrk="0" fontAlgn="base" hangingPunct="0">
-              <a:spcBef>
-                <a:spcPct val="0"/>
-              </a:spcBef>
-              <a:spcAft>
-                <a:spcPct val="0"/>
-              </a:spcAft>
-              <a:defRPr sz="2400">
-                <a:solidFill>
-                  <a:schemeClr val="tx1"/>
-                </a:solidFill>
-                <a:latin typeface="Arial" charset="0"/>
-                <a:ea typeface="ヒラギノ角ゴ Pro W3" charset="0"/>
-                <a:cs typeface="ヒラギノ角ゴ Pro W3" charset="0"/>
-              </a:defRPr>
-            </a:lvl9pPr>
-          </a:lstStyle>
-          <a:p>
-            <a:pPr eaLnBrk="1" hangingPunct="1"/>
-            <a:r>
-              <a:rPr lang="en-US" sz="1200"/>
-              <a:t>testnotes</a:t>
-            </a:r>
-          </a:p>
-        </p:txBody>
-      </p:sp>
-      <p:sp>
-        <p:nvSpPr>
-          <p:cNvPr id="31746" name="Rectangle 2"/>
-          <p:cNvSpPr>
-            <a:spLocks noGrp="1" noRot="1" noChangeAspect="1" noChangeArrowheads="1" noTextEdit="1"/>
-          </p:cNvSpPr>
-          <p:nvPr>
-            <p:ph type="sldImg"/>
-          </p:nvPr>
-        </p:nvSpPr>
-        <p:spPr>
-          <a:ln/>
-        </p:spPr>
-      </p:sp>
-      <p:sp>
-        <p:nvSpPr>
-          <p:cNvPr id="31747" name="Rectangle 3"/>
-          <p:cNvSpPr>
-            <a:spLocks noGrp="1" noChangeArrowheads="1"/>
-          </p:cNvSpPr>
-          <p:nvPr>
-            <p:ph type="body" idx="1"/>
-          </p:nvPr>
-        </p:nvSpPr>
-        <p:spPr>
-          <a:noFill/>
-          <a:ln/>
-          <a:extLst>
-            <a:ext uri="{FAA26D3D-D897-4be2-8F04-BA451C77F1D7}">
-              <ma14:placeholderFlag xmlns="" xmlns:ma14="http://schemas.microsoft.com/office/mac/drawingml/2011/main" val="1"/>
-            </a:ext>
-            <a:ext uri="{909E8E84-426E-40dd-AFC4-6F175D3DCCD1}">
-              <a14:hiddenFill xmlns="" xmlns:a14="http://schemas.microsoft.com/office/drawing/2010/main">
-                <a:solidFill>
-                  <a:srgbClr val="FFFFFF"/>
-                </a:solidFill>
-              </a14:hiddenFill>
-            </a:ext>
-            <a:ext uri="{91240B29-F687-4f45-9708-019B960494DF}">
-              <a14:hiddenLine xmlns="" xmlns:a14="http://schemas.microsoft.com/office/drawing/2010/main" w="9525">
-                <a:solidFill>
-                  <a:srgbClr val="000000"/>
-                </a:solidFill>
-                <a:miter lim="800000"/>
-                <a:headEnd/>
-                <a:tailEnd/>
-              </a14:hiddenLine>
-            </a:ext>
-          </a:extLst>
-        </p:spPr>
-        <p:txBody>
-          <a:bodyPr/>
-          <a:lstStyle/>
-          <a:p>
-            <a:pPr eaLnBrk="1" hangingPunct="1"/>
             <a:endParaRPr lang="en-US">
               <a:ea typeface="ヒラギノ角ゴ Pro W3" charset="0"/>
               <a:cs typeface="ヒラギノ角ゴ Pro W3" charset="0"/>
@@ -4194,14 +4447,14 @@
           <a:ln/>
           <a:extLst>
             <a:ext uri="{909E8E84-426E-40dd-AFC4-6F175D3DCCD1}">
-              <a14:hiddenFill xmlns="" xmlns:a14="http://schemas.microsoft.com/office/drawing/2010/main">
+              <a14:hiddenFill xmlns:a14="http://schemas.microsoft.com/office/drawing/2010/main" xmlns="">
                 <a:solidFill>
                   <a:srgbClr val="FFFFFF"/>
                 </a:solidFill>
               </a14:hiddenFill>
             </a:ext>
             <a:ext uri="{91240B29-F687-4f45-9708-019B960494DF}">
-              <a14:hiddenLine xmlns="" xmlns:a14="http://schemas.microsoft.com/office/drawing/2010/main" w="9525">
+              <a14:hiddenLine xmlns:a14="http://schemas.microsoft.com/office/drawing/2010/main" xmlns="" w="9525">
                 <a:solidFill>
                   <a:srgbClr val="000000"/>
                 </a:solidFill>
@@ -4368,17 +4621,17 @@
           <a:ln/>
           <a:extLst>
             <a:ext uri="{FAA26D3D-D897-4be2-8F04-BA451C77F1D7}">
-              <ma14:placeholderFlag xmlns="" xmlns:ma14="http://schemas.microsoft.com/office/mac/drawingml/2011/main" val="1"/>
+              <ma14:placeholderFlag xmlns:ma14="http://schemas.microsoft.com/office/mac/drawingml/2011/main" xmlns="" val="1"/>
             </a:ext>
             <a:ext uri="{909E8E84-426E-40dd-AFC4-6F175D3DCCD1}">
-              <a14:hiddenFill xmlns="" xmlns:a14="http://schemas.microsoft.com/office/drawing/2010/main">
+              <a14:hiddenFill xmlns:a14="http://schemas.microsoft.com/office/drawing/2010/main" xmlns="">
                 <a:solidFill>
                   <a:srgbClr val="FFFFFF"/>
                 </a:solidFill>
               </a14:hiddenFill>
             </a:ext>
             <a:ext uri="{91240B29-F687-4f45-9708-019B960494DF}">
-              <a14:hiddenLine xmlns="" xmlns:a14="http://schemas.microsoft.com/office/drawing/2010/main" w="9525">
+              <a14:hiddenLine xmlns:a14="http://schemas.microsoft.com/office/drawing/2010/main" xmlns="" w="9525">
                 <a:solidFill>
                   <a:srgbClr val="000000"/>
                 </a:solidFill>
@@ -4441,14 +4694,14 @@
           <a:ln/>
           <a:extLst>
             <a:ext uri="{909E8E84-426E-40dd-AFC4-6F175D3DCCD1}">
-              <a14:hiddenFill xmlns="" xmlns:a14="http://schemas.microsoft.com/office/drawing/2010/main">
+              <a14:hiddenFill xmlns:a14="http://schemas.microsoft.com/office/drawing/2010/main" xmlns="">
                 <a:solidFill>
                   <a:srgbClr val="FFFFFF"/>
                 </a:solidFill>
               </a14:hiddenFill>
             </a:ext>
             <a:ext uri="{91240B29-F687-4f45-9708-019B960494DF}">
-              <a14:hiddenLine xmlns="" xmlns:a14="http://schemas.microsoft.com/office/drawing/2010/main" w="9525">
+              <a14:hiddenLine xmlns:a14="http://schemas.microsoft.com/office/drawing/2010/main" xmlns="" w="9525">
                 <a:solidFill>
                   <a:srgbClr val="000000"/>
                 </a:solidFill>
@@ -4615,17 +4868,17 @@
           <a:ln/>
           <a:extLst>
             <a:ext uri="{FAA26D3D-D897-4be2-8F04-BA451C77F1D7}">
-              <ma14:placeholderFlag xmlns="" xmlns:ma14="http://schemas.microsoft.com/office/mac/drawingml/2011/main" val="1"/>
+              <ma14:placeholderFlag xmlns:ma14="http://schemas.microsoft.com/office/mac/drawingml/2011/main" xmlns="" val="1"/>
             </a:ext>
             <a:ext uri="{909E8E84-426E-40dd-AFC4-6F175D3DCCD1}">
-              <a14:hiddenFill xmlns="" xmlns:a14="http://schemas.microsoft.com/office/drawing/2010/main">
+              <a14:hiddenFill xmlns:a14="http://schemas.microsoft.com/office/drawing/2010/main" xmlns="">
                 <a:solidFill>
                   <a:srgbClr val="FFFFFF"/>
                 </a:solidFill>
               </a14:hiddenFill>
             </a:ext>
             <a:ext uri="{91240B29-F687-4f45-9708-019B960494DF}">
-              <a14:hiddenLine xmlns="" xmlns:a14="http://schemas.microsoft.com/office/drawing/2010/main" w="9525">
+              <a14:hiddenLine xmlns:a14="http://schemas.microsoft.com/office/drawing/2010/main" xmlns="" w="9525">
                 <a:solidFill>
                   <a:srgbClr val="000000"/>
                 </a:solidFill>
@@ -4827,7 +5080,7 @@
               <a:defRPr/>
             </a:pPr>
             <a:fld id="{AC0EBD74-B9E4-0E4B-AC6A-6A6644FA211D}" type="datetime1">
-              <a:t>2020-06-08</a:t>
+              <a:t>2020-06-10</a:t>
             </a:fld>
             <a:endParaRPr lang="en-US"/>
           </a:p>
@@ -5035,7 +5288,7 @@
               <a:defRPr/>
             </a:pPr>
             <a:fld id="{6B45423E-01F1-194D-BEF2-59037D9E890E}" type="datetime1">
-              <a:t>2020-06-08</a:t>
+              <a:t>2020-06-10</a:t>
             </a:fld>
             <a:endParaRPr lang="en-US"/>
           </a:p>
@@ -5248,7 +5501,7 @@
               <a:defRPr/>
             </a:pPr>
             <a:fld id="{82B48BEB-BEE3-334D-B79E-E768C9FAF8E5}" type="datetime1">
-              <a:t>2020-06-08</a:t>
+              <a:t>2020-06-10</a:t>
             </a:fld>
             <a:endParaRPr lang="en-US"/>
           </a:p>
@@ -5430,7 +5683,7 @@
               <a:defRPr/>
             </a:pPr>
             <a:fld id="{B2C39720-93FE-664C-90ED-4CAF6FDDEA10}" type="datetime1">
-              <a:t>2020-06-08</a:t>
+              <a:t>2020-06-10</a:t>
             </a:fld>
             <a:endParaRPr lang="en-US"/>
           </a:p>
@@ -5702,7 +5955,7 @@
               <a:defRPr/>
             </a:pPr>
             <a:fld id="{A2FE285A-049E-F04F-84A2-B30C773B375D}" type="datetime1">
-              <a:t>2020-06-08</a:t>
+              <a:t>2020-06-10</a:t>
             </a:fld>
             <a:endParaRPr lang="en-US"/>
           </a:p>
@@ -5910,7 +6163,7 @@
               <a:defRPr/>
             </a:pPr>
             <a:fld id="{2D3EAE3E-5FC7-A54A-AF77-DDA1203272CF}" type="datetime1">
-              <a:t>2020-06-08</a:t>
+              <a:t>2020-06-10</a:t>
             </a:fld>
             <a:endParaRPr lang="en-US"/>
           </a:p>
@@ -6136,7 +6389,7 @@
               <a:defRPr/>
             </a:pPr>
             <a:fld id="{95763E2F-E129-8144-85E5-DEFD93E5B96E}" type="datetime1">
-              <a:t>2020-06-08</a:t>
+              <a:t>2020-06-10</a:t>
             </a:fld>
             <a:endParaRPr lang="en-US"/>
           </a:p>
@@ -6459,7 +6712,7 @@
               <a:defRPr/>
             </a:pPr>
             <a:fld id="{5981D202-225B-274E-B468-B23944D81B5F}" type="datetime1">
-              <a:t>2020-06-08</a:t>
+              <a:t>2020-06-10</a:t>
             </a:fld>
             <a:endParaRPr lang="en-US"/>
           </a:p>
@@ -6927,7 +7180,7 @@
               <a:defRPr/>
             </a:pPr>
             <a:fld id="{5D77E727-DBBF-C24A-80AB-D1A64464A970}" type="datetime1">
-              <a:t>2020-06-08</a:t>
+              <a:t>2020-06-10</a:t>
             </a:fld>
             <a:endParaRPr lang="en-US"/>
           </a:p>
@@ -7076,7 +7329,7 @@
               <a:defRPr/>
             </a:pPr>
             <a:fld id="{335DF27D-CB15-7843-AC95-0CBD4BB583FE}" type="datetime1">
-              <a:t>2020-06-08</a:t>
+              <a:t>2020-06-10</a:t>
             </a:fld>
             <a:endParaRPr lang="en-US"/>
           </a:p>
@@ -7203,7 +7456,7 @@
               <a:defRPr/>
             </a:pPr>
             <a:fld id="{358F54F2-E1C3-E741-9012-F819890FDEF2}" type="datetime1">
-              <a:t>2020-06-08</a:t>
+              <a:t>2020-06-10</a:t>
             </a:fld>
             <a:endParaRPr lang="en-US"/>
           </a:p>
@@ -7516,7 +7769,7 @@
               <a:defRPr/>
             </a:pPr>
             <a:fld id="{9D5FE2EA-BB63-0142-BBBA-3114D28210BA}" type="datetime1">
-              <a:t>2020-06-08</a:t>
+              <a:t>2020-06-10</a:t>
             </a:fld>
             <a:endParaRPr lang="en-US"/>
           </a:p>
@@ -7807,7 +8060,7 @@
               <a:defRPr/>
             </a:pPr>
             <a:fld id="{7D606BD5-D583-F445-A197-4E9204106D8D}" type="datetime1">
-              <a:t>2020-06-08</a:t>
+              <a:t>2020-06-10</a:t>
             </a:fld>
             <a:endParaRPr lang="en-US"/>
           </a:p>
@@ -7906,17 +8159,17 @@
           </a:ln>
           <a:extLst>
             <a:ext uri="{FAA26D3D-D897-4be2-8F04-BA451C77F1D7}">
-              <ma14:placeholderFlag xmlns="" xmlns:ma14="http://schemas.microsoft.com/office/mac/drawingml/2011/main" val="1"/>
+              <ma14:placeholderFlag xmlns:ma14="http://schemas.microsoft.com/office/mac/drawingml/2011/main" xmlns="" val="1"/>
             </a:ext>
             <a:ext uri="{909E8E84-426E-40dd-AFC4-6F175D3DCCD1}">
-              <a14:hiddenFill xmlns="" xmlns:a14="http://schemas.microsoft.com/office/drawing/2010/main">
+              <a14:hiddenFill xmlns:a14="http://schemas.microsoft.com/office/drawing/2010/main" xmlns="">
                 <a:solidFill>
                   <a:srgbClr val="FFFFFF"/>
                 </a:solidFill>
               </a14:hiddenFill>
             </a:ext>
             <a:ext uri="{91240B29-F687-4f45-9708-019B960494DF}">
-              <a14:hiddenLine xmlns="" xmlns:a14="http://schemas.microsoft.com/office/drawing/2010/main" w="9525">
+              <a14:hiddenLine xmlns:a14="http://schemas.microsoft.com/office/drawing/2010/main" xmlns="" w="9525">
                 <a:solidFill>
                   <a:srgbClr val="000000"/>
                 </a:solidFill>
@@ -7975,7 +8228,7 @@
           </a:ln>
           <a:extLst>
             <a:ext uri="{91240B29-F687-4f45-9708-019B960494DF}">
-              <a14:hiddenLine xmlns="" xmlns:a14="http://schemas.microsoft.com/office/drawing/2010/main" w="9525">
+              <a14:hiddenLine xmlns:a14="http://schemas.microsoft.com/office/drawing/2010/main" xmlns="" w="9525">
                 <a:solidFill>
                   <a:srgbClr val="000000"/>
                 </a:solidFill>
@@ -8179,14 +8432,14 @@
           </a:ln>
           <a:extLst>
             <a:ext uri="{909E8E84-426E-40dd-AFC4-6F175D3DCCD1}">
-              <a14:hiddenFill xmlns="" xmlns:a14="http://schemas.microsoft.com/office/drawing/2010/main">
+              <a14:hiddenFill xmlns:a14="http://schemas.microsoft.com/office/drawing/2010/main" xmlns="">
                 <a:solidFill>
                   <a:srgbClr val="FFFFFF"/>
                 </a:solidFill>
               </a14:hiddenFill>
             </a:ext>
             <a:ext uri="{91240B29-F687-4f45-9708-019B960494DF}">
-              <a14:hiddenLine xmlns="" xmlns:a14="http://schemas.microsoft.com/office/drawing/2010/main" w="9525">
+              <a14:hiddenLine xmlns:a14="http://schemas.microsoft.com/office/drawing/2010/main" xmlns="" w="9525">
                 <a:solidFill>
                   <a:srgbClr val="000000"/>
                 </a:solidFill>
@@ -8425,7 +8678,7 @@
               <a:defRPr/>
             </a:pPr>
             <a:fld id="{FA71DDE3-1BFD-2B4B-9B0E-6E78A067C89E}" type="datetime1">
-              <a:t>2020-06-08</a:t>
+              <a:t>2020-06-10</a:t>
             </a:fld>
             <a:endParaRPr lang="en-US"/>
           </a:p>
@@ -8519,14 +8772,14 @@
           </a:ln>
           <a:extLst>
             <a:ext uri="{909E8E84-426E-40dd-AFC4-6F175D3DCCD1}">
-              <a14:hiddenFill xmlns="" xmlns:a14="http://schemas.microsoft.com/office/drawing/2010/main">
+              <a14:hiddenFill xmlns:a14="http://schemas.microsoft.com/office/drawing/2010/main" xmlns="">
                 <a:solidFill>
                   <a:srgbClr val="FFFFFF"/>
                 </a:solidFill>
               </a14:hiddenFill>
             </a:ext>
             <a:ext uri="{91240B29-F687-4f45-9708-019B960494DF}">
-              <a14:hiddenLine xmlns="" xmlns:a14="http://schemas.microsoft.com/office/drawing/2010/main" w="9525">
+              <a14:hiddenLine xmlns:a14="http://schemas.microsoft.com/office/drawing/2010/main" xmlns="" w="9525">
                 <a:solidFill>
                   <a:srgbClr val="000000"/>
                 </a:solidFill>
@@ -8573,14 +8826,14 @@
           </a:ln>
           <a:extLst>
             <a:ext uri="{909E8E84-426E-40dd-AFC4-6F175D3DCCD1}">
-              <a14:hiddenFill xmlns="" xmlns:a14="http://schemas.microsoft.com/office/drawing/2010/main">
+              <a14:hiddenFill xmlns:a14="http://schemas.microsoft.com/office/drawing/2010/main" xmlns="">
                 <a:solidFill>
                   <a:srgbClr val="FFFFFF"/>
                 </a:solidFill>
               </a14:hiddenFill>
             </a:ext>
             <a:ext uri="{91240B29-F687-4f45-9708-019B960494DF}">
-              <a14:hiddenLine xmlns="" xmlns:a14="http://schemas.microsoft.com/office/drawing/2010/main" w="9525">
+              <a14:hiddenLine xmlns:a14="http://schemas.microsoft.com/office/drawing/2010/main" xmlns="" w="9525">
                 <a:solidFill>
                   <a:srgbClr val="000000"/>
                 </a:solidFill>
@@ -9213,7 +9466,7 @@
             </a:pPr>
             <a:fld id="{90E2CE17-9310-CB4D-A759-84364C03D56E}" type="datetime1">
               <a:rPr lang="en-US"/>
-              <a:t>2020-06-08</a:t>
+              <a:t>2020-06-10</a:t>
             </a:fld>
             <a:endParaRPr lang="en-US" dirty="0"/>
           </a:p>
@@ -9259,14 +9512,14 @@
           <a:ln/>
           <a:extLst>
             <a:ext uri="{909E8E84-426E-40dd-AFC4-6F175D3DCCD1}">
-              <a14:hiddenFill xmlns="" xmlns:a14="http://schemas.microsoft.com/office/drawing/2010/main">
+              <a14:hiddenFill xmlns:a14="http://schemas.microsoft.com/office/drawing/2010/main" xmlns="">
                 <a:solidFill>
                   <a:srgbClr val="FFFFFF"/>
                 </a:solidFill>
               </a14:hiddenFill>
             </a:ext>
             <a:ext uri="{91240B29-F687-4f45-9708-019B960494DF}">
-              <a14:hiddenLine xmlns="" xmlns:a14="http://schemas.microsoft.com/office/drawing/2010/main" w="9525">
+              <a14:hiddenLine xmlns:a14="http://schemas.microsoft.com/office/drawing/2010/main" xmlns="" w="9525">
                 <a:solidFill>
                   <a:srgbClr val="000000"/>
                 </a:solidFill>
@@ -9477,14 +9730,14 @@
           <a:ln/>
           <a:extLst>
             <a:ext uri="{909E8E84-426E-40dd-AFC4-6F175D3DCCD1}">
-              <a14:hiddenFill xmlns="" xmlns:a14="http://schemas.microsoft.com/office/drawing/2010/main">
+              <a14:hiddenFill xmlns:a14="http://schemas.microsoft.com/office/drawing/2010/main" xmlns="">
                 <a:solidFill>
                   <a:srgbClr val="FFFFFF"/>
                 </a:solidFill>
               </a14:hiddenFill>
             </a:ext>
             <a:ext uri="{91240B29-F687-4f45-9708-019B960494DF}">
-              <a14:hiddenLine xmlns="" xmlns:a14="http://schemas.microsoft.com/office/drawing/2010/main" w="9525">
+              <a14:hiddenLine xmlns:a14="http://schemas.microsoft.com/office/drawing/2010/main" xmlns="" w="9525">
                 <a:solidFill>
                   <a:srgbClr val="000000"/>
                 </a:solidFill>
@@ -9644,7 +9897,1866 @@
             </a:pPr>
             <a:fld id="{B58AE35B-4B8A-B14C-A608-7A3AEEBA245B}" type="datetime1">
               <a:rPr lang="en-US"/>
-              <a:t>2020-06-08</a:t>
+              <a:t>2020-06-10</a:t>
+            </a:fld>
+            <a:endParaRPr lang="en-US"/>
+          </a:p>
+        </p:txBody>
+      </p:sp>
+      <p:sp>
+        <p:nvSpPr>
+          <p:cNvPr id="3" name="Footer Placeholder 2"/>
+          <p:cNvSpPr>
+            <a:spLocks noGrp="1"/>
+          </p:cNvSpPr>
+          <p:nvPr>
+            <p:ph type="ftr" sz="quarter" idx="12"/>
+          </p:nvPr>
+        </p:nvSpPr>
+        <p:spPr/>
+        <p:txBody>
+          <a:bodyPr/>
+          <a:lstStyle/>
+          <a:p>
+            <a:pPr>
+              <a:defRPr/>
+            </a:pPr>
+            <a:r>
+              <a:rPr lang="en-US"/>
+              <a:t>cFS Application: SBN</a:t>
+            </a:r>
+          </a:p>
+        </p:txBody>
+      </p:sp>
+      <p:cxnSp>
+        <p:nvCxnSpPr>
+          <p:cNvPr id="9" name="Straight Connector 8"/>
+          <p:cNvCxnSpPr/>
+          <p:nvPr/>
+        </p:nvCxnSpPr>
+        <p:spPr>
+          <a:xfrm>
+            <a:off x="7364007" y="1878518"/>
+            <a:ext cx="0" cy="3955583"/>
+          </a:xfrm>
+          <a:prstGeom prst="line">
+            <a:avLst/>
+          </a:prstGeom>
+          <a:ln>
+            <a:solidFill>
+              <a:srgbClr val="000000"/>
+            </a:solidFill>
+            <a:prstDash val="dash"/>
+          </a:ln>
+          <a:effectLst/>
+        </p:spPr>
+        <p:style>
+          <a:lnRef idx="2">
+            <a:schemeClr val="accent1"/>
+          </a:lnRef>
+          <a:fillRef idx="0">
+            <a:schemeClr val="accent1"/>
+          </a:fillRef>
+          <a:effectRef idx="1">
+            <a:schemeClr val="accent1"/>
+          </a:effectRef>
+          <a:fontRef idx="minor">
+            <a:schemeClr val="tx1"/>
+          </a:fontRef>
+        </p:style>
+      </p:cxnSp>
+      <p:cxnSp>
+        <p:nvCxnSpPr>
+          <p:cNvPr id="12" name="Straight Connector 11"/>
+          <p:cNvCxnSpPr/>
+          <p:nvPr/>
+        </p:nvCxnSpPr>
+        <p:spPr>
+          <a:xfrm>
+            <a:off x="3238089" y="1909545"/>
+            <a:ext cx="0" cy="3922455"/>
+          </a:xfrm>
+          <a:prstGeom prst="line">
+            <a:avLst/>
+          </a:prstGeom>
+          <a:ln>
+            <a:solidFill>
+              <a:srgbClr val="000000"/>
+            </a:solidFill>
+            <a:prstDash val="dash"/>
+          </a:ln>
+          <a:effectLst/>
+        </p:spPr>
+        <p:style>
+          <a:lnRef idx="2">
+            <a:schemeClr val="accent1"/>
+          </a:lnRef>
+          <a:fillRef idx="0">
+            <a:schemeClr val="accent1"/>
+          </a:fillRef>
+          <a:effectRef idx="1">
+            <a:schemeClr val="accent1"/>
+          </a:effectRef>
+          <a:fontRef idx="minor">
+            <a:schemeClr val="tx1"/>
+          </a:fontRef>
+        </p:style>
+      </p:cxnSp>
+      <p:sp>
+        <p:nvSpPr>
+          <p:cNvPr id="62" name="TextBox 61"/>
+          <p:cNvSpPr txBox="1"/>
+          <p:nvPr/>
+        </p:nvSpPr>
+        <p:spPr>
+          <a:xfrm>
+            <a:off x="2982665" y="1509186"/>
+            <a:ext cx="492593" cy="369332"/>
+          </a:xfrm>
+          <a:prstGeom prst="rect">
+            <a:avLst/>
+          </a:prstGeom>
+          <a:solidFill>
+            <a:schemeClr val="bg1"/>
+          </a:solidFill>
+          <a:ln>
+            <a:solidFill>
+              <a:srgbClr val="000000"/>
+            </a:solidFill>
+          </a:ln>
+        </p:spPr>
+        <p:txBody>
+          <a:bodyPr wrap="none" rtlCol="0">
+            <a:spAutoFit/>
+          </a:bodyPr>
+          <a:lstStyle/>
+          <a:p>
+            <a:r>
+              <a:rPr lang="en-US"/>
+              <a:t>SB</a:t>
+            </a:r>
+          </a:p>
+        </p:txBody>
+      </p:sp>
+      <p:sp>
+        <p:nvSpPr>
+          <p:cNvPr id="28677" name="Cloud 28676"/>
+          <p:cNvSpPr/>
+          <p:nvPr/>
+        </p:nvSpPr>
+        <p:spPr bwMode="auto">
+          <a:xfrm>
+            <a:off x="6490061" y="1307839"/>
+            <a:ext cx="1747892" cy="587146"/>
+          </a:xfrm>
+          <a:prstGeom prst="cloud">
+            <a:avLst/>
+          </a:prstGeom>
+          <a:solidFill>
+            <a:srgbClr val="FFFFFF"/>
+          </a:solidFill>
+          <a:ln w="9525" cap="flat" cmpd="sng" algn="ctr">
+            <a:solidFill>
+              <a:schemeClr val="tx1"/>
+            </a:solidFill>
+            <a:prstDash val="solid"/>
+            <a:round/>
+            <a:headEnd type="none" w="med" len="med"/>
+            <a:tailEnd type="none" w="med" len="med"/>
+          </a:ln>
+          <a:effectLst/>
+        </p:spPr>
+        <p:txBody>
+          <a:bodyPr vert="horz" wrap="square" lIns="91440" tIns="45720" rIns="91440" bIns="45720" numCol="1" rtlCol="0" anchor="t" anchorCtr="0" compatLnSpc="1">
+            <a:prstTxWarp prst="textNoShape">
+              <a:avLst/>
+            </a:prstTxWarp>
+          </a:bodyPr>
+          <a:lstStyle/>
+          <a:p>
+            <a:pPr marL="0" marR="0" indent="0" algn="ctr" defTabSz="914400" rtl="0" eaLnBrk="1" fontAlgn="base" latinLnBrk="0" hangingPunct="1">
+              <a:lnSpc>
+                <a:spcPct val="100000"/>
+              </a:lnSpc>
+              <a:spcBef>
+                <a:spcPct val="0"/>
+              </a:spcBef>
+              <a:spcAft>
+                <a:spcPct val="0"/>
+              </a:spcAft>
+              <a:buClrTx/>
+              <a:buSzTx/>
+              <a:buFontTx/>
+              <a:buNone/>
+              <a:tabLst/>
+            </a:pPr>
+            <a:r>
+              <a:rPr lang="en-US" dirty="0"/>
+              <a:t>Peer</a:t>
+            </a:r>
+            <a:endParaRPr kumimoji="0" lang="en-US" sz="1800" b="0" i="0" u="none" strike="noStrike" cap="none" normalizeH="0" baseline="0" dirty="0">
+              <a:ln>
+                <a:noFill/>
+              </a:ln>
+              <a:solidFill>
+                <a:schemeClr val="tx1"/>
+              </a:solidFill>
+              <a:effectLst/>
+              <a:latin typeface="Arial" charset="0"/>
+            </a:endParaRPr>
+          </a:p>
+        </p:txBody>
+      </p:sp>
+      <p:cxnSp>
+        <p:nvCxnSpPr>
+          <p:cNvPr id="64" name="Straight Connector 63">
+            <a:extLst>
+              <a:ext uri="{FF2B5EF4-FFF2-40B4-BE49-F238E27FC236}">
+                <a16:creationId xmlns:a16="http://schemas.microsoft.com/office/drawing/2014/main" id="{263E1E2E-0DEC-4875-8313-5DAC2FD267CA}"/>
+              </a:ext>
+            </a:extLst>
+          </p:cNvPr>
+          <p:cNvCxnSpPr>
+            <a:cxnSpLocks/>
+          </p:cNvCxnSpPr>
+          <p:nvPr/>
+        </p:nvCxnSpPr>
+        <p:spPr>
+          <a:xfrm flipV="1">
+            <a:off x="5813703" y="1748109"/>
+            <a:ext cx="0" cy="4218582"/>
+          </a:xfrm>
+          <a:prstGeom prst="line">
+            <a:avLst/>
+          </a:prstGeom>
+          <a:ln>
+            <a:solidFill>
+              <a:srgbClr val="000000"/>
+            </a:solidFill>
+            <a:prstDash val="dash"/>
+          </a:ln>
+          <a:effectLst/>
+        </p:spPr>
+        <p:style>
+          <a:lnRef idx="2">
+            <a:schemeClr val="accent1"/>
+          </a:lnRef>
+          <a:fillRef idx="0">
+            <a:schemeClr val="accent1"/>
+          </a:fillRef>
+          <a:effectRef idx="1">
+            <a:schemeClr val="accent1"/>
+          </a:effectRef>
+          <a:fontRef idx="minor">
+            <a:schemeClr val="tx1"/>
+          </a:fontRef>
+        </p:style>
+      </p:cxnSp>
+      <p:sp>
+        <p:nvSpPr>
+          <p:cNvPr id="65" name="TextBox 64">
+            <a:extLst>
+              <a:ext uri="{FF2B5EF4-FFF2-40B4-BE49-F238E27FC236}">
+                <a16:creationId xmlns:a16="http://schemas.microsoft.com/office/drawing/2014/main" id="{422FC1AB-F962-4598-BA81-F961DB5E13D5}"/>
+              </a:ext>
+            </a:extLst>
+          </p:cNvPr>
+          <p:cNvSpPr txBox="1"/>
+          <p:nvPr/>
+        </p:nvSpPr>
+        <p:spPr>
+          <a:xfrm>
+            <a:off x="5487362" y="1393176"/>
+            <a:ext cx="659293" cy="369332"/>
+          </a:xfrm>
+          <a:prstGeom prst="rect">
+            <a:avLst/>
+          </a:prstGeom>
+          <a:solidFill>
+            <a:schemeClr val="bg1"/>
+          </a:solidFill>
+          <a:ln>
+            <a:solidFill>
+              <a:srgbClr val="000000"/>
+            </a:solidFill>
+          </a:ln>
+        </p:spPr>
+        <p:txBody>
+          <a:bodyPr wrap="none" rtlCol="0">
+            <a:spAutoFit/>
+          </a:bodyPr>
+          <a:lstStyle/>
+          <a:p>
+            <a:r>
+              <a:rPr lang="en-US"/>
+              <a:t>SBN</a:t>
+            </a:r>
+          </a:p>
+        </p:txBody>
+      </p:sp>
+      <p:sp>
+        <p:nvSpPr>
+          <p:cNvPr id="83" name="Rectangle 82">
+            <a:extLst>
+              <a:ext uri="{FF2B5EF4-FFF2-40B4-BE49-F238E27FC236}">
+                <a16:creationId xmlns:a16="http://schemas.microsoft.com/office/drawing/2014/main" id="{CDC55F4E-36B8-467D-BF81-8C9CCB1B609D}"/>
+              </a:ext>
+            </a:extLst>
+          </p:cNvPr>
+          <p:cNvSpPr/>
+          <p:nvPr/>
+        </p:nvSpPr>
+        <p:spPr bwMode="auto">
+          <a:xfrm>
+            <a:off x="5728299" y="2233996"/>
+            <a:ext cx="155224" cy="3485620"/>
+          </a:xfrm>
+          <a:prstGeom prst="rect">
+            <a:avLst/>
+          </a:prstGeom>
+          <a:solidFill>
+            <a:schemeClr val="bg1"/>
+          </a:solidFill>
+          <a:ln w="28575" cap="flat" cmpd="sng" algn="ctr">
+            <a:solidFill>
+              <a:schemeClr val="tx1"/>
+            </a:solidFill>
+            <a:prstDash val="solid"/>
+            <a:round/>
+            <a:headEnd type="none" w="med" len="med"/>
+            <a:tailEnd type="none" w="med" len="med"/>
+          </a:ln>
+          <a:effectLst/>
+        </p:spPr>
+        <p:txBody>
+          <a:bodyPr vert="horz" wrap="square" lIns="91440" tIns="45720" rIns="91440" bIns="45720" numCol="1" rtlCol="0" anchor="t" anchorCtr="0" compatLnSpc="1">
+            <a:prstTxWarp prst="textNoShape">
+              <a:avLst/>
+            </a:prstTxWarp>
+          </a:bodyPr>
+          <a:lstStyle/>
+          <a:p>
+            <a:pPr marL="0" marR="0" indent="0" algn="ctr" defTabSz="914400" rtl="0" eaLnBrk="1" fontAlgn="base" latinLnBrk="0" hangingPunct="1">
+              <a:lnSpc>
+                <a:spcPct val="100000"/>
+              </a:lnSpc>
+              <a:spcBef>
+                <a:spcPct val="0"/>
+              </a:spcBef>
+              <a:spcAft>
+                <a:spcPct val="0"/>
+              </a:spcAft>
+              <a:buClrTx/>
+              <a:buSzTx/>
+              <a:buFontTx/>
+              <a:buNone/>
+              <a:tabLst/>
+            </a:pPr>
+            <a:endParaRPr kumimoji="0" lang="en-US" sz="1800" b="0" i="0" u="none" strike="noStrike" cap="none" normalizeH="0" baseline="0" dirty="0">
+              <a:ln>
+                <a:noFill/>
+              </a:ln>
+              <a:solidFill>
+                <a:schemeClr val="tx1"/>
+              </a:solidFill>
+              <a:effectLst/>
+              <a:latin typeface="Arial" charset="0"/>
+            </a:endParaRPr>
+          </a:p>
+        </p:txBody>
+      </p:sp>
+      <p:cxnSp>
+        <p:nvCxnSpPr>
+          <p:cNvPr id="44" name="Straight Arrow Connector 43">
+            <a:extLst>
+              <a:ext uri="{FF2B5EF4-FFF2-40B4-BE49-F238E27FC236}">
+                <a16:creationId xmlns:a16="http://schemas.microsoft.com/office/drawing/2014/main" id="{6099F647-6D61-4178-ADD6-D6113AE70CFE}"/>
+              </a:ext>
+            </a:extLst>
+          </p:cNvPr>
+          <p:cNvCxnSpPr>
+            <a:cxnSpLocks/>
+          </p:cNvCxnSpPr>
+          <p:nvPr/>
+        </p:nvCxnSpPr>
+        <p:spPr>
+          <a:xfrm flipH="1">
+            <a:off x="3228853" y="4649016"/>
+            <a:ext cx="2475822" cy="0"/>
+          </a:xfrm>
+          <a:prstGeom prst="straightConnector1">
+            <a:avLst/>
+          </a:prstGeom>
+          <a:ln>
+            <a:solidFill>
+              <a:srgbClr val="000000"/>
+            </a:solidFill>
+            <a:headEnd type="none" w="med" len="med"/>
+            <a:tailEnd type="triangle" w="med" len="med"/>
+          </a:ln>
+          <a:effectLst/>
+        </p:spPr>
+        <p:style>
+          <a:lnRef idx="2">
+            <a:schemeClr val="accent1"/>
+          </a:lnRef>
+          <a:fillRef idx="0">
+            <a:schemeClr val="accent1"/>
+          </a:fillRef>
+          <a:effectRef idx="1">
+            <a:schemeClr val="accent1"/>
+          </a:effectRef>
+          <a:fontRef idx="minor">
+            <a:schemeClr val="tx1"/>
+          </a:fontRef>
+        </p:style>
+      </p:cxnSp>
+      <p:sp>
+        <p:nvSpPr>
+          <p:cNvPr id="45" name="TextBox 44">
+            <a:extLst>
+              <a:ext uri="{FF2B5EF4-FFF2-40B4-BE49-F238E27FC236}">
+                <a16:creationId xmlns:a16="http://schemas.microsoft.com/office/drawing/2014/main" id="{8B712E1F-0A2B-4FC5-8C92-A07E347887AB}"/>
+              </a:ext>
+            </a:extLst>
+          </p:cNvPr>
+          <p:cNvSpPr txBox="1"/>
+          <p:nvPr/>
+        </p:nvSpPr>
+        <p:spPr>
+          <a:xfrm>
+            <a:off x="4926326" y="4352838"/>
+            <a:ext cx="841897" cy="276999"/>
+          </a:xfrm>
+          <a:prstGeom prst="rect">
+            <a:avLst/>
+          </a:prstGeom>
+          <a:noFill/>
+        </p:spPr>
+        <p:txBody>
+          <a:bodyPr wrap="none" rtlCol="0">
+            <a:spAutoFit/>
+          </a:bodyPr>
+          <a:lstStyle/>
+          <a:p>
+            <a:r>
+              <a:rPr lang="en-US" sz="1200" dirty="0" err="1"/>
+              <a:t>RcvMsg</a:t>
+            </a:r>
+            <a:r>
+              <a:rPr lang="en-US" sz="1200" dirty="0"/>
+              <a:t>()</a:t>
+            </a:r>
+          </a:p>
+        </p:txBody>
+      </p:sp>
+      <p:cxnSp>
+        <p:nvCxnSpPr>
+          <p:cNvPr id="56" name="Straight Arrow Connector 55">
+            <a:extLst>
+              <a:ext uri="{FF2B5EF4-FFF2-40B4-BE49-F238E27FC236}">
+                <a16:creationId xmlns:a16="http://schemas.microsoft.com/office/drawing/2014/main" id="{25585A62-698F-449C-827B-1209DF81D06D}"/>
+              </a:ext>
+            </a:extLst>
+          </p:cNvPr>
+          <p:cNvCxnSpPr>
+            <a:cxnSpLocks/>
+          </p:cNvCxnSpPr>
+          <p:nvPr/>
+        </p:nvCxnSpPr>
+        <p:spPr>
+          <a:xfrm>
+            <a:off x="3226042" y="4672224"/>
+            <a:ext cx="2482114" cy="211249"/>
+          </a:xfrm>
+          <a:prstGeom prst="straightConnector1">
+            <a:avLst/>
+          </a:prstGeom>
+          <a:ln w="12700">
+            <a:solidFill>
+              <a:srgbClr val="000000"/>
+            </a:solidFill>
+            <a:prstDash val="sysDash"/>
+            <a:tailEnd type="arrow"/>
+          </a:ln>
+          <a:effectLst/>
+        </p:spPr>
+        <p:style>
+          <a:lnRef idx="2">
+            <a:schemeClr val="accent1"/>
+          </a:lnRef>
+          <a:fillRef idx="0">
+            <a:schemeClr val="accent1"/>
+          </a:fillRef>
+          <a:effectRef idx="1">
+            <a:schemeClr val="accent1"/>
+          </a:effectRef>
+          <a:fontRef idx="minor">
+            <a:schemeClr val="tx1"/>
+          </a:fontRef>
+        </p:style>
+      </p:cxnSp>
+      <p:cxnSp>
+        <p:nvCxnSpPr>
+          <p:cNvPr id="71" name="Straight Arrow Connector 70">
+            <a:extLst>
+              <a:ext uri="{FF2B5EF4-FFF2-40B4-BE49-F238E27FC236}">
+                <a16:creationId xmlns:a16="http://schemas.microsoft.com/office/drawing/2014/main" id="{C434D2AD-26E9-449E-BA3F-91760DABCCB8}"/>
+              </a:ext>
+            </a:extLst>
+          </p:cNvPr>
+          <p:cNvCxnSpPr>
+            <a:cxnSpLocks/>
+          </p:cNvCxnSpPr>
+          <p:nvPr/>
+        </p:nvCxnSpPr>
+        <p:spPr>
+          <a:xfrm>
+            <a:off x="6033566" y="4991734"/>
+            <a:ext cx="1316591" cy="14386"/>
+          </a:xfrm>
+          <a:prstGeom prst="straightConnector1">
+            <a:avLst/>
+          </a:prstGeom>
+          <a:ln>
+            <a:solidFill>
+              <a:srgbClr val="000000"/>
+            </a:solidFill>
+            <a:tailEnd type="arrow"/>
+          </a:ln>
+          <a:effectLst/>
+        </p:spPr>
+        <p:style>
+          <a:lnRef idx="2">
+            <a:schemeClr val="accent1"/>
+          </a:lnRef>
+          <a:fillRef idx="0">
+            <a:schemeClr val="accent1"/>
+          </a:fillRef>
+          <a:effectRef idx="1">
+            <a:schemeClr val="accent1"/>
+          </a:effectRef>
+          <a:fontRef idx="minor">
+            <a:schemeClr val="tx1"/>
+          </a:fontRef>
+        </p:style>
+      </p:cxnSp>
+      <p:sp>
+        <p:nvSpPr>
+          <p:cNvPr id="72" name="Rectangle 71">
+            <a:extLst>
+              <a:ext uri="{FF2B5EF4-FFF2-40B4-BE49-F238E27FC236}">
+                <a16:creationId xmlns:a16="http://schemas.microsoft.com/office/drawing/2014/main" id="{AEC65D1A-A62A-4722-9633-52D41721D89F}"/>
+              </a:ext>
+            </a:extLst>
+          </p:cNvPr>
+          <p:cNvSpPr/>
+          <p:nvPr/>
+        </p:nvSpPr>
+        <p:spPr bwMode="auto">
+          <a:xfrm>
+            <a:off x="5885194" y="4811404"/>
+            <a:ext cx="163831" cy="251054"/>
+          </a:xfrm>
+          <a:prstGeom prst="rect">
+            <a:avLst/>
+          </a:prstGeom>
+          <a:solidFill>
+            <a:schemeClr val="bg1">
+              <a:lumMod val="85000"/>
+            </a:schemeClr>
+          </a:solidFill>
+          <a:ln w="28575" cap="flat" cmpd="sng" algn="ctr">
+            <a:solidFill>
+              <a:schemeClr val="tx1"/>
+            </a:solidFill>
+            <a:prstDash val="solid"/>
+            <a:round/>
+            <a:headEnd type="none" w="med" len="med"/>
+            <a:tailEnd type="none" w="med" len="med"/>
+          </a:ln>
+          <a:effectLst/>
+        </p:spPr>
+        <p:txBody>
+          <a:bodyPr vert="horz" wrap="square" lIns="91440" tIns="45720" rIns="91440" bIns="45720" numCol="1" rtlCol="0" anchor="t" anchorCtr="0" compatLnSpc="1">
+            <a:prstTxWarp prst="textNoShape">
+              <a:avLst/>
+            </a:prstTxWarp>
+          </a:bodyPr>
+          <a:lstStyle/>
+          <a:p>
+            <a:pPr marL="0" marR="0" indent="0" algn="ctr" defTabSz="914400" rtl="0" eaLnBrk="1" fontAlgn="base" latinLnBrk="0" hangingPunct="1">
+              <a:lnSpc>
+                <a:spcPct val="100000"/>
+              </a:lnSpc>
+              <a:spcBef>
+                <a:spcPct val="0"/>
+              </a:spcBef>
+              <a:spcAft>
+                <a:spcPct val="0"/>
+              </a:spcAft>
+              <a:buClrTx/>
+              <a:buSzTx/>
+              <a:buFontTx/>
+              <a:buNone/>
+              <a:tabLst/>
+            </a:pPr>
+            <a:endParaRPr kumimoji="0" lang="en-US" sz="1800" b="0" i="0" u="none" strike="noStrike" cap="none" normalizeH="0" baseline="0">
+              <a:ln>
+                <a:noFill/>
+              </a:ln>
+              <a:solidFill>
+                <a:schemeClr val="tx1"/>
+              </a:solidFill>
+              <a:effectLst/>
+              <a:latin typeface="Arial" charset="0"/>
+            </a:endParaRPr>
+          </a:p>
+        </p:txBody>
+      </p:sp>
+      <p:sp>
+        <p:nvSpPr>
+          <p:cNvPr id="73" name="TextBox 72">
+            <a:extLst>
+              <a:ext uri="{FF2B5EF4-FFF2-40B4-BE49-F238E27FC236}">
+                <a16:creationId xmlns:a16="http://schemas.microsoft.com/office/drawing/2014/main" id="{6DBC7BF8-3F39-4EAF-96CB-7FA8E7AEB7D6}"/>
+              </a:ext>
+            </a:extLst>
+          </p:cNvPr>
+          <p:cNvSpPr txBox="1"/>
+          <p:nvPr/>
+        </p:nvSpPr>
+        <p:spPr>
+          <a:xfrm>
+            <a:off x="6153846" y="4746976"/>
+            <a:ext cx="644728" cy="276999"/>
+          </a:xfrm>
+          <a:prstGeom prst="rect">
+            <a:avLst/>
+          </a:prstGeom>
+          <a:noFill/>
+        </p:spPr>
+        <p:txBody>
+          <a:bodyPr wrap="none" rtlCol="0">
+            <a:spAutoFit/>
+          </a:bodyPr>
+          <a:lstStyle/>
+          <a:p>
+            <a:r>
+              <a:rPr lang="en-US" sz="1200" dirty="0"/>
+              <a:t>Send()</a:t>
+            </a:r>
+          </a:p>
+        </p:txBody>
+      </p:sp>
+      <p:sp>
+        <p:nvSpPr>
+          <p:cNvPr id="84" name="Rectangle 83">
+            <a:extLst>
+              <a:ext uri="{FF2B5EF4-FFF2-40B4-BE49-F238E27FC236}">
+                <a16:creationId xmlns:a16="http://schemas.microsoft.com/office/drawing/2014/main" id="{3F02D930-C69D-4E59-B433-78A671C6F582}"/>
+              </a:ext>
+            </a:extLst>
+          </p:cNvPr>
+          <p:cNvSpPr/>
+          <p:nvPr/>
+        </p:nvSpPr>
+        <p:spPr bwMode="auto">
+          <a:xfrm>
+            <a:off x="5889813" y="3037220"/>
+            <a:ext cx="143762" cy="323366"/>
+          </a:xfrm>
+          <a:prstGeom prst="rect">
+            <a:avLst/>
+          </a:prstGeom>
+          <a:solidFill>
+            <a:schemeClr val="bg1">
+              <a:lumMod val="85000"/>
+            </a:schemeClr>
+          </a:solidFill>
+          <a:ln w="28575" cap="flat" cmpd="sng" algn="ctr">
+            <a:solidFill>
+              <a:schemeClr val="tx1"/>
+            </a:solidFill>
+            <a:prstDash val="solid"/>
+            <a:round/>
+            <a:headEnd type="none" w="med" len="med"/>
+            <a:tailEnd type="none" w="med" len="med"/>
+          </a:ln>
+          <a:effectLst/>
+        </p:spPr>
+        <p:txBody>
+          <a:bodyPr vert="horz" wrap="square" lIns="91440" tIns="45720" rIns="91440" bIns="45720" numCol="1" rtlCol="0" anchor="t" anchorCtr="0" compatLnSpc="1">
+            <a:prstTxWarp prst="textNoShape">
+              <a:avLst/>
+            </a:prstTxWarp>
+          </a:bodyPr>
+          <a:lstStyle/>
+          <a:p>
+            <a:pPr marL="0" marR="0" indent="0" algn="ctr" defTabSz="914400" rtl="0" eaLnBrk="1" fontAlgn="base" latinLnBrk="0" hangingPunct="1">
+              <a:lnSpc>
+                <a:spcPct val="100000"/>
+              </a:lnSpc>
+              <a:spcBef>
+                <a:spcPct val="0"/>
+              </a:spcBef>
+              <a:spcAft>
+                <a:spcPct val="0"/>
+              </a:spcAft>
+              <a:buClrTx/>
+              <a:buSzTx/>
+              <a:buFontTx/>
+              <a:buNone/>
+              <a:tabLst/>
+            </a:pPr>
+            <a:endParaRPr kumimoji="0" lang="en-US" sz="1800" b="0" i="0" u="none" strike="noStrike" cap="none" normalizeH="0" baseline="0">
+              <a:ln>
+                <a:noFill/>
+              </a:ln>
+              <a:solidFill>
+                <a:schemeClr val="tx1"/>
+              </a:solidFill>
+              <a:effectLst/>
+              <a:latin typeface="Arial" charset="0"/>
+            </a:endParaRPr>
+          </a:p>
+        </p:txBody>
+      </p:sp>
+      <p:sp>
+        <p:nvSpPr>
+          <p:cNvPr id="85" name="TextBox 84">
+            <a:extLst>
+              <a:ext uri="{FF2B5EF4-FFF2-40B4-BE49-F238E27FC236}">
+                <a16:creationId xmlns:a16="http://schemas.microsoft.com/office/drawing/2014/main" id="{0608A47D-0180-496F-8C4A-A51858EDF883}"/>
+              </a:ext>
+            </a:extLst>
+          </p:cNvPr>
+          <p:cNvSpPr txBox="1"/>
+          <p:nvPr/>
+        </p:nvSpPr>
+        <p:spPr>
+          <a:xfrm>
+            <a:off x="6082149" y="2896857"/>
+            <a:ext cx="679994" cy="276999"/>
+          </a:xfrm>
+          <a:prstGeom prst="rect">
+            <a:avLst/>
+          </a:prstGeom>
+          <a:noFill/>
+        </p:spPr>
+        <p:txBody>
+          <a:bodyPr wrap="none" rtlCol="0">
+            <a:spAutoFit/>
+          </a:bodyPr>
+          <a:lstStyle/>
+          <a:p>
+            <a:r>
+              <a:rPr lang="en-US" sz="1200" dirty="0" err="1"/>
+              <a:t>Recv</a:t>
+            </a:r>
+            <a:r>
+              <a:rPr lang="en-US" sz="1200" dirty="0"/>
+              <a:t> ()</a:t>
+            </a:r>
+          </a:p>
+        </p:txBody>
+      </p:sp>
+      <p:cxnSp>
+        <p:nvCxnSpPr>
+          <p:cNvPr id="86" name="Straight Arrow Connector 85">
+            <a:extLst>
+              <a:ext uri="{FF2B5EF4-FFF2-40B4-BE49-F238E27FC236}">
+                <a16:creationId xmlns:a16="http://schemas.microsoft.com/office/drawing/2014/main" id="{4C536C1A-C3A1-4211-8BE8-AFE20A38927E}"/>
+              </a:ext>
+            </a:extLst>
+          </p:cNvPr>
+          <p:cNvCxnSpPr>
+            <a:cxnSpLocks/>
+          </p:cNvCxnSpPr>
+          <p:nvPr/>
+        </p:nvCxnSpPr>
+        <p:spPr>
+          <a:xfrm flipV="1">
+            <a:off x="6038758" y="3198595"/>
+            <a:ext cx="1332726" cy="14386"/>
+          </a:xfrm>
+          <a:prstGeom prst="straightConnector1">
+            <a:avLst/>
+          </a:prstGeom>
+          <a:ln>
+            <a:solidFill>
+              <a:srgbClr val="000000"/>
+            </a:solidFill>
+            <a:headEnd type="none" w="med" len="med"/>
+            <a:tailEnd type="triangle" w="med" len="med"/>
+          </a:ln>
+          <a:effectLst/>
+        </p:spPr>
+        <p:style>
+          <a:lnRef idx="2">
+            <a:schemeClr val="accent1"/>
+          </a:lnRef>
+          <a:fillRef idx="0">
+            <a:schemeClr val="accent1"/>
+          </a:fillRef>
+          <a:effectRef idx="1">
+            <a:schemeClr val="accent1"/>
+          </a:effectRef>
+          <a:fontRef idx="minor">
+            <a:schemeClr val="tx1"/>
+          </a:fontRef>
+        </p:style>
+      </p:cxnSp>
+      <p:sp>
+        <p:nvSpPr>
+          <p:cNvPr id="4" name="Rectangle 3">
+            <a:extLst>
+              <a:ext uri="{FF2B5EF4-FFF2-40B4-BE49-F238E27FC236}">
+                <a16:creationId xmlns:a16="http://schemas.microsoft.com/office/drawing/2014/main" id="{322D3980-D1DE-48EC-A999-0E03D557F64D}"/>
+              </a:ext>
+            </a:extLst>
+          </p:cNvPr>
+          <p:cNvSpPr/>
+          <p:nvPr/>
+        </p:nvSpPr>
+        <p:spPr bwMode="auto">
+          <a:xfrm>
+            <a:off x="3943972" y="2373229"/>
+            <a:ext cx="3897676" cy="3091595"/>
+          </a:xfrm>
+          <a:prstGeom prst="rect">
+            <a:avLst/>
+          </a:prstGeom>
+          <a:noFill/>
+          <a:ln w="12700" cap="flat" cmpd="sng" algn="ctr">
+            <a:solidFill>
+              <a:schemeClr val="tx1"/>
+            </a:solidFill>
+            <a:prstDash val="solid"/>
+            <a:round/>
+            <a:headEnd type="none" w="med" len="med"/>
+            <a:tailEnd type="none" w="med" len="med"/>
+          </a:ln>
+          <a:effectLst/>
+        </p:spPr>
+        <p:txBody>
+          <a:bodyPr vert="horz" wrap="square" lIns="91440" tIns="45720" rIns="91440" bIns="45720" numCol="1" rtlCol="0" anchor="t" anchorCtr="0" compatLnSpc="1">
+            <a:prstTxWarp prst="textNoShape">
+              <a:avLst/>
+            </a:prstTxWarp>
+          </a:bodyPr>
+          <a:lstStyle/>
+          <a:p>
+            <a:pPr marL="0" marR="0" indent="0" algn="ctr" defTabSz="914400" rtl="0" eaLnBrk="1" fontAlgn="base" latinLnBrk="0" hangingPunct="1">
+              <a:lnSpc>
+                <a:spcPct val="100000"/>
+              </a:lnSpc>
+              <a:spcBef>
+                <a:spcPct val="0"/>
+              </a:spcBef>
+              <a:spcAft>
+                <a:spcPct val="0"/>
+              </a:spcAft>
+              <a:buClrTx/>
+              <a:buSzTx/>
+              <a:buFontTx/>
+              <a:buNone/>
+              <a:tabLst/>
+            </a:pPr>
+            <a:endParaRPr kumimoji="0" lang="en-US" sz="1800" b="0" i="0" u="none" strike="noStrike" cap="none" normalizeH="0" baseline="0">
+              <a:ln>
+                <a:noFill/>
+              </a:ln>
+              <a:solidFill>
+                <a:schemeClr val="tx1"/>
+              </a:solidFill>
+              <a:effectLst/>
+              <a:latin typeface="Arial" charset="0"/>
+            </a:endParaRPr>
+          </a:p>
+        </p:txBody>
+      </p:sp>
+      <p:sp>
+        <p:nvSpPr>
+          <p:cNvPr id="6" name="Rectangle 5">
+            <a:extLst>
+              <a:ext uri="{FF2B5EF4-FFF2-40B4-BE49-F238E27FC236}">
+                <a16:creationId xmlns:a16="http://schemas.microsoft.com/office/drawing/2014/main" id="{CBE50565-AF47-4563-A1B7-7439099FE0E1}"/>
+              </a:ext>
+            </a:extLst>
+          </p:cNvPr>
+          <p:cNvSpPr/>
+          <p:nvPr/>
+        </p:nvSpPr>
+        <p:spPr bwMode="auto">
+          <a:xfrm>
+            <a:off x="3943971" y="2385292"/>
+            <a:ext cx="1314164" cy="316470"/>
+          </a:xfrm>
+          <a:custGeom>
+            <a:avLst/>
+            <a:gdLst>
+              <a:gd name="connsiteX0" fmla="*/ 0 w 873945"/>
+              <a:gd name="connsiteY0" fmla="*/ 0 h 587145"/>
+              <a:gd name="connsiteX1" fmla="*/ 873945 w 873945"/>
+              <a:gd name="connsiteY1" fmla="*/ 0 h 587145"/>
+              <a:gd name="connsiteX2" fmla="*/ 873945 w 873945"/>
+              <a:gd name="connsiteY2" fmla="*/ 587145 h 587145"/>
+              <a:gd name="connsiteX3" fmla="*/ 0 w 873945"/>
+              <a:gd name="connsiteY3" fmla="*/ 587145 h 587145"/>
+              <a:gd name="connsiteX4" fmla="*/ 0 w 873945"/>
+              <a:gd name="connsiteY4" fmla="*/ 0 h 587145"/>
+              <a:gd name="connsiteX0" fmla="*/ 0 w 873945"/>
+              <a:gd name="connsiteY0" fmla="*/ 0 h 587145"/>
+              <a:gd name="connsiteX1" fmla="*/ 873945 w 873945"/>
+              <a:gd name="connsiteY1" fmla="*/ 0 h 587145"/>
+              <a:gd name="connsiteX2" fmla="*/ 873945 w 873945"/>
+              <a:gd name="connsiteY2" fmla="*/ 587145 h 587145"/>
+              <a:gd name="connsiteX3" fmla="*/ 683491 w 873945"/>
+              <a:gd name="connsiteY3" fmla="*/ 583529 h 587145"/>
+              <a:gd name="connsiteX4" fmla="*/ 0 w 873945"/>
+              <a:gd name="connsiteY4" fmla="*/ 587145 h 587145"/>
+              <a:gd name="connsiteX5" fmla="*/ 0 w 873945"/>
+              <a:gd name="connsiteY5" fmla="*/ 0 h 587145"/>
+              <a:gd name="connsiteX0" fmla="*/ 0 w 873945"/>
+              <a:gd name="connsiteY0" fmla="*/ 0 h 587145"/>
+              <a:gd name="connsiteX1" fmla="*/ 873945 w 873945"/>
+              <a:gd name="connsiteY1" fmla="*/ 0 h 587145"/>
+              <a:gd name="connsiteX2" fmla="*/ 873945 w 873945"/>
+              <a:gd name="connsiteY2" fmla="*/ 411654 h 587145"/>
+              <a:gd name="connsiteX3" fmla="*/ 683491 w 873945"/>
+              <a:gd name="connsiteY3" fmla="*/ 583529 h 587145"/>
+              <a:gd name="connsiteX4" fmla="*/ 0 w 873945"/>
+              <a:gd name="connsiteY4" fmla="*/ 587145 h 587145"/>
+              <a:gd name="connsiteX5" fmla="*/ 0 w 873945"/>
+              <a:gd name="connsiteY5" fmla="*/ 0 h 587145"/>
+            </a:gdLst>
+            <a:ahLst/>
+            <a:cxnLst>
+              <a:cxn ang="0">
+                <a:pos x="connsiteX0" y="connsiteY0"/>
+              </a:cxn>
+              <a:cxn ang="0">
+                <a:pos x="connsiteX1" y="connsiteY1"/>
+              </a:cxn>
+              <a:cxn ang="0">
+                <a:pos x="connsiteX2" y="connsiteY2"/>
+              </a:cxn>
+              <a:cxn ang="0">
+                <a:pos x="connsiteX3" y="connsiteY3"/>
+              </a:cxn>
+              <a:cxn ang="0">
+                <a:pos x="connsiteX4" y="connsiteY4"/>
+              </a:cxn>
+              <a:cxn ang="0">
+                <a:pos x="connsiteX5" y="connsiteY5"/>
+              </a:cxn>
+            </a:cxnLst>
+            <a:rect l="l" t="t" r="r" b="b"/>
+            <a:pathLst>
+              <a:path w="873945" h="587145">
+                <a:moveTo>
+                  <a:pt x="0" y="0"/>
+                </a:moveTo>
+                <a:lnTo>
+                  <a:pt x="873945" y="0"/>
+                </a:lnTo>
+                <a:lnTo>
+                  <a:pt x="873945" y="411654"/>
+                </a:lnTo>
+                <a:lnTo>
+                  <a:pt x="683491" y="583529"/>
+                </a:lnTo>
+                <a:lnTo>
+                  <a:pt x="0" y="587145"/>
+                </a:lnTo>
+                <a:lnTo>
+                  <a:pt x="0" y="0"/>
+                </a:lnTo>
+                <a:close/>
+              </a:path>
+            </a:pathLst>
+          </a:custGeom>
+          <a:solidFill>
+            <a:schemeClr val="bg1"/>
+          </a:solidFill>
+          <a:ln w="9525" cap="flat" cmpd="sng" algn="ctr">
+            <a:solidFill>
+              <a:schemeClr val="tx1"/>
+            </a:solidFill>
+            <a:prstDash val="solid"/>
+            <a:round/>
+            <a:headEnd type="none" w="med" len="med"/>
+            <a:tailEnd type="none" w="med" len="med"/>
+          </a:ln>
+          <a:effectLst/>
+        </p:spPr>
+        <p:txBody>
+          <a:bodyPr vert="horz" wrap="square" lIns="91440" tIns="45720" rIns="91440" bIns="45720" numCol="1" rtlCol="0" anchor="t" anchorCtr="0" compatLnSpc="1">
+            <a:prstTxWarp prst="textNoShape">
+              <a:avLst/>
+            </a:prstTxWarp>
+          </a:bodyPr>
+          <a:lstStyle/>
+          <a:p>
+            <a:pPr marL="0" marR="0" indent="0" algn="ctr" defTabSz="914400" rtl="0" eaLnBrk="1" fontAlgn="base" latinLnBrk="0" hangingPunct="1">
+              <a:lnSpc>
+                <a:spcPct val="100000"/>
+              </a:lnSpc>
+              <a:spcBef>
+                <a:spcPct val="0"/>
+              </a:spcBef>
+              <a:spcAft>
+                <a:spcPct val="0"/>
+              </a:spcAft>
+              <a:buClrTx/>
+              <a:buSzTx/>
+              <a:buFontTx/>
+              <a:buNone/>
+              <a:tabLst/>
+            </a:pPr>
+            <a:r>
+              <a:rPr lang="en-US" sz="1600" dirty="0"/>
+              <a:t>Master loop</a:t>
+            </a:r>
+            <a:endParaRPr kumimoji="0" lang="en-US" sz="1600" b="0" i="0" u="none" strike="noStrike" cap="none" normalizeH="0" baseline="0" dirty="0">
+              <a:ln>
+                <a:noFill/>
+              </a:ln>
+              <a:solidFill>
+                <a:schemeClr val="tx1"/>
+              </a:solidFill>
+              <a:effectLst/>
+              <a:latin typeface="Arial" charset="0"/>
+            </a:endParaRPr>
+          </a:p>
+        </p:txBody>
+      </p:sp>
+      <p:sp>
+        <p:nvSpPr>
+          <p:cNvPr id="95" name="Rectangle 94">
+            <a:extLst>
+              <a:ext uri="{FF2B5EF4-FFF2-40B4-BE49-F238E27FC236}">
+                <a16:creationId xmlns:a16="http://schemas.microsoft.com/office/drawing/2014/main" id="{2D377215-308E-4F00-BB07-B97D7373A27F}"/>
+              </a:ext>
+            </a:extLst>
+          </p:cNvPr>
+          <p:cNvSpPr/>
+          <p:nvPr/>
+        </p:nvSpPr>
+        <p:spPr bwMode="auto">
+          <a:xfrm>
+            <a:off x="4112259" y="4025121"/>
+            <a:ext cx="3480032" cy="1215438"/>
+          </a:xfrm>
+          <a:prstGeom prst="rect">
+            <a:avLst/>
+          </a:prstGeom>
+          <a:noFill/>
+          <a:ln w="12700" cap="flat" cmpd="sng" algn="ctr">
+            <a:solidFill>
+              <a:schemeClr val="tx1"/>
+            </a:solidFill>
+            <a:prstDash val="solid"/>
+            <a:round/>
+            <a:headEnd type="none" w="med" len="med"/>
+            <a:tailEnd type="none" w="med" len="med"/>
+          </a:ln>
+          <a:effectLst/>
+        </p:spPr>
+        <p:txBody>
+          <a:bodyPr vert="horz" wrap="square" lIns="91440" tIns="45720" rIns="91440" bIns="45720" numCol="1" rtlCol="0" anchor="t" anchorCtr="0" compatLnSpc="1">
+            <a:prstTxWarp prst="textNoShape">
+              <a:avLst/>
+            </a:prstTxWarp>
+          </a:bodyPr>
+          <a:lstStyle/>
+          <a:p>
+            <a:pPr marL="0" marR="0" indent="0" algn="ctr" defTabSz="914400" rtl="0" eaLnBrk="1" fontAlgn="base" latinLnBrk="0" hangingPunct="1">
+              <a:lnSpc>
+                <a:spcPct val="100000"/>
+              </a:lnSpc>
+              <a:spcBef>
+                <a:spcPct val="0"/>
+              </a:spcBef>
+              <a:spcAft>
+                <a:spcPct val="0"/>
+              </a:spcAft>
+              <a:buClrTx/>
+              <a:buSzTx/>
+              <a:buFontTx/>
+              <a:buNone/>
+              <a:tabLst/>
+            </a:pPr>
+            <a:endParaRPr kumimoji="0" lang="en-US" sz="1800" b="0" i="0" u="none" strike="noStrike" cap="none" normalizeH="0" baseline="0">
+              <a:ln>
+                <a:noFill/>
+              </a:ln>
+              <a:solidFill>
+                <a:schemeClr val="tx1"/>
+              </a:solidFill>
+              <a:effectLst/>
+              <a:latin typeface="Arial" charset="0"/>
+            </a:endParaRPr>
+          </a:p>
+        </p:txBody>
+      </p:sp>
+      <p:sp>
+        <p:nvSpPr>
+          <p:cNvPr id="96" name="Rectangle 5">
+            <a:extLst>
+              <a:ext uri="{FF2B5EF4-FFF2-40B4-BE49-F238E27FC236}">
+                <a16:creationId xmlns:a16="http://schemas.microsoft.com/office/drawing/2014/main" id="{2DF499B3-07F5-4CB3-9014-ABDD2EF8E0DB}"/>
+              </a:ext>
+            </a:extLst>
+          </p:cNvPr>
+          <p:cNvSpPr/>
+          <p:nvPr/>
+        </p:nvSpPr>
+        <p:spPr bwMode="auto">
+          <a:xfrm>
+            <a:off x="4112258" y="4025121"/>
+            <a:ext cx="723400" cy="276998"/>
+          </a:xfrm>
+          <a:custGeom>
+            <a:avLst/>
+            <a:gdLst>
+              <a:gd name="connsiteX0" fmla="*/ 0 w 873945"/>
+              <a:gd name="connsiteY0" fmla="*/ 0 h 587145"/>
+              <a:gd name="connsiteX1" fmla="*/ 873945 w 873945"/>
+              <a:gd name="connsiteY1" fmla="*/ 0 h 587145"/>
+              <a:gd name="connsiteX2" fmla="*/ 873945 w 873945"/>
+              <a:gd name="connsiteY2" fmla="*/ 587145 h 587145"/>
+              <a:gd name="connsiteX3" fmla="*/ 0 w 873945"/>
+              <a:gd name="connsiteY3" fmla="*/ 587145 h 587145"/>
+              <a:gd name="connsiteX4" fmla="*/ 0 w 873945"/>
+              <a:gd name="connsiteY4" fmla="*/ 0 h 587145"/>
+              <a:gd name="connsiteX0" fmla="*/ 0 w 873945"/>
+              <a:gd name="connsiteY0" fmla="*/ 0 h 587145"/>
+              <a:gd name="connsiteX1" fmla="*/ 873945 w 873945"/>
+              <a:gd name="connsiteY1" fmla="*/ 0 h 587145"/>
+              <a:gd name="connsiteX2" fmla="*/ 873945 w 873945"/>
+              <a:gd name="connsiteY2" fmla="*/ 587145 h 587145"/>
+              <a:gd name="connsiteX3" fmla="*/ 683491 w 873945"/>
+              <a:gd name="connsiteY3" fmla="*/ 583529 h 587145"/>
+              <a:gd name="connsiteX4" fmla="*/ 0 w 873945"/>
+              <a:gd name="connsiteY4" fmla="*/ 587145 h 587145"/>
+              <a:gd name="connsiteX5" fmla="*/ 0 w 873945"/>
+              <a:gd name="connsiteY5" fmla="*/ 0 h 587145"/>
+              <a:gd name="connsiteX0" fmla="*/ 0 w 873945"/>
+              <a:gd name="connsiteY0" fmla="*/ 0 h 587145"/>
+              <a:gd name="connsiteX1" fmla="*/ 873945 w 873945"/>
+              <a:gd name="connsiteY1" fmla="*/ 0 h 587145"/>
+              <a:gd name="connsiteX2" fmla="*/ 873945 w 873945"/>
+              <a:gd name="connsiteY2" fmla="*/ 411654 h 587145"/>
+              <a:gd name="connsiteX3" fmla="*/ 683491 w 873945"/>
+              <a:gd name="connsiteY3" fmla="*/ 583529 h 587145"/>
+              <a:gd name="connsiteX4" fmla="*/ 0 w 873945"/>
+              <a:gd name="connsiteY4" fmla="*/ 587145 h 587145"/>
+              <a:gd name="connsiteX5" fmla="*/ 0 w 873945"/>
+              <a:gd name="connsiteY5" fmla="*/ 0 h 587145"/>
+            </a:gdLst>
+            <a:ahLst/>
+            <a:cxnLst>
+              <a:cxn ang="0">
+                <a:pos x="connsiteX0" y="connsiteY0"/>
+              </a:cxn>
+              <a:cxn ang="0">
+                <a:pos x="connsiteX1" y="connsiteY1"/>
+              </a:cxn>
+              <a:cxn ang="0">
+                <a:pos x="connsiteX2" y="connsiteY2"/>
+              </a:cxn>
+              <a:cxn ang="0">
+                <a:pos x="connsiteX3" y="connsiteY3"/>
+              </a:cxn>
+              <a:cxn ang="0">
+                <a:pos x="connsiteX4" y="connsiteY4"/>
+              </a:cxn>
+              <a:cxn ang="0">
+                <a:pos x="connsiteX5" y="connsiteY5"/>
+              </a:cxn>
+            </a:cxnLst>
+            <a:rect l="l" t="t" r="r" b="b"/>
+            <a:pathLst>
+              <a:path w="873945" h="587145">
+                <a:moveTo>
+                  <a:pt x="0" y="0"/>
+                </a:moveTo>
+                <a:lnTo>
+                  <a:pt x="873945" y="0"/>
+                </a:lnTo>
+                <a:lnTo>
+                  <a:pt x="873945" y="411654"/>
+                </a:lnTo>
+                <a:lnTo>
+                  <a:pt x="683491" y="583529"/>
+                </a:lnTo>
+                <a:lnTo>
+                  <a:pt x="0" y="587145"/>
+                </a:lnTo>
+                <a:lnTo>
+                  <a:pt x="0" y="0"/>
+                </a:lnTo>
+                <a:close/>
+              </a:path>
+            </a:pathLst>
+          </a:custGeom>
+          <a:solidFill>
+            <a:schemeClr val="bg1"/>
+          </a:solidFill>
+          <a:ln w="9525" cap="flat" cmpd="sng" algn="ctr">
+            <a:solidFill>
+              <a:schemeClr val="tx1"/>
+            </a:solidFill>
+            <a:prstDash val="solid"/>
+            <a:round/>
+            <a:headEnd type="none" w="med" len="med"/>
+            <a:tailEnd type="none" w="med" len="med"/>
+          </a:ln>
+          <a:effectLst/>
+        </p:spPr>
+        <p:txBody>
+          <a:bodyPr vert="horz" wrap="square" lIns="91440" tIns="45720" rIns="91440" bIns="45720" numCol="1" rtlCol="0" anchor="t" anchorCtr="0" compatLnSpc="1">
+            <a:prstTxWarp prst="textNoShape">
+              <a:avLst/>
+            </a:prstTxWarp>
+          </a:bodyPr>
+          <a:lstStyle/>
+          <a:p>
+            <a:pPr marL="0" marR="0" indent="0" algn="ctr" defTabSz="914400" rtl="0" eaLnBrk="1" fontAlgn="base" latinLnBrk="0" hangingPunct="1">
+              <a:lnSpc>
+                <a:spcPct val="100000"/>
+              </a:lnSpc>
+              <a:spcBef>
+                <a:spcPct val="0"/>
+              </a:spcBef>
+              <a:spcAft>
+                <a:spcPct val="0"/>
+              </a:spcAft>
+              <a:buClrTx/>
+              <a:buSzTx/>
+              <a:buFontTx/>
+              <a:buNone/>
+              <a:tabLst/>
+            </a:pPr>
+            <a:r>
+              <a:rPr lang="en-US" sz="1200" dirty="0" err="1"/>
+              <a:t>rcvloop</a:t>
+            </a:r>
+            <a:endParaRPr kumimoji="0" lang="en-US" sz="1200" b="0" i="0" u="none" strike="noStrike" cap="none" normalizeH="0" baseline="0" dirty="0">
+              <a:ln>
+                <a:noFill/>
+              </a:ln>
+              <a:solidFill>
+                <a:schemeClr val="tx1"/>
+              </a:solidFill>
+              <a:effectLst/>
+              <a:latin typeface="Arial" charset="0"/>
+            </a:endParaRPr>
+          </a:p>
+        </p:txBody>
+      </p:sp>
+      <p:cxnSp>
+        <p:nvCxnSpPr>
+          <p:cNvPr id="97" name="Straight Arrow Connector 96">
+            <a:extLst>
+              <a:ext uri="{FF2B5EF4-FFF2-40B4-BE49-F238E27FC236}">
+                <a16:creationId xmlns:a16="http://schemas.microsoft.com/office/drawing/2014/main" id="{82460DDB-CE87-47EA-91EC-EA7E218C7924}"/>
+              </a:ext>
+            </a:extLst>
+          </p:cNvPr>
+          <p:cNvCxnSpPr>
+            <a:cxnSpLocks/>
+          </p:cNvCxnSpPr>
+          <p:nvPr/>
+        </p:nvCxnSpPr>
+        <p:spPr>
+          <a:xfrm flipH="1">
+            <a:off x="6082149" y="3212981"/>
+            <a:ext cx="1281859" cy="131389"/>
+          </a:xfrm>
+          <a:prstGeom prst="straightConnector1">
+            <a:avLst/>
+          </a:prstGeom>
+          <a:ln w="12700">
+            <a:solidFill>
+              <a:srgbClr val="000000"/>
+            </a:solidFill>
+            <a:prstDash val="sysDash"/>
+            <a:tailEnd type="arrow"/>
+          </a:ln>
+          <a:effectLst/>
+        </p:spPr>
+        <p:style>
+          <a:lnRef idx="2">
+            <a:schemeClr val="accent1"/>
+          </a:lnRef>
+          <a:fillRef idx="0">
+            <a:schemeClr val="accent1"/>
+          </a:fillRef>
+          <a:effectRef idx="1">
+            <a:schemeClr val="accent1"/>
+          </a:effectRef>
+          <a:fontRef idx="minor">
+            <a:schemeClr val="tx1"/>
+          </a:fontRef>
+        </p:style>
+      </p:cxnSp>
+      <p:cxnSp>
+        <p:nvCxnSpPr>
+          <p:cNvPr id="98" name="Straight Arrow Connector 97">
+            <a:extLst>
+              <a:ext uri="{FF2B5EF4-FFF2-40B4-BE49-F238E27FC236}">
+                <a16:creationId xmlns:a16="http://schemas.microsoft.com/office/drawing/2014/main" id="{AE956E59-DA59-4DAC-9FFB-B7F5DF511C2B}"/>
+              </a:ext>
+            </a:extLst>
+          </p:cNvPr>
+          <p:cNvCxnSpPr>
+            <a:cxnSpLocks/>
+          </p:cNvCxnSpPr>
+          <p:nvPr/>
+        </p:nvCxnSpPr>
+        <p:spPr>
+          <a:xfrm flipH="1">
+            <a:off x="3233474" y="3434434"/>
+            <a:ext cx="2475822" cy="0"/>
+          </a:xfrm>
+          <a:prstGeom prst="straightConnector1">
+            <a:avLst/>
+          </a:prstGeom>
+          <a:ln>
+            <a:solidFill>
+              <a:srgbClr val="000000"/>
+            </a:solidFill>
+            <a:headEnd type="none" w="med" len="med"/>
+            <a:tailEnd type="triangle" w="med" len="med"/>
+          </a:ln>
+          <a:effectLst/>
+        </p:spPr>
+        <p:style>
+          <a:lnRef idx="2">
+            <a:schemeClr val="accent1"/>
+          </a:lnRef>
+          <a:fillRef idx="0">
+            <a:schemeClr val="accent1"/>
+          </a:fillRef>
+          <a:effectRef idx="1">
+            <a:schemeClr val="accent1"/>
+          </a:effectRef>
+          <a:fontRef idx="minor">
+            <a:schemeClr val="tx1"/>
+          </a:fontRef>
+        </p:style>
+      </p:cxnSp>
+      <p:sp>
+        <p:nvSpPr>
+          <p:cNvPr id="100" name="TextBox 99">
+            <a:extLst>
+              <a:ext uri="{FF2B5EF4-FFF2-40B4-BE49-F238E27FC236}">
+                <a16:creationId xmlns:a16="http://schemas.microsoft.com/office/drawing/2014/main" id="{47F7EB7A-82D8-4D09-8E73-4D59BC8C25B0}"/>
+              </a:ext>
+            </a:extLst>
+          </p:cNvPr>
+          <p:cNvSpPr txBox="1"/>
+          <p:nvPr/>
+        </p:nvSpPr>
+        <p:spPr>
+          <a:xfrm>
+            <a:off x="4801335" y="3138256"/>
+            <a:ext cx="934871" cy="276999"/>
+          </a:xfrm>
+          <a:prstGeom prst="rect">
+            <a:avLst/>
+          </a:prstGeom>
+          <a:noFill/>
+        </p:spPr>
+        <p:txBody>
+          <a:bodyPr wrap="none" rtlCol="0">
+            <a:spAutoFit/>
+          </a:bodyPr>
+          <a:lstStyle/>
+          <a:p>
+            <a:r>
+              <a:rPr lang="en-US" sz="1200" dirty="0" err="1"/>
+              <a:t>SendMsg</a:t>
+            </a:r>
+            <a:r>
+              <a:rPr lang="en-US" sz="1200" dirty="0"/>
+              <a:t>()</a:t>
+            </a:r>
+          </a:p>
+        </p:txBody>
+      </p:sp>
+      <p:sp>
+        <p:nvSpPr>
+          <p:cNvPr id="102" name="Rectangle 101">
+            <a:extLst>
+              <a:ext uri="{FF2B5EF4-FFF2-40B4-BE49-F238E27FC236}">
+                <a16:creationId xmlns:a16="http://schemas.microsoft.com/office/drawing/2014/main" id="{032FB2C4-5F4F-4BB6-B8CC-88C42393B03F}"/>
+              </a:ext>
+            </a:extLst>
+          </p:cNvPr>
+          <p:cNvSpPr/>
+          <p:nvPr/>
+        </p:nvSpPr>
+        <p:spPr bwMode="auto">
+          <a:xfrm>
+            <a:off x="4116880" y="2736651"/>
+            <a:ext cx="3480032" cy="1215438"/>
+          </a:xfrm>
+          <a:prstGeom prst="rect">
+            <a:avLst/>
+          </a:prstGeom>
+          <a:noFill/>
+          <a:ln w="12700" cap="flat" cmpd="sng" algn="ctr">
+            <a:solidFill>
+              <a:schemeClr val="tx1"/>
+            </a:solidFill>
+            <a:prstDash val="solid"/>
+            <a:round/>
+            <a:headEnd type="none" w="med" len="med"/>
+            <a:tailEnd type="none" w="med" len="med"/>
+          </a:ln>
+          <a:effectLst/>
+        </p:spPr>
+        <p:txBody>
+          <a:bodyPr vert="horz" wrap="square" lIns="91440" tIns="45720" rIns="91440" bIns="45720" numCol="1" rtlCol="0" anchor="t" anchorCtr="0" compatLnSpc="1">
+            <a:prstTxWarp prst="textNoShape">
+              <a:avLst/>
+            </a:prstTxWarp>
+          </a:bodyPr>
+          <a:lstStyle/>
+          <a:p>
+            <a:pPr marL="0" marR="0" indent="0" algn="ctr" defTabSz="914400" rtl="0" eaLnBrk="1" fontAlgn="base" latinLnBrk="0" hangingPunct="1">
+              <a:lnSpc>
+                <a:spcPct val="100000"/>
+              </a:lnSpc>
+              <a:spcBef>
+                <a:spcPct val="0"/>
+              </a:spcBef>
+              <a:spcAft>
+                <a:spcPct val="0"/>
+              </a:spcAft>
+              <a:buClrTx/>
+              <a:buSzTx/>
+              <a:buFontTx/>
+              <a:buNone/>
+              <a:tabLst/>
+            </a:pPr>
+            <a:endParaRPr kumimoji="0" lang="en-US" sz="1800" b="0" i="0" u="none" strike="noStrike" cap="none" normalizeH="0" baseline="0">
+              <a:ln>
+                <a:noFill/>
+              </a:ln>
+              <a:solidFill>
+                <a:schemeClr val="tx1"/>
+              </a:solidFill>
+              <a:effectLst/>
+              <a:latin typeface="Arial" charset="0"/>
+            </a:endParaRPr>
+          </a:p>
+        </p:txBody>
+      </p:sp>
+      <p:sp>
+        <p:nvSpPr>
+          <p:cNvPr id="103" name="Rectangle 5">
+            <a:extLst>
+              <a:ext uri="{FF2B5EF4-FFF2-40B4-BE49-F238E27FC236}">
+                <a16:creationId xmlns:a16="http://schemas.microsoft.com/office/drawing/2014/main" id="{2D47138C-8730-4E41-BEDF-D76889F881AB}"/>
+              </a:ext>
+            </a:extLst>
+          </p:cNvPr>
+          <p:cNvSpPr/>
+          <p:nvPr/>
+        </p:nvSpPr>
+        <p:spPr bwMode="auto">
+          <a:xfrm>
+            <a:off x="4116879" y="2736650"/>
+            <a:ext cx="905538" cy="283613"/>
+          </a:xfrm>
+          <a:custGeom>
+            <a:avLst/>
+            <a:gdLst>
+              <a:gd name="connsiteX0" fmla="*/ 0 w 873945"/>
+              <a:gd name="connsiteY0" fmla="*/ 0 h 587145"/>
+              <a:gd name="connsiteX1" fmla="*/ 873945 w 873945"/>
+              <a:gd name="connsiteY1" fmla="*/ 0 h 587145"/>
+              <a:gd name="connsiteX2" fmla="*/ 873945 w 873945"/>
+              <a:gd name="connsiteY2" fmla="*/ 587145 h 587145"/>
+              <a:gd name="connsiteX3" fmla="*/ 0 w 873945"/>
+              <a:gd name="connsiteY3" fmla="*/ 587145 h 587145"/>
+              <a:gd name="connsiteX4" fmla="*/ 0 w 873945"/>
+              <a:gd name="connsiteY4" fmla="*/ 0 h 587145"/>
+              <a:gd name="connsiteX0" fmla="*/ 0 w 873945"/>
+              <a:gd name="connsiteY0" fmla="*/ 0 h 587145"/>
+              <a:gd name="connsiteX1" fmla="*/ 873945 w 873945"/>
+              <a:gd name="connsiteY1" fmla="*/ 0 h 587145"/>
+              <a:gd name="connsiteX2" fmla="*/ 873945 w 873945"/>
+              <a:gd name="connsiteY2" fmla="*/ 587145 h 587145"/>
+              <a:gd name="connsiteX3" fmla="*/ 683491 w 873945"/>
+              <a:gd name="connsiteY3" fmla="*/ 583529 h 587145"/>
+              <a:gd name="connsiteX4" fmla="*/ 0 w 873945"/>
+              <a:gd name="connsiteY4" fmla="*/ 587145 h 587145"/>
+              <a:gd name="connsiteX5" fmla="*/ 0 w 873945"/>
+              <a:gd name="connsiteY5" fmla="*/ 0 h 587145"/>
+              <a:gd name="connsiteX0" fmla="*/ 0 w 873945"/>
+              <a:gd name="connsiteY0" fmla="*/ 0 h 587145"/>
+              <a:gd name="connsiteX1" fmla="*/ 873945 w 873945"/>
+              <a:gd name="connsiteY1" fmla="*/ 0 h 587145"/>
+              <a:gd name="connsiteX2" fmla="*/ 873945 w 873945"/>
+              <a:gd name="connsiteY2" fmla="*/ 411654 h 587145"/>
+              <a:gd name="connsiteX3" fmla="*/ 683491 w 873945"/>
+              <a:gd name="connsiteY3" fmla="*/ 583529 h 587145"/>
+              <a:gd name="connsiteX4" fmla="*/ 0 w 873945"/>
+              <a:gd name="connsiteY4" fmla="*/ 587145 h 587145"/>
+              <a:gd name="connsiteX5" fmla="*/ 0 w 873945"/>
+              <a:gd name="connsiteY5" fmla="*/ 0 h 587145"/>
+            </a:gdLst>
+            <a:ahLst/>
+            <a:cxnLst>
+              <a:cxn ang="0">
+                <a:pos x="connsiteX0" y="connsiteY0"/>
+              </a:cxn>
+              <a:cxn ang="0">
+                <a:pos x="connsiteX1" y="connsiteY1"/>
+              </a:cxn>
+              <a:cxn ang="0">
+                <a:pos x="connsiteX2" y="connsiteY2"/>
+              </a:cxn>
+              <a:cxn ang="0">
+                <a:pos x="connsiteX3" y="connsiteY3"/>
+              </a:cxn>
+              <a:cxn ang="0">
+                <a:pos x="connsiteX4" y="connsiteY4"/>
+              </a:cxn>
+              <a:cxn ang="0">
+                <a:pos x="connsiteX5" y="connsiteY5"/>
+              </a:cxn>
+            </a:cxnLst>
+            <a:rect l="l" t="t" r="r" b="b"/>
+            <a:pathLst>
+              <a:path w="873945" h="587145">
+                <a:moveTo>
+                  <a:pt x="0" y="0"/>
+                </a:moveTo>
+                <a:lnTo>
+                  <a:pt x="873945" y="0"/>
+                </a:lnTo>
+                <a:lnTo>
+                  <a:pt x="873945" y="411654"/>
+                </a:lnTo>
+                <a:lnTo>
+                  <a:pt x="683491" y="583529"/>
+                </a:lnTo>
+                <a:lnTo>
+                  <a:pt x="0" y="587145"/>
+                </a:lnTo>
+                <a:lnTo>
+                  <a:pt x="0" y="0"/>
+                </a:lnTo>
+                <a:close/>
+              </a:path>
+            </a:pathLst>
+          </a:custGeom>
+          <a:solidFill>
+            <a:schemeClr val="bg1"/>
+          </a:solidFill>
+          <a:ln w="9525" cap="flat" cmpd="sng" algn="ctr">
+            <a:solidFill>
+              <a:schemeClr val="tx1"/>
+            </a:solidFill>
+            <a:prstDash val="solid"/>
+            <a:round/>
+            <a:headEnd type="none" w="med" len="med"/>
+            <a:tailEnd type="none" w="med" len="med"/>
+          </a:ln>
+          <a:effectLst/>
+        </p:spPr>
+        <p:txBody>
+          <a:bodyPr vert="horz" wrap="square" lIns="91440" tIns="45720" rIns="91440" bIns="45720" numCol="1" rtlCol="0" anchor="t" anchorCtr="0" compatLnSpc="1">
+            <a:prstTxWarp prst="textNoShape">
+              <a:avLst/>
+            </a:prstTxWarp>
+          </a:bodyPr>
+          <a:lstStyle/>
+          <a:p>
+            <a:pPr marL="0" marR="0" indent="0" algn="ctr" defTabSz="914400" rtl="0" eaLnBrk="1" fontAlgn="base" latinLnBrk="0" hangingPunct="1">
+              <a:lnSpc>
+                <a:spcPct val="100000"/>
+              </a:lnSpc>
+              <a:spcBef>
+                <a:spcPct val="0"/>
+              </a:spcBef>
+              <a:spcAft>
+                <a:spcPct val="0"/>
+              </a:spcAft>
+              <a:buClrTx/>
+              <a:buSzTx/>
+              <a:buFontTx/>
+              <a:buNone/>
+              <a:tabLst/>
+            </a:pPr>
+            <a:r>
+              <a:rPr lang="en-US" sz="1200" dirty="0" err="1"/>
+              <a:t>sendloop</a:t>
+            </a:r>
+            <a:endParaRPr kumimoji="0" lang="en-US" sz="1200" b="0" i="0" u="none" strike="noStrike" cap="none" normalizeH="0" baseline="0" dirty="0">
+              <a:ln>
+                <a:noFill/>
+              </a:ln>
+              <a:solidFill>
+                <a:schemeClr val="tx1"/>
+              </a:solidFill>
+              <a:effectLst/>
+              <a:latin typeface="Arial" charset="0"/>
+            </a:endParaRPr>
+          </a:p>
+        </p:txBody>
+      </p:sp>
+    </p:spTree>
+    <p:extLst>
+      <p:ext uri="{BB962C8B-B14F-4D97-AF65-F5344CB8AC3E}">
+        <p14:creationId xmlns:p14="http://schemas.microsoft.com/office/powerpoint/2010/main" val="58315928"/>
+      </p:ext>
+    </p:extLst>
+  </p:cSld>
+  <p:clrMapOvr>
+    <a:masterClrMapping/>
+  </p:clrMapOvr>
+</p:sld>
+</file>
+
+<file path=ppt/slides/slide11.xml><?xml version="1.0" encoding="utf-8"?>
+<p:sld xmlns:a="http://schemas.openxmlformats.org/drawingml/2006/main" xmlns:r="http://schemas.openxmlformats.org/officeDocument/2006/relationships" xmlns:p="http://schemas.openxmlformats.org/presentationml/2006/main">
+  <p:cSld>
+    <p:spTree>
+      <p:nvGrpSpPr>
+        <p:cNvPr id="1" name=""/>
+        <p:cNvGrpSpPr/>
+        <p:nvPr/>
+      </p:nvGrpSpPr>
+      <p:grpSpPr>
+        <a:xfrm>
+          <a:off x="0" y="0"/>
+          <a:ext cx="0" cy="0"/>
+          <a:chOff x="0" y="0"/>
+          <a:chExt cx="0" cy="0"/>
+        </a:xfrm>
+      </p:grpSpPr>
+      <p:sp>
+        <p:nvSpPr>
+          <p:cNvPr id="28695" name="Title 1"/>
+          <p:cNvSpPr>
+            <a:spLocks noGrp="1"/>
+          </p:cNvSpPr>
+          <p:nvPr>
+            <p:ph type="title"/>
+          </p:nvPr>
+        </p:nvSpPr>
+        <p:spPr>
+          <a:xfrm>
+            <a:off x="1371600" y="93480"/>
+            <a:ext cx="6553200" cy="688975"/>
+          </a:xfrm>
+        </p:spPr>
+        <p:txBody>
+          <a:bodyPr/>
+          <a:lstStyle/>
+          <a:p>
+            <a:r>
+              <a:rPr lang="en-US" dirty="0">
+                <a:latin typeface="Times New Roman" charset="0"/>
+                <a:ea typeface="ヒラギノ角ゴ Pro W3" charset="0"/>
+                <a:cs typeface="ヒラギノ角ゴ Pro W3" charset="0"/>
+              </a:rPr>
+              <a:t>Sequence: Polling</a:t>
+            </a:r>
+          </a:p>
+        </p:txBody>
+      </p:sp>
+      <p:sp>
+        <p:nvSpPr>
+          <p:cNvPr id="28696" name="Slide Number Placeholder 2"/>
+          <p:cNvSpPr>
+            <a:spLocks noGrp="1"/>
+          </p:cNvSpPr>
+          <p:nvPr>
+            <p:ph type="sldNum" sz="quarter" idx="10"/>
+          </p:nvPr>
+        </p:nvSpPr>
+        <p:spPr>
+          <a:noFill/>
+          <a:ln/>
+          <a:extLst>
+            <a:ext uri="{909E8E84-426E-40dd-AFC4-6F175D3DCCD1}">
+              <a14:hiddenFill xmlns:a14="http://schemas.microsoft.com/office/drawing/2010/main" xmlns="">
+                <a:solidFill>
+                  <a:srgbClr val="FFFFFF"/>
+                </a:solidFill>
+              </a14:hiddenFill>
+            </a:ext>
+            <a:ext uri="{91240B29-F687-4f45-9708-019B960494DF}">
+              <a14:hiddenLine xmlns:a14="http://schemas.microsoft.com/office/drawing/2010/main" xmlns="" w="9525">
+                <a:solidFill>
+                  <a:srgbClr val="000000"/>
+                </a:solidFill>
+                <a:miter lim="800000"/>
+                <a:headEnd/>
+                <a:tailEnd/>
+              </a14:hiddenLine>
+            </a:ext>
+          </a:extLst>
+        </p:spPr>
+        <p:txBody>
+          <a:bodyPr/>
+          <a:lstStyle>
+            <a:lvl1pPr eaLnBrk="0" hangingPunct="0">
+              <a:defRPr sz="2400">
+                <a:solidFill>
+                  <a:schemeClr val="tx1"/>
+                </a:solidFill>
+                <a:latin typeface="Arial" charset="0"/>
+                <a:ea typeface="ヒラギノ角ゴ Pro W3" charset="0"/>
+                <a:cs typeface="ヒラギノ角ゴ Pro W3" charset="0"/>
+              </a:defRPr>
+            </a:lvl1pPr>
+            <a:lvl2pPr marL="742950" indent="-285750" eaLnBrk="0" hangingPunct="0">
+              <a:defRPr sz="2400">
+                <a:solidFill>
+                  <a:schemeClr val="tx1"/>
+                </a:solidFill>
+                <a:latin typeface="Arial" charset="0"/>
+                <a:ea typeface="ヒラギノ角ゴ Pro W3" charset="0"/>
+                <a:cs typeface="ヒラギノ角ゴ Pro W3" charset="0"/>
+              </a:defRPr>
+            </a:lvl2pPr>
+            <a:lvl3pPr marL="1143000" indent="-228600" eaLnBrk="0" hangingPunct="0">
+              <a:defRPr sz="2400">
+                <a:solidFill>
+                  <a:schemeClr val="tx1"/>
+                </a:solidFill>
+                <a:latin typeface="Arial" charset="0"/>
+                <a:ea typeface="ヒラギノ角ゴ Pro W3" charset="0"/>
+                <a:cs typeface="ヒラギノ角ゴ Pro W3" charset="0"/>
+              </a:defRPr>
+            </a:lvl3pPr>
+            <a:lvl4pPr marL="1600200" indent="-228600" eaLnBrk="0" hangingPunct="0">
+              <a:defRPr sz="2400">
+                <a:solidFill>
+                  <a:schemeClr val="tx1"/>
+                </a:solidFill>
+                <a:latin typeface="Arial" charset="0"/>
+                <a:ea typeface="ヒラギノ角ゴ Pro W3" charset="0"/>
+                <a:cs typeface="ヒラギノ角ゴ Pro W3" charset="0"/>
+              </a:defRPr>
+            </a:lvl4pPr>
+            <a:lvl5pPr marL="2057400" indent="-228600" eaLnBrk="0" hangingPunct="0">
+              <a:defRPr sz="2400">
+                <a:solidFill>
+                  <a:schemeClr val="tx1"/>
+                </a:solidFill>
+                <a:latin typeface="Arial" charset="0"/>
+                <a:ea typeface="ヒラギノ角ゴ Pro W3" charset="0"/>
+                <a:cs typeface="ヒラギノ角ゴ Pro W3" charset="0"/>
+              </a:defRPr>
+            </a:lvl5pPr>
+            <a:lvl6pPr marL="2514600" indent="-228600" algn="ctr" eaLnBrk="0" fontAlgn="base" hangingPunct="0">
+              <a:spcBef>
+                <a:spcPct val="0"/>
+              </a:spcBef>
+              <a:spcAft>
+                <a:spcPct val="0"/>
+              </a:spcAft>
+              <a:defRPr sz="2400">
+                <a:solidFill>
+                  <a:schemeClr val="tx1"/>
+                </a:solidFill>
+                <a:latin typeface="Arial" charset="0"/>
+                <a:ea typeface="ヒラギノ角ゴ Pro W3" charset="0"/>
+                <a:cs typeface="ヒラギノ角ゴ Pro W3" charset="0"/>
+              </a:defRPr>
+            </a:lvl6pPr>
+            <a:lvl7pPr marL="2971800" indent="-228600" algn="ctr" eaLnBrk="0" fontAlgn="base" hangingPunct="0">
+              <a:spcBef>
+                <a:spcPct val="0"/>
+              </a:spcBef>
+              <a:spcAft>
+                <a:spcPct val="0"/>
+              </a:spcAft>
+              <a:defRPr sz="2400">
+                <a:solidFill>
+                  <a:schemeClr val="tx1"/>
+                </a:solidFill>
+                <a:latin typeface="Arial" charset="0"/>
+                <a:ea typeface="ヒラギノ角ゴ Pro W3" charset="0"/>
+                <a:cs typeface="ヒラギノ角ゴ Pro W3" charset="0"/>
+              </a:defRPr>
+            </a:lvl7pPr>
+            <a:lvl8pPr marL="3429000" indent="-228600" algn="ctr" eaLnBrk="0" fontAlgn="base" hangingPunct="0">
+              <a:spcBef>
+                <a:spcPct val="0"/>
+              </a:spcBef>
+              <a:spcAft>
+                <a:spcPct val="0"/>
+              </a:spcAft>
+              <a:defRPr sz="2400">
+                <a:solidFill>
+                  <a:schemeClr val="tx1"/>
+                </a:solidFill>
+                <a:latin typeface="Arial" charset="0"/>
+                <a:ea typeface="ヒラギノ角ゴ Pro W3" charset="0"/>
+                <a:cs typeface="ヒラギノ角ゴ Pro W3" charset="0"/>
+              </a:defRPr>
+            </a:lvl8pPr>
+            <a:lvl9pPr marL="3886200" indent="-228600" algn="ctr" eaLnBrk="0" fontAlgn="base" hangingPunct="0">
+              <a:spcBef>
+                <a:spcPct val="0"/>
+              </a:spcBef>
+              <a:spcAft>
+                <a:spcPct val="0"/>
+              </a:spcAft>
+              <a:defRPr sz="2400">
+                <a:solidFill>
+                  <a:schemeClr val="tx1"/>
+                </a:solidFill>
+                <a:latin typeface="Arial" charset="0"/>
+                <a:ea typeface="ヒラギノ角ゴ Pro W3" charset="0"/>
+                <a:cs typeface="ヒラギノ角ゴ Pro W3" charset="0"/>
+              </a:defRPr>
+            </a:lvl9pPr>
+          </a:lstStyle>
+          <a:p>
+            <a:pPr eaLnBrk="1" hangingPunct="1"/>
+            <a:fld id="{D3CDD568-6222-B140-A574-A4C08029A517}" type="slidenum">
+              <a:rPr lang="en-US" sz="1400"/>
+              <a:pPr eaLnBrk="1" hangingPunct="1"/>
+              <a:t>11</a:t>
+            </a:fld>
+            <a:endParaRPr lang="en-US" sz="1400"/>
+          </a:p>
+        </p:txBody>
+      </p:sp>
+      <p:sp>
+        <p:nvSpPr>
+          <p:cNvPr id="2" name="Date Placeholder 1"/>
+          <p:cNvSpPr>
+            <a:spLocks noGrp="1"/>
+          </p:cNvSpPr>
+          <p:nvPr>
+            <p:ph type="dt" sz="quarter" idx="11"/>
+          </p:nvPr>
+        </p:nvSpPr>
+        <p:spPr/>
+        <p:txBody>
+          <a:bodyPr/>
+          <a:lstStyle/>
+          <a:p>
+            <a:pPr>
+              <a:defRPr/>
+            </a:pPr>
+            <a:fld id="{B58AE35B-4B8A-B14C-A608-7A3AEEBA245B}" type="datetime1">
+              <a:rPr lang="en-US"/>
+              <a:t>2020-06-10</a:t>
             </a:fld>
             <a:endParaRPr lang="en-US"/>
           </a:p>
@@ -12222,7 +14334,7 @@
 </p:sld>
 </file>
 
-<file path=ppt/slides/slide11.xml><?xml version="1.0" encoding="utf-8"?>
+<file path=ppt/slides/slide12.xml><?xml version="1.0" encoding="utf-8"?>
 <p:sld xmlns:a="http://schemas.openxmlformats.org/drawingml/2006/main" xmlns:r="http://schemas.openxmlformats.org/officeDocument/2006/relationships" xmlns:p="http://schemas.openxmlformats.org/presentationml/2006/main">
   <p:cSld>
     <p:spTree>
@@ -12285,14 +14397,14 @@
           <a:ln/>
           <a:extLst>
             <a:ext uri="{909E8E84-426E-40dd-AFC4-6F175D3DCCD1}">
-              <a14:hiddenFill xmlns="" xmlns:a14="http://schemas.microsoft.com/office/drawing/2010/main">
+              <a14:hiddenFill xmlns:a14="http://schemas.microsoft.com/office/drawing/2010/main" xmlns="">
                 <a:solidFill>
                   <a:srgbClr val="FFFFFF"/>
                 </a:solidFill>
               </a14:hiddenFill>
             </a:ext>
             <a:ext uri="{91240B29-F687-4f45-9708-019B960494DF}">
-              <a14:hiddenLine xmlns="" xmlns:a14="http://schemas.microsoft.com/office/drawing/2010/main" w="9525">
+              <a14:hiddenLine xmlns:a14="http://schemas.microsoft.com/office/drawing/2010/main" xmlns="" w="9525">
                 <a:solidFill>
                   <a:srgbClr val="000000"/>
                 </a:solidFill>
@@ -12426,7 +14538,7 @@
             <a:fld id="{D3CDD568-6222-B140-A574-A4C08029A517}" type="slidenum">
               <a:rPr lang="en-US" sz="1400"/>
               <a:pPr eaLnBrk="1" hangingPunct="1"/>
-              <a:t>11</a:t>
+              <a:t>12</a:t>
             </a:fld>
             <a:endParaRPr lang="en-US" sz="1400"/>
           </a:p>
@@ -12452,7 +14564,7 @@
             </a:pPr>
             <a:fld id="{B58AE35B-4B8A-B14C-A608-7A3AEEBA245B}" type="datetime1">
               <a:rPr lang="en-US"/>
-              <a:t>2020-06-08</a:t>
+              <a:t>2020-06-10</a:t>
             </a:fld>
             <a:endParaRPr lang="en-US"/>
           </a:p>
@@ -14313,7 +16425,7 @@
 </p:sld>
 </file>
 
-<file path=ppt/slides/slide12.xml><?xml version="1.0" encoding="utf-8"?>
+<file path=ppt/slides/slide13.xml><?xml version="1.0" encoding="utf-8"?>
 <p:sld xmlns:a="http://schemas.openxmlformats.org/drawingml/2006/main" xmlns:r="http://schemas.openxmlformats.org/officeDocument/2006/relationships" xmlns:p="http://schemas.openxmlformats.org/presentationml/2006/main">
   <p:cSld>
     <p:spTree>
@@ -14345,14 +16457,14 @@
           <a:ln/>
           <a:extLst>
             <a:ext uri="{909E8E84-426E-40dd-AFC4-6F175D3DCCD1}">
-              <a14:hiddenFill xmlns="" xmlns:a14="http://schemas.microsoft.com/office/drawing/2010/main">
+              <a14:hiddenFill xmlns:a14="http://schemas.microsoft.com/office/drawing/2010/main" xmlns="">
                 <a:solidFill>
                   <a:srgbClr val="FFFFFF"/>
                 </a:solidFill>
               </a14:hiddenFill>
             </a:ext>
             <a:ext uri="{91240B29-F687-4f45-9708-019B960494DF}">
-              <a14:hiddenLine xmlns="" xmlns:a14="http://schemas.microsoft.com/office/drawing/2010/main" w="9525">
+              <a14:hiddenLine xmlns:a14="http://schemas.microsoft.com/office/drawing/2010/main" xmlns="" w="9525">
                 <a:solidFill>
                   <a:srgbClr val="000000"/>
                 </a:solidFill>
@@ -14486,7 +16598,7 @@
             <a:fld id="{EE975231-3F63-4F4E-B8F6-0A246541BABA}" type="slidenum">
               <a:rPr lang="en-US" sz="1400"/>
               <a:pPr eaLnBrk="1" hangingPunct="1"/>
-              <a:t>12</a:t>
+              <a:t>13</a:t>
             </a:fld>
             <a:endParaRPr lang="en-US" sz="1400"/>
           </a:p>
@@ -15650,7 +17762,7 @@
               <a:pPr>
                 <a:defRPr/>
               </a:pPr>
-              <a:t>2020-06-08</a:t>
+              <a:t>2020-06-10</a:t>
             </a:fld>
             <a:endParaRPr lang="en-US"/>
           </a:p>
@@ -15860,7 +17972,7 @@
 </p:sld>
 </file>
 
-<file path=ppt/slides/slide13.xml><?xml version="1.0" encoding="utf-8"?>
+<file path=ppt/slides/slide14.xml><?xml version="1.0" encoding="utf-8"?>
 <p:sld xmlns:a="http://schemas.openxmlformats.org/drawingml/2006/main" xmlns:r="http://schemas.openxmlformats.org/officeDocument/2006/relationships" xmlns:p="http://schemas.openxmlformats.org/presentationml/2006/main">
   <p:cSld>
     <p:spTree>
@@ -15892,14 +18004,14 @@
           <a:ln/>
           <a:extLst>
             <a:ext uri="{909E8E84-426E-40dd-AFC4-6F175D3DCCD1}">
-              <a14:hiddenFill xmlns="" xmlns:a14="http://schemas.microsoft.com/office/drawing/2010/main">
+              <a14:hiddenFill xmlns:a14="http://schemas.microsoft.com/office/drawing/2010/main" xmlns="">
                 <a:solidFill>
                   <a:srgbClr val="FFFFFF"/>
                 </a:solidFill>
               </a14:hiddenFill>
             </a:ext>
             <a:ext uri="{91240B29-F687-4f45-9708-019B960494DF}">
-              <a14:hiddenLine xmlns="" xmlns:a14="http://schemas.microsoft.com/office/drawing/2010/main" w="9525">
+              <a14:hiddenLine xmlns:a14="http://schemas.microsoft.com/office/drawing/2010/main" xmlns="" w="9525">
                 <a:solidFill>
                   <a:srgbClr val="000000"/>
                 </a:solidFill>
@@ -16033,7 +18145,7 @@
             <a:fld id="{EE975231-3F63-4F4E-B8F6-0A246541BABA}" type="slidenum">
               <a:rPr lang="en-US" sz="1400"/>
               <a:pPr eaLnBrk="1" hangingPunct="1"/>
-              <a:t>13</a:t>
+              <a:t>14</a:t>
             </a:fld>
             <a:endParaRPr lang="en-US" sz="1400"/>
           </a:p>
@@ -18022,7 +20134,7 @@
               <a:pPr>
                 <a:defRPr/>
               </a:pPr>
-              <a:t>2020-06-08</a:t>
+              <a:t>2020-06-10</a:t>
             </a:fld>
             <a:endParaRPr lang="en-US"/>
           </a:p>
@@ -18144,7 +20256,7 @@
 </p:sld>
 </file>
 
-<file path=ppt/slides/slide14.xml><?xml version="1.0" encoding="utf-8"?>
+<file path=ppt/slides/slide15.xml><?xml version="1.0" encoding="utf-8"?>
 <p:sld xmlns:a="http://schemas.openxmlformats.org/drawingml/2006/main" xmlns:r="http://schemas.openxmlformats.org/officeDocument/2006/relationships" xmlns:p="http://schemas.openxmlformats.org/presentationml/2006/main">
   <p:cSld>
     <p:spTree>
@@ -18176,14 +20288,14 @@
           <a:ln/>
           <a:extLst>
             <a:ext uri="{909E8E84-426E-40dd-AFC4-6F175D3DCCD1}">
-              <a14:hiddenFill xmlns="" xmlns:a14="http://schemas.microsoft.com/office/drawing/2010/main">
+              <a14:hiddenFill xmlns:a14="http://schemas.microsoft.com/office/drawing/2010/main" xmlns="">
                 <a:solidFill>
                   <a:srgbClr val="FFFFFF"/>
                 </a:solidFill>
               </a14:hiddenFill>
             </a:ext>
             <a:ext uri="{91240B29-F687-4f45-9708-019B960494DF}">
-              <a14:hiddenLine xmlns="" xmlns:a14="http://schemas.microsoft.com/office/drawing/2010/main" w="9525">
+              <a14:hiddenLine xmlns:a14="http://schemas.microsoft.com/office/drawing/2010/main" xmlns="" w="9525">
                 <a:solidFill>
                   <a:srgbClr val="000000"/>
                 </a:solidFill>
@@ -18317,7 +20429,7 @@
             <a:fld id="{55A1EC38-4983-4447-A9CA-30921677F47E}" type="slidenum">
               <a:rPr lang="en-US" sz="1400"/>
               <a:pPr eaLnBrk="1" hangingPunct="1"/>
-              <a:t>14</a:t>
+              <a:t>15</a:t>
             </a:fld>
             <a:endParaRPr lang="en-US" sz="1400"/>
           </a:p>
@@ -21273,7 +23385,7 @@
             </a:pPr>
             <a:fld id="{0F7BDA28-418C-9143-89A1-46CE07347BF0}" type="datetime1">
               <a:rPr lang="en-US"/>
-              <a:t>2020-06-08</a:t>
+              <a:t>2020-06-10</a:t>
             </a:fld>
             <a:endParaRPr lang="en-US"/>
           </a:p>
@@ -21326,14 +23438,14 @@
           </a:ln>
           <a:extLst>
             <a:ext uri="{909E8E84-426E-40dd-AFC4-6F175D3DCCD1}">
-              <a14:hiddenFill xmlns="" xmlns:a14="http://schemas.microsoft.com/office/drawing/2010/main">
+              <a14:hiddenFill xmlns:a14="http://schemas.microsoft.com/office/drawing/2010/main" xmlns="">
                 <a:solidFill>
                   <a:srgbClr val="FFFFFF"/>
                 </a:solidFill>
               </a14:hiddenFill>
             </a:ext>
             <a:ext uri="{91240B29-F687-4f45-9708-019B960494DF}">
-              <a14:hiddenLine xmlns="" xmlns:a14="http://schemas.microsoft.com/office/drawing/2010/main" w="9525">
+              <a14:hiddenLine xmlns:a14="http://schemas.microsoft.com/office/drawing/2010/main" xmlns="" w="9525">
                 <a:solidFill>
                   <a:srgbClr val="000000"/>
                 </a:solidFill>
@@ -21481,7 +23593,7 @@
 </p:sld>
 </file>
 
-<file path=ppt/slides/slide15.xml><?xml version="1.0" encoding="utf-8"?>
+<file path=ppt/slides/slide16.xml><?xml version="1.0" encoding="utf-8"?>
 <p:sld xmlns:a="http://schemas.openxmlformats.org/drawingml/2006/main" xmlns:r="http://schemas.openxmlformats.org/officeDocument/2006/relationships" xmlns:p="http://schemas.openxmlformats.org/presentationml/2006/main">
   <p:cSld>
     <p:spTree>
@@ -21520,14 +23632,14 @@
           </a:ln>
           <a:extLst>
             <a:ext uri="{909E8E84-426E-40dd-AFC4-6F175D3DCCD1}">
-              <a14:hiddenFill xmlns="" xmlns:a14="http://schemas.microsoft.com/office/drawing/2010/main">
+              <a14:hiddenFill xmlns:a14="http://schemas.microsoft.com/office/drawing/2010/main" xmlns="">
                 <a:solidFill>
                   <a:srgbClr val="FFFFFF"/>
                 </a:solidFill>
               </a14:hiddenFill>
             </a:ext>
             <a:ext uri="{91240B29-F687-4f45-9708-019B960494DF}">
-              <a14:hiddenLine xmlns="" xmlns:a14="http://schemas.microsoft.com/office/drawing/2010/main" w="9525">
+              <a14:hiddenLine xmlns:a14="http://schemas.microsoft.com/office/drawing/2010/main" xmlns="" w="9525">
                 <a:solidFill>
                   <a:srgbClr val="000000"/>
                 </a:solidFill>
@@ -21661,7 +23773,7 @@
             <a:fld id="{C00B6422-2848-6D42-8742-B05BF8E48EE5}" type="slidenum">
               <a:rPr lang="en-US" sz="1400"/>
               <a:pPr algn="r" eaLnBrk="1" hangingPunct="1"/>
-              <a:t>15</a:t>
+              <a:t>16</a:t>
             </a:fld>
             <a:endParaRPr lang="en-US" sz="1400"/>
           </a:p>
@@ -23631,14 +25743,14 @@
           </a:ln>
           <a:extLst>
             <a:ext uri="{909E8E84-426E-40dd-AFC4-6F175D3DCCD1}">
-              <a14:hiddenFill xmlns="" xmlns:a14="http://schemas.microsoft.com/office/drawing/2010/main">
+              <a14:hiddenFill xmlns:a14="http://schemas.microsoft.com/office/drawing/2010/main" xmlns="">
                 <a:solidFill>
                   <a:srgbClr val="FFFFFF"/>
                 </a:solidFill>
               </a14:hiddenFill>
             </a:ext>
             <a:ext uri="{91240B29-F687-4f45-9708-019B960494DF}">
-              <a14:hiddenLine xmlns="" xmlns:a14="http://schemas.microsoft.com/office/drawing/2010/main" w="9525">
+              <a14:hiddenLine xmlns:a14="http://schemas.microsoft.com/office/drawing/2010/main" xmlns="" w="9525">
                 <a:solidFill>
                   <a:srgbClr val="000000"/>
                 </a:solidFill>
@@ -23798,7 +25910,7 @@
             </a:pPr>
             <a:fld id="{59DBD478-FE4D-DB41-B957-A9DBBBBF7C99}" type="datetime1">
               <a:rPr lang="en-US"/>
-              <a:t>2020-06-08</a:t>
+              <a:t>2020-06-10</a:t>
             </a:fld>
             <a:endParaRPr lang="en-US"/>
           </a:p>
@@ -23844,14 +25956,14 @@
           <a:ln/>
           <a:extLst>
             <a:ext uri="{909E8E84-426E-40dd-AFC4-6F175D3DCCD1}">
-              <a14:hiddenFill xmlns="" xmlns:a14="http://schemas.microsoft.com/office/drawing/2010/main">
+              <a14:hiddenFill xmlns:a14="http://schemas.microsoft.com/office/drawing/2010/main" xmlns="">
                 <a:solidFill>
                   <a:srgbClr val="FFFFFF"/>
                 </a:solidFill>
               </a14:hiddenFill>
             </a:ext>
             <a:ext uri="{91240B29-F687-4f45-9708-019B960494DF}">
-              <a14:hiddenLine xmlns="" xmlns:a14="http://schemas.microsoft.com/office/drawing/2010/main" w="9525">
+              <a14:hiddenLine xmlns:a14="http://schemas.microsoft.com/office/drawing/2010/main" xmlns="" w="9525">
                 <a:solidFill>
                   <a:srgbClr val="000000"/>
                 </a:solidFill>
@@ -23985,7 +26097,7 @@
             <a:fld id="{A98656E8-BAD3-2A42-9D86-EB9A7DD7D73C}" type="slidenum">
               <a:rPr lang="en-US" sz="1400"/>
               <a:pPr eaLnBrk="1" hangingPunct="1"/>
-              <a:t>15</a:t>
+              <a:t>16</a:t>
             </a:fld>
             <a:endParaRPr lang="en-US" sz="1400"/>
           </a:p>
@@ -25656,14 +27768,14 @@
           </a:ln>
           <a:extLst>
             <a:ext uri="{909E8E84-426E-40dd-AFC4-6F175D3DCCD1}">
-              <a14:hiddenFill xmlns="" xmlns:a14="http://schemas.microsoft.com/office/drawing/2010/main">
+              <a14:hiddenFill xmlns:a14="http://schemas.microsoft.com/office/drawing/2010/main" xmlns="">
                 <a:solidFill>
                   <a:srgbClr val="FFFFFF"/>
                 </a:solidFill>
               </a14:hiddenFill>
             </a:ext>
             <a:ext uri="{91240B29-F687-4f45-9708-019B960494DF}">
-              <a14:hiddenLine xmlns="" xmlns:a14="http://schemas.microsoft.com/office/drawing/2010/main" w="9525">
+              <a14:hiddenLine xmlns:a14="http://schemas.microsoft.com/office/drawing/2010/main" xmlns="" w="9525">
                 <a:solidFill>
                   <a:srgbClr val="000000"/>
                 </a:solidFill>
@@ -25812,7 +27924,7 @@
 </p:sld>
 </file>
 
-<file path=ppt/slides/slide16.xml><?xml version="1.0" encoding="utf-8"?>
+<file path=ppt/slides/slide17.xml><?xml version="1.0" encoding="utf-8"?>
 <p:sld xmlns:a="http://schemas.openxmlformats.org/drawingml/2006/main" xmlns:r="http://schemas.openxmlformats.org/officeDocument/2006/relationships" xmlns:p="http://schemas.openxmlformats.org/presentationml/2006/main">
   <p:cSld>
     <p:spTree>
@@ -25851,14 +27963,14 @@
           </a:ln>
           <a:extLst>
             <a:ext uri="{909E8E84-426E-40dd-AFC4-6F175D3DCCD1}">
-              <a14:hiddenFill xmlns="" xmlns:a14="http://schemas.microsoft.com/office/drawing/2010/main">
+              <a14:hiddenFill xmlns:a14="http://schemas.microsoft.com/office/drawing/2010/main" xmlns="">
                 <a:solidFill>
                   <a:srgbClr val="FFFFFF"/>
                 </a:solidFill>
               </a14:hiddenFill>
             </a:ext>
             <a:ext uri="{91240B29-F687-4f45-9708-019B960494DF}">
-              <a14:hiddenLine xmlns="" xmlns:a14="http://schemas.microsoft.com/office/drawing/2010/main" w="9525">
+              <a14:hiddenLine xmlns:a14="http://schemas.microsoft.com/office/drawing/2010/main" xmlns="" w="9525">
                 <a:solidFill>
                   <a:srgbClr val="000000"/>
                 </a:solidFill>
@@ -25992,7 +28104,7 @@
             <a:fld id="{C00B6422-2848-6D42-8742-B05BF8E48EE5}" type="slidenum">
               <a:rPr lang="en-US" sz="1400"/>
               <a:pPr algn="r" eaLnBrk="1" hangingPunct="1"/>
-              <a:t>16</a:t>
+              <a:t>17</a:t>
             </a:fld>
             <a:endParaRPr lang="en-US" sz="1400"/>
           </a:p>
@@ -26044,7 +28156,7 @@
             </a:pPr>
             <a:fld id="{59DBD478-FE4D-DB41-B957-A9DBBBBF7C99}" type="datetime1">
               <a:rPr lang="en-US"/>
-              <a:t>2020-06-08</a:t>
+              <a:t>2020-06-10</a:t>
             </a:fld>
             <a:endParaRPr lang="en-US"/>
           </a:p>
@@ -26090,14 +28202,14 @@
           <a:ln/>
           <a:extLst>
             <a:ext uri="{909E8E84-426E-40dd-AFC4-6F175D3DCCD1}">
-              <a14:hiddenFill xmlns="" xmlns:a14="http://schemas.microsoft.com/office/drawing/2010/main">
+              <a14:hiddenFill xmlns:a14="http://schemas.microsoft.com/office/drawing/2010/main" xmlns="">
                 <a:solidFill>
                   <a:srgbClr val="FFFFFF"/>
                 </a:solidFill>
               </a14:hiddenFill>
             </a:ext>
             <a:ext uri="{91240B29-F687-4f45-9708-019B960494DF}">
-              <a14:hiddenLine xmlns="" xmlns:a14="http://schemas.microsoft.com/office/drawing/2010/main" w="9525">
+              <a14:hiddenLine xmlns:a14="http://schemas.microsoft.com/office/drawing/2010/main" xmlns="" w="9525">
                 <a:solidFill>
                   <a:srgbClr val="000000"/>
                 </a:solidFill>
@@ -26231,7 +28343,7 @@
             <a:fld id="{A98656E8-BAD3-2A42-9D86-EB9A7DD7D73C}" type="slidenum">
               <a:rPr lang="en-US" sz="1400"/>
               <a:pPr eaLnBrk="1" hangingPunct="1"/>
-              <a:t>16</a:t>
+              <a:t>17</a:t>
             </a:fld>
             <a:endParaRPr lang="en-US" sz="1400"/>
           </a:p>
@@ -30263,7 +32375,7 @@
 </p:sld>
 </file>
 
-<file path=ppt/slides/slide17.xml><?xml version="1.0" encoding="utf-8"?>
+<file path=ppt/slides/slide18.xml><?xml version="1.0" encoding="utf-8"?>
 <p:sld xmlns:a="http://schemas.openxmlformats.org/drawingml/2006/main" xmlns:r="http://schemas.openxmlformats.org/officeDocument/2006/relationships" xmlns:p="http://schemas.openxmlformats.org/presentationml/2006/main">
   <p:cSld>
     <p:spTree>
@@ -30302,14 +32414,14 @@
           </a:ln>
           <a:extLst>
             <a:ext uri="{909E8E84-426E-40dd-AFC4-6F175D3DCCD1}">
-              <a14:hiddenFill xmlns="" xmlns:a14="http://schemas.microsoft.com/office/drawing/2010/main">
+              <a14:hiddenFill xmlns:a14="http://schemas.microsoft.com/office/drawing/2010/main" xmlns="">
                 <a:solidFill>
                   <a:srgbClr val="FFFFFF"/>
                 </a:solidFill>
               </a14:hiddenFill>
             </a:ext>
             <a:ext uri="{91240B29-F687-4f45-9708-019B960494DF}">
-              <a14:hiddenLine xmlns="" xmlns:a14="http://schemas.microsoft.com/office/drawing/2010/main" w="9525">
+              <a14:hiddenLine xmlns:a14="http://schemas.microsoft.com/office/drawing/2010/main" xmlns="" w="9525">
                 <a:solidFill>
                   <a:srgbClr val="000000"/>
                 </a:solidFill>
@@ -30443,7 +32555,7 @@
             <a:fld id="{C00B6422-2848-6D42-8742-B05BF8E48EE5}" type="slidenum">
               <a:rPr lang="en-US" sz="1400"/>
               <a:pPr algn="r" eaLnBrk="1" hangingPunct="1"/>
-              <a:t>17</a:t>
+              <a:t>18</a:t>
             </a:fld>
             <a:endParaRPr lang="en-US" sz="1400"/>
           </a:p>
@@ -32119,14 +34231,14 @@
           </a:ln>
           <a:extLst>
             <a:ext uri="{909E8E84-426E-40dd-AFC4-6F175D3DCCD1}">
-              <a14:hiddenFill xmlns="" xmlns:a14="http://schemas.microsoft.com/office/drawing/2010/main">
+              <a14:hiddenFill xmlns:a14="http://schemas.microsoft.com/office/drawing/2010/main" xmlns="">
                 <a:solidFill>
                   <a:srgbClr val="FFFFFF"/>
                 </a:solidFill>
               </a14:hiddenFill>
             </a:ext>
             <a:ext uri="{91240B29-F687-4f45-9708-019B960494DF}">
-              <a14:hiddenLine xmlns="" xmlns:a14="http://schemas.microsoft.com/office/drawing/2010/main" w="9525">
+              <a14:hiddenLine xmlns:a14="http://schemas.microsoft.com/office/drawing/2010/main" xmlns="" w="9525">
                 <a:solidFill>
                   <a:srgbClr val="000000"/>
                 </a:solidFill>
@@ -32286,7 +34398,7 @@
             </a:pPr>
             <a:fld id="{59DBD478-FE4D-DB41-B957-A9DBBBBF7C99}" type="datetime1">
               <a:rPr lang="en-US"/>
-              <a:t>2020-06-08</a:t>
+              <a:t>2020-06-10</a:t>
             </a:fld>
             <a:endParaRPr lang="en-US"/>
           </a:p>
@@ -32332,14 +34444,14 @@
           <a:ln/>
           <a:extLst>
             <a:ext uri="{909E8E84-426E-40dd-AFC4-6F175D3DCCD1}">
-              <a14:hiddenFill xmlns="" xmlns:a14="http://schemas.microsoft.com/office/drawing/2010/main">
+              <a14:hiddenFill xmlns:a14="http://schemas.microsoft.com/office/drawing/2010/main" xmlns="">
                 <a:solidFill>
                   <a:srgbClr val="FFFFFF"/>
                 </a:solidFill>
               </a14:hiddenFill>
             </a:ext>
             <a:ext uri="{91240B29-F687-4f45-9708-019B960494DF}">
-              <a14:hiddenLine xmlns="" xmlns:a14="http://schemas.microsoft.com/office/drawing/2010/main" w="9525">
+              <a14:hiddenLine xmlns:a14="http://schemas.microsoft.com/office/drawing/2010/main" xmlns="" w="9525">
                 <a:solidFill>
                   <a:srgbClr val="000000"/>
                 </a:solidFill>
@@ -32473,7 +34585,7 @@
             <a:fld id="{A98656E8-BAD3-2A42-9D86-EB9A7DD7D73C}" type="slidenum">
               <a:rPr lang="en-US" sz="1400"/>
               <a:pPr eaLnBrk="1" hangingPunct="1"/>
-              <a:t>17</a:t>
+              <a:t>18</a:t>
             </a:fld>
             <a:endParaRPr lang="en-US" sz="1400"/>
           </a:p>
@@ -32492,7 +34604,7 @@
 </p:sld>
 </file>
 
-<file path=ppt/slides/slide18.xml><?xml version="1.0" encoding="utf-8"?>
+<file path=ppt/slides/slide19.xml><?xml version="1.0" encoding="utf-8"?>
 <p:sld xmlns:a="http://schemas.openxmlformats.org/drawingml/2006/main" xmlns:r="http://schemas.openxmlformats.org/officeDocument/2006/relationships" xmlns:p="http://schemas.openxmlformats.org/presentationml/2006/main">
   <p:cSld>
     <p:spTree>
@@ -32524,14 +34636,14 @@
           <a:ln/>
           <a:extLst>
             <a:ext uri="{909E8E84-426E-40dd-AFC4-6F175D3DCCD1}">
-              <a14:hiddenFill xmlns="" xmlns:a14="http://schemas.microsoft.com/office/drawing/2010/main">
+              <a14:hiddenFill xmlns:a14="http://schemas.microsoft.com/office/drawing/2010/main" xmlns="">
                 <a:solidFill>
                   <a:srgbClr val="FFFFFF"/>
                 </a:solidFill>
               </a14:hiddenFill>
             </a:ext>
             <a:ext uri="{91240B29-F687-4f45-9708-019B960494DF}">
-              <a14:hiddenLine xmlns="" xmlns:a14="http://schemas.microsoft.com/office/drawing/2010/main" w="9525">
+              <a14:hiddenLine xmlns:a14="http://schemas.microsoft.com/office/drawing/2010/main" xmlns="" w="9525">
                 <a:solidFill>
                   <a:srgbClr val="000000"/>
                 </a:solidFill>
@@ -32665,7 +34777,7 @@
             <a:fld id="{CAA63246-3EE3-4545-8E2D-A932119B18F1}" type="slidenum">
               <a:rPr lang="en-US" sz="1400"/>
               <a:pPr eaLnBrk="1" hangingPunct="1"/>
-              <a:t>18</a:t>
+              <a:t>19</a:t>
             </a:fld>
             <a:endParaRPr lang="en-US" sz="1400"/>
           </a:p>
@@ -34389,7 +36501,7 @@
             </a:pPr>
             <a:fld id="{DA2A2AB7-0D68-F246-A81D-87CD21846C56}" type="datetime1">
               <a:rPr lang="en-US"/>
-              <a:t>2020-06-08</a:t>
+              <a:t>2020-06-10</a:t>
             </a:fld>
             <a:endParaRPr lang="en-US"/>
           </a:p>
@@ -34428,7 +36540,579 @@
 </p:sld>
 </file>
 
-<file path=ppt/slides/slide19.xml><?xml version="1.0" encoding="utf-8"?>
+<file path=ppt/slides/slide2.xml><?xml version="1.0" encoding="utf-8"?>
+<p:sld xmlns:a="http://schemas.openxmlformats.org/drawingml/2006/main" xmlns:r="http://schemas.openxmlformats.org/officeDocument/2006/relationships" xmlns:p="http://schemas.openxmlformats.org/presentationml/2006/main">
+  <p:cSld>
+    <p:spTree>
+      <p:nvGrpSpPr>
+        <p:cNvPr id="1" name=""/>
+        <p:cNvGrpSpPr/>
+        <p:nvPr/>
+      </p:nvGrpSpPr>
+      <p:grpSpPr>
+        <a:xfrm>
+          <a:off x="0" y="0"/>
+          <a:ext cx="0" cy="0"/>
+          <a:chOff x="0" y="0"/>
+          <a:chExt cx="0" cy="0"/>
+        </a:xfrm>
+      </p:grpSpPr>
+      <p:sp>
+        <p:nvSpPr>
+          <p:cNvPr id="18433" name="Slide Number Placeholder 4"/>
+          <p:cNvSpPr>
+            <a:spLocks noGrp="1"/>
+          </p:cNvSpPr>
+          <p:nvPr>
+            <p:ph type="sldNum" sz="quarter" idx="10"/>
+          </p:nvPr>
+        </p:nvSpPr>
+        <p:spPr>
+          <a:noFill/>
+          <a:ln/>
+          <a:extLst>
+            <a:ext uri="{909E8E84-426E-40dd-AFC4-6F175D3DCCD1}">
+              <a14:hiddenFill xmlns:a14="http://schemas.microsoft.com/office/drawing/2010/main" xmlns="">
+                <a:solidFill>
+                  <a:srgbClr val="FFFFFF"/>
+                </a:solidFill>
+              </a14:hiddenFill>
+            </a:ext>
+            <a:ext uri="{91240B29-F687-4f45-9708-019B960494DF}">
+              <a14:hiddenLine xmlns:a14="http://schemas.microsoft.com/office/drawing/2010/main" xmlns="" w="9525">
+                <a:solidFill>
+                  <a:srgbClr val="000000"/>
+                </a:solidFill>
+                <a:miter lim="800000"/>
+                <a:headEnd/>
+                <a:tailEnd/>
+              </a14:hiddenLine>
+            </a:ext>
+          </a:extLst>
+        </p:spPr>
+        <p:txBody>
+          <a:bodyPr/>
+          <a:lstStyle>
+            <a:lvl1pPr eaLnBrk="0" hangingPunct="0">
+              <a:defRPr sz="2400">
+                <a:solidFill>
+                  <a:schemeClr val="tx1"/>
+                </a:solidFill>
+                <a:latin typeface="Arial" charset="0"/>
+                <a:ea typeface="ヒラギノ角ゴ Pro W3" charset="0"/>
+                <a:cs typeface="ヒラギノ角ゴ Pro W3" charset="0"/>
+              </a:defRPr>
+            </a:lvl1pPr>
+            <a:lvl2pPr marL="742950" indent="-285750" eaLnBrk="0" hangingPunct="0">
+              <a:defRPr sz="2400">
+                <a:solidFill>
+                  <a:schemeClr val="tx1"/>
+                </a:solidFill>
+                <a:latin typeface="Arial" charset="0"/>
+                <a:ea typeface="ヒラギノ角ゴ Pro W3" charset="0"/>
+                <a:cs typeface="ヒラギノ角ゴ Pro W3" charset="0"/>
+              </a:defRPr>
+            </a:lvl2pPr>
+            <a:lvl3pPr marL="1143000" indent="-228600" eaLnBrk="0" hangingPunct="0">
+              <a:defRPr sz="2400">
+                <a:solidFill>
+                  <a:schemeClr val="tx1"/>
+                </a:solidFill>
+                <a:latin typeface="Arial" charset="0"/>
+                <a:ea typeface="ヒラギノ角ゴ Pro W3" charset="0"/>
+                <a:cs typeface="ヒラギノ角ゴ Pro W3" charset="0"/>
+              </a:defRPr>
+            </a:lvl3pPr>
+            <a:lvl4pPr marL="1600200" indent="-228600" eaLnBrk="0" hangingPunct="0">
+              <a:defRPr sz="2400">
+                <a:solidFill>
+                  <a:schemeClr val="tx1"/>
+                </a:solidFill>
+                <a:latin typeface="Arial" charset="0"/>
+                <a:ea typeface="ヒラギノ角ゴ Pro W3" charset="0"/>
+                <a:cs typeface="ヒラギノ角ゴ Pro W3" charset="0"/>
+              </a:defRPr>
+            </a:lvl4pPr>
+            <a:lvl5pPr marL="2057400" indent="-228600" eaLnBrk="0" hangingPunct="0">
+              <a:defRPr sz="2400">
+                <a:solidFill>
+                  <a:schemeClr val="tx1"/>
+                </a:solidFill>
+                <a:latin typeface="Arial" charset="0"/>
+                <a:ea typeface="ヒラギノ角ゴ Pro W3" charset="0"/>
+                <a:cs typeface="ヒラギノ角ゴ Pro W3" charset="0"/>
+              </a:defRPr>
+            </a:lvl5pPr>
+            <a:lvl6pPr marL="2514600" indent="-228600" algn="ctr" eaLnBrk="0" fontAlgn="base" hangingPunct="0">
+              <a:spcBef>
+                <a:spcPct val="0"/>
+              </a:spcBef>
+              <a:spcAft>
+                <a:spcPct val="0"/>
+              </a:spcAft>
+              <a:defRPr sz="2400">
+                <a:solidFill>
+                  <a:schemeClr val="tx1"/>
+                </a:solidFill>
+                <a:latin typeface="Arial" charset="0"/>
+                <a:ea typeface="ヒラギノ角ゴ Pro W3" charset="0"/>
+                <a:cs typeface="ヒラギノ角ゴ Pro W3" charset="0"/>
+              </a:defRPr>
+            </a:lvl6pPr>
+            <a:lvl7pPr marL="2971800" indent="-228600" algn="ctr" eaLnBrk="0" fontAlgn="base" hangingPunct="0">
+              <a:spcBef>
+                <a:spcPct val="0"/>
+              </a:spcBef>
+              <a:spcAft>
+                <a:spcPct val="0"/>
+              </a:spcAft>
+              <a:defRPr sz="2400">
+                <a:solidFill>
+                  <a:schemeClr val="tx1"/>
+                </a:solidFill>
+                <a:latin typeface="Arial" charset="0"/>
+                <a:ea typeface="ヒラギノ角ゴ Pro W3" charset="0"/>
+                <a:cs typeface="ヒラギノ角ゴ Pro W3" charset="0"/>
+              </a:defRPr>
+            </a:lvl7pPr>
+            <a:lvl8pPr marL="3429000" indent="-228600" algn="ctr" eaLnBrk="0" fontAlgn="base" hangingPunct="0">
+              <a:spcBef>
+                <a:spcPct val="0"/>
+              </a:spcBef>
+              <a:spcAft>
+                <a:spcPct val="0"/>
+              </a:spcAft>
+              <a:defRPr sz="2400">
+                <a:solidFill>
+                  <a:schemeClr val="tx1"/>
+                </a:solidFill>
+                <a:latin typeface="Arial" charset="0"/>
+                <a:ea typeface="ヒラギノ角ゴ Pro W3" charset="0"/>
+                <a:cs typeface="ヒラギノ角ゴ Pro W3" charset="0"/>
+              </a:defRPr>
+            </a:lvl8pPr>
+            <a:lvl9pPr marL="3886200" indent="-228600" algn="ctr" eaLnBrk="0" fontAlgn="base" hangingPunct="0">
+              <a:spcBef>
+                <a:spcPct val="0"/>
+              </a:spcBef>
+              <a:spcAft>
+                <a:spcPct val="0"/>
+              </a:spcAft>
+              <a:defRPr sz="2400">
+                <a:solidFill>
+                  <a:schemeClr val="tx1"/>
+                </a:solidFill>
+                <a:latin typeface="Arial" charset="0"/>
+                <a:ea typeface="ヒラギノ角ゴ Pro W3" charset="0"/>
+                <a:cs typeface="ヒラギノ角ゴ Pro W3" charset="0"/>
+              </a:defRPr>
+            </a:lvl9pPr>
+          </a:lstStyle>
+          <a:p>
+            <a:pPr eaLnBrk="1" hangingPunct="1"/>
+            <a:fld id="{B6953E68-731D-B04B-BDD7-AFF9F6DECD3A}" type="slidenum">
+              <a:rPr lang="en-US" sz="1400"/>
+              <a:pPr eaLnBrk="1" hangingPunct="1"/>
+              <a:t>2</a:t>
+            </a:fld>
+            <a:endParaRPr lang="en-US" sz="1400"/>
+          </a:p>
+        </p:txBody>
+      </p:sp>
+      <p:sp>
+        <p:nvSpPr>
+          <p:cNvPr id="18434" name="Rectangle 2"/>
+          <p:cNvSpPr>
+            <a:spLocks noChangeArrowheads="1"/>
+          </p:cNvSpPr>
+          <p:nvPr/>
+        </p:nvSpPr>
+        <p:spPr bwMode="auto">
+          <a:xfrm>
+            <a:off x="1371600" y="76200"/>
+            <a:ext cx="6553200" cy="688975"/>
+          </a:xfrm>
+          <a:prstGeom prst="rect">
+            <a:avLst/>
+          </a:prstGeom>
+          <a:noFill/>
+          <a:ln>
+            <a:noFill/>
+          </a:ln>
+          <a:extLst>
+            <a:ext uri="{909E8E84-426E-40dd-AFC4-6F175D3DCCD1}">
+              <a14:hiddenFill xmlns:a14="http://schemas.microsoft.com/office/drawing/2010/main" xmlns="">
+                <a:solidFill>
+                  <a:srgbClr val="FFFFFF"/>
+                </a:solidFill>
+              </a14:hiddenFill>
+            </a:ext>
+            <a:ext uri="{91240B29-F687-4f45-9708-019B960494DF}">
+              <a14:hiddenLine xmlns:a14="http://schemas.microsoft.com/office/drawing/2010/main" xmlns="" w="9525">
+                <a:solidFill>
+                  <a:srgbClr val="000000"/>
+                </a:solidFill>
+                <a:miter lim="800000"/>
+                <a:headEnd/>
+                <a:tailEnd/>
+              </a14:hiddenLine>
+            </a:ext>
+          </a:extLst>
+        </p:spPr>
+        <p:txBody>
+          <a:bodyPr lIns="91429" tIns="45714" rIns="91429" bIns="45714" anchor="ctr"/>
+          <a:lstStyle/>
+          <a:p>
+            <a:pPr eaLnBrk="0" hangingPunct="0"/>
+            <a:r>
+              <a:rPr lang="en-US" sz="2800" b="1" dirty="0">
+                <a:solidFill>
+                  <a:schemeClr val="accent2"/>
+                </a:solidFill>
+                <a:latin typeface="Times New Roman" charset="0"/>
+              </a:rPr>
+              <a:t>Design (1/2)</a:t>
+            </a:r>
+            <a:endParaRPr lang="en-US" b="1" dirty="0">
+              <a:solidFill>
+                <a:schemeClr val="accent2"/>
+              </a:solidFill>
+              <a:latin typeface="Times New Roman" charset="0"/>
+            </a:endParaRPr>
+          </a:p>
+        </p:txBody>
+      </p:sp>
+      <p:sp>
+        <p:nvSpPr>
+          <p:cNvPr id="18435" name="TextBox 2"/>
+          <p:cNvSpPr txBox="1">
+            <a:spLocks noChangeArrowheads="1"/>
+          </p:cNvSpPr>
+          <p:nvPr/>
+        </p:nvSpPr>
+        <p:spPr bwMode="auto">
+          <a:xfrm>
+            <a:off x="609600" y="1358900"/>
+            <a:ext cx="7848600" cy="4672048"/>
+          </a:xfrm>
+          <a:prstGeom prst="rect">
+            <a:avLst/>
+          </a:prstGeom>
+          <a:noFill/>
+          <a:ln>
+            <a:noFill/>
+          </a:ln>
+          <a:extLst>
+            <a:ext uri="{909E8E84-426E-40dd-AFC4-6F175D3DCCD1}">
+              <a14:hiddenFill xmlns:a14="http://schemas.microsoft.com/office/drawing/2010/main" xmlns="">
+                <a:solidFill>
+                  <a:srgbClr val="FFFFFF"/>
+                </a:solidFill>
+              </a14:hiddenFill>
+            </a:ext>
+            <a:ext uri="{91240B29-F687-4f45-9708-019B960494DF}">
+              <a14:hiddenLine xmlns:a14="http://schemas.microsoft.com/office/drawing/2010/main" xmlns="" w="9525">
+                <a:solidFill>
+                  <a:srgbClr val="000000"/>
+                </a:solidFill>
+                <a:miter lim="800000"/>
+                <a:headEnd/>
+                <a:tailEnd/>
+              </a14:hiddenLine>
+            </a:ext>
+          </a:extLst>
+        </p:spPr>
+        <p:txBody>
+          <a:bodyPr>
+            <a:spAutoFit/>
+          </a:bodyPr>
+          <a:lstStyle>
+            <a:lvl1pPr marL="342900" indent="-342900" eaLnBrk="0" hangingPunct="0">
+              <a:defRPr sz="2400">
+                <a:solidFill>
+                  <a:schemeClr val="tx1"/>
+                </a:solidFill>
+                <a:latin typeface="Arial" charset="0"/>
+                <a:ea typeface="ヒラギノ角ゴ Pro W3" charset="0"/>
+                <a:cs typeface="ヒラギノ角ゴ Pro W3" charset="0"/>
+              </a:defRPr>
+            </a:lvl1pPr>
+            <a:lvl2pPr marL="742950" indent="-285750" eaLnBrk="0" hangingPunct="0">
+              <a:defRPr sz="2400">
+                <a:solidFill>
+                  <a:schemeClr val="tx1"/>
+                </a:solidFill>
+                <a:latin typeface="Arial" charset="0"/>
+                <a:ea typeface="ヒラギノ角ゴ Pro W3" charset="0"/>
+                <a:cs typeface="ヒラギノ角ゴ Pro W3" charset="0"/>
+              </a:defRPr>
+            </a:lvl2pPr>
+            <a:lvl3pPr marL="1143000" indent="-228600" eaLnBrk="0" hangingPunct="0">
+              <a:defRPr sz="2400">
+                <a:solidFill>
+                  <a:schemeClr val="tx1"/>
+                </a:solidFill>
+                <a:latin typeface="Arial" charset="0"/>
+                <a:ea typeface="ヒラギノ角ゴ Pro W3" charset="0"/>
+                <a:cs typeface="ヒラギノ角ゴ Pro W3" charset="0"/>
+              </a:defRPr>
+            </a:lvl3pPr>
+            <a:lvl4pPr marL="1600200" indent="-228600" eaLnBrk="0" hangingPunct="0">
+              <a:defRPr sz="2400">
+                <a:solidFill>
+                  <a:schemeClr val="tx1"/>
+                </a:solidFill>
+                <a:latin typeface="Arial" charset="0"/>
+                <a:ea typeface="ヒラギノ角ゴ Pro W3" charset="0"/>
+                <a:cs typeface="ヒラギノ角ゴ Pro W3" charset="0"/>
+              </a:defRPr>
+            </a:lvl4pPr>
+            <a:lvl5pPr marL="2057400" indent="-228600" eaLnBrk="0" hangingPunct="0">
+              <a:defRPr sz="2400">
+                <a:solidFill>
+                  <a:schemeClr val="tx1"/>
+                </a:solidFill>
+                <a:latin typeface="Arial" charset="0"/>
+                <a:ea typeface="ヒラギノ角ゴ Pro W3" charset="0"/>
+                <a:cs typeface="ヒラギノ角ゴ Pro W3" charset="0"/>
+              </a:defRPr>
+            </a:lvl5pPr>
+            <a:lvl6pPr marL="2514600" indent="-228600" algn="ctr" eaLnBrk="0" fontAlgn="base" hangingPunct="0">
+              <a:spcBef>
+                <a:spcPct val="0"/>
+              </a:spcBef>
+              <a:spcAft>
+                <a:spcPct val="0"/>
+              </a:spcAft>
+              <a:defRPr sz="2400">
+                <a:solidFill>
+                  <a:schemeClr val="tx1"/>
+                </a:solidFill>
+                <a:latin typeface="Arial" charset="0"/>
+                <a:ea typeface="ヒラギノ角ゴ Pro W3" charset="0"/>
+                <a:cs typeface="ヒラギノ角ゴ Pro W3" charset="0"/>
+              </a:defRPr>
+            </a:lvl6pPr>
+            <a:lvl7pPr marL="2971800" indent="-228600" algn="ctr" eaLnBrk="0" fontAlgn="base" hangingPunct="0">
+              <a:spcBef>
+                <a:spcPct val="0"/>
+              </a:spcBef>
+              <a:spcAft>
+                <a:spcPct val="0"/>
+              </a:spcAft>
+              <a:defRPr sz="2400">
+                <a:solidFill>
+                  <a:schemeClr val="tx1"/>
+                </a:solidFill>
+                <a:latin typeface="Arial" charset="0"/>
+                <a:ea typeface="ヒラギノ角ゴ Pro W3" charset="0"/>
+                <a:cs typeface="ヒラギノ角ゴ Pro W3" charset="0"/>
+              </a:defRPr>
+            </a:lvl7pPr>
+            <a:lvl8pPr marL="3429000" indent="-228600" algn="ctr" eaLnBrk="0" fontAlgn="base" hangingPunct="0">
+              <a:spcBef>
+                <a:spcPct val="0"/>
+              </a:spcBef>
+              <a:spcAft>
+                <a:spcPct val="0"/>
+              </a:spcAft>
+              <a:defRPr sz="2400">
+                <a:solidFill>
+                  <a:schemeClr val="tx1"/>
+                </a:solidFill>
+                <a:latin typeface="Arial" charset="0"/>
+                <a:ea typeface="ヒラギノ角ゴ Pro W3" charset="0"/>
+                <a:cs typeface="ヒラギノ角ゴ Pro W3" charset="0"/>
+              </a:defRPr>
+            </a:lvl8pPr>
+            <a:lvl9pPr marL="3886200" indent="-228600" algn="ctr" eaLnBrk="0" fontAlgn="base" hangingPunct="0">
+              <a:spcBef>
+                <a:spcPct val="0"/>
+              </a:spcBef>
+              <a:spcAft>
+                <a:spcPct val="0"/>
+              </a:spcAft>
+              <a:defRPr sz="2400">
+                <a:solidFill>
+                  <a:schemeClr val="tx1"/>
+                </a:solidFill>
+                <a:latin typeface="Arial" charset="0"/>
+                <a:ea typeface="ヒラギノ角ゴ Pro W3" charset="0"/>
+                <a:cs typeface="ヒラギノ角ゴ Pro W3" charset="0"/>
+              </a:defRPr>
+            </a:lvl9pPr>
+          </a:lstStyle>
+          <a:p>
+            <a:pPr marL="0" indent="0" algn="l">
+              <a:spcBef>
+                <a:spcPct val="35000"/>
+              </a:spcBef>
+            </a:pPr>
+            <a:r>
+              <a:rPr lang="en-US" dirty="0">
+                <a:cs typeface="Times New Roman" charset="0"/>
+              </a:rPr>
+              <a:t>SBN is a </a:t>
+            </a:r>
+            <a:r>
+              <a:rPr lang="en-US" dirty="0" err="1">
+                <a:cs typeface="Times New Roman" charset="0"/>
+              </a:rPr>
+              <a:t>cFS</a:t>
+            </a:r>
+            <a:r>
+              <a:rPr lang="en-US" dirty="0">
+                <a:cs typeface="Times New Roman" charset="0"/>
+              </a:rPr>
+              <a:t> application that:</a:t>
+            </a:r>
+          </a:p>
+          <a:p>
+            <a:pPr algn="l">
+              <a:spcBef>
+                <a:spcPct val="35000"/>
+              </a:spcBef>
+              <a:buFont typeface="Arial" panose="020B0604020202020204" pitchFamily="34" charset="0"/>
+              <a:buChar char="•"/>
+            </a:pPr>
+            <a:r>
+              <a:rPr lang="en-US" dirty="0">
+                <a:cs typeface="Times New Roman" charset="0"/>
+              </a:rPr>
+              <a:t>connects the software bus to the software bus of one or more other </a:t>
+            </a:r>
+            <a:r>
+              <a:rPr lang="en-US" dirty="0" err="1">
+                <a:cs typeface="Times New Roman" charset="0"/>
+              </a:rPr>
+              <a:t>cFS</a:t>
+            </a:r>
+            <a:r>
+              <a:rPr lang="en-US" dirty="0">
+                <a:cs typeface="Times New Roman" charset="0"/>
+              </a:rPr>
+              <a:t> nodes (who are also running SBN).</a:t>
+            </a:r>
+          </a:p>
+          <a:p>
+            <a:pPr algn="l">
+              <a:spcBef>
+                <a:spcPct val="35000"/>
+              </a:spcBef>
+              <a:buFont typeface="Arial" panose="020B0604020202020204" pitchFamily="34" charset="0"/>
+              <a:buChar char="•"/>
+            </a:pPr>
+            <a:r>
+              <a:rPr lang="en-US" dirty="0">
+                <a:cs typeface="Times New Roman" charset="0"/>
+              </a:rPr>
+              <a:t>ensures that all messages published by an application on one bus will be received by a subscribing application on another bus.</a:t>
+            </a:r>
+          </a:p>
+          <a:p>
+            <a:pPr algn="l">
+              <a:spcBef>
+                <a:spcPct val="35000"/>
+              </a:spcBef>
+              <a:buFont typeface="Arial" panose="020B0604020202020204" pitchFamily="34" charset="0"/>
+              <a:buChar char="•"/>
+            </a:pPr>
+            <a:r>
+              <a:rPr lang="en-US" dirty="0">
+                <a:cs typeface="Times New Roman" charset="0"/>
+              </a:rPr>
+              <a:t>has a modular network architecture (TCP, UDP, Serial, </a:t>
+            </a:r>
+            <a:r>
+              <a:rPr lang="en-US" dirty="0" err="1">
+                <a:cs typeface="Times New Roman" charset="0"/>
+              </a:rPr>
+              <a:t>SpaceWire</a:t>
+            </a:r>
+            <a:r>
+              <a:rPr lang="en-US" dirty="0">
+                <a:cs typeface="Times New Roman" charset="0"/>
+              </a:rPr>
+              <a:t>, etc.) to connect peers and supports mixed-mode peer networks.</a:t>
+            </a:r>
+          </a:p>
+          <a:p>
+            <a:pPr algn="l">
+              <a:spcBef>
+                <a:spcPct val="35000"/>
+              </a:spcBef>
+              <a:buFont typeface="Arial" panose="020B0604020202020204" pitchFamily="34" charset="0"/>
+              <a:buChar char="•"/>
+            </a:pPr>
+            <a:r>
+              <a:rPr lang="en-US" dirty="0">
+                <a:cs typeface="Times New Roman" charset="0"/>
+              </a:rPr>
+              <a:t>remaps and filters outgoing messages (as configured in a remap table.)</a:t>
+            </a:r>
+          </a:p>
+        </p:txBody>
+      </p:sp>
+      <p:sp>
+        <p:nvSpPr>
+          <p:cNvPr id="2" name="Date Placeholder 1"/>
+          <p:cNvSpPr>
+            <a:spLocks noGrp="1"/>
+          </p:cNvSpPr>
+          <p:nvPr>
+            <p:ph type="dt" sz="quarter" idx="11"/>
+          </p:nvPr>
+        </p:nvSpPr>
+        <p:spPr/>
+        <p:txBody>
+          <a:bodyPr/>
+          <a:lstStyle/>
+          <a:p>
+            <a:pPr>
+              <a:defRPr/>
+            </a:pPr>
+            <a:fld id="{B90418B6-1B50-F34D-B458-B7530561AB98}" type="datetime1">
+              <a:rPr lang="en-US"/>
+              <a:t>2020-06-10</a:t>
+            </a:fld>
+            <a:endParaRPr lang="en-US"/>
+          </a:p>
+        </p:txBody>
+      </p:sp>
+      <p:sp>
+        <p:nvSpPr>
+          <p:cNvPr id="3" name="Footer Placeholder 2"/>
+          <p:cNvSpPr>
+            <a:spLocks noGrp="1"/>
+          </p:cNvSpPr>
+          <p:nvPr>
+            <p:ph type="ftr" sz="quarter" idx="12"/>
+          </p:nvPr>
+        </p:nvSpPr>
+        <p:spPr/>
+        <p:txBody>
+          <a:bodyPr/>
+          <a:lstStyle/>
+          <a:p>
+            <a:pPr>
+              <a:defRPr/>
+            </a:pPr>
+            <a:r>
+              <a:rPr lang="en-US"/>
+              <a:t>cFS Application: SBN</a:t>
+            </a:r>
+          </a:p>
+        </p:txBody>
+      </p:sp>
+    </p:spTree>
+  </p:cSld>
+  <p:clrMapOvr>
+    <a:masterClrMapping/>
+  </p:clrMapOvr>
+</p:sld>
+</file>
+
+<file path=ppt/slides/slide20.xml><?xml version="1.0" encoding="utf-8"?>
 <p:sld xmlns:a="http://schemas.openxmlformats.org/drawingml/2006/main" xmlns:r="http://schemas.openxmlformats.org/officeDocument/2006/relationships" xmlns:p="http://schemas.openxmlformats.org/presentationml/2006/main">
   <p:cSld>
     <p:spTree>
@@ -34460,14 +37144,14 @@
           <a:ln/>
           <a:extLst>
             <a:ext uri="{909E8E84-426E-40dd-AFC4-6F175D3DCCD1}">
-              <a14:hiddenFill xmlns="" xmlns:a14="http://schemas.microsoft.com/office/drawing/2010/main">
+              <a14:hiddenFill xmlns:a14="http://schemas.microsoft.com/office/drawing/2010/main" xmlns="">
                 <a:solidFill>
                   <a:srgbClr val="FFFFFF"/>
                 </a:solidFill>
               </a14:hiddenFill>
             </a:ext>
             <a:ext uri="{91240B29-F687-4f45-9708-019B960494DF}">
-              <a14:hiddenLine xmlns="" xmlns:a14="http://schemas.microsoft.com/office/drawing/2010/main" w="9525">
+              <a14:hiddenLine xmlns:a14="http://schemas.microsoft.com/office/drawing/2010/main" xmlns="" w="9525">
                 <a:solidFill>
                   <a:srgbClr val="000000"/>
                 </a:solidFill>
@@ -34601,7 +37285,7 @@
             <a:fld id="{EE975231-3F63-4F4E-B8F6-0A246541BABA}" type="slidenum">
               <a:rPr lang="en-US" sz="1400"/>
               <a:pPr eaLnBrk="1" hangingPunct="1"/>
-              <a:t>19</a:t>
+              <a:t>20</a:t>
             </a:fld>
             <a:endParaRPr lang="en-US" sz="1400"/>
           </a:p>
@@ -35769,7 +38453,7 @@
               <a:pPr>
                 <a:defRPr/>
               </a:pPr>
-              <a:t>2020-06-08</a:t>
+              <a:t>2020-06-10</a:t>
             </a:fld>
             <a:endParaRPr lang="en-US"/>
           </a:p>
@@ -37611,579 +40295,7 @@
 </p:sld>
 </file>
 
-<file path=ppt/slides/slide2.xml><?xml version="1.0" encoding="utf-8"?>
-<p:sld xmlns:a="http://schemas.openxmlformats.org/drawingml/2006/main" xmlns:r="http://schemas.openxmlformats.org/officeDocument/2006/relationships" xmlns:p="http://schemas.openxmlformats.org/presentationml/2006/main">
-  <p:cSld>
-    <p:spTree>
-      <p:nvGrpSpPr>
-        <p:cNvPr id="1" name=""/>
-        <p:cNvGrpSpPr/>
-        <p:nvPr/>
-      </p:nvGrpSpPr>
-      <p:grpSpPr>
-        <a:xfrm>
-          <a:off x="0" y="0"/>
-          <a:ext cx="0" cy="0"/>
-          <a:chOff x="0" y="0"/>
-          <a:chExt cx="0" cy="0"/>
-        </a:xfrm>
-      </p:grpSpPr>
-      <p:sp>
-        <p:nvSpPr>
-          <p:cNvPr id="18433" name="Slide Number Placeholder 4"/>
-          <p:cNvSpPr>
-            <a:spLocks noGrp="1"/>
-          </p:cNvSpPr>
-          <p:nvPr>
-            <p:ph type="sldNum" sz="quarter" idx="10"/>
-          </p:nvPr>
-        </p:nvSpPr>
-        <p:spPr>
-          <a:noFill/>
-          <a:ln/>
-          <a:extLst>
-            <a:ext uri="{909E8E84-426E-40dd-AFC4-6F175D3DCCD1}">
-              <a14:hiddenFill xmlns="" xmlns:a14="http://schemas.microsoft.com/office/drawing/2010/main">
-                <a:solidFill>
-                  <a:srgbClr val="FFFFFF"/>
-                </a:solidFill>
-              </a14:hiddenFill>
-            </a:ext>
-            <a:ext uri="{91240B29-F687-4f45-9708-019B960494DF}">
-              <a14:hiddenLine xmlns="" xmlns:a14="http://schemas.microsoft.com/office/drawing/2010/main" w="9525">
-                <a:solidFill>
-                  <a:srgbClr val="000000"/>
-                </a:solidFill>
-                <a:miter lim="800000"/>
-                <a:headEnd/>
-                <a:tailEnd/>
-              </a14:hiddenLine>
-            </a:ext>
-          </a:extLst>
-        </p:spPr>
-        <p:txBody>
-          <a:bodyPr/>
-          <a:lstStyle>
-            <a:lvl1pPr eaLnBrk="0" hangingPunct="0">
-              <a:defRPr sz="2400">
-                <a:solidFill>
-                  <a:schemeClr val="tx1"/>
-                </a:solidFill>
-                <a:latin typeface="Arial" charset="0"/>
-                <a:ea typeface="ヒラギノ角ゴ Pro W3" charset="0"/>
-                <a:cs typeface="ヒラギノ角ゴ Pro W3" charset="0"/>
-              </a:defRPr>
-            </a:lvl1pPr>
-            <a:lvl2pPr marL="742950" indent="-285750" eaLnBrk="0" hangingPunct="0">
-              <a:defRPr sz="2400">
-                <a:solidFill>
-                  <a:schemeClr val="tx1"/>
-                </a:solidFill>
-                <a:latin typeface="Arial" charset="0"/>
-                <a:ea typeface="ヒラギノ角ゴ Pro W3" charset="0"/>
-                <a:cs typeface="ヒラギノ角ゴ Pro W3" charset="0"/>
-              </a:defRPr>
-            </a:lvl2pPr>
-            <a:lvl3pPr marL="1143000" indent="-228600" eaLnBrk="0" hangingPunct="0">
-              <a:defRPr sz="2400">
-                <a:solidFill>
-                  <a:schemeClr val="tx1"/>
-                </a:solidFill>
-                <a:latin typeface="Arial" charset="0"/>
-                <a:ea typeface="ヒラギノ角ゴ Pro W3" charset="0"/>
-                <a:cs typeface="ヒラギノ角ゴ Pro W3" charset="0"/>
-              </a:defRPr>
-            </a:lvl3pPr>
-            <a:lvl4pPr marL="1600200" indent="-228600" eaLnBrk="0" hangingPunct="0">
-              <a:defRPr sz="2400">
-                <a:solidFill>
-                  <a:schemeClr val="tx1"/>
-                </a:solidFill>
-                <a:latin typeface="Arial" charset="0"/>
-                <a:ea typeface="ヒラギノ角ゴ Pro W3" charset="0"/>
-                <a:cs typeface="ヒラギノ角ゴ Pro W3" charset="0"/>
-              </a:defRPr>
-            </a:lvl4pPr>
-            <a:lvl5pPr marL="2057400" indent="-228600" eaLnBrk="0" hangingPunct="0">
-              <a:defRPr sz="2400">
-                <a:solidFill>
-                  <a:schemeClr val="tx1"/>
-                </a:solidFill>
-                <a:latin typeface="Arial" charset="0"/>
-                <a:ea typeface="ヒラギノ角ゴ Pro W3" charset="0"/>
-                <a:cs typeface="ヒラギノ角ゴ Pro W3" charset="0"/>
-              </a:defRPr>
-            </a:lvl5pPr>
-            <a:lvl6pPr marL="2514600" indent="-228600" algn="ctr" eaLnBrk="0" fontAlgn="base" hangingPunct="0">
-              <a:spcBef>
-                <a:spcPct val="0"/>
-              </a:spcBef>
-              <a:spcAft>
-                <a:spcPct val="0"/>
-              </a:spcAft>
-              <a:defRPr sz="2400">
-                <a:solidFill>
-                  <a:schemeClr val="tx1"/>
-                </a:solidFill>
-                <a:latin typeface="Arial" charset="0"/>
-                <a:ea typeface="ヒラギノ角ゴ Pro W3" charset="0"/>
-                <a:cs typeface="ヒラギノ角ゴ Pro W3" charset="0"/>
-              </a:defRPr>
-            </a:lvl6pPr>
-            <a:lvl7pPr marL="2971800" indent="-228600" algn="ctr" eaLnBrk="0" fontAlgn="base" hangingPunct="0">
-              <a:spcBef>
-                <a:spcPct val="0"/>
-              </a:spcBef>
-              <a:spcAft>
-                <a:spcPct val="0"/>
-              </a:spcAft>
-              <a:defRPr sz="2400">
-                <a:solidFill>
-                  <a:schemeClr val="tx1"/>
-                </a:solidFill>
-                <a:latin typeface="Arial" charset="0"/>
-                <a:ea typeface="ヒラギノ角ゴ Pro W3" charset="0"/>
-                <a:cs typeface="ヒラギノ角ゴ Pro W3" charset="0"/>
-              </a:defRPr>
-            </a:lvl7pPr>
-            <a:lvl8pPr marL="3429000" indent="-228600" algn="ctr" eaLnBrk="0" fontAlgn="base" hangingPunct="0">
-              <a:spcBef>
-                <a:spcPct val="0"/>
-              </a:spcBef>
-              <a:spcAft>
-                <a:spcPct val="0"/>
-              </a:spcAft>
-              <a:defRPr sz="2400">
-                <a:solidFill>
-                  <a:schemeClr val="tx1"/>
-                </a:solidFill>
-                <a:latin typeface="Arial" charset="0"/>
-                <a:ea typeface="ヒラギノ角ゴ Pro W3" charset="0"/>
-                <a:cs typeface="ヒラギノ角ゴ Pro W3" charset="0"/>
-              </a:defRPr>
-            </a:lvl8pPr>
-            <a:lvl9pPr marL="3886200" indent="-228600" algn="ctr" eaLnBrk="0" fontAlgn="base" hangingPunct="0">
-              <a:spcBef>
-                <a:spcPct val="0"/>
-              </a:spcBef>
-              <a:spcAft>
-                <a:spcPct val="0"/>
-              </a:spcAft>
-              <a:defRPr sz="2400">
-                <a:solidFill>
-                  <a:schemeClr val="tx1"/>
-                </a:solidFill>
-                <a:latin typeface="Arial" charset="0"/>
-                <a:ea typeface="ヒラギノ角ゴ Pro W3" charset="0"/>
-                <a:cs typeface="ヒラギノ角ゴ Pro W3" charset="0"/>
-              </a:defRPr>
-            </a:lvl9pPr>
-          </a:lstStyle>
-          <a:p>
-            <a:pPr eaLnBrk="1" hangingPunct="1"/>
-            <a:fld id="{B6953E68-731D-B04B-BDD7-AFF9F6DECD3A}" type="slidenum">
-              <a:rPr lang="en-US" sz="1400"/>
-              <a:pPr eaLnBrk="1" hangingPunct="1"/>
-              <a:t>2</a:t>
-            </a:fld>
-            <a:endParaRPr lang="en-US" sz="1400"/>
-          </a:p>
-        </p:txBody>
-      </p:sp>
-      <p:sp>
-        <p:nvSpPr>
-          <p:cNvPr id="18434" name="Rectangle 2"/>
-          <p:cNvSpPr>
-            <a:spLocks noChangeArrowheads="1"/>
-          </p:cNvSpPr>
-          <p:nvPr/>
-        </p:nvSpPr>
-        <p:spPr bwMode="auto">
-          <a:xfrm>
-            <a:off x="1371600" y="76200"/>
-            <a:ext cx="6553200" cy="688975"/>
-          </a:xfrm>
-          <a:prstGeom prst="rect">
-            <a:avLst/>
-          </a:prstGeom>
-          <a:noFill/>
-          <a:ln>
-            <a:noFill/>
-          </a:ln>
-          <a:extLst>
-            <a:ext uri="{909E8E84-426E-40dd-AFC4-6F175D3DCCD1}">
-              <a14:hiddenFill xmlns="" xmlns:a14="http://schemas.microsoft.com/office/drawing/2010/main">
-                <a:solidFill>
-                  <a:srgbClr val="FFFFFF"/>
-                </a:solidFill>
-              </a14:hiddenFill>
-            </a:ext>
-            <a:ext uri="{91240B29-F687-4f45-9708-019B960494DF}">
-              <a14:hiddenLine xmlns="" xmlns:a14="http://schemas.microsoft.com/office/drawing/2010/main" w="9525">
-                <a:solidFill>
-                  <a:srgbClr val="000000"/>
-                </a:solidFill>
-                <a:miter lim="800000"/>
-                <a:headEnd/>
-                <a:tailEnd/>
-              </a14:hiddenLine>
-            </a:ext>
-          </a:extLst>
-        </p:spPr>
-        <p:txBody>
-          <a:bodyPr lIns="91429" tIns="45714" rIns="91429" bIns="45714" anchor="ctr"/>
-          <a:lstStyle/>
-          <a:p>
-            <a:pPr eaLnBrk="0" hangingPunct="0"/>
-            <a:r>
-              <a:rPr lang="en-US" sz="2800" b="1" dirty="0">
-                <a:solidFill>
-                  <a:schemeClr val="accent2"/>
-                </a:solidFill>
-                <a:latin typeface="Times New Roman" charset="0"/>
-              </a:rPr>
-              <a:t>Design (1/2)</a:t>
-            </a:r>
-            <a:endParaRPr lang="en-US" b="1" dirty="0">
-              <a:solidFill>
-                <a:schemeClr val="accent2"/>
-              </a:solidFill>
-              <a:latin typeface="Times New Roman" charset="0"/>
-            </a:endParaRPr>
-          </a:p>
-        </p:txBody>
-      </p:sp>
-      <p:sp>
-        <p:nvSpPr>
-          <p:cNvPr id="18435" name="TextBox 2"/>
-          <p:cNvSpPr txBox="1">
-            <a:spLocks noChangeArrowheads="1"/>
-          </p:cNvSpPr>
-          <p:nvPr/>
-        </p:nvSpPr>
-        <p:spPr bwMode="auto">
-          <a:xfrm>
-            <a:off x="609600" y="1358900"/>
-            <a:ext cx="7848600" cy="4672048"/>
-          </a:xfrm>
-          <a:prstGeom prst="rect">
-            <a:avLst/>
-          </a:prstGeom>
-          <a:noFill/>
-          <a:ln>
-            <a:noFill/>
-          </a:ln>
-          <a:extLst>
-            <a:ext uri="{909E8E84-426E-40dd-AFC4-6F175D3DCCD1}">
-              <a14:hiddenFill xmlns="" xmlns:a14="http://schemas.microsoft.com/office/drawing/2010/main">
-                <a:solidFill>
-                  <a:srgbClr val="FFFFFF"/>
-                </a:solidFill>
-              </a14:hiddenFill>
-            </a:ext>
-            <a:ext uri="{91240B29-F687-4f45-9708-019B960494DF}">
-              <a14:hiddenLine xmlns="" xmlns:a14="http://schemas.microsoft.com/office/drawing/2010/main" w="9525">
-                <a:solidFill>
-                  <a:srgbClr val="000000"/>
-                </a:solidFill>
-                <a:miter lim="800000"/>
-                <a:headEnd/>
-                <a:tailEnd/>
-              </a14:hiddenLine>
-            </a:ext>
-          </a:extLst>
-        </p:spPr>
-        <p:txBody>
-          <a:bodyPr>
-            <a:spAutoFit/>
-          </a:bodyPr>
-          <a:lstStyle>
-            <a:lvl1pPr marL="342900" indent="-342900" eaLnBrk="0" hangingPunct="0">
-              <a:defRPr sz="2400">
-                <a:solidFill>
-                  <a:schemeClr val="tx1"/>
-                </a:solidFill>
-                <a:latin typeface="Arial" charset="0"/>
-                <a:ea typeface="ヒラギノ角ゴ Pro W3" charset="0"/>
-                <a:cs typeface="ヒラギノ角ゴ Pro W3" charset="0"/>
-              </a:defRPr>
-            </a:lvl1pPr>
-            <a:lvl2pPr marL="742950" indent="-285750" eaLnBrk="0" hangingPunct="0">
-              <a:defRPr sz="2400">
-                <a:solidFill>
-                  <a:schemeClr val="tx1"/>
-                </a:solidFill>
-                <a:latin typeface="Arial" charset="0"/>
-                <a:ea typeface="ヒラギノ角ゴ Pro W3" charset="0"/>
-                <a:cs typeface="ヒラギノ角ゴ Pro W3" charset="0"/>
-              </a:defRPr>
-            </a:lvl2pPr>
-            <a:lvl3pPr marL="1143000" indent="-228600" eaLnBrk="0" hangingPunct="0">
-              <a:defRPr sz="2400">
-                <a:solidFill>
-                  <a:schemeClr val="tx1"/>
-                </a:solidFill>
-                <a:latin typeface="Arial" charset="0"/>
-                <a:ea typeface="ヒラギノ角ゴ Pro W3" charset="0"/>
-                <a:cs typeface="ヒラギノ角ゴ Pro W3" charset="0"/>
-              </a:defRPr>
-            </a:lvl3pPr>
-            <a:lvl4pPr marL="1600200" indent="-228600" eaLnBrk="0" hangingPunct="0">
-              <a:defRPr sz="2400">
-                <a:solidFill>
-                  <a:schemeClr val="tx1"/>
-                </a:solidFill>
-                <a:latin typeface="Arial" charset="0"/>
-                <a:ea typeface="ヒラギノ角ゴ Pro W3" charset="0"/>
-                <a:cs typeface="ヒラギノ角ゴ Pro W3" charset="0"/>
-              </a:defRPr>
-            </a:lvl4pPr>
-            <a:lvl5pPr marL="2057400" indent="-228600" eaLnBrk="0" hangingPunct="0">
-              <a:defRPr sz="2400">
-                <a:solidFill>
-                  <a:schemeClr val="tx1"/>
-                </a:solidFill>
-                <a:latin typeface="Arial" charset="0"/>
-                <a:ea typeface="ヒラギノ角ゴ Pro W3" charset="0"/>
-                <a:cs typeface="ヒラギノ角ゴ Pro W3" charset="0"/>
-              </a:defRPr>
-            </a:lvl5pPr>
-            <a:lvl6pPr marL="2514600" indent="-228600" algn="ctr" eaLnBrk="0" fontAlgn="base" hangingPunct="0">
-              <a:spcBef>
-                <a:spcPct val="0"/>
-              </a:spcBef>
-              <a:spcAft>
-                <a:spcPct val="0"/>
-              </a:spcAft>
-              <a:defRPr sz="2400">
-                <a:solidFill>
-                  <a:schemeClr val="tx1"/>
-                </a:solidFill>
-                <a:latin typeface="Arial" charset="0"/>
-                <a:ea typeface="ヒラギノ角ゴ Pro W3" charset="0"/>
-                <a:cs typeface="ヒラギノ角ゴ Pro W3" charset="0"/>
-              </a:defRPr>
-            </a:lvl6pPr>
-            <a:lvl7pPr marL="2971800" indent="-228600" algn="ctr" eaLnBrk="0" fontAlgn="base" hangingPunct="0">
-              <a:spcBef>
-                <a:spcPct val="0"/>
-              </a:spcBef>
-              <a:spcAft>
-                <a:spcPct val="0"/>
-              </a:spcAft>
-              <a:defRPr sz="2400">
-                <a:solidFill>
-                  <a:schemeClr val="tx1"/>
-                </a:solidFill>
-                <a:latin typeface="Arial" charset="0"/>
-                <a:ea typeface="ヒラギノ角ゴ Pro W3" charset="0"/>
-                <a:cs typeface="ヒラギノ角ゴ Pro W3" charset="0"/>
-              </a:defRPr>
-            </a:lvl7pPr>
-            <a:lvl8pPr marL="3429000" indent="-228600" algn="ctr" eaLnBrk="0" fontAlgn="base" hangingPunct="0">
-              <a:spcBef>
-                <a:spcPct val="0"/>
-              </a:spcBef>
-              <a:spcAft>
-                <a:spcPct val="0"/>
-              </a:spcAft>
-              <a:defRPr sz="2400">
-                <a:solidFill>
-                  <a:schemeClr val="tx1"/>
-                </a:solidFill>
-                <a:latin typeface="Arial" charset="0"/>
-                <a:ea typeface="ヒラギノ角ゴ Pro W3" charset="0"/>
-                <a:cs typeface="ヒラギノ角ゴ Pro W3" charset="0"/>
-              </a:defRPr>
-            </a:lvl8pPr>
-            <a:lvl9pPr marL="3886200" indent="-228600" algn="ctr" eaLnBrk="0" fontAlgn="base" hangingPunct="0">
-              <a:spcBef>
-                <a:spcPct val="0"/>
-              </a:spcBef>
-              <a:spcAft>
-                <a:spcPct val="0"/>
-              </a:spcAft>
-              <a:defRPr sz="2400">
-                <a:solidFill>
-                  <a:schemeClr val="tx1"/>
-                </a:solidFill>
-                <a:latin typeface="Arial" charset="0"/>
-                <a:ea typeface="ヒラギノ角ゴ Pro W3" charset="0"/>
-                <a:cs typeface="ヒラギノ角ゴ Pro W3" charset="0"/>
-              </a:defRPr>
-            </a:lvl9pPr>
-          </a:lstStyle>
-          <a:p>
-            <a:pPr marL="0" indent="0" algn="l">
-              <a:spcBef>
-                <a:spcPct val="35000"/>
-              </a:spcBef>
-            </a:pPr>
-            <a:r>
-              <a:rPr lang="en-US" dirty="0">
-                <a:cs typeface="Times New Roman" charset="0"/>
-              </a:rPr>
-              <a:t>SBN is a </a:t>
-            </a:r>
-            <a:r>
-              <a:rPr lang="en-US" dirty="0" err="1">
-                <a:cs typeface="Times New Roman" charset="0"/>
-              </a:rPr>
-              <a:t>cFS</a:t>
-            </a:r>
-            <a:r>
-              <a:rPr lang="en-US" dirty="0">
-                <a:cs typeface="Times New Roman" charset="0"/>
-              </a:rPr>
-              <a:t> application that:</a:t>
-            </a:r>
-          </a:p>
-          <a:p>
-            <a:pPr algn="l">
-              <a:spcBef>
-                <a:spcPct val="35000"/>
-              </a:spcBef>
-              <a:buFont typeface="Arial" panose="020B0604020202020204" pitchFamily="34" charset="0"/>
-              <a:buChar char="•"/>
-            </a:pPr>
-            <a:r>
-              <a:rPr lang="en-US" dirty="0">
-                <a:cs typeface="Times New Roman" charset="0"/>
-              </a:rPr>
-              <a:t>connects the software bus to the software bus of one or more other </a:t>
-            </a:r>
-            <a:r>
-              <a:rPr lang="en-US" dirty="0" err="1">
-                <a:cs typeface="Times New Roman" charset="0"/>
-              </a:rPr>
-              <a:t>cFS</a:t>
-            </a:r>
-            <a:r>
-              <a:rPr lang="en-US" dirty="0">
-                <a:cs typeface="Times New Roman" charset="0"/>
-              </a:rPr>
-              <a:t> nodes (who are also running SBN).</a:t>
-            </a:r>
-          </a:p>
-          <a:p>
-            <a:pPr algn="l">
-              <a:spcBef>
-                <a:spcPct val="35000"/>
-              </a:spcBef>
-              <a:buFont typeface="Arial" panose="020B0604020202020204" pitchFamily="34" charset="0"/>
-              <a:buChar char="•"/>
-            </a:pPr>
-            <a:r>
-              <a:rPr lang="en-US" dirty="0">
-                <a:cs typeface="Times New Roman" charset="0"/>
-              </a:rPr>
-              <a:t>ensures that all messages published by an application on one bus will be received by a subscribing application on another bus.</a:t>
-            </a:r>
-          </a:p>
-          <a:p>
-            <a:pPr algn="l">
-              <a:spcBef>
-                <a:spcPct val="35000"/>
-              </a:spcBef>
-              <a:buFont typeface="Arial" panose="020B0604020202020204" pitchFamily="34" charset="0"/>
-              <a:buChar char="•"/>
-            </a:pPr>
-            <a:r>
-              <a:rPr lang="en-US" dirty="0">
-                <a:cs typeface="Times New Roman" charset="0"/>
-              </a:rPr>
-              <a:t>has a modular network architecture (TCP, UDP, Serial, </a:t>
-            </a:r>
-            <a:r>
-              <a:rPr lang="en-US" dirty="0" err="1">
-                <a:cs typeface="Times New Roman" charset="0"/>
-              </a:rPr>
-              <a:t>SpaceWire</a:t>
-            </a:r>
-            <a:r>
-              <a:rPr lang="en-US" dirty="0">
-                <a:cs typeface="Times New Roman" charset="0"/>
-              </a:rPr>
-              <a:t>, etc.) to connect peers and supports mixed-mode peer networks.</a:t>
-            </a:r>
-          </a:p>
-          <a:p>
-            <a:pPr algn="l">
-              <a:spcBef>
-                <a:spcPct val="35000"/>
-              </a:spcBef>
-              <a:buFont typeface="Arial" panose="020B0604020202020204" pitchFamily="34" charset="0"/>
-              <a:buChar char="•"/>
-            </a:pPr>
-            <a:r>
-              <a:rPr lang="en-US" dirty="0">
-                <a:cs typeface="Times New Roman" charset="0"/>
-              </a:rPr>
-              <a:t>remaps and filters outgoing messages (as configured in a remap table.)</a:t>
-            </a:r>
-          </a:p>
-        </p:txBody>
-      </p:sp>
-      <p:sp>
-        <p:nvSpPr>
-          <p:cNvPr id="2" name="Date Placeholder 1"/>
-          <p:cNvSpPr>
-            <a:spLocks noGrp="1"/>
-          </p:cNvSpPr>
-          <p:nvPr>
-            <p:ph type="dt" sz="quarter" idx="11"/>
-          </p:nvPr>
-        </p:nvSpPr>
-        <p:spPr/>
-        <p:txBody>
-          <a:bodyPr/>
-          <a:lstStyle/>
-          <a:p>
-            <a:pPr>
-              <a:defRPr/>
-            </a:pPr>
-            <a:fld id="{B90418B6-1B50-F34D-B458-B7530561AB98}" type="datetime1">
-              <a:rPr lang="en-US"/>
-              <a:t>2020-06-08</a:t>
-            </a:fld>
-            <a:endParaRPr lang="en-US"/>
-          </a:p>
-        </p:txBody>
-      </p:sp>
-      <p:sp>
-        <p:nvSpPr>
-          <p:cNvPr id="3" name="Footer Placeholder 2"/>
-          <p:cNvSpPr>
-            <a:spLocks noGrp="1"/>
-          </p:cNvSpPr>
-          <p:nvPr>
-            <p:ph type="ftr" sz="quarter" idx="12"/>
-          </p:nvPr>
-        </p:nvSpPr>
-        <p:spPr/>
-        <p:txBody>
-          <a:bodyPr/>
-          <a:lstStyle/>
-          <a:p>
-            <a:pPr>
-              <a:defRPr/>
-            </a:pPr>
-            <a:r>
-              <a:rPr lang="en-US"/>
-              <a:t>cFS Application: SBN</a:t>
-            </a:r>
-          </a:p>
-        </p:txBody>
-      </p:sp>
-    </p:spTree>
-  </p:cSld>
-  <p:clrMapOvr>
-    <a:masterClrMapping/>
-  </p:clrMapOvr>
-</p:sld>
-</file>
-
-<file path=ppt/slides/slide20.xml><?xml version="1.0" encoding="utf-8"?>
+<file path=ppt/slides/slide21.xml><?xml version="1.0" encoding="utf-8"?>
 <p:sld xmlns:a="http://schemas.openxmlformats.org/drawingml/2006/main" xmlns:r="http://schemas.openxmlformats.org/officeDocument/2006/relationships" xmlns:p="http://schemas.openxmlformats.org/presentationml/2006/main">
   <p:cSld>
     <p:spTree>
@@ -38215,14 +40327,14 @@
           <a:ln/>
           <a:extLst>
             <a:ext uri="{909E8E84-426E-40dd-AFC4-6F175D3DCCD1}">
-              <a14:hiddenFill xmlns="" xmlns:a14="http://schemas.microsoft.com/office/drawing/2010/main">
+              <a14:hiddenFill xmlns:a14="http://schemas.microsoft.com/office/drawing/2010/main" xmlns="">
                 <a:solidFill>
                   <a:srgbClr val="FFFFFF"/>
                 </a:solidFill>
               </a14:hiddenFill>
             </a:ext>
             <a:ext uri="{91240B29-F687-4f45-9708-019B960494DF}">
-              <a14:hiddenLine xmlns="" xmlns:a14="http://schemas.microsoft.com/office/drawing/2010/main" w="9525">
+              <a14:hiddenLine xmlns:a14="http://schemas.microsoft.com/office/drawing/2010/main" xmlns="" w="9525">
                 <a:solidFill>
                   <a:srgbClr val="000000"/>
                 </a:solidFill>
@@ -38356,7 +40468,7 @@
             <a:fld id="{EE975231-3F63-4F4E-B8F6-0A246541BABA}" type="slidenum">
               <a:rPr lang="en-US" sz="1400"/>
               <a:pPr eaLnBrk="1" hangingPunct="1"/>
-              <a:t>20</a:t>
+              <a:t>21</a:t>
             </a:fld>
             <a:endParaRPr lang="en-US" sz="1400"/>
           </a:p>
@@ -38411,7 +40523,7 @@
               <a:pPr>
                 <a:defRPr/>
               </a:pPr>
-              <a:t>2020-06-08</a:t>
+              <a:t>2020-06-10</a:t>
             </a:fld>
             <a:endParaRPr lang="en-US"/>
           </a:p>
@@ -38466,7 +40578,7 @@
             <a:pPr algn="l"/>
             <a:r>
               <a:rPr lang="en-US" sz="1400" dirty="0" err="1"/>
-              <a:t>int</a:t>
+              <a:t>SBN_Status_t</a:t>
             </a:r>
             <a:r>
               <a:rPr lang="en-US" sz="1400" dirty="0"/>
@@ -38478,23 +40590,7 @@
             </a:r>
             <a:r>
               <a:rPr lang="en-US" sz="1400" dirty="0"/>
-              <a:t>(</a:t>
-            </a:r>
-            <a:r>
-              <a:rPr lang="en-US" sz="1400" dirty="0" err="1"/>
-              <a:t>const</a:t>
-            </a:r>
-            <a:r>
-              <a:rPr lang="en-US" sz="1400" dirty="0"/>
-              <a:t> char **, </a:t>
-            </a:r>
-            <a:r>
-              <a:rPr lang="en-US" sz="1400" dirty="0" err="1"/>
-              <a:t>int</a:t>
-            </a:r>
-            <a:r>
-              <a:rPr lang="en-US" sz="1400" dirty="0"/>
-              <a:t>, void *);</a:t>
+              <a:t>(const char **, int, void *);</a:t>
             </a:r>
           </a:p>
           <a:p>
@@ -38505,7 +40601,7 @@
             <a:pPr algn="l"/>
             <a:r>
               <a:rPr lang="en-US" sz="1400" dirty="0" err="1"/>
-              <a:t>int</a:t>
+              <a:t>SBN_Status_t</a:t>
             </a:r>
             <a:r>
               <a:rPr lang="en-US" sz="1400" dirty="0"/>
@@ -38536,7 +40632,7 @@
             <a:pPr algn="l"/>
             <a:r>
               <a:rPr lang="en-US" sz="1400" dirty="0" err="1"/>
-              <a:t>int</a:t>
+              <a:t>SBN_Status_t</a:t>
             </a:r>
             <a:r>
               <a:rPr lang="en-US" sz="1400" dirty="0"/>
@@ -38567,7 +40663,7 @@
             <a:pPr algn="l"/>
             <a:r>
               <a:rPr lang="en-US" sz="1400" dirty="0" err="1"/>
-              <a:t>int</a:t>
+              <a:t>SBN_Status_t</a:t>
             </a:r>
             <a:r>
               <a:rPr lang="en-US" sz="1400" dirty="0"/>
@@ -38598,7 +40694,7 @@
             <a:pPr algn="l"/>
             <a:r>
               <a:rPr lang="en-US" sz="1400" dirty="0" err="1"/>
-              <a:t>int</a:t>
+              <a:t>SBN_MsgSz_t</a:t>
             </a:r>
             <a:r>
               <a:rPr lang="en-US" sz="1400" dirty="0"/>
@@ -38645,7 +40741,7 @@
             </a:r>
             <a:r>
               <a:rPr lang="en-US" sz="1400" dirty="0" err="1"/>
-              <a:t>SBN_MsgSize_t</a:t>
+              <a:t>SBN_MsgSz_t</a:t>
             </a:r>
             <a:r>
               <a:rPr lang="en-US" sz="1400" dirty="0"/>
@@ -38653,7 +40749,7 @@
             </a:r>
             <a:r>
               <a:rPr lang="en-US" sz="1400" dirty="0" err="1"/>
-              <a:t>MsgSize</a:t>
+              <a:t>MsgSz</a:t>
             </a:r>
             <a:r>
               <a:rPr lang="en-US" sz="1400" dirty="0"/>
@@ -38676,7 +40772,7 @@
             <a:pPr algn="l"/>
             <a:r>
               <a:rPr lang="en-US" sz="1400" dirty="0" err="1"/>
-              <a:t>int</a:t>
+              <a:t>SBN_Status_t</a:t>
             </a:r>
             <a:r>
               <a:rPr lang="en-US" sz="1400" dirty="0"/>
@@ -38792,7 +40888,7 @@
             <a:pPr algn="l"/>
             <a:r>
               <a:rPr lang="en-US" sz="1400" dirty="0" err="1"/>
-              <a:t>int</a:t>
+              <a:t>SBN_Status_t</a:t>
             </a:r>
             <a:r>
               <a:rPr lang="en-US" sz="1400" dirty="0"/>
@@ -38909,7 +41005,7 @@
             <a:pPr algn="l"/>
             <a:r>
               <a:rPr lang="en-US" sz="1400" dirty="0" err="1"/>
-              <a:t>int</a:t>
+              <a:t>SBN_Status_t</a:t>
             </a:r>
             <a:r>
               <a:rPr lang="en-US" sz="1400" dirty="0"/>
@@ -38940,7 +41036,7 @@
             <a:pPr algn="l"/>
             <a:r>
               <a:rPr lang="en-US" sz="1400" dirty="0" err="1"/>
-              <a:t>int</a:t>
+              <a:t>SBN_Status_t</a:t>
             </a:r>
             <a:r>
               <a:rPr lang="en-US" sz="1400" dirty="0"/>
@@ -39198,14 +41294,14 @@
           <a:ln/>
           <a:extLst>
             <a:ext uri="{909E8E84-426E-40dd-AFC4-6F175D3DCCD1}">
-              <a14:hiddenFill xmlns="" xmlns:a14="http://schemas.microsoft.com/office/drawing/2010/main">
+              <a14:hiddenFill xmlns:a14="http://schemas.microsoft.com/office/drawing/2010/main" xmlns="">
                 <a:solidFill>
                   <a:srgbClr val="FFFFFF"/>
                 </a:solidFill>
               </a14:hiddenFill>
             </a:ext>
             <a:ext uri="{91240B29-F687-4f45-9708-019B960494DF}">
-              <a14:hiddenLine xmlns="" xmlns:a14="http://schemas.microsoft.com/office/drawing/2010/main" w="9525">
+              <a14:hiddenLine xmlns:a14="http://schemas.microsoft.com/office/drawing/2010/main" xmlns="" w="9525">
                 <a:solidFill>
                   <a:srgbClr val="000000"/>
                 </a:solidFill>
@@ -39367,14 +41463,14 @@
           </a:ln>
           <a:extLst>
             <a:ext uri="{909E8E84-426E-40dd-AFC4-6F175D3DCCD1}">
-              <a14:hiddenFill xmlns="" xmlns:a14="http://schemas.microsoft.com/office/drawing/2010/main">
+              <a14:hiddenFill xmlns:a14="http://schemas.microsoft.com/office/drawing/2010/main" xmlns="">
                 <a:solidFill>
                   <a:srgbClr val="FFFFFF"/>
                 </a:solidFill>
               </a14:hiddenFill>
             </a:ext>
             <a:ext uri="{91240B29-F687-4f45-9708-019B960494DF}">
-              <a14:hiddenLine xmlns="" xmlns:a14="http://schemas.microsoft.com/office/drawing/2010/main" w="9525">
+              <a14:hiddenLine xmlns:a14="http://schemas.microsoft.com/office/drawing/2010/main" xmlns="" w="9525">
                 <a:solidFill>
                   <a:srgbClr val="000000"/>
                 </a:solidFill>
@@ -39430,14 +41526,14 @@
           </a:ln>
           <a:extLst>
             <a:ext uri="{909E8E84-426E-40dd-AFC4-6F175D3DCCD1}">
-              <a14:hiddenFill xmlns="" xmlns:a14="http://schemas.microsoft.com/office/drawing/2010/main">
+              <a14:hiddenFill xmlns:a14="http://schemas.microsoft.com/office/drawing/2010/main" xmlns="">
                 <a:solidFill>
                   <a:srgbClr val="FFFFFF"/>
                 </a:solidFill>
               </a14:hiddenFill>
             </a:ext>
             <a:ext uri="{91240B29-F687-4f45-9708-019B960494DF}">
-              <a14:hiddenLine xmlns="" xmlns:a14="http://schemas.microsoft.com/office/drawing/2010/main" w="9525">
+              <a14:hiddenLine xmlns:a14="http://schemas.microsoft.com/office/drawing/2010/main" xmlns="" w="9525">
                 <a:solidFill>
                   <a:srgbClr val="000000"/>
                 </a:solidFill>
@@ -39693,7 +41789,7 @@
             </a:pPr>
             <a:fld id="{B90418B6-1B50-F34D-B458-B7530561AB98}" type="datetime1">
               <a:rPr lang="en-US"/>
-              <a:t>2020-06-08</a:t>
+              <a:t>2020-06-10</a:t>
             </a:fld>
             <a:endParaRPr lang="en-US"/>
           </a:p>
@@ -39769,14 +41865,14 @@
           <a:ln/>
           <a:extLst>
             <a:ext uri="{909E8E84-426E-40dd-AFC4-6F175D3DCCD1}">
-              <a14:hiddenFill xmlns="" xmlns:a14="http://schemas.microsoft.com/office/drawing/2010/main">
+              <a14:hiddenFill xmlns:a14="http://schemas.microsoft.com/office/drawing/2010/main" xmlns="">
                 <a:solidFill>
                   <a:srgbClr val="FFFFFF"/>
                 </a:solidFill>
               </a14:hiddenFill>
             </a:ext>
             <a:ext uri="{91240B29-F687-4f45-9708-019B960494DF}">
-              <a14:hiddenLine xmlns="" xmlns:a14="http://schemas.microsoft.com/office/drawing/2010/main" w="9525">
+              <a14:hiddenLine xmlns:a14="http://schemas.microsoft.com/office/drawing/2010/main" xmlns="" w="9525">
                 <a:solidFill>
                   <a:srgbClr val="000000"/>
                 </a:solidFill>
@@ -39938,14 +42034,14 @@
           </a:ln>
           <a:extLst>
             <a:ext uri="{909E8E84-426E-40dd-AFC4-6F175D3DCCD1}">
-              <a14:hiddenFill xmlns="" xmlns:a14="http://schemas.microsoft.com/office/drawing/2010/main">
+              <a14:hiddenFill xmlns:a14="http://schemas.microsoft.com/office/drawing/2010/main" xmlns="">
                 <a:solidFill>
                   <a:srgbClr val="FFFFFF"/>
                 </a:solidFill>
               </a14:hiddenFill>
             </a:ext>
             <a:ext uri="{91240B29-F687-4f45-9708-019B960494DF}">
-              <a14:hiddenLine xmlns="" xmlns:a14="http://schemas.microsoft.com/office/drawing/2010/main" w="9525">
+              <a14:hiddenLine xmlns:a14="http://schemas.microsoft.com/office/drawing/2010/main" xmlns="" w="9525">
                 <a:solidFill>
                   <a:srgbClr val="000000"/>
                 </a:solidFill>
@@ -39968,7 +42064,7 @@
                 </a:solidFill>
                 <a:latin typeface="Times New Roman" charset="0"/>
               </a:rPr>
-              <a:t>History (1/2)</a:t>
+              <a:t>History (1/3)</a:t>
             </a:r>
             <a:endParaRPr lang="en-US" b="1" dirty="0">
               <a:solidFill>
@@ -40001,14 +42097,14 @@
           </a:ln>
           <a:extLst>
             <a:ext uri="{909E8E84-426E-40dd-AFC4-6F175D3DCCD1}">
-              <a14:hiddenFill xmlns="" xmlns:a14="http://schemas.microsoft.com/office/drawing/2010/main">
+              <a14:hiddenFill xmlns:a14="http://schemas.microsoft.com/office/drawing/2010/main" xmlns="">
                 <a:solidFill>
                   <a:srgbClr val="FFFFFF"/>
                 </a:solidFill>
               </a14:hiddenFill>
             </a:ext>
             <a:ext uri="{91240B29-F687-4f45-9708-019B960494DF}">
-              <a14:hiddenLine xmlns="" xmlns:a14="http://schemas.microsoft.com/office/drawing/2010/main" w="9525">
+              <a14:hiddenLine xmlns:a14="http://schemas.microsoft.com/office/drawing/2010/main" xmlns="" w="9525">
                 <a:solidFill>
                   <a:srgbClr val="000000"/>
                 </a:solidFill>
@@ -40298,7 +42394,7 @@
             </a:pPr>
             <a:fld id="{B90418B6-1B50-F34D-B458-B7530561AB98}" type="datetime1">
               <a:rPr lang="en-US"/>
-              <a:t>2020-06-08</a:t>
+              <a:t>2020-06-10</a:t>
             </a:fld>
             <a:endParaRPr lang="en-US"/>
           </a:p>
@@ -40374,14 +42470,14 @@
           <a:ln/>
           <a:extLst>
             <a:ext uri="{909E8E84-426E-40dd-AFC4-6F175D3DCCD1}">
-              <a14:hiddenFill xmlns="" xmlns:a14="http://schemas.microsoft.com/office/drawing/2010/main">
+              <a14:hiddenFill xmlns:a14="http://schemas.microsoft.com/office/drawing/2010/main" xmlns="">
                 <a:solidFill>
                   <a:srgbClr val="FFFFFF"/>
                 </a:solidFill>
               </a14:hiddenFill>
             </a:ext>
             <a:ext uri="{91240B29-F687-4f45-9708-019B960494DF}">
-              <a14:hiddenLine xmlns="" xmlns:a14="http://schemas.microsoft.com/office/drawing/2010/main" w="9525">
+              <a14:hiddenLine xmlns:a14="http://schemas.microsoft.com/office/drawing/2010/main" xmlns="" w="9525">
                 <a:solidFill>
                   <a:srgbClr val="000000"/>
                 </a:solidFill>
@@ -40543,14 +42639,14 @@
           </a:ln>
           <a:extLst>
             <a:ext uri="{909E8E84-426E-40dd-AFC4-6F175D3DCCD1}">
-              <a14:hiddenFill xmlns="" xmlns:a14="http://schemas.microsoft.com/office/drawing/2010/main">
+              <a14:hiddenFill xmlns:a14="http://schemas.microsoft.com/office/drawing/2010/main" xmlns="">
                 <a:solidFill>
                   <a:srgbClr val="FFFFFF"/>
                 </a:solidFill>
               </a14:hiddenFill>
             </a:ext>
             <a:ext uri="{91240B29-F687-4f45-9708-019B960494DF}">
-              <a14:hiddenLine xmlns="" xmlns:a14="http://schemas.microsoft.com/office/drawing/2010/main" w="9525">
+              <a14:hiddenLine xmlns:a14="http://schemas.microsoft.com/office/drawing/2010/main" xmlns="" w="9525">
                 <a:solidFill>
                   <a:srgbClr val="000000"/>
                 </a:solidFill>
@@ -40573,7 +42669,7 @@
                 </a:solidFill>
                 <a:latin typeface="Times New Roman" charset="0"/>
               </a:rPr>
-              <a:t>History (2/2)</a:t>
+              <a:t>History (2/3)</a:t>
             </a:r>
             <a:endParaRPr lang="en-US" b="1" dirty="0">
               <a:solidFill>
@@ -40606,14 +42702,14 @@
           </a:ln>
           <a:extLst>
             <a:ext uri="{909E8E84-426E-40dd-AFC4-6F175D3DCCD1}">
-              <a14:hiddenFill xmlns="" xmlns:a14="http://schemas.microsoft.com/office/drawing/2010/main">
+              <a14:hiddenFill xmlns:a14="http://schemas.microsoft.com/office/drawing/2010/main" xmlns="">
                 <a:solidFill>
                   <a:srgbClr val="FFFFFF"/>
                 </a:solidFill>
               </a14:hiddenFill>
             </a:ext>
             <a:ext uri="{91240B29-F687-4f45-9708-019B960494DF}">
-              <a14:hiddenLine xmlns="" xmlns:a14="http://schemas.microsoft.com/office/drawing/2010/main" w="9525">
+              <a14:hiddenLine xmlns:a14="http://schemas.microsoft.com/office/drawing/2010/main" xmlns="" w="9525">
                 <a:solidFill>
                   <a:srgbClr val="000000"/>
                 </a:solidFill>
@@ -40906,7 +43002,7 @@
             </a:pPr>
             <a:fld id="{B90418B6-1B50-F34D-B458-B7530561AB98}" type="datetime1">
               <a:rPr lang="en-US"/>
-              <a:t>2020-06-08</a:t>
+              <a:t>2020-06-10</a:t>
             </a:fld>
             <a:endParaRPr lang="en-US"/>
           </a:p>
@@ -40969,6 +43065,487 @@
       </p:grpSpPr>
       <p:sp>
         <p:nvSpPr>
+          <p:cNvPr id="18433" name="Slide Number Placeholder 4"/>
+          <p:cNvSpPr>
+            <a:spLocks noGrp="1"/>
+          </p:cNvSpPr>
+          <p:nvPr>
+            <p:ph type="sldNum" sz="quarter" idx="10"/>
+          </p:nvPr>
+        </p:nvSpPr>
+        <p:spPr>
+          <a:noFill/>
+          <a:ln/>
+          <a:extLst>
+            <a:ext uri="{909E8E84-426E-40dd-AFC4-6F175D3DCCD1}">
+              <a14:hiddenFill xmlns:a14="http://schemas.microsoft.com/office/drawing/2010/main" xmlns="">
+                <a:solidFill>
+                  <a:srgbClr val="FFFFFF"/>
+                </a:solidFill>
+              </a14:hiddenFill>
+            </a:ext>
+            <a:ext uri="{91240B29-F687-4f45-9708-019B960494DF}">
+              <a14:hiddenLine xmlns:a14="http://schemas.microsoft.com/office/drawing/2010/main" xmlns="" w="9525">
+                <a:solidFill>
+                  <a:srgbClr val="000000"/>
+                </a:solidFill>
+                <a:miter lim="800000"/>
+                <a:headEnd/>
+                <a:tailEnd/>
+              </a14:hiddenLine>
+            </a:ext>
+          </a:extLst>
+        </p:spPr>
+        <p:txBody>
+          <a:bodyPr/>
+          <a:lstStyle>
+            <a:lvl1pPr eaLnBrk="0" hangingPunct="0">
+              <a:defRPr sz="2400">
+                <a:solidFill>
+                  <a:schemeClr val="tx1"/>
+                </a:solidFill>
+                <a:latin typeface="Arial" charset="0"/>
+                <a:ea typeface="ヒラギノ角ゴ Pro W3" charset="0"/>
+                <a:cs typeface="ヒラギノ角ゴ Pro W3" charset="0"/>
+              </a:defRPr>
+            </a:lvl1pPr>
+            <a:lvl2pPr marL="742950" indent="-285750" eaLnBrk="0" hangingPunct="0">
+              <a:defRPr sz="2400">
+                <a:solidFill>
+                  <a:schemeClr val="tx1"/>
+                </a:solidFill>
+                <a:latin typeface="Arial" charset="0"/>
+                <a:ea typeface="ヒラギノ角ゴ Pro W3" charset="0"/>
+                <a:cs typeface="ヒラギノ角ゴ Pro W3" charset="0"/>
+              </a:defRPr>
+            </a:lvl2pPr>
+            <a:lvl3pPr marL="1143000" indent="-228600" eaLnBrk="0" hangingPunct="0">
+              <a:defRPr sz="2400">
+                <a:solidFill>
+                  <a:schemeClr val="tx1"/>
+                </a:solidFill>
+                <a:latin typeface="Arial" charset="0"/>
+                <a:ea typeface="ヒラギノ角ゴ Pro W3" charset="0"/>
+                <a:cs typeface="ヒラギノ角ゴ Pro W3" charset="0"/>
+              </a:defRPr>
+            </a:lvl3pPr>
+            <a:lvl4pPr marL="1600200" indent="-228600" eaLnBrk="0" hangingPunct="0">
+              <a:defRPr sz="2400">
+                <a:solidFill>
+                  <a:schemeClr val="tx1"/>
+                </a:solidFill>
+                <a:latin typeface="Arial" charset="0"/>
+                <a:ea typeface="ヒラギノ角ゴ Pro W3" charset="0"/>
+                <a:cs typeface="ヒラギノ角ゴ Pro W3" charset="0"/>
+              </a:defRPr>
+            </a:lvl4pPr>
+            <a:lvl5pPr marL="2057400" indent="-228600" eaLnBrk="0" hangingPunct="0">
+              <a:defRPr sz="2400">
+                <a:solidFill>
+                  <a:schemeClr val="tx1"/>
+                </a:solidFill>
+                <a:latin typeface="Arial" charset="0"/>
+                <a:ea typeface="ヒラギノ角ゴ Pro W3" charset="0"/>
+                <a:cs typeface="ヒラギノ角ゴ Pro W3" charset="0"/>
+              </a:defRPr>
+            </a:lvl5pPr>
+            <a:lvl6pPr marL="2514600" indent="-228600" algn="ctr" eaLnBrk="0" fontAlgn="base" hangingPunct="0">
+              <a:spcBef>
+                <a:spcPct val="0"/>
+              </a:spcBef>
+              <a:spcAft>
+                <a:spcPct val="0"/>
+              </a:spcAft>
+              <a:defRPr sz="2400">
+                <a:solidFill>
+                  <a:schemeClr val="tx1"/>
+                </a:solidFill>
+                <a:latin typeface="Arial" charset="0"/>
+                <a:ea typeface="ヒラギノ角ゴ Pro W3" charset="0"/>
+                <a:cs typeface="ヒラギノ角ゴ Pro W3" charset="0"/>
+              </a:defRPr>
+            </a:lvl6pPr>
+            <a:lvl7pPr marL="2971800" indent="-228600" algn="ctr" eaLnBrk="0" fontAlgn="base" hangingPunct="0">
+              <a:spcBef>
+                <a:spcPct val="0"/>
+              </a:spcBef>
+              <a:spcAft>
+                <a:spcPct val="0"/>
+              </a:spcAft>
+              <a:defRPr sz="2400">
+                <a:solidFill>
+                  <a:schemeClr val="tx1"/>
+                </a:solidFill>
+                <a:latin typeface="Arial" charset="0"/>
+                <a:ea typeface="ヒラギノ角ゴ Pro W3" charset="0"/>
+                <a:cs typeface="ヒラギノ角ゴ Pro W3" charset="0"/>
+              </a:defRPr>
+            </a:lvl7pPr>
+            <a:lvl8pPr marL="3429000" indent="-228600" algn="ctr" eaLnBrk="0" fontAlgn="base" hangingPunct="0">
+              <a:spcBef>
+                <a:spcPct val="0"/>
+              </a:spcBef>
+              <a:spcAft>
+                <a:spcPct val="0"/>
+              </a:spcAft>
+              <a:defRPr sz="2400">
+                <a:solidFill>
+                  <a:schemeClr val="tx1"/>
+                </a:solidFill>
+                <a:latin typeface="Arial" charset="0"/>
+                <a:ea typeface="ヒラギノ角ゴ Pro W3" charset="0"/>
+                <a:cs typeface="ヒラギノ角ゴ Pro W3" charset="0"/>
+              </a:defRPr>
+            </a:lvl8pPr>
+            <a:lvl9pPr marL="3886200" indent="-228600" algn="ctr" eaLnBrk="0" fontAlgn="base" hangingPunct="0">
+              <a:spcBef>
+                <a:spcPct val="0"/>
+              </a:spcBef>
+              <a:spcAft>
+                <a:spcPct val="0"/>
+              </a:spcAft>
+              <a:defRPr sz="2400">
+                <a:solidFill>
+                  <a:schemeClr val="tx1"/>
+                </a:solidFill>
+                <a:latin typeface="Arial" charset="0"/>
+                <a:ea typeface="ヒラギノ角ゴ Pro W3" charset="0"/>
+                <a:cs typeface="ヒラギノ角ゴ Pro W3" charset="0"/>
+              </a:defRPr>
+            </a:lvl9pPr>
+          </a:lstStyle>
+          <a:p>
+            <a:pPr eaLnBrk="1" hangingPunct="1"/>
+            <a:fld id="{B6953E68-731D-B04B-BDD7-AFF9F6DECD3A}" type="slidenum">
+              <a:rPr lang="en-US" sz="1400"/>
+              <a:pPr eaLnBrk="1" hangingPunct="1"/>
+              <a:t>6</a:t>
+            </a:fld>
+            <a:endParaRPr lang="en-US" sz="1400"/>
+          </a:p>
+        </p:txBody>
+      </p:sp>
+      <p:sp>
+        <p:nvSpPr>
+          <p:cNvPr id="18434" name="Rectangle 2"/>
+          <p:cNvSpPr>
+            <a:spLocks noChangeArrowheads="1"/>
+          </p:cNvSpPr>
+          <p:nvPr/>
+        </p:nvSpPr>
+        <p:spPr bwMode="auto">
+          <a:xfrm>
+            <a:off x="1371600" y="76200"/>
+            <a:ext cx="6553200" cy="688975"/>
+          </a:xfrm>
+          <a:prstGeom prst="rect">
+            <a:avLst/>
+          </a:prstGeom>
+          <a:noFill/>
+          <a:ln>
+            <a:noFill/>
+          </a:ln>
+          <a:extLst>
+            <a:ext uri="{909E8E84-426E-40dd-AFC4-6F175D3DCCD1}">
+              <a14:hiddenFill xmlns:a14="http://schemas.microsoft.com/office/drawing/2010/main" xmlns="">
+                <a:solidFill>
+                  <a:srgbClr val="FFFFFF"/>
+                </a:solidFill>
+              </a14:hiddenFill>
+            </a:ext>
+            <a:ext uri="{91240B29-F687-4f45-9708-019B960494DF}">
+              <a14:hiddenLine xmlns:a14="http://schemas.microsoft.com/office/drawing/2010/main" xmlns="" w="9525">
+                <a:solidFill>
+                  <a:srgbClr val="000000"/>
+                </a:solidFill>
+                <a:miter lim="800000"/>
+                <a:headEnd/>
+                <a:tailEnd/>
+              </a14:hiddenLine>
+            </a:ext>
+          </a:extLst>
+        </p:spPr>
+        <p:txBody>
+          <a:bodyPr lIns="91429" tIns="45714" rIns="91429" bIns="45714" anchor="ctr"/>
+          <a:lstStyle/>
+          <a:p>
+            <a:pPr eaLnBrk="0" hangingPunct="0"/>
+            <a:r>
+              <a:rPr lang="en-US" sz="2800" b="1" dirty="0">
+                <a:solidFill>
+                  <a:schemeClr val="accent2"/>
+                </a:solidFill>
+                <a:latin typeface="Times New Roman" charset="0"/>
+              </a:rPr>
+              <a:t>History (3/3)</a:t>
+            </a:r>
+            <a:endParaRPr lang="en-US" b="1" dirty="0">
+              <a:solidFill>
+                <a:schemeClr val="accent2"/>
+              </a:solidFill>
+              <a:latin typeface="Times New Roman" charset="0"/>
+            </a:endParaRPr>
+          </a:p>
+        </p:txBody>
+      </p:sp>
+      <p:sp>
+        <p:nvSpPr>
+          <p:cNvPr id="18435" name="TextBox 2"/>
+          <p:cNvSpPr txBox="1">
+            <a:spLocks noChangeArrowheads="1"/>
+          </p:cNvSpPr>
+          <p:nvPr/>
+        </p:nvSpPr>
+        <p:spPr bwMode="auto">
+          <a:xfrm>
+            <a:off x="609600" y="1358900"/>
+            <a:ext cx="7848600" cy="369332"/>
+          </a:xfrm>
+          <a:prstGeom prst="rect">
+            <a:avLst/>
+          </a:prstGeom>
+          <a:noFill/>
+          <a:ln>
+            <a:noFill/>
+          </a:ln>
+          <a:extLst>
+            <a:ext uri="{909E8E84-426E-40dd-AFC4-6F175D3DCCD1}">
+              <a14:hiddenFill xmlns:a14="http://schemas.microsoft.com/office/drawing/2010/main" xmlns="">
+                <a:solidFill>
+                  <a:srgbClr val="FFFFFF"/>
+                </a:solidFill>
+              </a14:hiddenFill>
+            </a:ext>
+            <a:ext uri="{91240B29-F687-4f45-9708-019B960494DF}">
+              <a14:hiddenLine xmlns:a14="http://schemas.microsoft.com/office/drawing/2010/main" xmlns="" w="9525">
+                <a:solidFill>
+                  <a:srgbClr val="000000"/>
+                </a:solidFill>
+                <a:miter lim="800000"/>
+                <a:headEnd/>
+                <a:tailEnd/>
+              </a14:hiddenLine>
+            </a:ext>
+          </a:extLst>
+        </p:spPr>
+        <p:txBody>
+          <a:bodyPr>
+            <a:spAutoFit/>
+          </a:bodyPr>
+          <a:lstStyle>
+            <a:lvl1pPr marL="342900" indent="-342900" eaLnBrk="0" hangingPunct="0">
+              <a:defRPr sz="2400">
+                <a:solidFill>
+                  <a:schemeClr val="tx1"/>
+                </a:solidFill>
+                <a:latin typeface="Arial" charset="0"/>
+                <a:ea typeface="ヒラギノ角ゴ Pro W3" charset="0"/>
+                <a:cs typeface="ヒラギノ角ゴ Pro W3" charset="0"/>
+              </a:defRPr>
+            </a:lvl1pPr>
+            <a:lvl2pPr marL="742950" indent="-285750" eaLnBrk="0" hangingPunct="0">
+              <a:defRPr sz="2400">
+                <a:solidFill>
+                  <a:schemeClr val="tx1"/>
+                </a:solidFill>
+                <a:latin typeface="Arial" charset="0"/>
+                <a:ea typeface="ヒラギノ角ゴ Pro W3" charset="0"/>
+                <a:cs typeface="ヒラギノ角ゴ Pro W3" charset="0"/>
+              </a:defRPr>
+            </a:lvl2pPr>
+            <a:lvl3pPr marL="1143000" indent="-228600" eaLnBrk="0" hangingPunct="0">
+              <a:defRPr sz="2400">
+                <a:solidFill>
+                  <a:schemeClr val="tx1"/>
+                </a:solidFill>
+                <a:latin typeface="Arial" charset="0"/>
+                <a:ea typeface="ヒラギノ角ゴ Pro W3" charset="0"/>
+                <a:cs typeface="ヒラギノ角ゴ Pro W3" charset="0"/>
+              </a:defRPr>
+            </a:lvl3pPr>
+            <a:lvl4pPr marL="1600200" indent="-228600" eaLnBrk="0" hangingPunct="0">
+              <a:defRPr sz="2400">
+                <a:solidFill>
+                  <a:schemeClr val="tx1"/>
+                </a:solidFill>
+                <a:latin typeface="Arial" charset="0"/>
+                <a:ea typeface="ヒラギノ角ゴ Pro W3" charset="0"/>
+                <a:cs typeface="ヒラギノ角ゴ Pro W3" charset="0"/>
+              </a:defRPr>
+            </a:lvl4pPr>
+            <a:lvl5pPr marL="2057400" indent="-228600" eaLnBrk="0" hangingPunct="0">
+              <a:defRPr sz="2400">
+                <a:solidFill>
+                  <a:schemeClr val="tx1"/>
+                </a:solidFill>
+                <a:latin typeface="Arial" charset="0"/>
+                <a:ea typeface="ヒラギノ角ゴ Pro W3" charset="0"/>
+                <a:cs typeface="ヒラギノ角ゴ Pro W3" charset="0"/>
+              </a:defRPr>
+            </a:lvl5pPr>
+            <a:lvl6pPr marL="2514600" indent="-228600" algn="ctr" eaLnBrk="0" fontAlgn="base" hangingPunct="0">
+              <a:spcBef>
+                <a:spcPct val="0"/>
+              </a:spcBef>
+              <a:spcAft>
+                <a:spcPct val="0"/>
+              </a:spcAft>
+              <a:defRPr sz="2400">
+                <a:solidFill>
+                  <a:schemeClr val="tx1"/>
+                </a:solidFill>
+                <a:latin typeface="Arial" charset="0"/>
+                <a:ea typeface="ヒラギノ角ゴ Pro W3" charset="0"/>
+                <a:cs typeface="ヒラギノ角ゴ Pro W3" charset="0"/>
+              </a:defRPr>
+            </a:lvl6pPr>
+            <a:lvl7pPr marL="2971800" indent="-228600" algn="ctr" eaLnBrk="0" fontAlgn="base" hangingPunct="0">
+              <a:spcBef>
+                <a:spcPct val="0"/>
+              </a:spcBef>
+              <a:spcAft>
+                <a:spcPct val="0"/>
+              </a:spcAft>
+              <a:defRPr sz="2400">
+                <a:solidFill>
+                  <a:schemeClr val="tx1"/>
+                </a:solidFill>
+                <a:latin typeface="Arial" charset="0"/>
+                <a:ea typeface="ヒラギノ角ゴ Pro W3" charset="0"/>
+                <a:cs typeface="ヒラギノ角ゴ Pro W3" charset="0"/>
+              </a:defRPr>
+            </a:lvl7pPr>
+            <a:lvl8pPr marL="3429000" indent="-228600" algn="ctr" eaLnBrk="0" fontAlgn="base" hangingPunct="0">
+              <a:spcBef>
+                <a:spcPct val="0"/>
+              </a:spcBef>
+              <a:spcAft>
+                <a:spcPct val="0"/>
+              </a:spcAft>
+              <a:defRPr sz="2400">
+                <a:solidFill>
+                  <a:schemeClr val="tx1"/>
+                </a:solidFill>
+                <a:latin typeface="Arial" charset="0"/>
+                <a:ea typeface="ヒラギノ角ゴ Pro W3" charset="0"/>
+                <a:cs typeface="ヒラギノ角ゴ Pro W3" charset="0"/>
+              </a:defRPr>
+            </a:lvl8pPr>
+            <a:lvl9pPr marL="3886200" indent="-228600" algn="ctr" eaLnBrk="0" fontAlgn="base" hangingPunct="0">
+              <a:spcBef>
+                <a:spcPct val="0"/>
+              </a:spcBef>
+              <a:spcAft>
+                <a:spcPct val="0"/>
+              </a:spcAft>
+              <a:defRPr sz="2400">
+                <a:solidFill>
+                  <a:schemeClr val="tx1"/>
+                </a:solidFill>
+                <a:latin typeface="Arial" charset="0"/>
+                <a:ea typeface="ヒラギノ角ゴ Pro W3" charset="0"/>
+                <a:cs typeface="ヒラギノ角ゴ Pro W3" charset="0"/>
+              </a:defRPr>
+            </a:lvl9pPr>
+          </a:lstStyle>
+          <a:p>
+            <a:pPr marL="461963" indent="-461963" algn="l">
+              <a:spcBef>
+                <a:spcPct val="35000"/>
+              </a:spcBef>
+            </a:pPr>
+            <a:r>
+              <a:rPr lang="en-US" sz="1800" dirty="0">
+                <a:cs typeface="Times New Roman" charset="0"/>
+              </a:rPr>
+              <a:t>SBN 1.13 – typedefs instead of int32/uint32/etc.</a:t>
+            </a:r>
+          </a:p>
+        </p:txBody>
+      </p:sp>
+      <p:sp>
+        <p:nvSpPr>
+          <p:cNvPr id="2" name="Date Placeholder 1"/>
+          <p:cNvSpPr>
+            <a:spLocks noGrp="1"/>
+          </p:cNvSpPr>
+          <p:nvPr>
+            <p:ph type="dt" sz="quarter" idx="11"/>
+          </p:nvPr>
+        </p:nvSpPr>
+        <p:spPr/>
+        <p:txBody>
+          <a:bodyPr/>
+          <a:lstStyle/>
+          <a:p>
+            <a:pPr>
+              <a:defRPr/>
+            </a:pPr>
+            <a:fld id="{B90418B6-1B50-F34D-B458-B7530561AB98}" type="datetime1">
+              <a:rPr lang="en-US"/>
+              <a:t>2020-06-10</a:t>
+            </a:fld>
+            <a:endParaRPr lang="en-US"/>
+          </a:p>
+        </p:txBody>
+      </p:sp>
+      <p:sp>
+        <p:nvSpPr>
+          <p:cNvPr id="3" name="Footer Placeholder 2"/>
+          <p:cNvSpPr>
+            <a:spLocks noGrp="1"/>
+          </p:cNvSpPr>
+          <p:nvPr>
+            <p:ph type="ftr" sz="quarter" idx="12"/>
+          </p:nvPr>
+        </p:nvSpPr>
+        <p:spPr/>
+        <p:txBody>
+          <a:bodyPr/>
+          <a:lstStyle/>
+          <a:p>
+            <a:pPr>
+              <a:defRPr/>
+            </a:pPr>
+            <a:r>
+              <a:rPr lang="en-US"/>
+              <a:t>cFS Application: SBN</a:t>
+            </a:r>
+          </a:p>
+        </p:txBody>
+      </p:sp>
+    </p:spTree>
+    <p:extLst>
+      <p:ext uri="{BB962C8B-B14F-4D97-AF65-F5344CB8AC3E}">
+        <p14:creationId xmlns:p14="http://schemas.microsoft.com/office/powerpoint/2010/main" val="2229579621"/>
+      </p:ext>
+    </p:extLst>
+  </p:cSld>
+  <p:clrMapOvr>
+    <a:masterClrMapping/>
+  </p:clrMapOvr>
+</p:sld>
+</file>
+
+<file path=ppt/slides/slide7.xml><?xml version="1.0" encoding="utf-8"?>
+<p:sld xmlns:a="http://schemas.openxmlformats.org/drawingml/2006/main" xmlns:r="http://schemas.openxmlformats.org/officeDocument/2006/relationships" xmlns:p="http://schemas.openxmlformats.org/presentationml/2006/main">
+  <p:cSld>
+    <p:spTree>
+      <p:nvGrpSpPr>
+        <p:cNvPr id="1" name=""/>
+        <p:cNvGrpSpPr/>
+        <p:nvPr/>
+      </p:nvGrpSpPr>
+      <p:grpSpPr>
+        <a:xfrm>
+          <a:off x="0" y="0"/>
+          <a:ext cx="0" cy="0"/>
+          <a:chOff x="0" y="0"/>
+          <a:chExt cx="0" cy="0"/>
+        </a:xfrm>
+      </p:grpSpPr>
+      <p:sp>
+        <p:nvSpPr>
           <p:cNvPr id="22529" name="Slide Number Placeholder 4"/>
           <p:cNvSpPr>
             <a:spLocks noGrp="1"/>
@@ -40982,14 +43559,14 @@
           <a:ln/>
           <a:extLst>
             <a:ext uri="{909E8E84-426E-40dd-AFC4-6F175D3DCCD1}">
-              <a14:hiddenFill xmlns="" xmlns:a14="http://schemas.microsoft.com/office/drawing/2010/main">
+              <a14:hiddenFill xmlns:a14="http://schemas.microsoft.com/office/drawing/2010/main" xmlns="">
                 <a:solidFill>
                   <a:srgbClr val="FFFFFF"/>
                 </a:solidFill>
               </a14:hiddenFill>
             </a:ext>
             <a:ext uri="{91240B29-F687-4f45-9708-019B960494DF}">
-              <a14:hiddenLine xmlns="" xmlns:a14="http://schemas.microsoft.com/office/drawing/2010/main" w="9525">
+              <a14:hiddenLine xmlns:a14="http://schemas.microsoft.com/office/drawing/2010/main" xmlns="" w="9525">
                 <a:solidFill>
                   <a:srgbClr val="000000"/>
                 </a:solidFill>
@@ -41123,7 +43700,7 @@
             <a:fld id="{6274E1C5-9E98-A64F-B559-FB3F275AD9AC}" type="slidenum">
               <a:rPr lang="en-US" sz="1400"/>
               <a:pPr eaLnBrk="1" hangingPunct="1"/>
-              <a:t>6</a:t>
+              <a:t>7</a:t>
             </a:fld>
             <a:endParaRPr lang="en-US" sz="1400"/>
           </a:p>
@@ -41151,14 +43728,14 @@
           </a:ln>
           <a:extLst>
             <a:ext uri="{909E8E84-426E-40dd-AFC4-6F175D3DCCD1}">
-              <a14:hiddenFill xmlns="" xmlns:a14="http://schemas.microsoft.com/office/drawing/2010/main">
+              <a14:hiddenFill xmlns:a14="http://schemas.microsoft.com/office/drawing/2010/main" xmlns="">
                 <a:solidFill>
                   <a:srgbClr val="FFFFFF"/>
                 </a:solidFill>
               </a14:hiddenFill>
             </a:ext>
             <a:ext uri="{91240B29-F687-4f45-9708-019B960494DF}">
-              <a14:hiddenLine xmlns="" xmlns:a14="http://schemas.microsoft.com/office/drawing/2010/main" w="9525">
+              <a14:hiddenLine xmlns:a14="http://schemas.microsoft.com/office/drawing/2010/main" xmlns="" w="9525">
                 <a:solidFill>
                   <a:srgbClr val="000000"/>
                 </a:solidFill>
@@ -41369,7 +43946,7 @@
             </a:pPr>
             <a:fld id="{05B289AB-880F-764B-B46B-97A10573CB72}" type="datetime1">
               <a:rPr lang="en-US"/>
-              <a:t>2020-06-08</a:t>
+              <a:t>2020-06-10</a:t>
             </a:fld>
             <a:endParaRPr lang="en-US"/>
           </a:p>
@@ -42446,7 +45023,7 @@
 </p:sld>
 </file>
 
-<file path=ppt/slides/slide7.xml><?xml version="1.0" encoding="utf-8"?>
+<file path=ppt/slides/slide8.xml><?xml version="1.0" encoding="utf-8"?>
 <p:sld xmlns:a="http://schemas.openxmlformats.org/drawingml/2006/main" xmlns:r="http://schemas.openxmlformats.org/officeDocument/2006/relationships" xmlns:p="http://schemas.openxmlformats.org/presentationml/2006/main">
   <p:cSld>
     <p:spTree>
@@ -42571,14 +45148,14 @@
           </a:ln>
           <a:extLst>
             <a:ext uri="{909E8E84-426E-40dd-AFC4-6F175D3DCCD1}">
-              <a14:hiddenFill xmlns="" xmlns:a14="http://schemas.microsoft.com/office/drawing/2010/main">
+              <a14:hiddenFill xmlns:a14="http://schemas.microsoft.com/office/drawing/2010/main" xmlns="">
                 <a:solidFill>
                   <a:srgbClr val="FFFFFF"/>
                 </a:solidFill>
               </a14:hiddenFill>
             </a:ext>
             <a:ext uri="{91240B29-F687-4f45-9708-019B960494DF}">
-              <a14:hiddenLine xmlns="" xmlns:a14="http://schemas.microsoft.com/office/drawing/2010/main" w="9525">
+              <a14:hiddenLine xmlns:a14="http://schemas.microsoft.com/office/drawing/2010/main" xmlns="" w="9525">
                 <a:solidFill>
                   <a:srgbClr val="000000"/>
                 </a:solidFill>
@@ -42712,7 +45289,7 @@
             <a:fld id="{C6977354-87A3-C747-817B-6BF0041CBF60}" type="slidenum">
               <a:rPr lang="en-US" sz="1400"/>
               <a:pPr algn="r" eaLnBrk="1" hangingPunct="1"/>
-              <a:t>7</a:t>
+              <a:t>8</a:t>
             </a:fld>
             <a:endParaRPr lang="en-US" sz="1400"/>
           </a:p>
@@ -42771,7 +45348,7 @@
           </a:ln>
           <a:extLst>
             <a:ext uri="{909E8E84-426E-40dd-AFC4-6F175D3DCCD1}">
-              <a14:hiddenFill xmlns="" xmlns:a14="http://schemas.microsoft.com/office/drawing/2010/main">
+              <a14:hiddenFill xmlns:a14="http://schemas.microsoft.com/office/drawing/2010/main" xmlns="">
                 <a:noFill/>
               </a14:hiddenFill>
             </a:ext>
@@ -42846,7 +45423,7 @@
             </a:pPr>
             <a:fld id="{E4B56D29-4AFD-2543-B780-B0364A4E64D6}" type="datetime1">
               <a:rPr lang="en-US"/>
-              <a:t>2020-06-08</a:t>
+              <a:t>2020-06-10</a:t>
             </a:fld>
             <a:endParaRPr lang="en-US"/>
           </a:p>
@@ -42892,14 +45469,14 @@
           <a:ln/>
           <a:extLst>
             <a:ext uri="{909E8E84-426E-40dd-AFC4-6F175D3DCCD1}">
-              <a14:hiddenFill xmlns="" xmlns:a14="http://schemas.microsoft.com/office/drawing/2010/main">
+              <a14:hiddenFill xmlns:a14="http://schemas.microsoft.com/office/drawing/2010/main" xmlns="">
                 <a:solidFill>
                   <a:srgbClr val="FFFFFF"/>
                 </a:solidFill>
               </a14:hiddenFill>
             </a:ext>
             <a:ext uri="{91240B29-F687-4f45-9708-019B960494DF}">
-              <a14:hiddenLine xmlns="" xmlns:a14="http://schemas.microsoft.com/office/drawing/2010/main" w="9525">
+              <a14:hiddenLine xmlns:a14="http://schemas.microsoft.com/office/drawing/2010/main" xmlns="" w="9525">
                 <a:solidFill>
                   <a:srgbClr val="000000"/>
                 </a:solidFill>
@@ -43033,7 +45610,7 @@
             <a:fld id="{B5959A39-F535-A04A-9FD7-2F32C2DFC645}" type="slidenum">
               <a:rPr lang="en-US" sz="1400"/>
               <a:pPr eaLnBrk="1" hangingPunct="1"/>
-              <a:t>7</a:t>
+              <a:t>8</a:t>
             </a:fld>
             <a:endParaRPr lang="en-US" sz="1400"/>
           </a:p>
@@ -44509,7 +47086,7 @@
 </p:sld>
 </file>
 
-<file path=ppt/slides/slide8.xml><?xml version="1.0" encoding="utf-8"?>
+<file path=ppt/slides/slide9.xml><?xml version="1.0" encoding="utf-8"?>
 <p:sld xmlns:a="http://schemas.openxmlformats.org/drawingml/2006/main" xmlns:r="http://schemas.openxmlformats.org/officeDocument/2006/relationships" xmlns:p="http://schemas.openxmlformats.org/presentationml/2006/main">
   <p:cSld>
     <p:spTree>
@@ -44618,14 +47195,14 @@
           <a:ln/>
           <a:extLst>
             <a:ext uri="{909E8E84-426E-40dd-AFC4-6F175D3DCCD1}">
-              <a14:hiddenFill xmlns="" xmlns:a14="http://schemas.microsoft.com/office/drawing/2010/main">
+              <a14:hiddenFill xmlns:a14="http://schemas.microsoft.com/office/drawing/2010/main" xmlns="">
                 <a:solidFill>
                   <a:srgbClr val="FFFFFF"/>
                 </a:solidFill>
               </a14:hiddenFill>
             </a:ext>
             <a:ext uri="{91240B29-F687-4f45-9708-019B960494DF}">
-              <a14:hiddenLine xmlns="" xmlns:a14="http://schemas.microsoft.com/office/drawing/2010/main" w="9525">
+              <a14:hiddenLine xmlns:a14="http://schemas.microsoft.com/office/drawing/2010/main" xmlns="" w="9525">
                 <a:solidFill>
                   <a:srgbClr val="000000"/>
                 </a:solidFill>
@@ -44759,7 +47336,7 @@
             <a:fld id="{D3CDD568-6222-B140-A574-A4C08029A517}" type="slidenum">
               <a:rPr lang="en-US" sz="1400"/>
               <a:pPr eaLnBrk="1" hangingPunct="1"/>
-              <a:t>8</a:t>
+              <a:t>9</a:t>
             </a:fld>
             <a:endParaRPr lang="en-US" sz="1400"/>
           </a:p>
@@ -44785,7 +47362,7 @@
             </a:pPr>
             <a:fld id="{B58AE35B-4B8A-B14C-A608-7A3AEEBA245B}" type="datetime1">
               <a:rPr lang="en-US"/>
-              <a:t>2020-06-08</a:t>
+              <a:t>2020-06-10</a:t>
             </a:fld>
             <a:endParaRPr lang="en-US"/>
           </a:p>
@@ -46320,1865 +48897,6 @@
     <p:extLst>
       <p:ext uri="{BB962C8B-B14F-4D97-AF65-F5344CB8AC3E}">
         <p14:creationId xmlns:p14="http://schemas.microsoft.com/office/powerpoint/2010/main" val="3920031796"/>
-      </p:ext>
-    </p:extLst>
-  </p:cSld>
-  <p:clrMapOvr>
-    <a:masterClrMapping/>
-  </p:clrMapOvr>
-</p:sld>
-</file>
-
-<file path=ppt/slides/slide9.xml><?xml version="1.0" encoding="utf-8"?>
-<p:sld xmlns:a="http://schemas.openxmlformats.org/drawingml/2006/main" xmlns:r="http://schemas.openxmlformats.org/officeDocument/2006/relationships" xmlns:p="http://schemas.openxmlformats.org/presentationml/2006/main">
-  <p:cSld>
-    <p:spTree>
-      <p:nvGrpSpPr>
-        <p:cNvPr id="1" name=""/>
-        <p:cNvGrpSpPr/>
-        <p:nvPr/>
-      </p:nvGrpSpPr>
-      <p:grpSpPr>
-        <a:xfrm>
-          <a:off x="0" y="0"/>
-          <a:ext cx="0" cy="0"/>
-          <a:chOff x="0" y="0"/>
-          <a:chExt cx="0" cy="0"/>
-        </a:xfrm>
-      </p:grpSpPr>
-      <p:sp>
-        <p:nvSpPr>
-          <p:cNvPr id="28695" name="Title 1"/>
-          <p:cNvSpPr>
-            <a:spLocks noGrp="1"/>
-          </p:cNvSpPr>
-          <p:nvPr>
-            <p:ph type="title"/>
-          </p:nvPr>
-        </p:nvSpPr>
-        <p:spPr>
-          <a:xfrm>
-            <a:off x="1371600" y="93480"/>
-            <a:ext cx="6553200" cy="688975"/>
-          </a:xfrm>
-        </p:spPr>
-        <p:txBody>
-          <a:bodyPr/>
-          <a:lstStyle/>
-          <a:p>
-            <a:r>
-              <a:rPr lang="en-US" dirty="0">
-                <a:latin typeface="Times New Roman" charset="0"/>
-                <a:ea typeface="ヒラギノ角ゴ Pro W3" charset="0"/>
-                <a:cs typeface="ヒラギノ角ゴ Pro W3" charset="0"/>
-              </a:rPr>
-              <a:t>Sequence: Polling</a:t>
-            </a:r>
-          </a:p>
-        </p:txBody>
-      </p:sp>
-      <p:sp>
-        <p:nvSpPr>
-          <p:cNvPr id="28696" name="Slide Number Placeholder 2"/>
-          <p:cNvSpPr>
-            <a:spLocks noGrp="1"/>
-          </p:cNvSpPr>
-          <p:nvPr>
-            <p:ph type="sldNum" sz="quarter" idx="10"/>
-          </p:nvPr>
-        </p:nvSpPr>
-        <p:spPr>
-          <a:noFill/>
-          <a:ln/>
-          <a:extLst>
-            <a:ext uri="{909E8E84-426E-40dd-AFC4-6F175D3DCCD1}">
-              <a14:hiddenFill xmlns="" xmlns:a14="http://schemas.microsoft.com/office/drawing/2010/main">
-                <a:solidFill>
-                  <a:srgbClr val="FFFFFF"/>
-                </a:solidFill>
-              </a14:hiddenFill>
-            </a:ext>
-            <a:ext uri="{91240B29-F687-4f45-9708-019B960494DF}">
-              <a14:hiddenLine xmlns="" xmlns:a14="http://schemas.microsoft.com/office/drawing/2010/main" w="9525">
-                <a:solidFill>
-                  <a:srgbClr val="000000"/>
-                </a:solidFill>
-                <a:miter lim="800000"/>
-                <a:headEnd/>
-                <a:tailEnd/>
-              </a14:hiddenLine>
-            </a:ext>
-          </a:extLst>
-        </p:spPr>
-        <p:txBody>
-          <a:bodyPr/>
-          <a:lstStyle>
-            <a:lvl1pPr eaLnBrk="0" hangingPunct="0">
-              <a:defRPr sz="2400">
-                <a:solidFill>
-                  <a:schemeClr val="tx1"/>
-                </a:solidFill>
-                <a:latin typeface="Arial" charset="0"/>
-                <a:ea typeface="ヒラギノ角ゴ Pro W3" charset="0"/>
-                <a:cs typeface="ヒラギノ角ゴ Pro W3" charset="0"/>
-              </a:defRPr>
-            </a:lvl1pPr>
-            <a:lvl2pPr marL="742950" indent="-285750" eaLnBrk="0" hangingPunct="0">
-              <a:defRPr sz="2400">
-                <a:solidFill>
-                  <a:schemeClr val="tx1"/>
-                </a:solidFill>
-                <a:latin typeface="Arial" charset="0"/>
-                <a:ea typeface="ヒラギノ角ゴ Pro W3" charset="0"/>
-                <a:cs typeface="ヒラギノ角ゴ Pro W3" charset="0"/>
-              </a:defRPr>
-            </a:lvl2pPr>
-            <a:lvl3pPr marL="1143000" indent="-228600" eaLnBrk="0" hangingPunct="0">
-              <a:defRPr sz="2400">
-                <a:solidFill>
-                  <a:schemeClr val="tx1"/>
-                </a:solidFill>
-                <a:latin typeface="Arial" charset="0"/>
-                <a:ea typeface="ヒラギノ角ゴ Pro W3" charset="0"/>
-                <a:cs typeface="ヒラギノ角ゴ Pro W3" charset="0"/>
-              </a:defRPr>
-            </a:lvl3pPr>
-            <a:lvl4pPr marL="1600200" indent="-228600" eaLnBrk="0" hangingPunct="0">
-              <a:defRPr sz="2400">
-                <a:solidFill>
-                  <a:schemeClr val="tx1"/>
-                </a:solidFill>
-                <a:latin typeface="Arial" charset="0"/>
-                <a:ea typeface="ヒラギノ角ゴ Pro W3" charset="0"/>
-                <a:cs typeface="ヒラギノ角ゴ Pro W3" charset="0"/>
-              </a:defRPr>
-            </a:lvl4pPr>
-            <a:lvl5pPr marL="2057400" indent="-228600" eaLnBrk="0" hangingPunct="0">
-              <a:defRPr sz="2400">
-                <a:solidFill>
-                  <a:schemeClr val="tx1"/>
-                </a:solidFill>
-                <a:latin typeface="Arial" charset="0"/>
-                <a:ea typeface="ヒラギノ角ゴ Pro W3" charset="0"/>
-                <a:cs typeface="ヒラギノ角ゴ Pro W3" charset="0"/>
-              </a:defRPr>
-            </a:lvl5pPr>
-            <a:lvl6pPr marL="2514600" indent="-228600" algn="ctr" eaLnBrk="0" fontAlgn="base" hangingPunct="0">
-              <a:spcBef>
-                <a:spcPct val="0"/>
-              </a:spcBef>
-              <a:spcAft>
-                <a:spcPct val="0"/>
-              </a:spcAft>
-              <a:defRPr sz="2400">
-                <a:solidFill>
-                  <a:schemeClr val="tx1"/>
-                </a:solidFill>
-                <a:latin typeface="Arial" charset="0"/>
-                <a:ea typeface="ヒラギノ角ゴ Pro W3" charset="0"/>
-                <a:cs typeface="ヒラギノ角ゴ Pro W3" charset="0"/>
-              </a:defRPr>
-            </a:lvl6pPr>
-            <a:lvl7pPr marL="2971800" indent="-228600" algn="ctr" eaLnBrk="0" fontAlgn="base" hangingPunct="0">
-              <a:spcBef>
-                <a:spcPct val="0"/>
-              </a:spcBef>
-              <a:spcAft>
-                <a:spcPct val="0"/>
-              </a:spcAft>
-              <a:defRPr sz="2400">
-                <a:solidFill>
-                  <a:schemeClr val="tx1"/>
-                </a:solidFill>
-                <a:latin typeface="Arial" charset="0"/>
-                <a:ea typeface="ヒラギノ角ゴ Pro W3" charset="0"/>
-                <a:cs typeface="ヒラギノ角ゴ Pro W3" charset="0"/>
-              </a:defRPr>
-            </a:lvl7pPr>
-            <a:lvl8pPr marL="3429000" indent="-228600" algn="ctr" eaLnBrk="0" fontAlgn="base" hangingPunct="0">
-              <a:spcBef>
-                <a:spcPct val="0"/>
-              </a:spcBef>
-              <a:spcAft>
-                <a:spcPct val="0"/>
-              </a:spcAft>
-              <a:defRPr sz="2400">
-                <a:solidFill>
-                  <a:schemeClr val="tx1"/>
-                </a:solidFill>
-                <a:latin typeface="Arial" charset="0"/>
-                <a:ea typeface="ヒラギノ角ゴ Pro W3" charset="0"/>
-                <a:cs typeface="ヒラギノ角ゴ Pro W3" charset="0"/>
-              </a:defRPr>
-            </a:lvl8pPr>
-            <a:lvl9pPr marL="3886200" indent="-228600" algn="ctr" eaLnBrk="0" fontAlgn="base" hangingPunct="0">
-              <a:spcBef>
-                <a:spcPct val="0"/>
-              </a:spcBef>
-              <a:spcAft>
-                <a:spcPct val="0"/>
-              </a:spcAft>
-              <a:defRPr sz="2400">
-                <a:solidFill>
-                  <a:schemeClr val="tx1"/>
-                </a:solidFill>
-                <a:latin typeface="Arial" charset="0"/>
-                <a:ea typeface="ヒラギノ角ゴ Pro W3" charset="0"/>
-                <a:cs typeface="ヒラギノ角ゴ Pro W3" charset="0"/>
-              </a:defRPr>
-            </a:lvl9pPr>
-          </a:lstStyle>
-          <a:p>
-            <a:pPr eaLnBrk="1" hangingPunct="1"/>
-            <a:fld id="{D3CDD568-6222-B140-A574-A4C08029A517}" type="slidenum">
-              <a:rPr lang="en-US" sz="1400"/>
-              <a:pPr eaLnBrk="1" hangingPunct="1"/>
-              <a:t>9</a:t>
-            </a:fld>
-            <a:endParaRPr lang="en-US" sz="1400"/>
-          </a:p>
-        </p:txBody>
-      </p:sp>
-      <p:sp>
-        <p:nvSpPr>
-          <p:cNvPr id="2" name="Date Placeholder 1"/>
-          <p:cNvSpPr>
-            <a:spLocks noGrp="1"/>
-          </p:cNvSpPr>
-          <p:nvPr>
-            <p:ph type="dt" sz="quarter" idx="11"/>
-          </p:nvPr>
-        </p:nvSpPr>
-        <p:spPr/>
-        <p:txBody>
-          <a:bodyPr/>
-          <a:lstStyle/>
-          <a:p>
-            <a:pPr>
-              <a:defRPr/>
-            </a:pPr>
-            <a:fld id="{B58AE35B-4B8A-B14C-A608-7A3AEEBA245B}" type="datetime1">
-              <a:rPr lang="en-US"/>
-              <a:t>2020-06-08</a:t>
-            </a:fld>
-            <a:endParaRPr lang="en-US"/>
-          </a:p>
-        </p:txBody>
-      </p:sp>
-      <p:sp>
-        <p:nvSpPr>
-          <p:cNvPr id="3" name="Footer Placeholder 2"/>
-          <p:cNvSpPr>
-            <a:spLocks noGrp="1"/>
-          </p:cNvSpPr>
-          <p:nvPr>
-            <p:ph type="ftr" sz="quarter" idx="12"/>
-          </p:nvPr>
-        </p:nvSpPr>
-        <p:spPr/>
-        <p:txBody>
-          <a:bodyPr/>
-          <a:lstStyle/>
-          <a:p>
-            <a:pPr>
-              <a:defRPr/>
-            </a:pPr>
-            <a:r>
-              <a:rPr lang="en-US"/>
-              <a:t>cFS Application: SBN</a:t>
-            </a:r>
-          </a:p>
-        </p:txBody>
-      </p:sp>
-      <p:cxnSp>
-        <p:nvCxnSpPr>
-          <p:cNvPr id="9" name="Straight Connector 8"/>
-          <p:cNvCxnSpPr/>
-          <p:nvPr/>
-        </p:nvCxnSpPr>
-        <p:spPr>
-          <a:xfrm>
-            <a:off x="7364007" y="1878518"/>
-            <a:ext cx="0" cy="3955583"/>
-          </a:xfrm>
-          <a:prstGeom prst="line">
-            <a:avLst/>
-          </a:prstGeom>
-          <a:ln>
-            <a:solidFill>
-              <a:srgbClr val="000000"/>
-            </a:solidFill>
-            <a:prstDash val="dash"/>
-          </a:ln>
-          <a:effectLst/>
-        </p:spPr>
-        <p:style>
-          <a:lnRef idx="2">
-            <a:schemeClr val="accent1"/>
-          </a:lnRef>
-          <a:fillRef idx="0">
-            <a:schemeClr val="accent1"/>
-          </a:fillRef>
-          <a:effectRef idx="1">
-            <a:schemeClr val="accent1"/>
-          </a:effectRef>
-          <a:fontRef idx="minor">
-            <a:schemeClr val="tx1"/>
-          </a:fontRef>
-        </p:style>
-      </p:cxnSp>
-      <p:cxnSp>
-        <p:nvCxnSpPr>
-          <p:cNvPr id="12" name="Straight Connector 11"/>
-          <p:cNvCxnSpPr/>
-          <p:nvPr/>
-        </p:nvCxnSpPr>
-        <p:spPr>
-          <a:xfrm>
-            <a:off x="3238089" y="1909545"/>
-            <a:ext cx="0" cy="3922455"/>
-          </a:xfrm>
-          <a:prstGeom prst="line">
-            <a:avLst/>
-          </a:prstGeom>
-          <a:ln>
-            <a:solidFill>
-              <a:srgbClr val="000000"/>
-            </a:solidFill>
-            <a:prstDash val="dash"/>
-          </a:ln>
-          <a:effectLst/>
-        </p:spPr>
-        <p:style>
-          <a:lnRef idx="2">
-            <a:schemeClr val="accent1"/>
-          </a:lnRef>
-          <a:fillRef idx="0">
-            <a:schemeClr val="accent1"/>
-          </a:fillRef>
-          <a:effectRef idx="1">
-            <a:schemeClr val="accent1"/>
-          </a:effectRef>
-          <a:fontRef idx="minor">
-            <a:schemeClr val="tx1"/>
-          </a:fontRef>
-        </p:style>
-      </p:cxnSp>
-      <p:sp>
-        <p:nvSpPr>
-          <p:cNvPr id="62" name="TextBox 61"/>
-          <p:cNvSpPr txBox="1"/>
-          <p:nvPr/>
-        </p:nvSpPr>
-        <p:spPr>
-          <a:xfrm>
-            <a:off x="2982665" y="1509186"/>
-            <a:ext cx="492593" cy="369332"/>
-          </a:xfrm>
-          <a:prstGeom prst="rect">
-            <a:avLst/>
-          </a:prstGeom>
-          <a:solidFill>
-            <a:schemeClr val="bg1"/>
-          </a:solidFill>
-          <a:ln>
-            <a:solidFill>
-              <a:srgbClr val="000000"/>
-            </a:solidFill>
-          </a:ln>
-        </p:spPr>
-        <p:txBody>
-          <a:bodyPr wrap="none" rtlCol="0">
-            <a:spAutoFit/>
-          </a:bodyPr>
-          <a:lstStyle/>
-          <a:p>
-            <a:r>
-              <a:rPr lang="en-US"/>
-              <a:t>SB</a:t>
-            </a:r>
-          </a:p>
-        </p:txBody>
-      </p:sp>
-      <p:sp>
-        <p:nvSpPr>
-          <p:cNvPr id="28677" name="Cloud 28676"/>
-          <p:cNvSpPr/>
-          <p:nvPr/>
-        </p:nvSpPr>
-        <p:spPr bwMode="auto">
-          <a:xfrm>
-            <a:off x="6490061" y="1307839"/>
-            <a:ext cx="1747892" cy="587146"/>
-          </a:xfrm>
-          <a:prstGeom prst="cloud">
-            <a:avLst/>
-          </a:prstGeom>
-          <a:solidFill>
-            <a:srgbClr val="FFFFFF"/>
-          </a:solidFill>
-          <a:ln w="9525" cap="flat" cmpd="sng" algn="ctr">
-            <a:solidFill>
-              <a:schemeClr val="tx1"/>
-            </a:solidFill>
-            <a:prstDash val="solid"/>
-            <a:round/>
-            <a:headEnd type="none" w="med" len="med"/>
-            <a:tailEnd type="none" w="med" len="med"/>
-          </a:ln>
-          <a:effectLst/>
-        </p:spPr>
-        <p:txBody>
-          <a:bodyPr vert="horz" wrap="square" lIns="91440" tIns="45720" rIns="91440" bIns="45720" numCol="1" rtlCol="0" anchor="t" anchorCtr="0" compatLnSpc="1">
-            <a:prstTxWarp prst="textNoShape">
-              <a:avLst/>
-            </a:prstTxWarp>
-          </a:bodyPr>
-          <a:lstStyle/>
-          <a:p>
-            <a:pPr marL="0" marR="0" indent="0" algn="ctr" defTabSz="914400" rtl="0" eaLnBrk="1" fontAlgn="base" latinLnBrk="0" hangingPunct="1">
-              <a:lnSpc>
-                <a:spcPct val="100000"/>
-              </a:lnSpc>
-              <a:spcBef>
-                <a:spcPct val="0"/>
-              </a:spcBef>
-              <a:spcAft>
-                <a:spcPct val="0"/>
-              </a:spcAft>
-              <a:buClrTx/>
-              <a:buSzTx/>
-              <a:buFontTx/>
-              <a:buNone/>
-              <a:tabLst/>
-            </a:pPr>
-            <a:r>
-              <a:rPr lang="en-US" dirty="0"/>
-              <a:t>Peer</a:t>
-            </a:r>
-            <a:endParaRPr kumimoji="0" lang="en-US" sz="1800" b="0" i="0" u="none" strike="noStrike" cap="none" normalizeH="0" baseline="0" dirty="0">
-              <a:ln>
-                <a:noFill/>
-              </a:ln>
-              <a:solidFill>
-                <a:schemeClr val="tx1"/>
-              </a:solidFill>
-              <a:effectLst/>
-              <a:latin typeface="Arial" charset="0"/>
-            </a:endParaRPr>
-          </a:p>
-        </p:txBody>
-      </p:sp>
-      <p:cxnSp>
-        <p:nvCxnSpPr>
-          <p:cNvPr id="64" name="Straight Connector 63">
-            <a:extLst>
-              <a:ext uri="{FF2B5EF4-FFF2-40B4-BE49-F238E27FC236}">
-                <a16:creationId xmlns:a16="http://schemas.microsoft.com/office/drawing/2014/main" id="{263E1E2E-0DEC-4875-8313-5DAC2FD267CA}"/>
-              </a:ext>
-            </a:extLst>
-          </p:cNvPr>
-          <p:cNvCxnSpPr>
-            <a:cxnSpLocks/>
-          </p:cNvCxnSpPr>
-          <p:nvPr/>
-        </p:nvCxnSpPr>
-        <p:spPr>
-          <a:xfrm flipV="1">
-            <a:off x="5813703" y="1748109"/>
-            <a:ext cx="0" cy="4218582"/>
-          </a:xfrm>
-          <a:prstGeom prst="line">
-            <a:avLst/>
-          </a:prstGeom>
-          <a:ln>
-            <a:solidFill>
-              <a:srgbClr val="000000"/>
-            </a:solidFill>
-            <a:prstDash val="dash"/>
-          </a:ln>
-          <a:effectLst/>
-        </p:spPr>
-        <p:style>
-          <a:lnRef idx="2">
-            <a:schemeClr val="accent1"/>
-          </a:lnRef>
-          <a:fillRef idx="0">
-            <a:schemeClr val="accent1"/>
-          </a:fillRef>
-          <a:effectRef idx="1">
-            <a:schemeClr val="accent1"/>
-          </a:effectRef>
-          <a:fontRef idx="minor">
-            <a:schemeClr val="tx1"/>
-          </a:fontRef>
-        </p:style>
-      </p:cxnSp>
-      <p:sp>
-        <p:nvSpPr>
-          <p:cNvPr id="65" name="TextBox 64">
-            <a:extLst>
-              <a:ext uri="{FF2B5EF4-FFF2-40B4-BE49-F238E27FC236}">
-                <a16:creationId xmlns:a16="http://schemas.microsoft.com/office/drawing/2014/main" id="{422FC1AB-F962-4598-BA81-F961DB5E13D5}"/>
-              </a:ext>
-            </a:extLst>
-          </p:cNvPr>
-          <p:cNvSpPr txBox="1"/>
-          <p:nvPr/>
-        </p:nvSpPr>
-        <p:spPr>
-          <a:xfrm>
-            <a:off x="5487362" y="1393176"/>
-            <a:ext cx="659293" cy="369332"/>
-          </a:xfrm>
-          <a:prstGeom prst="rect">
-            <a:avLst/>
-          </a:prstGeom>
-          <a:solidFill>
-            <a:schemeClr val="bg1"/>
-          </a:solidFill>
-          <a:ln>
-            <a:solidFill>
-              <a:srgbClr val="000000"/>
-            </a:solidFill>
-          </a:ln>
-        </p:spPr>
-        <p:txBody>
-          <a:bodyPr wrap="none" rtlCol="0">
-            <a:spAutoFit/>
-          </a:bodyPr>
-          <a:lstStyle/>
-          <a:p>
-            <a:r>
-              <a:rPr lang="en-US"/>
-              <a:t>SBN</a:t>
-            </a:r>
-          </a:p>
-        </p:txBody>
-      </p:sp>
-      <p:sp>
-        <p:nvSpPr>
-          <p:cNvPr id="83" name="Rectangle 82">
-            <a:extLst>
-              <a:ext uri="{FF2B5EF4-FFF2-40B4-BE49-F238E27FC236}">
-                <a16:creationId xmlns:a16="http://schemas.microsoft.com/office/drawing/2014/main" id="{CDC55F4E-36B8-467D-BF81-8C9CCB1B609D}"/>
-              </a:ext>
-            </a:extLst>
-          </p:cNvPr>
-          <p:cNvSpPr/>
-          <p:nvPr/>
-        </p:nvSpPr>
-        <p:spPr bwMode="auto">
-          <a:xfrm>
-            <a:off x="5728299" y="2233996"/>
-            <a:ext cx="155224" cy="3485620"/>
-          </a:xfrm>
-          <a:prstGeom prst="rect">
-            <a:avLst/>
-          </a:prstGeom>
-          <a:solidFill>
-            <a:schemeClr val="bg1"/>
-          </a:solidFill>
-          <a:ln w="28575" cap="flat" cmpd="sng" algn="ctr">
-            <a:solidFill>
-              <a:schemeClr val="tx1"/>
-            </a:solidFill>
-            <a:prstDash val="solid"/>
-            <a:round/>
-            <a:headEnd type="none" w="med" len="med"/>
-            <a:tailEnd type="none" w="med" len="med"/>
-          </a:ln>
-          <a:effectLst/>
-        </p:spPr>
-        <p:txBody>
-          <a:bodyPr vert="horz" wrap="square" lIns="91440" tIns="45720" rIns="91440" bIns="45720" numCol="1" rtlCol="0" anchor="t" anchorCtr="0" compatLnSpc="1">
-            <a:prstTxWarp prst="textNoShape">
-              <a:avLst/>
-            </a:prstTxWarp>
-          </a:bodyPr>
-          <a:lstStyle/>
-          <a:p>
-            <a:pPr marL="0" marR="0" indent="0" algn="ctr" defTabSz="914400" rtl="0" eaLnBrk="1" fontAlgn="base" latinLnBrk="0" hangingPunct="1">
-              <a:lnSpc>
-                <a:spcPct val="100000"/>
-              </a:lnSpc>
-              <a:spcBef>
-                <a:spcPct val="0"/>
-              </a:spcBef>
-              <a:spcAft>
-                <a:spcPct val="0"/>
-              </a:spcAft>
-              <a:buClrTx/>
-              <a:buSzTx/>
-              <a:buFontTx/>
-              <a:buNone/>
-              <a:tabLst/>
-            </a:pPr>
-            <a:endParaRPr kumimoji="0" lang="en-US" sz="1800" b="0" i="0" u="none" strike="noStrike" cap="none" normalizeH="0" baseline="0" dirty="0">
-              <a:ln>
-                <a:noFill/>
-              </a:ln>
-              <a:solidFill>
-                <a:schemeClr val="tx1"/>
-              </a:solidFill>
-              <a:effectLst/>
-              <a:latin typeface="Arial" charset="0"/>
-            </a:endParaRPr>
-          </a:p>
-        </p:txBody>
-      </p:sp>
-      <p:cxnSp>
-        <p:nvCxnSpPr>
-          <p:cNvPr id="44" name="Straight Arrow Connector 43">
-            <a:extLst>
-              <a:ext uri="{FF2B5EF4-FFF2-40B4-BE49-F238E27FC236}">
-                <a16:creationId xmlns:a16="http://schemas.microsoft.com/office/drawing/2014/main" id="{6099F647-6D61-4178-ADD6-D6113AE70CFE}"/>
-              </a:ext>
-            </a:extLst>
-          </p:cNvPr>
-          <p:cNvCxnSpPr>
-            <a:cxnSpLocks/>
-          </p:cNvCxnSpPr>
-          <p:nvPr/>
-        </p:nvCxnSpPr>
-        <p:spPr>
-          <a:xfrm flipH="1">
-            <a:off x="3228853" y="4649016"/>
-            <a:ext cx="2475822" cy="0"/>
-          </a:xfrm>
-          <a:prstGeom prst="straightConnector1">
-            <a:avLst/>
-          </a:prstGeom>
-          <a:ln>
-            <a:solidFill>
-              <a:srgbClr val="000000"/>
-            </a:solidFill>
-            <a:headEnd type="none" w="med" len="med"/>
-            <a:tailEnd type="triangle" w="med" len="med"/>
-          </a:ln>
-          <a:effectLst/>
-        </p:spPr>
-        <p:style>
-          <a:lnRef idx="2">
-            <a:schemeClr val="accent1"/>
-          </a:lnRef>
-          <a:fillRef idx="0">
-            <a:schemeClr val="accent1"/>
-          </a:fillRef>
-          <a:effectRef idx="1">
-            <a:schemeClr val="accent1"/>
-          </a:effectRef>
-          <a:fontRef idx="minor">
-            <a:schemeClr val="tx1"/>
-          </a:fontRef>
-        </p:style>
-      </p:cxnSp>
-      <p:sp>
-        <p:nvSpPr>
-          <p:cNvPr id="45" name="TextBox 44">
-            <a:extLst>
-              <a:ext uri="{FF2B5EF4-FFF2-40B4-BE49-F238E27FC236}">
-                <a16:creationId xmlns:a16="http://schemas.microsoft.com/office/drawing/2014/main" id="{8B712E1F-0A2B-4FC5-8C92-A07E347887AB}"/>
-              </a:ext>
-            </a:extLst>
-          </p:cNvPr>
-          <p:cNvSpPr txBox="1"/>
-          <p:nvPr/>
-        </p:nvSpPr>
-        <p:spPr>
-          <a:xfrm>
-            <a:off x="4926326" y="4352838"/>
-            <a:ext cx="841897" cy="276999"/>
-          </a:xfrm>
-          <a:prstGeom prst="rect">
-            <a:avLst/>
-          </a:prstGeom>
-          <a:noFill/>
-        </p:spPr>
-        <p:txBody>
-          <a:bodyPr wrap="none" rtlCol="0">
-            <a:spAutoFit/>
-          </a:bodyPr>
-          <a:lstStyle/>
-          <a:p>
-            <a:r>
-              <a:rPr lang="en-US" sz="1200" dirty="0" err="1"/>
-              <a:t>RcvMsg</a:t>
-            </a:r>
-            <a:r>
-              <a:rPr lang="en-US" sz="1200" dirty="0"/>
-              <a:t>()</a:t>
-            </a:r>
-          </a:p>
-        </p:txBody>
-      </p:sp>
-      <p:cxnSp>
-        <p:nvCxnSpPr>
-          <p:cNvPr id="56" name="Straight Arrow Connector 55">
-            <a:extLst>
-              <a:ext uri="{FF2B5EF4-FFF2-40B4-BE49-F238E27FC236}">
-                <a16:creationId xmlns:a16="http://schemas.microsoft.com/office/drawing/2014/main" id="{25585A62-698F-449C-827B-1209DF81D06D}"/>
-              </a:ext>
-            </a:extLst>
-          </p:cNvPr>
-          <p:cNvCxnSpPr>
-            <a:cxnSpLocks/>
-          </p:cNvCxnSpPr>
-          <p:nvPr/>
-        </p:nvCxnSpPr>
-        <p:spPr>
-          <a:xfrm>
-            <a:off x="3226042" y="4672224"/>
-            <a:ext cx="2482114" cy="211249"/>
-          </a:xfrm>
-          <a:prstGeom prst="straightConnector1">
-            <a:avLst/>
-          </a:prstGeom>
-          <a:ln w="12700">
-            <a:solidFill>
-              <a:srgbClr val="000000"/>
-            </a:solidFill>
-            <a:prstDash val="sysDash"/>
-            <a:tailEnd type="arrow"/>
-          </a:ln>
-          <a:effectLst/>
-        </p:spPr>
-        <p:style>
-          <a:lnRef idx="2">
-            <a:schemeClr val="accent1"/>
-          </a:lnRef>
-          <a:fillRef idx="0">
-            <a:schemeClr val="accent1"/>
-          </a:fillRef>
-          <a:effectRef idx="1">
-            <a:schemeClr val="accent1"/>
-          </a:effectRef>
-          <a:fontRef idx="minor">
-            <a:schemeClr val="tx1"/>
-          </a:fontRef>
-        </p:style>
-      </p:cxnSp>
-      <p:cxnSp>
-        <p:nvCxnSpPr>
-          <p:cNvPr id="71" name="Straight Arrow Connector 70">
-            <a:extLst>
-              <a:ext uri="{FF2B5EF4-FFF2-40B4-BE49-F238E27FC236}">
-                <a16:creationId xmlns:a16="http://schemas.microsoft.com/office/drawing/2014/main" id="{C434D2AD-26E9-449E-BA3F-91760DABCCB8}"/>
-              </a:ext>
-            </a:extLst>
-          </p:cNvPr>
-          <p:cNvCxnSpPr>
-            <a:cxnSpLocks/>
-          </p:cNvCxnSpPr>
-          <p:nvPr/>
-        </p:nvCxnSpPr>
-        <p:spPr>
-          <a:xfrm>
-            <a:off x="6033566" y="4991734"/>
-            <a:ext cx="1316591" cy="14386"/>
-          </a:xfrm>
-          <a:prstGeom prst="straightConnector1">
-            <a:avLst/>
-          </a:prstGeom>
-          <a:ln>
-            <a:solidFill>
-              <a:srgbClr val="000000"/>
-            </a:solidFill>
-            <a:tailEnd type="arrow"/>
-          </a:ln>
-          <a:effectLst/>
-        </p:spPr>
-        <p:style>
-          <a:lnRef idx="2">
-            <a:schemeClr val="accent1"/>
-          </a:lnRef>
-          <a:fillRef idx="0">
-            <a:schemeClr val="accent1"/>
-          </a:fillRef>
-          <a:effectRef idx="1">
-            <a:schemeClr val="accent1"/>
-          </a:effectRef>
-          <a:fontRef idx="minor">
-            <a:schemeClr val="tx1"/>
-          </a:fontRef>
-        </p:style>
-      </p:cxnSp>
-      <p:sp>
-        <p:nvSpPr>
-          <p:cNvPr id="72" name="Rectangle 71">
-            <a:extLst>
-              <a:ext uri="{FF2B5EF4-FFF2-40B4-BE49-F238E27FC236}">
-                <a16:creationId xmlns:a16="http://schemas.microsoft.com/office/drawing/2014/main" id="{AEC65D1A-A62A-4722-9633-52D41721D89F}"/>
-              </a:ext>
-            </a:extLst>
-          </p:cNvPr>
-          <p:cNvSpPr/>
-          <p:nvPr/>
-        </p:nvSpPr>
-        <p:spPr bwMode="auto">
-          <a:xfrm>
-            <a:off x="5885194" y="4811404"/>
-            <a:ext cx="163831" cy="251054"/>
-          </a:xfrm>
-          <a:prstGeom prst="rect">
-            <a:avLst/>
-          </a:prstGeom>
-          <a:solidFill>
-            <a:schemeClr val="bg1">
-              <a:lumMod val="85000"/>
-            </a:schemeClr>
-          </a:solidFill>
-          <a:ln w="28575" cap="flat" cmpd="sng" algn="ctr">
-            <a:solidFill>
-              <a:schemeClr val="tx1"/>
-            </a:solidFill>
-            <a:prstDash val="solid"/>
-            <a:round/>
-            <a:headEnd type="none" w="med" len="med"/>
-            <a:tailEnd type="none" w="med" len="med"/>
-          </a:ln>
-          <a:effectLst/>
-        </p:spPr>
-        <p:txBody>
-          <a:bodyPr vert="horz" wrap="square" lIns="91440" tIns="45720" rIns="91440" bIns="45720" numCol="1" rtlCol="0" anchor="t" anchorCtr="0" compatLnSpc="1">
-            <a:prstTxWarp prst="textNoShape">
-              <a:avLst/>
-            </a:prstTxWarp>
-          </a:bodyPr>
-          <a:lstStyle/>
-          <a:p>
-            <a:pPr marL="0" marR="0" indent="0" algn="ctr" defTabSz="914400" rtl="0" eaLnBrk="1" fontAlgn="base" latinLnBrk="0" hangingPunct="1">
-              <a:lnSpc>
-                <a:spcPct val="100000"/>
-              </a:lnSpc>
-              <a:spcBef>
-                <a:spcPct val="0"/>
-              </a:spcBef>
-              <a:spcAft>
-                <a:spcPct val="0"/>
-              </a:spcAft>
-              <a:buClrTx/>
-              <a:buSzTx/>
-              <a:buFontTx/>
-              <a:buNone/>
-              <a:tabLst/>
-            </a:pPr>
-            <a:endParaRPr kumimoji="0" lang="en-US" sz="1800" b="0" i="0" u="none" strike="noStrike" cap="none" normalizeH="0" baseline="0">
-              <a:ln>
-                <a:noFill/>
-              </a:ln>
-              <a:solidFill>
-                <a:schemeClr val="tx1"/>
-              </a:solidFill>
-              <a:effectLst/>
-              <a:latin typeface="Arial" charset="0"/>
-            </a:endParaRPr>
-          </a:p>
-        </p:txBody>
-      </p:sp>
-      <p:sp>
-        <p:nvSpPr>
-          <p:cNvPr id="73" name="TextBox 72">
-            <a:extLst>
-              <a:ext uri="{FF2B5EF4-FFF2-40B4-BE49-F238E27FC236}">
-                <a16:creationId xmlns:a16="http://schemas.microsoft.com/office/drawing/2014/main" id="{6DBC7BF8-3F39-4EAF-96CB-7FA8E7AEB7D6}"/>
-              </a:ext>
-            </a:extLst>
-          </p:cNvPr>
-          <p:cNvSpPr txBox="1"/>
-          <p:nvPr/>
-        </p:nvSpPr>
-        <p:spPr>
-          <a:xfrm>
-            <a:off x="6153846" y="4746976"/>
-            <a:ext cx="644728" cy="276999"/>
-          </a:xfrm>
-          <a:prstGeom prst="rect">
-            <a:avLst/>
-          </a:prstGeom>
-          <a:noFill/>
-        </p:spPr>
-        <p:txBody>
-          <a:bodyPr wrap="none" rtlCol="0">
-            <a:spAutoFit/>
-          </a:bodyPr>
-          <a:lstStyle/>
-          <a:p>
-            <a:r>
-              <a:rPr lang="en-US" sz="1200" dirty="0"/>
-              <a:t>Send()</a:t>
-            </a:r>
-          </a:p>
-        </p:txBody>
-      </p:sp>
-      <p:sp>
-        <p:nvSpPr>
-          <p:cNvPr id="84" name="Rectangle 83">
-            <a:extLst>
-              <a:ext uri="{FF2B5EF4-FFF2-40B4-BE49-F238E27FC236}">
-                <a16:creationId xmlns:a16="http://schemas.microsoft.com/office/drawing/2014/main" id="{3F02D930-C69D-4E59-B433-78A671C6F582}"/>
-              </a:ext>
-            </a:extLst>
-          </p:cNvPr>
-          <p:cNvSpPr/>
-          <p:nvPr/>
-        </p:nvSpPr>
-        <p:spPr bwMode="auto">
-          <a:xfrm>
-            <a:off x="5889813" y="3037220"/>
-            <a:ext cx="143762" cy="323366"/>
-          </a:xfrm>
-          <a:prstGeom prst="rect">
-            <a:avLst/>
-          </a:prstGeom>
-          <a:solidFill>
-            <a:schemeClr val="bg1">
-              <a:lumMod val="85000"/>
-            </a:schemeClr>
-          </a:solidFill>
-          <a:ln w="28575" cap="flat" cmpd="sng" algn="ctr">
-            <a:solidFill>
-              <a:schemeClr val="tx1"/>
-            </a:solidFill>
-            <a:prstDash val="solid"/>
-            <a:round/>
-            <a:headEnd type="none" w="med" len="med"/>
-            <a:tailEnd type="none" w="med" len="med"/>
-          </a:ln>
-          <a:effectLst/>
-        </p:spPr>
-        <p:txBody>
-          <a:bodyPr vert="horz" wrap="square" lIns="91440" tIns="45720" rIns="91440" bIns="45720" numCol="1" rtlCol="0" anchor="t" anchorCtr="0" compatLnSpc="1">
-            <a:prstTxWarp prst="textNoShape">
-              <a:avLst/>
-            </a:prstTxWarp>
-          </a:bodyPr>
-          <a:lstStyle/>
-          <a:p>
-            <a:pPr marL="0" marR="0" indent="0" algn="ctr" defTabSz="914400" rtl="0" eaLnBrk="1" fontAlgn="base" latinLnBrk="0" hangingPunct="1">
-              <a:lnSpc>
-                <a:spcPct val="100000"/>
-              </a:lnSpc>
-              <a:spcBef>
-                <a:spcPct val="0"/>
-              </a:spcBef>
-              <a:spcAft>
-                <a:spcPct val="0"/>
-              </a:spcAft>
-              <a:buClrTx/>
-              <a:buSzTx/>
-              <a:buFontTx/>
-              <a:buNone/>
-              <a:tabLst/>
-            </a:pPr>
-            <a:endParaRPr kumimoji="0" lang="en-US" sz="1800" b="0" i="0" u="none" strike="noStrike" cap="none" normalizeH="0" baseline="0">
-              <a:ln>
-                <a:noFill/>
-              </a:ln>
-              <a:solidFill>
-                <a:schemeClr val="tx1"/>
-              </a:solidFill>
-              <a:effectLst/>
-              <a:latin typeface="Arial" charset="0"/>
-            </a:endParaRPr>
-          </a:p>
-        </p:txBody>
-      </p:sp>
-      <p:sp>
-        <p:nvSpPr>
-          <p:cNvPr id="85" name="TextBox 84">
-            <a:extLst>
-              <a:ext uri="{FF2B5EF4-FFF2-40B4-BE49-F238E27FC236}">
-                <a16:creationId xmlns:a16="http://schemas.microsoft.com/office/drawing/2014/main" id="{0608A47D-0180-496F-8C4A-A51858EDF883}"/>
-              </a:ext>
-            </a:extLst>
-          </p:cNvPr>
-          <p:cNvSpPr txBox="1"/>
-          <p:nvPr/>
-        </p:nvSpPr>
-        <p:spPr>
-          <a:xfrm>
-            <a:off x="6082149" y="2896857"/>
-            <a:ext cx="679994" cy="276999"/>
-          </a:xfrm>
-          <a:prstGeom prst="rect">
-            <a:avLst/>
-          </a:prstGeom>
-          <a:noFill/>
-        </p:spPr>
-        <p:txBody>
-          <a:bodyPr wrap="none" rtlCol="0">
-            <a:spAutoFit/>
-          </a:bodyPr>
-          <a:lstStyle/>
-          <a:p>
-            <a:r>
-              <a:rPr lang="en-US" sz="1200" dirty="0" err="1"/>
-              <a:t>Recv</a:t>
-            </a:r>
-            <a:r>
-              <a:rPr lang="en-US" sz="1200" dirty="0"/>
-              <a:t> ()</a:t>
-            </a:r>
-          </a:p>
-        </p:txBody>
-      </p:sp>
-      <p:cxnSp>
-        <p:nvCxnSpPr>
-          <p:cNvPr id="86" name="Straight Arrow Connector 85">
-            <a:extLst>
-              <a:ext uri="{FF2B5EF4-FFF2-40B4-BE49-F238E27FC236}">
-                <a16:creationId xmlns:a16="http://schemas.microsoft.com/office/drawing/2014/main" id="{4C536C1A-C3A1-4211-8BE8-AFE20A38927E}"/>
-              </a:ext>
-            </a:extLst>
-          </p:cNvPr>
-          <p:cNvCxnSpPr>
-            <a:cxnSpLocks/>
-          </p:cNvCxnSpPr>
-          <p:nvPr/>
-        </p:nvCxnSpPr>
-        <p:spPr>
-          <a:xfrm flipV="1">
-            <a:off x="6038758" y="3198595"/>
-            <a:ext cx="1332726" cy="14386"/>
-          </a:xfrm>
-          <a:prstGeom prst="straightConnector1">
-            <a:avLst/>
-          </a:prstGeom>
-          <a:ln>
-            <a:solidFill>
-              <a:srgbClr val="000000"/>
-            </a:solidFill>
-            <a:headEnd type="none" w="med" len="med"/>
-            <a:tailEnd type="triangle" w="med" len="med"/>
-          </a:ln>
-          <a:effectLst/>
-        </p:spPr>
-        <p:style>
-          <a:lnRef idx="2">
-            <a:schemeClr val="accent1"/>
-          </a:lnRef>
-          <a:fillRef idx="0">
-            <a:schemeClr val="accent1"/>
-          </a:fillRef>
-          <a:effectRef idx="1">
-            <a:schemeClr val="accent1"/>
-          </a:effectRef>
-          <a:fontRef idx="minor">
-            <a:schemeClr val="tx1"/>
-          </a:fontRef>
-        </p:style>
-      </p:cxnSp>
-      <p:sp>
-        <p:nvSpPr>
-          <p:cNvPr id="4" name="Rectangle 3">
-            <a:extLst>
-              <a:ext uri="{FF2B5EF4-FFF2-40B4-BE49-F238E27FC236}">
-                <a16:creationId xmlns:a16="http://schemas.microsoft.com/office/drawing/2014/main" id="{322D3980-D1DE-48EC-A999-0E03D557F64D}"/>
-              </a:ext>
-            </a:extLst>
-          </p:cNvPr>
-          <p:cNvSpPr/>
-          <p:nvPr/>
-        </p:nvSpPr>
-        <p:spPr bwMode="auto">
-          <a:xfrm>
-            <a:off x="3943972" y="2373229"/>
-            <a:ext cx="3897676" cy="3091595"/>
-          </a:xfrm>
-          <a:prstGeom prst="rect">
-            <a:avLst/>
-          </a:prstGeom>
-          <a:noFill/>
-          <a:ln w="12700" cap="flat" cmpd="sng" algn="ctr">
-            <a:solidFill>
-              <a:schemeClr val="tx1"/>
-            </a:solidFill>
-            <a:prstDash val="solid"/>
-            <a:round/>
-            <a:headEnd type="none" w="med" len="med"/>
-            <a:tailEnd type="none" w="med" len="med"/>
-          </a:ln>
-          <a:effectLst/>
-        </p:spPr>
-        <p:txBody>
-          <a:bodyPr vert="horz" wrap="square" lIns="91440" tIns="45720" rIns="91440" bIns="45720" numCol="1" rtlCol="0" anchor="t" anchorCtr="0" compatLnSpc="1">
-            <a:prstTxWarp prst="textNoShape">
-              <a:avLst/>
-            </a:prstTxWarp>
-          </a:bodyPr>
-          <a:lstStyle/>
-          <a:p>
-            <a:pPr marL="0" marR="0" indent="0" algn="ctr" defTabSz="914400" rtl="0" eaLnBrk="1" fontAlgn="base" latinLnBrk="0" hangingPunct="1">
-              <a:lnSpc>
-                <a:spcPct val="100000"/>
-              </a:lnSpc>
-              <a:spcBef>
-                <a:spcPct val="0"/>
-              </a:spcBef>
-              <a:spcAft>
-                <a:spcPct val="0"/>
-              </a:spcAft>
-              <a:buClrTx/>
-              <a:buSzTx/>
-              <a:buFontTx/>
-              <a:buNone/>
-              <a:tabLst/>
-            </a:pPr>
-            <a:endParaRPr kumimoji="0" lang="en-US" sz="1800" b="0" i="0" u="none" strike="noStrike" cap="none" normalizeH="0" baseline="0">
-              <a:ln>
-                <a:noFill/>
-              </a:ln>
-              <a:solidFill>
-                <a:schemeClr val="tx1"/>
-              </a:solidFill>
-              <a:effectLst/>
-              <a:latin typeface="Arial" charset="0"/>
-            </a:endParaRPr>
-          </a:p>
-        </p:txBody>
-      </p:sp>
-      <p:sp>
-        <p:nvSpPr>
-          <p:cNvPr id="6" name="Rectangle 5">
-            <a:extLst>
-              <a:ext uri="{FF2B5EF4-FFF2-40B4-BE49-F238E27FC236}">
-                <a16:creationId xmlns:a16="http://schemas.microsoft.com/office/drawing/2014/main" id="{CBE50565-AF47-4563-A1B7-7439099FE0E1}"/>
-              </a:ext>
-            </a:extLst>
-          </p:cNvPr>
-          <p:cNvSpPr/>
-          <p:nvPr/>
-        </p:nvSpPr>
-        <p:spPr bwMode="auto">
-          <a:xfrm>
-            <a:off x="3943971" y="2385292"/>
-            <a:ext cx="1314164" cy="316470"/>
-          </a:xfrm>
-          <a:custGeom>
-            <a:avLst/>
-            <a:gdLst>
-              <a:gd name="connsiteX0" fmla="*/ 0 w 873945"/>
-              <a:gd name="connsiteY0" fmla="*/ 0 h 587145"/>
-              <a:gd name="connsiteX1" fmla="*/ 873945 w 873945"/>
-              <a:gd name="connsiteY1" fmla="*/ 0 h 587145"/>
-              <a:gd name="connsiteX2" fmla="*/ 873945 w 873945"/>
-              <a:gd name="connsiteY2" fmla="*/ 587145 h 587145"/>
-              <a:gd name="connsiteX3" fmla="*/ 0 w 873945"/>
-              <a:gd name="connsiteY3" fmla="*/ 587145 h 587145"/>
-              <a:gd name="connsiteX4" fmla="*/ 0 w 873945"/>
-              <a:gd name="connsiteY4" fmla="*/ 0 h 587145"/>
-              <a:gd name="connsiteX0" fmla="*/ 0 w 873945"/>
-              <a:gd name="connsiteY0" fmla="*/ 0 h 587145"/>
-              <a:gd name="connsiteX1" fmla="*/ 873945 w 873945"/>
-              <a:gd name="connsiteY1" fmla="*/ 0 h 587145"/>
-              <a:gd name="connsiteX2" fmla="*/ 873945 w 873945"/>
-              <a:gd name="connsiteY2" fmla="*/ 587145 h 587145"/>
-              <a:gd name="connsiteX3" fmla="*/ 683491 w 873945"/>
-              <a:gd name="connsiteY3" fmla="*/ 583529 h 587145"/>
-              <a:gd name="connsiteX4" fmla="*/ 0 w 873945"/>
-              <a:gd name="connsiteY4" fmla="*/ 587145 h 587145"/>
-              <a:gd name="connsiteX5" fmla="*/ 0 w 873945"/>
-              <a:gd name="connsiteY5" fmla="*/ 0 h 587145"/>
-              <a:gd name="connsiteX0" fmla="*/ 0 w 873945"/>
-              <a:gd name="connsiteY0" fmla="*/ 0 h 587145"/>
-              <a:gd name="connsiteX1" fmla="*/ 873945 w 873945"/>
-              <a:gd name="connsiteY1" fmla="*/ 0 h 587145"/>
-              <a:gd name="connsiteX2" fmla="*/ 873945 w 873945"/>
-              <a:gd name="connsiteY2" fmla="*/ 411654 h 587145"/>
-              <a:gd name="connsiteX3" fmla="*/ 683491 w 873945"/>
-              <a:gd name="connsiteY3" fmla="*/ 583529 h 587145"/>
-              <a:gd name="connsiteX4" fmla="*/ 0 w 873945"/>
-              <a:gd name="connsiteY4" fmla="*/ 587145 h 587145"/>
-              <a:gd name="connsiteX5" fmla="*/ 0 w 873945"/>
-              <a:gd name="connsiteY5" fmla="*/ 0 h 587145"/>
-            </a:gdLst>
-            <a:ahLst/>
-            <a:cxnLst>
-              <a:cxn ang="0">
-                <a:pos x="connsiteX0" y="connsiteY0"/>
-              </a:cxn>
-              <a:cxn ang="0">
-                <a:pos x="connsiteX1" y="connsiteY1"/>
-              </a:cxn>
-              <a:cxn ang="0">
-                <a:pos x="connsiteX2" y="connsiteY2"/>
-              </a:cxn>
-              <a:cxn ang="0">
-                <a:pos x="connsiteX3" y="connsiteY3"/>
-              </a:cxn>
-              <a:cxn ang="0">
-                <a:pos x="connsiteX4" y="connsiteY4"/>
-              </a:cxn>
-              <a:cxn ang="0">
-                <a:pos x="connsiteX5" y="connsiteY5"/>
-              </a:cxn>
-            </a:cxnLst>
-            <a:rect l="l" t="t" r="r" b="b"/>
-            <a:pathLst>
-              <a:path w="873945" h="587145">
-                <a:moveTo>
-                  <a:pt x="0" y="0"/>
-                </a:moveTo>
-                <a:lnTo>
-                  <a:pt x="873945" y="0"/>
-                </a:lnTo>
-                <a:lnTo>
-                  <a:pt x="873945" y="411654"/>
-                </a:lnTo>
-                <a:lnTo>
-                  <a:pt x="683491" y="583529"/>
-                </a:lnTo>
-                <a:lnTo>
-                  <a:pt x="0" y="587145"/>
-                </a:lnTo>
-                <a:lnTo>
-                  <a:pt x="0" y="0"/>
-                </a:lnTo>
-                <a:close/>
-              </a:path>
-            </a:pathLst>
-          </a:custGeom>
-          <a:solidFill>
-            <a:schemeClr val="bg1"/>
-          </a:solidFill>
-          <a:ln w="9525" cap="flat" cmpd="sng" algn="ctr">
-            <a:solidFill>
-              <a:schemeClr val="tx1"/>
-            </a:solidFill>
-            <a:prstDash val="solid"/>
-            <a:round/>
-            <a:headEnd type="none" w="med" len="med"/>
-            <a:tailEnd type="none" w="med" len="med"/>
-          </a:ln>
-          <a:effectLst/>
-        </p:spPr>
-        <p:txBody>
-          <a:bodyPr vert="horz" wrap="square" lIns="91440" tIns="45720" rIns="91440" bIns="45720" numCol="1" rtlCol="0" anchor="t" anchorCtr="0" compatLnSpc="1">
-            <a:prstTxWarp prst="textNoShape">
-              <a:avLst/>
-            </a:prstTxWarp>
-          </a:bodyPr>
-          <a:lstStyle/>
-          <a:p>
-            <a:pPr marL="0" marR="0" indent="0" algn="ctr" defTabSz="914400" rtl="0" eaLnBrk="1" fontAlgn="base" latinLnBrk="0" hangingPunct="1">
-              <a:lnSpc>
-                <a:spcPct val="100000"/>
-              </a:lnSpc>
-              <a:spcBef>
-                <a:spcPct val="0"/>
-              </a:spcBef>
-              <a:spcAft>
-                <a:spcPct val="0"/>
-              </a:spcAft>
-              <a:buClrTx/>
-              <a:buSzTx/>
-              <a:buFontTx/>
-              <a:buNone/>
-              <a:tabLst/>
-            </a:pPr>
-            <a:r>
-              <a:rPr lang="en-US" sz="1600" dirty="0"/>
-              <a:t>Master loop</a:t>
-            </a:r>
-            <a:endParaRPr kumimoji="0" lang="en-US" sz="1600" b="0" i="0" u="none" strike="noStrike" cap="none" normalizeH="0" baseline="0" dirty="0">
-              <a:ln>
-                <a:noFill/>
-              </a:ln>
-              <a:solidFill>
-                <a:schemeClr val="tx1"/>
-              </a:solidFill>
-              <a:effectLst/>
-              <a:latin typeface="Arial" charset="0"/>
-            </a:endParaRPr>
-          </a:p>
-        </p:txBody>
-      </p:sp>
-      <p:sp>
-        <p:nvSpPr>
-          <p:cNvPr id="95" name="Rectangle 94">
-            <a:extLst>
-              <a:ext uri="{FF2B5EF4-FFF2-40B4-BE49-F238E27FC236}">
-                <a16:creationId xmlns:a16="http://schemas.microsoft.com/office/drawing/2014/main" id="{2D377215-308E-4F00-BB07-B97D7373A27F}"/>
-              </a:ext>
-            </a:extLst>
-          </p:cNvPr>
-          <p:cNvSpPr/>
-          <p:nvPr/>
-        </p:nvSpPr>
-        <p:spPr bwMode="auto">
-          <a:xfrm>
-            <a:off x="4112259" y="4025121"/>
-            <a:ext cx="3480032" cy="1215438"/>
-          </a:xfrm>
-          <a:prstGeom prst="rect">
-            <a:avLst/>
-          </a:prstGeom>
-          <a:noFill/>
-          <a:ln w="12700" cap="flat" cmpd="sng" algn="ctr">
-            <a:solidFill>
-              <a:schemeClr val="tx1"/>
-            </a:solidFill>
-            <a:prstDash val="solid"/>
-            <a:round/>
-            <a:headEnd type="none" w="med" len="med"/>
-            <a:tailEnd type="none" w="med" len="med"/>
-          </a:ln>
-          <a:effectLst/>
-        </p:spPr>
-        <p:txBody>
-          <a:bodyPr vert="horz" wrap="square" lIns="91440" tIns="45720" rIns="91440" bIns="45720" numCol="1" rtlCol="0" anchor="t" anchorCtr="0" compatLnSpc="1">
-            <a:prstTxWarp prst="textNoShape">
-              <a:avLst/>
-            </a:prstTxWarp>
-          </a:bodyPr>
-          <a:lstStyle/>
-          <a:p>
-            <a:pPr marL="0" marR="0" indent="0" algn="ctr" defTabSz="914400" rtl="0" eaLnBrk="1" fontAlgn="base" latinLnBrk="0" hangingPunct="1">
-              <a:lnSpc>
-                <a:spcPct val="100000"/>
-              </a:lnSpc>
-              <a:spcBef>
-                <a:spcPct val="0"/>
-              </a:spcBef>
-              <a:spcAft>
-                <a:spcPct val="0"/>
-              </a:spcAft>
-              <a:buClrTx/>
-              <a:buSzTx/>
-              <a:buFontTx/>
-              <a:buNone/>
-              <a:tabLst/>
-            </a:pPr>
-            <a:endParaRPr kumimoji="0" lang="en-US" sz="1800" b="0" i="0" u="none" strike="noStrike" cap="none" normalizeH="0" baseline="0">
-              <a:ln>
-                <a:noFill/>
-              </a:ln>
-              <a:solidFill>
-                <a:schemeClr val="tx1"/>
-              </a:solidFill>
-              <a:effectLst/>
-              <a:latin typeface="Arial" charset="0"/>
-            </a:endParaRPr>
-          </a:p>
-        </p:txBody>
-      </p:sp>
-      <p:sp>
-        <p:nvSpPr>
-          <p:cNvPr id="96" name="Rectangle 5">
-            <a:extLst>
-              <a:ext uri="{FF2B5EF4-FFF2-40B4-BE49-F238E27FC236}">
-                <a16:creationId xmlns:a16="http://schemas.microsoft.com/office/drawing/2014/main" id="{2DF499B3-07F5-4CB3-9014-ABDD2EF8E0DB}"/>
-              </a:ext>
-            </a:extLst>
-          </p:cNvPr>
-          <p:cNvSpPr/>
-          <p:nvPr/>
-        </p:nvSpPr>
-        <p:spPr bwMode="auto">
-          <a:xfrm>
-            <a:off x="4112258" y="4025121"/>
-            <a:ext cx="723400" cy="276998"/>
-          </a:xfrm>
-          <a:custGeom>
-            <a:avLst/>
-            <a:gdLst>
-              <a:gd name="connsiteX0" fmla="*/ 0 w 873945"/>
-              <a:gd name="connsiteY0" fmla="*/ 0 h 587145"/>
-              <a:gd name="connsiteX1" fmla="*/ 873945 w 873945"/>
-              <a:gd name="connsiteY1" fmla="*/ 0 h 587145"/>
-              <a:gd name="connsiteX2" fmla="*/ 873945 w 873945"/>
-              <a:gd name="connsiteY2" fmla="*/ 587145 h 587145"/>
-              <a:gd name="connsiteX3" fmla="*/ 0 w 873945"/>
-              <a:gd name="connsiteY3" fmla="*/ 587145 h 587145"/>
-              <a:gd name="connsiteX4" fmla="*/ 0 w 873945"/>
-              <a:gd name="connsiteY4" fmla="*/ 0 h 587145"/>
-              <a:gd name="connsiteX0" fmla="*/ 0 w 873945"/>
-              <a:gd name="connsiteY0" fmla="*/ 0 h 587145"/>
-              <a:gd name="connsiteX1" fmla="*/ 873945 w 873945"/>
-              <a:gd name="connsiteY1" fmla="*/ 0 h 587145"/>
-              <a:gd name="connsiteX2" fmla="*/ 873945 w 873945"/>
-              <a:gd name="connsiteY2" fmla="*/ 587145 h 587145"/>
-              <a:gd name="connsiteX3" fmla="*/ 683491 w 873945"/>
-              <a:gd name="connsiteY3" fmla="*/ 583529 h 587145"/>
-              <a:gd name="connsiteX4" fmla="*/ 0 w 873945"/>
-              <a:gd name="connsiteY4" fmla="*/ 587145 h 587145"/>
-              <a:gd name="connsiteX5" fmla="*/ 0 w 873945"/>
-              <a:gd name="connsiteY5" fmla="*/ 0 h 587145"/>
-              <a:gd name="connsiteX0" fmla="*/ 0 w 873945"/>
-              <a:gd name="connsiteY0" fmla="*/ 0 h 587145"/>
-              <a:gd name="connsiteX1" fmla="*/ 873945 w 873945"/>
-              <a:gd name="connsiteY1" fmla="*/ 0 h 587145"/>
-              <a:gd name="connsiteX2" fmla="*/ 873945 w 873945"/>
-              <a:gd name="connsiteY2" fmla="*/ 411654 h 587145"/>
-              <a:gd name="connsiteX3" fmla="*/ 683491 w 873945"/>
-              <a:gd name="connsiteY3" fmla="*/ 583529 h 587145"/>
-              <a:gd name="connsiteX4" fmla="*/ 0 w 873945"/>
-              <a:gd name="connsiteY4" fmla="*/ 587145 h 587145"/>
-              <a:gd name="connsiteX5" fmla="*/ 0 w 873945"/>
-              <a:gd name="connsiteY5" fmla="*/ 0 h 587145"/>
-            </a:gdLst>
-            <a:ahLst/>
-            <a:cxnLst>
-              <a:cxn ang="0">
-                <a:pos x="connsiteX0" y="connsiteY0"/>
-              </a:cxn>
-              <a:cxn ang="0">
-                <a:pos x="connsiteX1" y="connsiteY1"/>
-              </a:cxn>
-              <a:cxn ang="0">
-                <a:pos x="connsiteX2" y="connsiteY2"/>
-              </a:cxn>
-              <a:cxn ang="0">
-                <a:pos x="connsiteX3" y="connsiteY3"/>
-              </a:cxn>
-              <a:cxn ang="0">
-                <a:pos x="connsiteX4" y="connsiteY4"/>
-              </a:cxn>
-              <a:cxn ang="0">
-                <a:pos x="connsiteX5" y="connsiteY5"/>
-              </a:cxn>
-            </a:cxnLst>
-            <a:rect l="l" t="t" r="r" b="b"/>
-            <a:pathLst>
-              <a:path w="873945" h="587145">
-                <a:moveTo>
-                  <a:pt x="0" y="0"/>
-                </a:moveTo>
-                <a:lnTo>
-                  <a:pt x="873945" y="0"/>
-                </a:lnTo>
-                <a:lnTo>
-                  <a:pt x="873945" y="411654"/>
-                </a:lnTo>
-                <a:lnTo>
-                  <a:pt x="683491" y="583529"/>
-                </a:lnTo>
-                <a:lnTo>
-                  <a:pt x="0" y="587145"/>
-                </a:lnTo>
-                <a:lnTo>
-                  <a:pt x="0" y="0"/>
-                </a:lnTo>
-                <a:close/>
-              </a:path>
-            </a:pathLst>
-          </a:custGeom>
-          <a:solidFill>
-            <a:schemeClr val="bg1"/>
-          </a:solidFill>
-          <a:ln w="9525" cap="flat" cmpd="sng" algn="ctr">
-            <a:solidFill>
-              <a:schemeClr val="tx1"/>
-            </a:solidFill>
-            <a:prstDash val="solid"/>
-            <a:round/>
-            <a:headEnd type="none" w="med" len="med"/>
-            <a:tailEnd type="none" w="med" len="med"/>
-          </a:ln>
-          <a:effectLst/>
-        </p:spPr>
-        <p:txBody>
-          <a:bodyPr vert="horz" wrap="square" lIns="91440" tIns="45720" rIns="91440" bIns="45720" numCol="1" rtlCol="0" anchor="t" anchorCtr="0" compatLnSpc="1">
-            <a:prstTxWarp prst="textNoShape">
-              <a:avLst/>
-            </a:prstTxWarp>
-          </a:bodyPr>
-          <a:lstStyle/>
-          <a:p>
-            <a:pPr marL="0" marR="0" indent="0" algn="ctr" defTabSz="914400" rtl="0" eaLnBrk="1" fontAlgn="base" latinLnBrk="0" hangingPunct="1">
-              <a:lnSpc>
-                <a:spcPct val="100000"/>
-              </a:lnSpc>
-              <a:spcBef>
-                <a:spcPct val="0"/>
-              </a:spcBef>
-              <a:spcAft>
-                <a:spcPct val="0"/>
-              </a:spcAft>
-              <a:buClrTx/>
-              <a:buSzTx/>
-              <a:buFontTx/>
-              <a:buNone/>
-              <a:tabLst/>
-            </a:pPr>
-            <a:r>
-              <a:rPr lang="en-US" sz="1200" dirty="0" err="1"/>
-              <a:t>rcvloop</a:t>
-            </a:r>
-            <a:endParaRPr kumimoji="0" lang="en-US" sz="1200" b="0" i="0" u="none" strike="noStrike" cap="none" normalizeH="0" baseline="0" dirty="0">
-              <a:ln>
-                <a:noFill/>
-              </a:ln>
-              <a:solidFill>
-                <a:schemeClr val="tx1"/>
-              </a:solidFill>
-              <a:effectLst/>
-              <a:latin typeface="Arial" charset="0"/>
-            </a:endParaRPr>
-          </a:p>
-        </p:txBody>
-      </p:sp>
-      <p:cxnSp>
-        <p:nvCxnSpPr>
-          <p:cNvPr id="97" name="Straight Arrow Connector 96">
-            <a:extLst>
-              <a:ext uri="{FF2B5EF4-FFF2-40B4-BE49-F238E27FC236}">
-                <a16:creationId xmlns:a16="http://schemas.microsoft.com/office/drawing/2014/main" id="{82460DDB-CE87-47EA-91EC-EA7E218C7924}"/>
-              </a:ext>
-            </a:extLst>
-          </p:cNvPr>
-          <p:cNvCxnSpPr>
-            <a:cxnSpLocks/>
-          </p:cNvCxnSpPr>
-          <p:nvPr/>
-        </p:nvCxnSpPr>
-        <p:spPr>
-          <a:xfrm flipH="1">
-            <a:off x="6082149" y="3212981"/>
-            <a:ext cx="1281859" cy="131389"/>
-          </a:xfrm>
-          <a:prstGeom prst="straightConnector1">
-            <a:avLst/>
-          </a:prstGeom>
-          <a:ln w="12700">
-            <a:solidFill>
-              <a:srgbClr val="000000"/>
-            </a:solidFill>
-            <a:prstDash val="sysDash"/>
-            <a:tailEnd type="arrow"/>
-          </a:ln>
-          <a:effectLst/>
-        </p:spPr>
-        <p:style>
-          <a:lnRef idx="2">
-            <a:schemeClr val="accent1"/>
-          </a:lnRef>
-          <a:fillRef idx="0">
-            <a:schemeClr val="accent1"/>
-          </a:fillRef>
-          <a:effectRef idx="1">
-            <a:schemeClr val="accent1"/>
-          </a:effectRef>
-          <a:fontRef idx="minor">
-            <a:schemeClr val="tx1"/>
-          </a:fontRef>
-        </p:style>
-      </p:cxnSp>
-      <p:cxnSp>
-        <p:nvCxnSpPr>
-          <p:cNvPr id="98" name="Straight Arrow Connector 97">
-            <a:extLst>
-              <a:ext uri="{FF2B5EF4-FFF2-40B4-BE49-F238E27FC236}">
-                <a16:creationId xmlns:a16="http://schemas.microsoft.com/office/drawing/2014/main" id="{AE956E59-DA59-4DAC-9FFB-B7F5DF511C2B}"/>
-              </a:ext>
-            </a:extLst>
-          </p:cNvPr>
-          <p:cNvCxnSpPr>
-            <a:cxnSpLocks/>
-          </p:cNvCxnSpPr>
-          <p:nvPr/>
-        </p:nvCxnSpPr>
-        <p:spPr>
-          <a:xfrm flipH="1">
-            <a:off x="3233474" y="3434434"/>
-            <a:ext cx="2475822" cy="0"/>
-          </a:xfrm>
-          <a:prstGeom prst="straightConnector1">
-            <a:avLst/>
-          </a:prstGeom>
-          <a:ln>
-            <a:solidFill>
-              <a:srgbClr val="000000"/>
-            </a:solidFill>
-            <a:headEnd type="none" w="med" len="med"/>
-            <a:tailEnd type="triangle" w="med" len="med"/>
-          </a:ln>
-          <a:effectLst/>
-        </p:spPr>
-        <p:style>
-          <a:lnRef idx="2">
-            <a:schemeClr val="accent1"/>
-          </a:lnRef>
-          <a:fillRef idx="0">
-            <a:schemeClr val="accent1"/>
-          </a:fillRef>
-          <a:effectRef idx="1">
-            <a:schemeClr val="accent1"/>
-          </a:effectRef>
-          <a:fontRef idx="minor">
-            <a:schemeClr val="tx1"/>
-          </a:fontRef>
-        </p:style>
-      </p:cxnSp>
-      <p:sp>
-        <p:nvSpPr>
-          <p:cNvPr id="100" name="TextBox 99">
-            <a:extLst>
-              <a:ext uri="{FF2B5EF4-FFF2-40B4-BE49-F238E27FC236}">
-                <a16:creationId xmlns:a16="http://schemas.microsoft.com/office/drawing/2014/main" id="{47F7EB7A-82D8-4D09-8E73-4D59BC8C25B0}"/>
-              </a:ext>
-            </a:extLst>
-          </p:cNvPr>
-          <p:cNvSpPr txBox="1"/>
-          <p:nvPr/>
-        </p:nvSpPr>
-        <p:spPr>
-          <a:xfrm>
-            <a:off x="4801335" y="3138256"/>
-            <a:ext cx="934871" cy="276999"/>
-          </a:xfrm>
-          <a:prstGeom prst="rect">
-            <a:avLst/>
-          </a:prstGeom>
-          <a:noFill/>
-        </p:spPr>
-        <p:txBody>
-          <a:bodyPr wrap="none" rtlCol="0">
-            <a:spAutoFit/>
-          </a:bodyPr>
-          <a:lstStyle/>
-          <a:p>
-            <a:r>
-              <a:rPr lang="en-US" sz="1200" dirty="0" err="1"/>
-              <a:t>SendMsg</a:t>
-            </a:r>
-            <a:r>
-              <a:rPr lang="en-US" sz="1200" dirty="0"/>
-              <a:t>()</a:t>
-            </a:r>
-          </a:p>
-        </p:txBody>
-      </p:sp>
-      <p:sp>
-        <p:nvSpPr>
-          <p:cNvPr id="102" name="Rectangle 101">
-            <a:extLst>
-              <a:ext uri="{FF2B5EF4-FFF2-40B4-BE49-F238E27FC236}">
-                <a16:creationId xmlns:a16="http://schemas.microsoft.com/office/drawing/2014/main" id="{032FB2C4-5F4F-4BB6-B8CC-88C42393B03F}"/>
-              </a:ext>
-            </a:extLst>
-          </p:cNvPr>
-          <p:cNvSpPr/>
-          <p:nvPr/>
-        </p:nvSpPr>
-        <p:spPr bwMode="auto">
-          <a:xfrm>
-            <a:off x="4116880" y="2736651"/>
-            <a:ext cx="3480032" cy="1215438"/>
-          </a:xfrm>
-          <a:prstGeom prst="rect">
-            <a:avLst/>
-          </a:prstGeom>
-          <a:noFill/>
-          <a:ln w="12700" cap="flat" cmpd="sng" algn="ctr">
-            <a:solidFill>
-              <a:schemeClr val="tx1"/>
-            </a:solidFill>
-            <a:prstDash val="solid"/>
-            <a:round/>
-            <a:headEnd type="none" w="med" len="med"/>
-            <a:tailEnd type="none" w="med" len="med"/>
-          </a:ln>
-          <a:effectLst/>
-        </p:spPr>
-        <p:txBody>
-          <a:bodyPr vert="horz" wrap="square" lIns="91440" tIns="45720" rIns="91440" bIns="45720" numCol="1" rtlCol="0" anchor="t" anchorCtr="0" compatLnSpc="1">
-            <a:prstTxWarp prst="textNoShape">
-              <a:avLst/>
-            </a:prstTxWarp>
-          </a:bodyPr>
-          <a:lstStyle/>
-          <a:p>
-            <a:pPr marL="0" marR="0" indent="0" algn="ctr" defTabSz="914400" rtl="0" eaLnBrk="1" fontAlgn="base" latinLnBrk="0" hangingPunct="1">
-              <a:lnSpc>
-                <a:spcPct val="100000"/>
-              </a:lnSpc>
-              <a:spcBef>
-                <a:spcPct val="0"/>
-              </a:spcBef>
-              <a:spcAft>
-                <a:spcPct val="0"/>
-              </a:spcAft>
-              <a:buClrTx/>
-              <a:buSzTx/>
-              <a:buFontTx/>
-              <a:buNone/>
-              <a:tabLst/>
-            </a:pPr>
-            <a:endParaRPr kumimoji="0" lang="en-US" sz="1800" b="0" i="0" u="none" strike="noStrike" cap="none" normalizeH="0" baseline="0">
-              <a:ln>
-                <a:noFill/>
-              </a:ln>
-              <a:solidFill>
-                <a:schemeClr val="tx1"/>
-              </a:solidFill>
-              <a:effectLst/>
-              <a:latin typeface="Arial" charset="0"/>
-            </a:endParaRPr>
-          </a:p>
-        </p:txBody>
-      </p:sp>
-      <p:sp>
-        <p:nvSpPr>
-          <p:cNvPr id="103" name="Rectangle 5">
-            <a:extLst>
-              <a:ext uri="{FF2B5EF4-FFF2-40B4-BE49-F238E27FC236}">
-                <a16:creationId xmlns:a16="http://schemas.microsoft.com/office/drawing/2014/main" id="{2D47138C-8730-4E41-BEDF-D76889F881AB}"/>
-              </a:ext>
-            </a:extLst>
-          </p:cNvPr>
-          <p:cNvSpPr/>
-          <p:nvPr/>
-        </p:nvSpPr>
-        <p:spPr bwMode="auto">
-          <a:xfrm>
-            <a:off x="4116879" y="2736650"/>
-            <a:ext cx="905538" cy="283613"/>
-          </a:xfrm>
-          <a:custGeom>
-            <a:avLst/>
-            <a:gdLst>
-              <a:gd name="connsiteX0" fmla="*/ 0 w 873945"/>
-              <a:gd name="connsiteY0" fmla="*/ 0 h 587145"/>
-              <a:gd name="connsiteX1" fmla="*/ 873945 w 873945"/>
-              <a:gd name="connsiteY1" fmla="*/ 0 h 587145"/>
-              <a:gd name="connsiteX2" fmla="*/ 873945 w 873945"/>
-              <a:gd name="connsiteY2" fmla="*/ 587145 h 587145"/>
-              <a:gd name="connsiteX3" fmla="*/ 0 w 873945"/>
-              <a:gd name="connsiteY3" fmla="*/ 587145 h 587145"/>
-              <a:gd name="connsiteX4" fmla="*/ 0 w 873945"/>
-              <a:gd name="connsiteY4" fmla="*/ 0 h 587145"/>
-              <a:gd name="connsiteX0" fmla="*/ 0 w 873945"/>
-              <a:gd name="connsiteY0" fmla="*/ 0 h 587145"/>
-              <a:gd name="connsiteX1" fmla="*/ 873945 w 873945"/>
-              <a:gd name="connsiteY1" fmla="*/ 0 h 587145"/>
-              <a:gd name="connsiteX2" fmla="*/ 873945 w 873945"/>
-              <a:gd name="connsiteY2" fmla="*/ 587145 h 587145"/>
-              <a:gd name="connsiteX3" fmla="*/ 683491 w 873945"/>
-              <a:gd name="connsiteY3" fmla="*/ 583529 h 587145"/>
-              <a:gd name="connsiteX4" fmla="*/ 0 w 873945"/>
-              <a:gd name="connsiteY4" fmla="*/ 587145 h 587145"/>
-              <a:gd name="connsiteX5" fmla="*/ 0 w 873945"/>
-              <a:gd name="connsiteY5" fmla="*/ 0 h 587145"/>
-              <a:gd name="connsiteX0" fmla="*/ 0 w 873945"/>
-              <a:gd name="connsiteY0" fmla="*/ 0 h 587145"/>
-              <a:gd name="connsiteX1" fmla="*/ 873945 w 873945"/>
-              <a:gd name="connsiteY1" fmla="*/ 0 h 587145"/>
-              <a:gd name="connsiteX2" fmla="*/ 873945 w 873945"/>
-              <a:gd name="connsiteY2" fmla="*/ 411654 h 587145"/>
-              <a:gd name="connsiteX3" fmla="*/ 683491 w 873945"/>
-              <a:gd name="connsiteY3" fmla="*/ 583529 h 587145"/>
-              <a:gd name="connsiteX4" fmla="*/ 0 w 873945"/>
-              <a:gd name="connsiteY4" fmla="*/ 587145 h 587145"/>
-              <a:gd name="connsiteX5" fmla="*/ 0 w 873945"/>
-              <a:gd name="connsiteY5" fmla="*/ 0 h 587145"/>
-            </a:gdLst>
-            <a:ahLst/>
-            <a:cxnLst>
-              <a:cxn ang="0">
-                <a:pos x="connsiteX0" y="connsiteY0"/>
-              </a:cxn>
-              <a:cxn ang="0">
-                <a:pos x="connsiteX1" y="connsiteY1"/>
-              </a:cxn>
-              <a:cxn ang="0">
-                <a:pos x="connsiteX2" y="connsiteY2"/>
-              </a:cxn>
-              <a:cxn ang="0">
-                <a:pos x="connsiteX3" y="connsiteY3"/>
-              </a:cxn>
-              <a:cxn ang="0">
-                <a:pos x="connsiteX4" y="connsiteY4"/>
-              </a:cxn>
-              <a:cxn ang="0">
-                <a:pos x="connsiteX5" y="connsiteY5"/>
-              </a:cxn>
-            </a:cxnLst>
-            <a:rect l="l" t="t" r="r" b="b"/>
-            <a:pathLst>
-              <a:path w="873945" h="587145">
-                <a:moveTo>
-                  <a:pt x="0" y="0"/>
-                </a:moveTo>
-                <a:lnTo>
-                  <a:pt x="873945" y="0"/>
-                </a:lnTo>
-                <a:lnTo>
-                  <a:pt x="873945" y="411654"/>
-                </a:lnTo>
-                <a:lnTo>
-                  <a:pt x="683491" y="583529"/>
-                </a:lnTo>
-                <a:lnTo>
-                  <a:pt x="0" y="587145"/>
-                </a:lnTo>
-                <a:lnTo>
-                  <a:pt x="0" y="0"/>
-                </a:lnTo>
-                <a:close/>
-              </a:path>
-            </a:pathLst>
-          </a:custGeom>
-          <a:solidFill>
-            <a:schemeClr val="bg1"/>
-          </a:solidFill>
-          <a:ln w="9525" cap="flat" cmpd="sng" algn="ctr">
-            <a:solidFill>
-              <a:schemeClr val="tx1"/>
-            </a:solidFill>
-            <a:prstDash val="solid"/>
-            <a:round/>
-            <a:headEnd type="none" w="med" len="med"/>
-            <a:tailEnd type="none" w="med" len="med"/>
-          </a:ln>
-          <a:effectLst/>
-        </p:spPr>
-        <p:txBody>
-          <a:bodyPr vert="horz" wrap="square" lIns="91440" tIns="45720" rIns="91440" bIns="45720" numCol="1" rtlCol="0" anchor="t" anchorCtr="0" compatLnSpc="1">
-            <a:prstTxWarp prst="textNoShape">
-              <a:avLst/>
-            </a:prstTxWarp>
-          </a:bodyPr>
-          <a:lstStyle/>
-          <a:p>
-            <a:pPr marL="0" marR="0" indent="0" algn="ctr" defTabSz="914400" rtl="0" eaLnBrk="1" fontAlgn="base" latinLnBrk="0" hangingPunct="1">
-              <a:lnSpc>
-                <a:spcPct val="100000"/>
-              </a:lnSpc>
-              <a:spcBef>
-                <a:spcPct val="0"/>
-              </a:spcBef>
-              <a:spcAft>
-                <a:spcPct val="0"/>
-              </a:spcAft>
-              <a:buClrTx/>
-              <a:buSzTx/>
-              <a:buFontTx/>
-              <a:buNone/>
-              <a:tabLst/>
-            </a:pPr>
-            <a:r>
-              <a:rPr lang="en-US" sz="1200" dirty="0" err="1"/>
-              <a:t>sendloop</a:t>
-            </a:r>
-            <a:endParaRPr kumimoji="0" lang="en-US" sz="1200" b="0" i="0" u="none" strike="noStrike" cap="none" normalizeH="0" baseline="0" dirty="0">
-              <a:ln>
-                <a:noFill/>
-              </a:ln>
-              <a:solidFill>
-                <a:schemeClr val="tx1"/>
-              </a:solidFill>
-              <a:effectLst/>
-              <a:latin typeface="Arial" charset="0"/>
-            </a:endParaRPr>
-          </a:p>
-        </p:txBody>
-      </p:sp>
-    </p:spTree>
-    <p:extLst>
-      <p:ext uri="{BB962C8B-B14F-4D97-AF65-F5344CB8AC3E}">
-        <p14:creationId xmlns:p14="http://schemas.microsoft.com/office/powerpoint/2010/main" val="58315928"/>
       </p:ext>
     </p:extLst>
   </p:cSld>
